--- a/Obrona_JPSZEFLER/SSI_forHEI_QMS_PL_v0.1.pptx
+++ b/Obrona_JPSZEFLER/SSI_forHEI_QMS_PL_v0.1.pptx
@@ -1,33 +1,35 @@
 
 <file path=ppt/presentation.xml><?xml version="1.0" encoding="utf-8"?>
-<p:presentation xmlns:a="http://schemas.openxmlformats.org/drawingml/2006/main" xmlns:r="http://schemas.openxmlformats.org/officeDocument/2006/relationships" xmlns:p="http://schemas.openxmlformats.org/presentationml/2006/main" showSpecialPlsOnTitleSld="0" saveSubsetFonts="1">
+<p:presentation xmlns:a="http://schemas.openxmlformats.org/drawingml/2006/main" xmlns:r="http://schemas.openxmlformats.org/officeDocument/2006/relationships" xmlns:p="http://schemas.openxmlformats.org/presentationml/2006/main" saveSubsetFonts="1">
   <p:sldMasterIdLst>
     <p:sldMasterId id="2147483660" r:id="rId1"/>
   </p:sldMasterIdLst>
   <p:notesMasterIdLst>
-    <p:notesMasterId r:id="rId19"/>
+    <p:notesMasterId r:id="rId21"/>
   </p:notesMasterIdLst>
   <p:handoutMasterIdLst>
-    <p:handoutMasterId r:id="rId20"/>
+    <p:handoutMasterId r:id="rId22"/>
   </p:handoutMasterIdLst>
   <p:sldIdLst>
-    <p:sldId id="256" r:id="rId2"/>
+    <p:sldId id="276" r:id="rId2"/>
     <p:sldId id="262" r:id="rId3"/>
-    <p:sldId id="264" r:id="rId4"/>
-    <p:sldId id="265" r:id="rId5"/>
-    <p:sldId id="267" r:id="rId6"/>
-    <p:sldId id="268" r:id="rId7"/>
-    <p:sldId id="269" r:id="rId8"/>
-    <p:sldId id="270" r:id="rId9"/>
-    <p:sldId id="271" r:id="rId10"/>
-    <p:sldId id="272" r:id="rId11"/>
-    <p:sldId id="273" r:id="rId12"/>
-    <p:sldId id="259" r:id="rId13"/>
-    <p:sldId id="261" r:id="rId14"/>
-    <p:sldId id="260" r:id="rId15"/>
-    <p:sldId id="274" r:id="rId16"/>
-    <p:sldId id="266" r:id="rId17"/>
-    <p:sldId id="275" r:id="rId18"/>
+    <p:sldId id="280" r:id="rId4"/>
+    <p:sldId id="281" r:id="rId5"/>
+    <p:sldId id="264" r:id="rId6"/>
+    <p:sldId id="265" r:id="rId7"/>
+    <p:sldId id="267" r:id="rId8"/>
+    <p:sldId id="268" r:id="rId9"/>
+    <p:sldId id="269" r:id="rId10"/>
+    <p:sldId id="270" r:id="rId11"/>
+    <p:sldId id="271" r:id="rId12"/>
+    <p:sldId id="272" r:id="rId13"/>
+    <p:sldId id="273" r:id="rId14"/>
+    <p:sldId id="259" r:id="rId15"/>
+    <p:sldId id="261" r:id="rId16"/>
+    <p:sldId id="260" r:id="rId17"/>
+    <p:sldId id="274" r:id="rId18"/>
+    <p:sldId id="266" r:id="rId19"/>
+    <p:sldId id="279" r:id="rId20"/>
   </p:sldIdLst>
   <p:sldSz cx="12192000" cy="6858000"/>
   <p:notesSz cx="6858000" cy="9144000"/>
@@ -130,6 +132,9 @@
     <p:ext uri="{EFAFB233-063F-42B5-8137-9DF3F51BA10A}">
       <p15:sldGuideLst xmlns:p15="http://schemas.microsoft.com/office/powerpoint/2012/main"/>
     </p:ext>
+    <p:ext uri="{2D200454-40CA-4A62-9FC3-DE9A4176ACB9}">
+      <p15:notesGuideLst xmlns:p15="http://schemas.microsoft.com/office/powerpoint/2012/main"/>
+    </p:ext>
   </p:extLst>
 </p:presentation>
 </file>
@@ -228,7 +233,7 @@
           <a:p>
             <a:fld id="{243069A2-C3F6-4081-B1AB-8D760EE424CE}" type="datetimeFigureOut">
               <a:rPr lang="pl-PL" smtClean="0"/>
-              <a:t>19.09.2024</a:t>
+              <a:t>24.10.2024</a:t>
             </a:fld>
             <a:endParaRPr lang="pl-PL"/>
           </a:p>
@@ -405,7 +410,7 @@
           <a:p>
             <a:fld id="{82C31221-F8E4-4014-8698-73F505210C60}" type="datetimeFigureOut">
               <a:rPr lang="pl-PL" smtClean="0"/>
-              <a:t>19.09.2024</a:t>
+              <a:t>24.10.2024</a:t>
             </a:fld>
             <a:endParaRPr lang="pl-PL"/>
           </a:p>
@@ -677,7 +682,13 @@
   <p:cSld>
     <p:spTree>
       <p:nvGrpSpPr>
-        <p:cNvPr id="1" name=""/>
+        <p:cNvPr id="1" name="">
+          <a:extLst>
+            <a:ext uri="{FF2B5EF4-FFF2-40B4-BE49-F238E27FC236}">
+              <a16:creationId xmlns:a16="http://schemas.microsoft.com/office/drawing/2014/main" id="{E64E24B5-C517-7203-3BF0-E9DC26D9FFD6}"/>
+            </a:ext>
+          </a:extLst>
+        </p:cNvPr>
         <p:cNvGrpSpPr/>
         <p:nvPr/>
       </p:nvGrpSpPr>
@@ -691,7 +702,13 @@
       </p:grpSpPr>
       <p:sp>
         <p:nvSpPr>
-          <p:cNvPr id="2" name="Slide Image Placeholder 1"/>
+          <p:cNvPr id="2" name="Slide Image Placeholder 1">
+            <a:extLst>
+              <a:ext uri="{FF2B5EF4-FFF2-40B4-BE49-F238E27FC236}">
+                <a16:creationId xmlns:a16="http://schemas.microsoft.com/office/drawing/2014/main" id="{EC6DA588-E7E7-0B73-BF67-288A53DF3A78}"/>
+              </a:ext>
+            </a:extLst>
+          </p:cNvPr>
           <p:cNvSpPr>
             <a:spLocks noGrp="1" noRot="1" noChangeAspect="1"/>
           </p:cNvSpPr>
@@ -703,7 +720,13 @@
       </p:sp>
       <p:sp>
         <p:nvSpPr>
-          <p:cNvPr id="3" name="Notes Placeholder 2"/>
+          <p:cNvPr id="3" name="Notes Placeholder 2">
+            <a:extLst>
+              <a:ext uri="{FF2B5EF4-FFF2-40B4-BE49-F238E27FC236}">
+                <a16:creationId xmlns:a16="http://schemas.microsoft.com/office/drawing/2014/main" id="{FBD8464A-4BB5-2831-F461-5EE514DDAB76}"/>
+              </a:ext>
+            </a:extLst>
+          </p:cNvPr>
           <p:cNvSpPr>
             <a:spLocks noGrp="1"/>
           </p:cNvSpPr>
@@ -937,7 +960,13 @@
       </p:sp>
       <p:sp>
         <p:nvSpPr>
-          <p:cNvPr id="4" name="Slide Number Placeholder 3"/>
+          <p:cNvPr id="4" name="Slide Number Placeholder 3">
+            <a:extLst>
+              <a:ext uri="{FF2B5EF4-FFF2-40B4-BE49-F238E27FC236}">
+                <a16:creationId xmlns:a16="http://schemas.microsoft.com/office/drawing/2014/main" id="{B3FCC4B6-479F-2BB7-1DBD-AF6C92E1CAB3}"/>
+              </a:ext>
+            </a:extLst>
+          </p:cNvPr>
           <p:cNvSpPr>
             <a:spLocks noGrp="1"/>
           </p:cNvSpPr>
@@ -961,7 +990,7 @@
     </p:spTree>
     <p:extLst>
       <p:ext uri="{BB962C8B-B14F-4D97-AF65-F5344CB8AC3E}">
-        <p14:creationId xmlns:p14="http://schemas.microsoft.com/office/powerpoint/2010/main" val="3533017401"/>
+        <p14:creationId xmlns:p14="http://schemas.microsoft.com/office/powerpoint/2010/main" val="296210043"/>
       </p:ext>
     </p:extLst>
   </p:cSld>
@@ -1092,7 +1121,13 @@
   <p:cSld>
     <p:spTree>
       <p:nvGrpSpPr>
-        <p:cNvPr id="1" name=""/>
+        <p:cNvPr id="1" name="">
+          <a:extLst>
+            <a:ext uri="{FF2B5EF4-FFF2-40B4-BE49-F238E27FC236}">
+              <a16:creationId xmlns:a16="http://schemas.microsoft.com/office/drawing/2014/main" id="{5D7997AD-3100-D38E-1988-D18356F68DD8}"/>
+            </a:ext>
+          </a:extLst>
+        </p:cNvPr>
         <p:cNvGrpSpPr/>
         <p:nvPr/>
       </p:nvGrpSpPr>
@@ -1106,7 +1141,13 @@
       </p:grpSpPr>
       <p:sp>
         <p:nvSpPr>
-          <p:cNvPr id="2" name="Slide Image Placeholder 1"/>
+          <p:cNvPr id="2" name="Slide Image Placeholder 1">
+            <a:extLst>
+              <a:ext uri="{FF2B5EF4-FFF2-40B4-BE49-F238E27FC236}">
+                <a16:creationId xmlns:a16="http://schemas.microsoft.com/office/drawing/2014/main" id="{68B4D5AB-D2B8-C0B4-1343-51FB35D88F17}"/>
+              </a:ext>
+            </a:extLst>
+          </p:cNvPr>
           <p:cNvSpPr>
             <a:spLocks noGrp="1" noRot="1" noChangeAspect="1"/>
           </p:cNvSpPr>
@@ -1118,7 +1159,13 @@
       </p:sp>
       <p:sp>
         <p:nvSpPr>
-          <p:cNvPr id="3" name="Notes Placeholder 2"/>
+          <p:cNvPr id="3" name="Notes Placeholder 2">
+            <a:extLst>
+              <a:ext uri="{FF2B5EF4-FFF2-40B4-BE49-F238E27FC236}">
+                <a16:creationId xmlns:a16="http://schemas.microsoft.com/office/drawing/2014/main" id="{10A143BB-F61B-C657-1800-BE96425DCC46}"/>
+              </a:ext>
+            </a:extLst>
+          </p:cNvPr>
           <p:cNvSpPr>
             <a:spLocks noGrp="1"/>
           </p:cNvSpPr>
@@ -1150,7 +1197,7 @@
             </a:pPr>
             <a:r>
               <a:rPr lang="en-US" sz="1200" b="0" i="0" u="none" strike="noStrike" baseline="0" dirty="0"/>
-              <a:t>Universities, due to the complexity of relationships between many groups of people associated</a:t>
+              <a:t>features typical of</a:t>
             </a:r>
             <a:r>
               <a:rPr lang="pl-PL" sz="1200" b="0" i="0" u="none" strike="noStrike" baseline="0" dirty="0"/>
@@ -1158,44 +1205,24 @@
             </a:r>
             <a:r>
               <a:rPr lang="en-US" sz="1200" b="0" i="0" u="none" strike="noStrike" baseline="0" dirty="0"/>
-              <a:t>with them, often with divergent interests, are a particularly challenging environment for implementing</a:t>
-            </a:r>
-            <a:r>
-              <a:rPr lang="pl-PL" sz="1200" b="0" i="0" u="none" strike="noStrike" baseline="0" dirty="0"/>
-              <a:t> </a:t>
-            </a:r>
-            <a:r>
-              <a:rPr lang="en-US" sz="1200" b="0" i="0" u="none" strike="noStrike" baseline="0" dirty="0"/>
-              <a:t>modern, mature quality management systems, which is confirmed by the results of the literature research</a:t>
-            </a:r>
-            <a:r>
-              <a:rPr lang="pl-PL" sz="1200" b="0" i="0" u="none" strike="noStrike" baseline="0" dirty="0"/>
-              <a:t> </a:t>
-            </a:r>
-            <a:r>
-              <a:rPr lang="pl-PL" sz="1200" b="0" i="0" u="none" strike="noStrike" baseline="0" dirty="0" err="1"/>
-              <a:t>conducted</a:t>
-            </a:r>
-            <a:r>
-              <a:rPr lang="pl-PL" sz="1200" b="0" i="0" u="none" strike="noStrike" baseline="0" dirty="0"/>
-              <a:t>.</a:t>
-            </a:r>
-          </a:p>
-          <a:p>
+              <a:t>academic culture,</a:t>
+            </a:r>
             <a:endParaRPr lang="pl-PL" sz="1200" b="0" i="0" u="none" strike="noStrike" baseline="0" dirty="0"/>
           </a:p>
           <a:p>
-            <a:r>
-              <a:rPr lang="en-US" sz="1200" b="0" i="0" u="none" strike="noStrike" baseline="0" dirty="0"/>
-              <a:t>complexity of the structure</a:t>
-            </a:r>
             <a:endParaRPr lang="pl-PL" dirty="0"/>
           </a:p>
         </p:txBody>
       </p:sp>
       <p:sp>
         <p:nvSpPr>
-          <p:cNvPr id="4" name="Slide Number Placeholder 3"/>
+          <p:cNvPr id="4" name="Slide Number Placeholder 3">
+            <a:extLst>
+              <a:ext uri="{FF2B5EF4-FFF2-40B4-BE49-F238E27FC236}">
+                <a16:creationId xmlns:a16="http://schemas.microsoft.com/office/drawing/2014/main" id="{C9E4A4A8-FBAD-C81A-A473-EB2CFA9E26CB}"/>
+              </a:ext>
+            </a:extLst>
+          </p:cNvPr>
           <p:cNvSpPr>
             <a:spLocks noGrp="1"/>
           </p:cNvSpPr>
@@ -1219,7 +1246,7 @@
     </p:spTree>
     <p:extLst>
       <p:ext uri="{BB962C8B-B14F-4D97-AF65-F5344CB8AC3E}">
-        <p14:creationId xmlns:p14="http://schemas.microsoft.com/office/powerpoint/2010/main" val="4121279202"/>
+        <p14:creationId xmlns:p14="http://schemas.microsoft.com/office/powerpoint/2010/main" val="3484781527"/>
       </p:ext>
     </p:extLst>
   </p:cSld>
@@ -1234,7 +1261,13 @@
   <p:cSld>
     <p:spTree>
       <p:nvGrpSpPr>
-        <p:cNvPr id="1" name=""/>
+        <p:cNvPr id="1" name="">
+          <a:extLst>
+            <a:ext uri="{FF2B5EF4-FFF2-40B4-BE49-F238E27FC236}">
+              <a16:creationId xmlns:a16="http://schemas.microsoft.com/office/drawing/2014/main" id="{0B2AC753-ABDC-2864-FAE9-C71DF01D8672}"/>
+            </a:ext>
+          </a:extLst>
+        </p:cNvPr>
         <p:cNvGrpSpPr/>
         <p:nvPr/>
       </p:nvGrpSpPr>
@@ -1248,7 +1281,13 @@
       </p:grpSpPr>
       <p:sp>
         <p:nvSpPr>
-          <p:cNvPr id="2" name="Slide Image Placeholder 1"/>
+          <p:cNvPr id="2" name="Slide Image Placeholder 1">
+            <a:extLst>
+              <a:ext uri="{FF2B5EF4-FFF2-40B4-BE49-F238E27FC236}">
+                <a16:creationId xmlns:a16="http://schemas.microsoft.com/office/drawing/2014/main" id="{84CFA1DA-2568-6762-0A10-2FE499F562FB}"/>
+              </a:ext>
+            </a:extLst>
+          </p:cNvPr>
           <p:cNvSpPr>
             <a:spLocks noGrp="1" noRot="1" noChangeAspect="1"/>
           </p:cNvSpPr>
@@ -1260,7 +1299,13 @@
       </p:sp>
       <p:sp>
         <p:nvSpPr>
-          <p:cNvPr id="3" name="Notes Placeholder 2"/>
+          <p:cNvPr id="3" name="Notes Placeholder 2">
+            <a:extLst>
+              <a:ext uri="{FF2B5EF4-FFF2-40B4-BE49-F238E27FC236}">
+                <a16:creationId xmlns:a16="http://schemas.microsoft.com/office/drawing/2014/main" id="{2868D4DF-E6A7-3706-AC7C-35C7326463B2}"/>
+              </a:ext>
+            </a:extLst>
+          </p:cNvPr>
           <p:cNvSpPr>
             <a:spLocks noGrp="1"/>
           </p:cNvSpPr>
@@ -1272,13 +1317,6 @@
         <p:txBody>
           <a:bodyPr/>
           <a:lstStyle/>
-          <a:p>
-            <a:r>
-              <a:rPr lang="en-US" sz="1200" b="0" i="0" u="none" strike="noStrike" baseline="0" dirty="0"/>
-              <a:t>difficulties in defining the customer</a:t>
-            </a:r>
-            <a:endParaRPr lang="pl-PL" sz="1200" b="0" i="0" u="none" strike="noStrike" baseline="0" dirty="0"/>
-          </a:p>
           <a:p>
             <a:pPr marL="0" marR="0" lvl="0" indent="0" algn="l" defTabSz="914400" rtl="0" eaLnBrk="1" fontAlgn="auto" latinLnBrk="0" hangingPunct="1">
               <a:lnSpc>
@@ -1298,8 +1336,8 @@
               <a:defRPr/>
             </a:pPr>
             <a:r>
-              <a:rPr lang="pl-PL" sz="1200" b="0" i="0" u="none" strike="noStrike" baseline="0" dirty="0" err="1"/>
-              <a:t>Since</a:t>
+              <a:rPr lang="en-US" sz="1200" b="0" i="0" u="none" strike="noStrike" baseline="0" dirty="0"/>
+              <a:t>features typical of</a:t>
             </a:r>
             <a:r>
               <a:rPr lang="pl-PL" sz="1200" b="0" i="0" u="none" strike="noStrike" baseline="0" dirty="0"/>
@@ -1307,107 +1345,8 @@
             </a:r>
             <a:r>
               <a:rPr lang="en-US" sz="1200" b="0" i="0" u="none" strike="noStrike" baseline="0" dirty="0"/>
-              <a:t>the idea of customer centricity lies at the foundation of contemporary quality management philosophies,</a:t>
-            </a:r>
-            <a:r>
-              <a:rPr lang="pl-PL" sz="1200" b="0" i="0" u="none" strike="noStrike" baseline="0" dirty="0"/>
-              <a:t> </a:t>
-            </a:r>
-            <a:r>
-              <a:rPr lang="en-US" sz="1200" b="0" i="0" u="none" strike="noStrike" baseline="0" dirty="0"/>
-              <a:t>when the customer cannot be unequivocally identified, the basic goals of quality improvement activities</a:t>
-            </a:r>
-            <a:r>
-              <a:rPr lang="pl-PL" sz="1200" b="0" i="0" u="none" strike="noStrike" baseline="0" dirty="0"/>
-              <a:t> </a:t>
-            </a:r>
-            <a:r>
-              <a:rPr lang="pl-PL" sz="1200" b="0" i="0" u="none" strike="noStrike" baseline="0" dirty="0" err="1"/>
-              <a:t>become</a:t>
-            </a:r>
-            <a:r>
-              <a:rPr lang="pl-PL" sz="1200" b="0" i="0" u="none" strike="noStrike" baseline="0" dirty="0"/>
-              <a:t> </a:t>
-            </a:r>
-            <a:r>
-              <a:rPr lang="pl-PL" sz="1200" b="0" i="0" u="none" strike="noStrike" baseline="0" dirty="0" err="1"/>
-              <a:t>unclear</a:t>
-            </a:r>
-            <a:r>
-              <a:rPr lang="pl-PL" sz="1200" b="0" i="0" u="none" strike="noStrike" baseline="0" dirty="0"/>
-              <a:t>.</a:t>
-            </a:r>
-          </a:p>
-          <a:p>
-            <a:pPr marL="0" marR="0" lvl="0" indent="0" algn="l" defTabSz="914400" rtl="0" eaLnBrk="1" fontAlgn="auto" latinLnBrk="0" hangingPunct="1">
-              <a:lnSpc>
-                <a:spcPct val="100000"/>
-              </a:lnSpc>
-              <a:spcBef>
-                <a:spcPts val="0"/>
-              </a:spcBef>
-              <a:spcAft>
-                <a:spcPts val="0"/>
-              </a:spcAft>
-              <a:buClrTx/>
-              <a:buSzTx/>
-              <a:buFontTx/>
-              <a:buNone/>
-              <a:tabLst/>
-              <a:defRPr/>
-            </a:pPr>
-            <a:r>
-              <a:rPr lang="en-US" sz="1200" b="0" i="0" u="none" strike="noStrike" baseline="0" dirty="0">
-                <a:latin typeface="CIDFont+F1"/>
-              </a:rPr>
-              <a:t>Nowadays, in the context of universities, the concept of the customer is commonly</a:t>
-            </a:r>
-            <a:r>
-              <a:rPr lang="pl-PL" sz="1200" b="0" i="0" u="none" strike="noStrike" baseline="0" dirty="0">
-                <a:latin typeface="CIDFont+F1"/>
-              </a:rPr>
-              <a:t> </a:t>
-            </a:r>
-            <a:r>
-              <a:rPr lang="en-US" sz="1200" b="0" i="0" u="none" strike="noStrike" baseline="0" dirty="0">
-                <a:latin typeface="CIDFont+F1"/>
-              </a:rPr>
-              <a:t>replaced by the concept of stakeholders. Therefore, the author suggests that stakeholder analysis and</a:t>
-            </a:r>
-            <a:r>
-              <a:rPr lang="pl-PL" sz="1200" b="0" i="0" u="none" strike="noStrike" baseline="0" dirty="0">
-                <a:latin typeface="CIDFont+F1"/>
-              </a:rPr>
-              <a:t> </a:t>
-            </a:r>
-            <a:r>
-              <a:rPr lang="en-US" sz="1200" b="0" i="0" u="none" strike="noStrike" baseline="0" dirty="0">
-                <a:latin typeface="CIDFont+F1"/>
-              </a:rPr>
-              <a:t>the measurement of stakeholder satisfaction should form the basis of all improvement actions.</a:t>
-            </a:r>
-            <a:endParaRPr lang="pl-PL" sz="1200" b="0" i="0" u="none" strike="noStrike" baseline="0" dirty="0">
-              <a:latin typeface="CIDFont+F1"/>
-            </a:endParaRPr>
-          </a:p>
-          <a:p>
-            <a:pPr marL="0" marR="0" lvl="0" indent="0" algn="l" defTabSz="914400" rtl="0" eaLnBrk="1" fontAlgn="auto" latinLnBrk="0" hangingPunct="1">
-              <a:lnSpc>
-                <a:spcPct val="100000"/>
-              </a:lnSpc>
-              <a:spcBef>
-                <a:spcPts val="0"/>
-              </a:spcBef>
-              <a:spcAft>
-                <a:spcPts val="0"/>
-              </a:spcAft>
-              <a:buClrTx/>
-              <a:buSzTx/>
-              <a:buFontTx/>
-              <a:buNone/>
-              <a:tabLst/>
-              <a:defRPr/>
-            </a:pPr>
+              <a:t>academic culture,</a:t>
+            </a:r>
             <a:endParaRPr lang="pl-PL" sz="1200" b="0" i="0" u="none" strike="noStrike" baseline="0" dirty="0"/>
           </a:p>
           <a:p>
@@ -1417,7 +1356,13 @@
       </p:sp>
       <p:sp>
         <p:nvSpPr>
-          <p:cNvPr id="4" name="Slide Number Placeholder 3"/>
+          <p:cNvPr id="4" name="Slide Number Placeholder 3">
+            <a:extLst>
+              <a:ext uri="{FF2B5EF4-FFF2-40B4-BE49-F238E27FC236}">
+                <a16:creationId xmlns:a16="http://schemas.microsoft.com/office/drawing/2014/main" id="{834101DB-A681-1AF6-A7E6-9A9F156E6B59}"/>
+              </a:ext>
+            </a:extLst>
+          </p:cNvPr>
           <p:cNvSpPr>
             <a:spLocks noGrp="1"/>
           </p:cNvSpPr>
@@ -1432,7 +1377,7 @@
           <a:p>
             <a:fld id="{95B655DE-FF30-4D5D-A50E-CFE6AC1E1D06}" type="slidenum">
               <a:rPr lang="pl-PL" smtClean="0"/>
-              <a:t>6</a:t>
+              <a:t>4</a:t>
             </a:fld>
             <a:endParaRPr lang="pl-PL"/>
           </a:p>
@@ -1441,7 +1386,7 @@
     </p:spTree>
     <p:extLst>
       <p:ext uri="{BB962C8B-B14F-4D97-AF65-F5344CB8AC3E}">
-        <p14:creationId xmlns:p14="http://schemas.microsoft.com/office/powerpoint/2010/main" val="3492758184"/>
+        <p14:creationId xmlns:p14="http://schemas.microsoft.com/office/powerpoint/2010/main" val="401796776"/>
       </p:ext>
     </p:extLst>
   </p:cSld>
@@ -1470,7 +1415,7 @@
       </p:grpSpPr>
       <p:sp>
         <p:nvSpPr>
-          <p:cNvPr id="2" name="Symbol zastępczy obrazu slajdu 1"/>
+          <p:cNvPr id="2" name="Slide Image Placeholder 1"/>
           <p:cNvSpPr>
             <a:spLocks noGrp="1" noRot="1" noChangeAspect="1"/>
           </p:cNvSpPr>
@@ -1482,7 +1427,7 @@
       </p:sp>
       <p:sp>
         <p:nvSpPr>
-          <p:cNvPr id="3" name="Symbol zastępczy notatek 2"/>
+          <p:cNvPr id="3" name="Notes Placeholder 2"/>
           <p:cNvSpPr>
             <a:spLocks noGrp="1"/>
           </p:cNvSpPr>
@@ -1495,29 +1440,106 @@
           <a:bodyPr/>
           <a:lstStyle/>
           <a:p>
-            <a:r>
-              <a:rPr lang="pl-PL" dirty="0"/>
-              <a:t>Ad. 3. </a:t>
-            </a:r>
-            <a:r>
-              <a:rPr lang="en-US" dirty="0"/>
-              <a:t>Number of rights for awarding the degree</a:t>
-            </a:r>
-            <a:r>
-              <a:rPr lang="pl-PL" dirty="0"/>
-              <a:t> of </a:t>
-            </a:r>
-            <a:r>
-              <a:rPr lang="pl-PL" dirty="0" err="1"/>
-              <a:t>doctor</a:t>
-            </a:r>
-            <a:r>
-              <a:rPr lang="pl-PL" dirty="0"/>
+            <a:pPr marL="0" marR="0" lvl="0" indent="0" algn="l" defTabSz="914400" rtl="0" eaLnBrk="1" fontAlgn="auto" latinLnBrk="0" hangingPunct="1">
+              <a:lnSpc>
+                <a:spcPct val="100000"/>
+              </a:lnSpc>
+              <a:spcBef>
+                <a:spcPts val="0"/>
+              </a:spcBef>
+              <a:spcAft>
+                <a:spcPts val="0"/>
+              </a:spcAft>
+              <a:buClrTx/>
+              <a:buSzTx/>
+              <a:buFontTx/>
+              <a:buNone/>
+              <a:tabLst/>
+              <a:defRPr/>
+            </a:pPr>
+            <a:r>
+              <a:rPr lang="pl-PL" sz="1200" b="0" i="0" u="none" strike="noStrike" baseline="0" dirty="0"/>
+              <a:t>Tabela 12: 27 przykładów sprzeczności interesów</a:t>
+            </a:r>
+          </a:p>
+          <a:p>
+            <a:pPr marL="0" marR="0" lvl="0" indent="0" algn="l" defTabSz="914400" rtl="0" eaLnBrk="1" fontAlgn="auto" latinLnBrk="0" hangingPunct="1">
+              <a:lnSpc>
+                <a:spcPct val="100000"/>
+              </a:lnSpc>
+              <a:spcBef>
+                <a:spcPts val="0"/>
+              </a:spcBef>
+              <a:spcAft>
+                <a:spcPts val="0"/>
+              </a:spcAft>
+              <a:buClrTx/>
+              <a:buSzTx/>
+              <a:buFontTx/>
+              <a:buNone/>
+              <a:tabLst/>
+              <a:defRPr/>
+            </a:pPr>
+            <a:endParaRPr lang="pl-PL" sz="1200" b="0" i="0" u="none" strike="noStrike" baseline="0" dirty="0"/>
+          </a:p>
+          <a:p>
+            <a:pPr marL="0" marR="0" lvl="0" indent="0" algn="l" defTabSz="914400" rtl="0" eaLnBrk="1" fontAlgn="auto" latinLnBrk="0" hangingPunct="1">
+              <a:lnSpc>
+                <a:spcPct val="100000"/>
+              </a:lnSpc>
+              <a:spcBef>
+                <a:spcPts val="0"/>
+              </a:spcBef>
+              <a:spcAft>
+                <a:spcPts val="0"/>
+              </a:spcAft>
+              <a:buClrTx/>
+              <a:buSzTx/>
+              <a:buFontTx/>
+              <a:buNone/>
+              <a:tabLst/>
+              <a:defRPr/>
+            </a:pPr>
+            <a:r>
+              <a:rPr lang="en-US" sz="1200" b="0" i="0" u="none" strike="noStrike" baseline="0" dirty="0"/>
+              <a:t>Universities, due to the complexity of relationships between many groups of people associated</a:t>
+            </a:r>
+            <a:r>
+              <a:rPr lang="pl-PL" sz="1200" b="0" i="0" u="none" strike="noStrike" baseline="0" dirty="0"/>
               <a:t> </a:t>
             </a:r>
             <a:r>
-              <a:rPr lang="pl-PL" dirty="0" err="1"/>
-              <a:t>habilitus</a:t>
+              <a:rPr lang="en-US" sz="1200" b="0" i="0" u="none" strike="noStrike" baseline="0" dirty="0"/>
+              <a:t>with them, often with divergent interests, are a particularly challenging environment for implementing</a:t>
+            </a:r>
+            <a:r>
+              <a:rPr lang="pl-PL" sz="1200" b="0" i="0" u="none" strike="noStrike" baseline="0" dirty="0"/>
+              <a:t> </a:t>
+            </a:r>
+            <a:r>
+              <a:rPr lang="en-US" sz="1200" b="0" i="0" u="none" strike="noStrike" baseline="0" dirty="0"/>
+              <a:t>modern, mature quality management systems, which is confirmed by the results of the literature research</a:t>
+            </a:r>
+            <a:r>
+              <a:rPr lang="pl-PL" sz="1200" b="0" i="0" u="none" strike="noStrike" baseline="0" dirty="0"/>
+              <a:t> </a:t>
+            </a:r>
+            <a:r>
+              <a:rPr lang="pl-PL" sz="1200" b="0" i="0" u="none" strike="noStrike" baseline="0" dirty="0" err="1"/>
+              <a:t>conducted</a:t>
+            </a:r>
+            <a:r>
+              <a:rPr lang="pl-PL" sz="1200" b="0" i="0" u="none" strike="noStrike" baseline="0" dirty="0"/>
+              <a:t>.</a:t>
+            </a:r>
+          </a:p>
+          <a:p>
+            <a:endParaRPr lang="pl-PL" sz="1200" b="0" i="0" u="none" strike="noStrike" baseline="0" dirty="0"/>
+          </a:p>
+          <a:p>
+            <a:r>
+              <a:rPr lang="en-US" sz="1200" b="0" i="0" u="none" strike="noStrike" baseline="0" dirty="0"/>
+              <a:t>complexity of the structure</a:t>
             </a:r>
             <a:endParaRPr lang="pl-PL" dirty="0"/>
           </a:p>
@@ -1525,7 +1547,7 @@
       </p:sp>
       <p:sp>
         <p:nvSpPr>
-          <p:cNvPr id="4" name="Symbol zastępczy numeru slajdu 3"/>
+          <p:cNvPr id="4" name="Slide Number Placeholder 3"/>
           <p:cNvSpPr>
             <a:spLocks noGrp="1"/>
           </p:cNvSpPr>
@@ -1540,7 +1562,7 @@
           <a:p>
             <a:fld id="{95B655DE-FF30-4D5D-A50E-CFE6AC1E1D06}" type="slidenum">
               <a:rPr lang="pl-PL" smtClean="0"/>
-              <a:t>11</a:t>
+              <a:t>5</a:t>
             </a:fld>
             <a:endParaRPr lang="pl-PL"/>
           </a:p>
@@ -1549,7 +1571,7 @@
     </p:spTree>
     <p:extLst>
       <p:ext uri="{BB962C8B-B14F-4D97-AF65-F5344CB8AC3E}">
-        <p14:creationId xmlns:p14="http://schemas.microsoft.com/office/powerpoint/2010/main" val="3999551788"/>
+        <p14:creationId xmlns:p14="http://schemas.microsoft.com/office/powerpoint/2010/main" val="4121279202"/>
       </p:ext>
     </p:extLst>
   </p:cSld>
@@ -1603,190 +1625,142 @@
           <a:bodyPr/>
           <a:lstStyle/>
           <a:p>
-            <a:pPr algn="l"/>
+            <a:r>
+              <a:rPr lang="en-US" sz="1200" b="0" i="0" u="none" strike="noStrike" baseline="0" dirty="0"/>
+              <a:t>difficulties in defining the customer</a:t>
+            </a:r>
+            <a:endParaRPr lang="pl-PL" sz="1200" b="0" i="0" u="none" strike="noStrike" baseline="0" dirty="0"/>
+          </a:p>
+          <a:p>
+            <a:pPr marL="0" marR="0" lvl="0" indent="0" algn="l" defTabSz="914400" rtl="0" eaLnBrk="1" fontAlgn="auto" latinLnBrk="0" hangingPunct="1">
+              <a:lnSpc>
+                <a:spcPct val="100000"/>
+              </a:lnSpc>
+              <a:spcBef>
+                <a:spcPts val="0"/>
+              </a:spcBef>
+              <a:spcAft>
+                <a:spcPts val="0"/>
+              </a:spcAft>
+              <a:buClrTx/>
+              <a:buSzTx/>
+              <a:buFontTx/>
+              <a:buNone/>
+              <a:tabLst/>
+              <a:defRPr/>
+            </a:pPr>
+            <a:r>
+              <a:rPr lang="pl-PL" sz="1200" b="0" i="0" u="none" strike="noStrike" baseline="0" dirty="0" err="1"/>
+              <a:t>Since</a:t>
+            </a:r>
+            <a:r>
+              <a:rPr lang="pl-PL" sz="1200" b="0" i="0" u="none" strike="noStrike" baseline="0" dirty="0"/>
+              <a:t> </a:t>
+            </a:r>
+            <a:r>
+              <a:rPr lang="en-US" sz="1200" b="0" i="0" u="none" strike="noStrike" baseline="0" dirty="0"/>
+              <a:t>the idea of customer centricity lies at the foundation of contemporary quality management philosophies,</a:t>
+            </a:r>
+            <a:r>
+              <a:rPr lang="pl-PL" sz="1200" b="0" i="0" u="none" strike="noStrike" baseline="0" dirty="0"/>
+              <a:t> </a:t>
+            </a:r>
+            <a:r>
+              <a:rPr lang="en-US" sz="1200" b="0" i="0" u="none" strike="noStrike" baseline="0" dirty="0"/>
+              <a:t>when the customer cannot be unequivocally identified, the basic goals of quality improvement activities</a:t>
+            </a:r>
+            <a:r>
+              <a:rPr lang="pl-PL" sz="1200" b="0" i="0" u="none" strike="noStrike" baseline="0" dirty="0"/>
+              <a:t> </a:t>
+            </a:r>
+            <a:r>
+              <a:rPr lang="pl-PL" sz="1200" b="0" i="0" u="none" strike="noStrike" baseline="0" dirty="0" err="1"/>
+              <a:t>become</a:t>
+            </a:r>
+            <a:r>
+              <a:rPr lang="pl-PL" sz="1200" b="0" i="0" u="none" strike="noStrike" baseline="0" dirty="0"/>
+              <a:t> </a:t>
+            </a:r>
+            <a:r>
+              <a:rPr lang="pl-PL" sz="1200" b="0" i="0" u="none" strike="noStrike" baseline="0" dirty="0" err="1"/>
+              <a:t>unclear</a:t>
+            </a:r>
+            <a:r>
+              <a:rPr lang="pl-PL" sz="1200" b="0" i="0" u="none" strike="noStrike" baseline="0" dirty="0"/>
+              <a:t>.</a:t>
+            </a:r>
+          </a:p>
+          <a:p>
+            <a:pPr marL="0" marR="0" lvl="0" indent="0" algn="l" defTabSz="914400" rtl="0" eaLnBrk="1" fontAlgn="auto" latinLnBrk="0" hangingPunct="1">
+              <a:lnSpc>
+                <a:spcPct val="100000"/>
+              </a:lnSpc>
+              <a:spcBef>
+                <a:spcPts val="0"/>
+              </a:spcBef>
+              <a:spcAft>
+                <a:spcPts val="0"/>
+              </a:spcAft>
+              <a:buClrTx/>
+              <a:buSzTx/>
+              <a:buFontTx/>
+              <a:buNone/>
+              <a:tabLst/>
+              <a:defRPr/>
+            </a:pPr>
+            <a:r>
+              <a:rPr lang="en-US" sz="1200" b="0" i="0" u="none" strike="noStrike" baseline="0" dirty="0">
+                <a:latin typeface="CIDFont+F1"/>
+              </a:rPr>
+              <a:t>Nowadays, in the context of universities, the concept of the customer is commonly</a:t>
+            </a:r>
             <a:r>
               <a:rPr lang="pl-PL" sz="1200" b="0" i="0" u="none" strike="noStrike" baseline="0" dirty="0">
                 <a:latin typeface="CIDFont+F1"/>
               </a:rPr>
-              <a:t>The </a:t>
-            </a:r>
-            <a:r>
-              <a:rPr lang="pl-PL" sz="1200" b="0" i="0" u="none" strike="noStrike" baseline="0" dirty="0" err="1">
+              <a:t> </a:t>
+            </a:r>
+            <a:r>
+              <a:rPr lang="en-US" sz="1200" b="0" i="0" u="none" strike="noStrike" baseline="0" dirty="0">
                 <a:latin typeface="CIDFont+F1"/>
               </a:rPr>
-              <a:t>context</a:t>
+              <a:t>replaced by the concept of stakeholders. Therefore, the author suggests that stakeholder analysis and</a:t>
             </a:r>
             <a:r>
               <a:rPr lang="pl-PL" sz="1200" b="0" i="0" u="none" strike="noStrike" baseline="0" dirty="0">
                 <a:latin typeface="CIDFont+F1"/>
               </a:rPr>
-              <a:t> of the </a:t>
+              <a:t> </a:t>
             </a:r>
             <a:r>
               <a:rPr lang="en-US" sz="1200" b="0" i="0" u="none" strike="noStrike" baseline="0" dirty="0">
                 <a:latin typeface="CIDFont+F1"/>
               </a:rPr>
-              <a:t>specificity of organizations such as universities has allowed for the development and proposition of tools,</a:t>
-            </a:r>
-            <a:r>
-              <a:rPr lang="pl-PL" sz="1200" b="0" i="0" u="none" strike="noStrike" baseline="0" dirty="0">
-                <a:latin typeface="CIDFont+F1"/>
-              </a:rPr>
-              <a:t> </a:t>
-            </a:r>
-            <a:r>
-              <a:rPr lang="en-US" sz="1200" b="0" i="0" u="none" strike="noStrike" baseline="0" dirty="0">
-                <a:latin typeface="CIDFont+F1"/>
-              </a:rPr>
-              <a:t>the application of which will be a practical manifestation of stakeholder centrism in organizational management.</a:t>
+              <a:t>the measurement of stakeholder satisfaction should form the basis of all improvement actions.</a:t>
             </a:r>
             <a:endParaRPr lang="pl-PL" sz="1200" b="0" i="0" u="none" strike="noStrike" baseline="0" dirty="0">
               <a:latin typeface="CIDFont+F1"/>
             </a:endParaRPr>
           </a:p>
           <a:p>
-            <a:pPr algn="l"/>
-            <a:r>
-              <a:rPr lang="pl-PL" sz="1200" dirty="0" err="1">
-                <a:latin typeface="CIDFont+F1"/>
-              </a:rPr>
-              <a:t>Cognitive</a:t>
-            </a:r>
-            <a:r>
-              <a:rPr lang="pl-PL" sz="1200" dirty="0">
-                <a:latin typeface="CIDFont+F1"/>
-              </a:rPr>
-              <a:t> </a:t>
-            </a:r>
-            <a:r>
-              <a:rPr lang="pl-PL" sz="1200" dirty="0" err="1">
-                <a:latin typeface="CIDFont+F1"/>
-              </a:rPr>
-              <a:t>goal</a:t>
-            </a:r>
-            <a:r>
-              <a:rPr lang="pl-PL" sz="1200" dirty="0">
-                <a:latin typeface="CIDFont+F1"/>
-              </a:rPr>
-              <a:t>: </a:t>
-            </a:r>
-            <a:r>
-              <a:rPr lang="en-US" sz="1200" b="0" i="0" u="none" strike="noStrike" baseline="0" dirty="0">
-                <a:latin typeface="CIDFont+F3"/>
-              </a:rPr>
-              <a:t>identify effective methods from the perspective of improving the quality management</a:t>
-            </a:r>
-            <a:r>
-              <a:rPr lang="pl-PL" sz="1200" b="0" i="0" u="none" strike="noStrike" baseline="0" dirty="0">
-                <a:latin typeface="CIDFont+F3"/>
-              </a:rPr>
-              <a:t> </a:t>
-            </a:r>
-            <a:r>
-              <a:rPr lang="en-US" sz="1200" b="0" i="0" u="none" strike="noStrike" baseline="0" dirty="0">
-                <a:latin typeface="CIDFont+F3"/>
-              </a:rPr>
-              <a:t>system, through the measurement and analysis of stakeholder satisfaction levels as an</a:t>
-            </a:r>
-            <a:r>
-              <a:rPr lang="pl-PL" sz="1200" b="0" i="0" u="none" strike="noStrike" baseline="0" dirty="0">
-                <a:latin typeface="CIDFont+F3"/>
-              </a:rPr>
-              <a:t> </a:t>
-            </a:r>
-            <a:r>
-              <a:rPr lang="pl-PL" sz="1200" b="0" i="0" u="none" strike="noStrike" baseline="0" dirty="0" err="1">
-                <a:latin typeface="CIDFont+F3"/>
-              </a:rPr>
-              <a:t>indicator</a:t>
-            </a:r>
-            <a:r>
-              <a:rPr lang="pl-PL" sz="1200" b="0" i="0" u="none" strike="noStrike" baseline="0" dirty="0">
-                <a:latin typeface="CIDFont+F3"/>
-              </a:rPr>
-              <a:t> of </a:t>
-            </a:r>
-            <a:r>
-              <a:rPr lang="pl-PL" sz="1200" b="0" i="0" u="none" strike="noStrike" baseline="0" dirty="0" err="1">
-                <a:latin typeface="CIDFont+F3"/>
-              </a:rPr>
-              <a:t>quality</a:t>
-            </a:r>
-            <a:endParaRPr lang="pl-PL" sz="1200" b="0" i="0" u="none" strike="noStrike" baseline="0" dirty="0">
-              <a:latin typeface="CIDFont+F3"/>
-            </a:endParaRPr>
-          </a:p>
-          <a:p>
-            <a:pPr algn="l"/>
-            <a:r>
-              <a:rPr lang="pl-PL" sz="1200" dirty="0">
-                <a:latin typeface="CIDFont+F1"/>
-              </a:rPr>
-              <a:t>U</a:t>
-            </a:r>
-            <a:r>
-              <a:rPr lang="en-US" sz="1200" b="0" i="0" u="none" strike="noStrike" baseline="0" dirty="0" err="1">
-                <a:latin typeface="CIDFont+F1"/>
-              </a:rPr>
-              <a:t>tilitarian</a:t>
-            </a:r>
-            <a:r>
-              <a:rPr lang="en-US" sz="1200" b="0" i="0" u="none" strike="noStrike" baseline="0" dirty="0">
-                <a:latin typeface="CIDFont+F1"/>
-              </a:rPr>
-              <a:t> goal</a:t>
-            </a:r>
-            <a:r>
-              <a:rPr lang="pl-PL" sz="1200" b="0" i="0" u="none" strike="noStrike" baseline="0" dirty="0">
-                <a:latin typeface="CIDFont+F1"/>
-              </a:rPr>
-              <a:t>:</a:t>
-            </a:r>
-            <a:r>
-              <a:rPr lang="en-US" sz="1200" b="0" i="0" u="none" strike="noStrike" baseline="0" dirty="0">
-                <a:latin typeface="CIDFont+F1"/>
-              </a:rPr>
-              <a:t> </a:t>
-            </a:r>
-            <a:r>
-              <a:rPr lang="en-US" sz="1200" b="0" i="0" u="none" strike="noStrike" baseline="0" dirty="0">
-                <a:latin typeface="CIDFont+F3"/>
-              </a:rPr>
-              <a:t>development of a method for improving the quality</a:t>
-            </a:r>
-            <a:r>
-              <a:rPr lang="pl-PL" sz="1200" b="0" i="0" u="none" strike="noStrike" baseline="0" dirty="0">
-                <a:latin typeface="CIDFont+F3"/>
-              </a:rPr>
-              <a:t> </a:t>
-            </a:r>
-            <a:r>
-              <a:rPr lang="en-US" sz="1200" b="0" i="0" u="none" strike="noStrike" baseline="0" dirty="0">
-                <a:latin typeface="CIDFont+F3"/>
-              </a:rPr>
-              <a:t>management system of universities, adapted to the specifics of Polish technical universities, using the</a:t>
-            </a:r>
-            <a:r>
-              <a:rPr lang="pl-PL" sz="1200" b="0" i="0" u="none" strike="noStrike" baseline="0" dirty="0">
-                <a:latin typeface="CIDFont+F3"/>
-              </a:rPr>
-              <a:t> </a:t>
-            </a:r>
-            <a:r>
-              <a:rPr lang="en-US" sz="1200" b="0" i="0" u="none" strike="noStrike" baseline="0" dirty="0">
-                <a:latin typeface="CIDFont+F3"/>
-              </a:rPr>
-              <a:t>measurement of satisfaction of various stakeholder groups as one of the indicators of the university’s</a:t>
-            </a:r>
-            <a:r>
-              <a:rPr lang="pl-PL" sz="1200" b="0" i="0" u="none" strike="noStrike" baseline="0" dirty="0">
-                <a:latin typeface="CIDFont+F3"/>
-              </a:rPr>
-              <a:t> performance</a:t>
-            </a:r>
-            <a:endParaRPr lang="pl-PL" sz="1200" b="0" i="0" u="none" strike="noStrike" baseline="0" dirty="0">
-              <a:latin typeface="CIDFont+F1"/>
-            </a:endParaRPr>
+            <a:pPr marL="0" marR="0" lvl="0" indent="0" algn="l" defTabSz="914400" rtl="0" eaLnBrk="1" fontAlgn="auto" latinLnBrk="0" hangingPunct="1">
+              <a:lnSpc>
+                <a:spcPct val="100000"/>
+              </a:lnSpc>
+              <a:spcBef>
+                <a:spcPts val="0"/>
+              </a:spcBef>
+              <a:spcAft>
+                <a:spcPts val="0"/>
+              </a:spcAft>
+              <a:buClrTx/>
+              <a:buSzTx/>
+              <a:buFontTx/>
+              <a:buNone/>
+              <a:tabLst/>
+              <a:defRPr/>
+            </a:pPr>
+            <a:endParaRPr lang="pl-PL" sz="1200" b="0" i="0" u="none" strike="noStrike" baseline="0" dirty="0"/>
           </a:p>
           <a:p>
             <a:endParaRPr lang="pl-PL" dirty="0"/>
@@ -1810,7 +1784,7 @@
           <a:p>
             <a:fld id="{95B655DE-FF30-4D5D-A50E-CFE6AC1E1D06}" type="slidenum">
               <a:rPr lang="pl-PL" smtClean="0"/>
-              <a:t>12</a:t>
+              <a:t>8</a:t>
             </a:fld>
             <a:endParaRPr lang="pl-PL"/>
           </a:p>
@@ -1819,7 +1793,7 @@
     </p:spTree>
     <p:extLst>
       <p:ext uri="{BB962C8B-B14F-4D97-AF65-F5344CB8AC3E}">
-        <p14:creationId xmlns:p14="http://schemas.microsoft.com/office/powerpoint/2010/main" val="4172071688"/>
+        <p14:creationId xmlns:p14="http://schemas.microsoft.com/office/powerpoint/2010/main" val="3492758184"/>
       </p:ext>
     </p:extLst>
   </p:cSld>
@@ -1848,7 +1822,7 @@
       </p:grpSpPr>
       <p:sp>
         <p:nvSpPr>
-          <p:cNvPr id="2" name="Slide Image Placeholder 1"/>
+          <p:cNvPr id="2" name="Symbol zastępczy obrazu slajdu 1"/>
           <p:cNvSpPr>
             <a:spLocks noGrp="1" noRot="1" noChangeAspect="1"/>
           </p:cNvSpPr>
@@ -1860,7 +1834,7 @@
       </p:sp>
       <p:sp>
         <p:nvSpPr>
-          <p:cNvPr id="3" name="Notes Placeholder 2"/>
+          <p:cNvPr id="3" name="Symbol zastępczy notatek 2"/>
           <p:cNvSpPr>
             <a:spLocks noGrp="1"/>
           </p:cNvSpPr>
@@ -1874,16 +1848,28 @@
           <a:lstStyle/>
           <a:p>
             <a:r>
-              <a:rPr lang="en-US" sz="1200" b="0" i="0" u="none" strike="noStrike" baseline="0" dirty="0"/>
-              <a:t>The notion of quality of education and conditions of its quantification at the</a:t>
-            </a:r>
-            <a:r>
-              <a:rPr lang="pl-PL" sz="1200" b="0" i="0" u="none" strike="noStrike" baseline="0" dirty="0"/>
+              <a:rPr lang="pl-PL" dirty="0"/>
+              <a:t>Ad. 3. </a:t>
+            </a:r>
+            <a:r>
+              <a:rPr lang="en-US" dirty="0"/>
+              <a:t>Number of rights for awarding the degree</a:t>
+            </a:r>
+            <a:r>
+              <a:rPr lang="pl-PL" dirty="0"/>
+              <a:t> of </a:t>
+            </a:r>
+            <a:r>
+              <a:rPr lang="pl-PL" dirty="0" err="1"/>
+              <a:t>doctor</a:t>
+            </a:r>
+            <a:r>
+              <a:rPr lang="pl-PL" dirty="0"/>
               <a:t> </a:t>
             </a:r>
             <a:r>
-              <a:rPr lang="en-US" sz="1200" b="0" i="0" u="none" strike="noStrike" baseline="0" dirty="0"/>
-              <a:t>universities</a:t>
+              <a:rPr lang="pl-PL" dirty="0" err="1"/>
+              <a:t>habilitus</a:t>
             </a:r>
             <a:endParaRPr lang="pl-PL" dirty="0"/>
           </a:p>
@@ -1891,7 +1877,7 @@
       </p:sp>
       <p:sp>
         <p:nvSpPr>
-          <p:cNvPr id="4" name="Slide Number Placeholder 3"/>
+          <p:cNvPr id="4" name="Symbol zastępczy numeru slajdu 3"/>
           <p:cNvSpPr>
             <a:spLocks noGrp="1"/>
           </p:cNvSpPr>
@@ -1907,6 +1893,372 @@
             <a:fld id="{95B655DE-FF30-4D5D-A50E-CFE6AC1E1D06}" type="slidenum">
               <a:rPr lang="pl-PL" smtClean="0"/>
               <a:t>13</a:t>
+            </a:fld>
+            <a:endParaRPr lang="pl-PL"/>
+          </a:p>
+        </p:txBody>
+      </p:sp>
+    </p:spTree>
+    <p:extLst>
+      <p:ext uri="{BB962C8B-B14F-4D97-AF65-F5344CB8AC3E}">
+        <p14:creationId xmlns:p14="http://schemas.microsoft.com/office/powerpoint/2010/main" val="3999551788"/>
+      </p:ext>
+    </p:extLst>
+  </p:cSld>
+  <p:clrMapOvr>
+    <a:masterClrMapping/>
+  </p:clrMapOvr>
+</p:notes>
+</file>
+
+<file path=ppt/notesSlides/notesSlide8.xml><?xml version="1.0" encoding="utf-8"?>
+<p:notes xmlns:a="http://schemas.openxmlformats.org/drawingml/2006/main" xmlns:r="http://schemas.openxmlformats.org/officeDocument/2006/relationships" xmlns:p="http://schemas.openxmlformats.org/presentationml/2006/main">
+  <p:cSld>
+    <p:spTree>
+      <p:nvGrpSpPr>
+        <p:cNvPr id="1" name=""/>
+        <p:cNvGrpSpPr/>
+        <p:nvPr/>
+      </p:nvGrpSpPr>
+      <p:grpSpPr>
+        <a:xfrm>
+          <a:off x="0" y="0"/>
+          <a:ext cx="0" cy="0"/>
+          <a:chOff x="0" y="0"/>
+          <a:chExt cx="0" cy="0"/>
+        </a:xfrm>
+      </p:grpSpPr>
+      <p:sp>
+        <p:nvSpPr>
+          <p:cNvPr id="2" name="Slide Image Placeholder 1"/>
+          <p:cNvSpPr>
+            <a:spLocks noGrp="1" noRot="1" noChangeAspect="1"/>
+          </p:cNvSpPr>
+          <p:nvPr>
+            <p:ph type="sldImg"/>
+          </p:nvPr>
+        </p:nvSpPr>
+        <p:spPr/>
+      </p:sp>
+      <p:sp>
+        <p:nvSpPr>
+          <p:cNvPr id="3" name="Notes Placeholder 2"/>
+          <p:cNvSpPr>
+            <a:spLocks noGrp="1"/>
+          </p:cNvSpPr>
+          <p:nvPr>
+            <p:ph type="body" idx="1"/>
+          </p:nvPr>
+        </p:nvSpPr>
+        <p:spPr/>
+        <p:txBody>
+          <a:bodyPr/>
+          <a:lstStyle/>
+          <a:p>
+            <a:pPr algn="l"/>
+            <a:r>
+              <a:rPr lang="pl-PL" sz="1200" b="0" i="0" u="none" strike="noStrike" baseline="0" dirty="0">
+                <a:latin typeface="CIDFont+F1"/>
+              </a:rPr>
+              <a:t>The </a:t>
+            </a:r>
+            <a:r>
+              <a:rPr lang="pl-PL" sz="1200" b="0" i="0" u="none" strike="noStrike" baseline="0" dirty="0" err="1">
+                <a:latin typeface="CIDFont+F1"/>
+              </a:rPr>
+              <a:t>context</a:t>
+            </a:r>
+            <a:r>
+              <a:rPr lang="pl-PL" sz="1200" b="0" i="0" u="none" strike="noStrike" baseline="0" dirty="0">
+                <a:latin typeface="CIDFont+F1"/>
+              </a:rPr>
+              <a:t> of the </a:t>
+            </a:r>
+            <a:r>
+              <a:rPr lang="en-US" sz="1200" b="0" i="0" u="none" strike="noStrike" baseline="0" dirty="0">
+                <a:latin typeface="CIDFont+F1"/>
+              </a:rPr>
+              <a:t>specificity of organizations such as universities has allowed for the development and proposition of tools,</a:t>
+            </a:r>
+            <a:r>
+              <a:rPr lang="pl-PL" sz="1200" b="0" i="0" u="none" strike="noStrike" baseline="0" dirty="0">
+                <a:latin typeface="CIDFont+F1"/>
+              </a:rPr>
+              <a:t> </a:t>
+            </a:r>
+            <a:r>
+              <a:rPr lang="en-US" sz="1200" b="0" i="0" u="none" strike="noStrike" baseline="0" dirty="0">
+                <a:latin typeface="CIDFont+F1"/>
+              </a:rPr>
+              <a:t>the application of which will be a practical manifestation of stakeholder centrism in organizational management.</a:t>
+            </a:r>
+            <a:endParaRPr lang="pl-PL" sz="1200" b="0" i="0" u="none" strike="noStrike" baseline="0" dirty="0">
+              <a:latin typeface="CIDFont+F1"/>
+            </a:endParaRPr>
+          </a:p>
+          <a:p>
+            <a:pPr algn="l"/>
+            <a:r>
+              <a:rPr lang="pl-PL" sz="1200" dirty="0" err="1">
+                <a:latin typeface="CIDFont+F1"/>
+              </a:rPr>
+              <a:t>Cognitive</a:t>
+            </a:r>
+            <a:r>
+              <a:rPr lang="pl-PL" sz="1200" dirty="0">
+                <a:latin typeface="CIDFont+F1"/>
+              </a:rPr>
+              <a:t> </a:t>
+            </a:r>
+            <a:r>
+              <a:rPr lang="pl-PL" sz="1200" dirty="0" err="1">
+                <a:latin typeface="CIDFont+F1"/>
+              </a:rPr>
+              <a:t>goal</a:t>
+            </a:r>
+            <a:r>
+              <a:rPr lang="pl-PL" sz="1200" dirty="0">
+                <a:latin typeface="CIDFont+F1"/>
+              </a:rPr>
+              <a:t>: </a:t>
+            </a:r>
+            <a:r>
+              <a:rPr lang="en-US" sz="1200" b="0" i="0" u="none" strike="noStrike" baseline="0" dirty="0">
+                <a:latin typeface="CIDFont+F3"/>
+              </a:rPr>
+              <a:t>identify effective methods from the perspective of improving the quality management</a:t>
+            </a:r>
+            <a:r>
+              <a:rPr lang="pl-PL" sz="1200" b="0" i="0" u="none" strike="noStrike" baseline="0" dirty="0">
+                <a:latin typeface="CIDFont+F3"/>
+              </a:rPr>
+              <a:t> </a:t>
+            </a:r>
+            <a:r>
+              <a:rPr lang="en-US" sz="1200" b="0" i="0" u="none" strike="noStrike" baseline="0" dirty="0">
+                <a:latin typeface="CIDFont+F3"/>
+              </a:rPr>
+              <a:t>system, through the measurement and analysis of stakeholder satisfaction levels as an</a:t>
+            </a:r>
+            <a:r>
+              <a:rPr lang="pl-PL" sz="1200" b="0" i="0" u="none" strike="noStrike" baseline="0" dirty="0">
+                <a:latin typeface="CIDFont+F3"/>
+              </a:rPr>
+              <a:t> </a:t>
+            </a:r>
+            <a:r>
+              <a:rPr lang="pl-PL" sz="1200" b="0" i="0" u="none" strike="noStrike" baseline="0" dirty="0" err="1">
+                <a:latin typeface="CIDFont+F3"/>
+              </a:rPr>
+              <a:t>indicator</a:t>
+            </a:r>
+            <a:r>
+              <a:rPr lang="pl-PL" sz="1200" b="0" i="0" u="none" strike="noStrike" baseline="0" dirty="0">
+                <a:latin typeface="CIDFont+F3"/>
+              </a:rPr>
+              <a:t> of </a:t>
+            </a:r>
+            <a:r>
+              <a:rPr lang="pl-PL" sz="1200" b="0" i="0" u="none" strike="noStrike" baseline="0" dirty="0" err="1">
+                <a:latin typeface="CIDFont+F3"/>
+              </a:rPr>
+              <a:t>quality</a:t>
+            </a:r>
+            <a:endParaRPr lang="pl-PL" sz="1200" b="0" i="0" u="none" strike="noStrike" baseline="0" dirty="0">
+              <a:latin typeface="CIDFont+F3"/>
+            </a:endParaRPr>
+          </a:p>
+          <a:p>
+            <a:pPr algn="l"/>
+            <a:r>
+              <a:rPr lang="pl-PL" sz="1200" dirty="0">
+                <a:latin typeface="CIDFont+F1"/>
+              </a:rPr>
+              <a:t>U</a:t>
+            </a:r>
+            <a:r>
+              <a:rPr lang="en-US" sz="1200" b="0" i="0" u="none" strike="noStrike" baseline="0" dirty="0" err="1">
+                <a:latin typeface="CIDFont+F1"/>
+              </a:rPr>
+              <a:t>tilitarian</a:t>
+            </a:r>
+            <a:r>
+              <a:rPr lang="en-US" sz="1200" b="0" i="0" u="none" strike="noStrike" baseline="0" dirty="0">
+                <a:latin typeface="CIDFont+F1"/>
+              </a:rPr>
+              <a:t> goal</a:t>
+            </a:r>
+            <a:r>
+              <a:rPr lang="pl-PL" sz="1200" b="0" i="0" u="none" strike="noStrike" baseline="0" dirty="0">
+                <a:latin typeface="CIDFont+F1"/>
+              </a:rPr>
+              <a:t>:</a:t>
+            </a:r>
+            <a:r>
+              <a:rPr lang="en-US" sz="1200" b="0" i="0" u="none" strike="noStrike" baseline="0" dirty="0">
+                <a:latin typeface="CIDFont+F1"/>
+              </a:rPr>
+              <a:t> </a:t>
+            </a:r>
+            <a:r>
+              <a:rPr lang="en-US" sz="1200" b="0" i="0" u="none" strike="noStrike" baseline="0" dirty="0">
+                <a:latin typeface="CIDFont+F3"/>
+              </a:rPr>
+              <a:t>development of a method for improving the quality</a:t>
+            </a:r>
+            <a:r>
+              <a:rPr lang="pl-PL" sz="1200" b="0" i="0" u="none" strike="noStrike" baseline="0" dirty="0">
+                <a:latin typeface="CIDFont+F3"/>
+              </a:rPr>
+              <a:t> </a:t>
+            </a:r>
+            <a:r>
+              <a:rPr lang="en-US" sz="1200" b="0" i="0" u="none" strike="noStrike" baseline="0" dirty="0">
+                <a:latin typeface="CIDFont+F3"/>
+              </a:rPr>
+              <a:t>management system of universities, adapted to the specifics of Polish technical universities, using the</a:t>
+            </a:r>
+            <a:r>
+              <a:rPr lang="pl-PL" sz="1200" b="0" i="0" u="none" strike="noStrike" baseline="0" dirty="0">
+                <a:latin typeface="CIDFont+F3"/>
+              </a:rPr>
+              <a:t> </a:t>
+            </a:r>
+            <a:r>
+              <a:rPr lang="en-US" sz="1200" b="0" i="0" u="none" strike="noStrike" baseline="0" dirty="0">
+                <a:latin typeface="CIDFont+F3"/>
+              </a:rPr>
+              <a:t>measurement of satisfaction of various stakeholder groups as one of the indicators of the university’s</a:t>
+            </a:r>
+            <a:r>
+              <a:rPr lang="pl-PL" sz="1200" b="0" i="0" u="none" strike="noStrike" baseline="0" dirty="0">
+                <a:latin typeface="CIDFont+F3"/>
+              </a:rPr>
+              <a:t> performance</a:t>
+            </a:r>
+            <a:endParaRPr lang="pl-PL" sz="1200" b="0" i="0" u="none" strike="noStrike" baseline="0" dirty="0">
+              <a:latin typeface="CIDFont+F1"/>
+            </a:endParaRPr>
+          </a:p>
+          <a:p>
+            <a:endParaRPr lang="pl-PL" dirty="0"/>
+          </a:p>
+        </p:txBody>
+      </p:sp>
+      <p:sp>
+        <p:nvSpPr>
+          <p:cNvPr id="4" name="Slide Number Placeholder 3"/>
+          <p:cNvSpPr>
+            <a:spLocks noGrp="1"/>
+          </p:cNvSpPr>
+          <p:nvPr>
+            <p:ph type="sldNum" sz="quarter" idx="5"/>
+          </p:nvPr>
+        </p:nvSpPr>
+        <p:spPr/>
+        <p:txBody>
+          <a:bodyPr/>
+          <a:lstStyle/>
+          <a:p>
+            <a:fld id="{95B655DE-FF30-4D5D-A50E-CFE6AC1E1D06}" type="slidenum">
+              <a:rPr lang="pl-PL" smtClean="0"/>
+              <a:t>14</a:t>
+            </a:fld>
+            <a:endParaRPr lang="pl-PL"/>
+          </a:p>
+        </p:txBody>
+      </p:sp>
+    </p:spTree>
+    <p:extLst>
+      <p:ext uri="{BB962C8B-B14F-4D97-AF65-F5344CB8AC3E}">
+        <p14:creationId xmlns:p14="http://schemas.microsoft.com/office/powerpoint/2010/main" val="4172071688"/>
+      </p:ext>
+    </p:extLst>
+  </p:cSld>
+  <p:clrMapOvr>
+    <a:masterClrMapping/>
+  </p:clrMapOvr>
+</p:notes>
+</file>
+
+<file path=ppt/notesSlides/notesSlide9.xml><?xml version="1.0" encoding="utf-8"?>
+<p:notes xmlns:a="http://schemas.openxmlformats.org/drawingml/2006/main" xmlns:r="http://schemas.openxmlformats.org/officeDocument/2006/relationships" xmlns:p="http://schemas.openxmlformats.org/presentationml/2006/main">
+  <p:cSld>
+    <p:spTree>
+      <p:nvGrpSpPr>
+        <p:cNvPr id="1" name=""/>
+        <p:cNvGrpSpPr/>
+        <p:nvPr/>
+      </p:nvGrpSpPr>
+      <p:grpSpPr>
+        <a:xfrm>
+          <a:off x="0" y="0"/>
+          <a:ext cx="0" cy="0"/>
+          <a:chOff x="0" y="0"/>
+          <a:chExt cx="0" cy="0"/>
+        </a:xfrm>
+      </p:grpSpPr>
+      <p:sp>
+        <p:nvSpPr>
+          <p:cNvPr id="2" name="Slide Image Placeholder 1"/>
+          <p:cNvSpPr>
+            <a:spLocks noGrp="1" noRot="1" noChangeAspect="1"/>
+          </p:cNvSpPr>
+          <p:nvPr>
+            <p:ph type="sldImg"/>
+          </p:nvPr>
+        </p:nvSpPr>
+        <p:spPr/>
+      </p:sp>
+      <p:sp>
+        <p:nvSpPr>
+          <p:cNvPr id="3" name="Notes Placeholder 2"/>
+          <p:cNvSpPr>
+            <a:spLocks noGrp="1"/>
+          </p:cNvSpPr>
+          <p:nvPr>
+            <p:ph type="body" idx="1"/>
+          </p:nvPr>
+        </p:nvSpPr>
+        <p:spPr/>
+        <p:txBody>
+          <a:bodyPr/>
+          <a:lstStyle/>
+          <a:p>
+            <a:r>
+              <a:rPr lang="en-US" sz="1200" b="0" i="0" u="none" strike="noStrike" baseline="0" dirty="0"/>
+              <a:t>The notion of quality of education and conditions of its quantification at the</a:t>
+            </a:r>
+            <a:r>
+              <a:rPr lang="pl-PL" sz="1200" b="0" i="0" u="none" strike="noStrike" baseline="0" dirty="0"/>
+              <a:t> </a:t>
+            </a:r>
+            <a:r>
+              <a:rPr lang="en-US" sz="1200" b="0" i="0" u="none" strike="noStrike" baseline="0" dirty="0"/>
+              <a:t>universities</a:t>
+            </a:r>
+            <a:endParaRPr lang="pl-PL" dirty="0"/>
+          </a:p>
+        </p:txBody>
+      </p:sp>
+      <p:sp>
+        <p:nvSpPr>
+          <p:cNvPr id="4" name="Slide Number Placeholder 3"/>
+          <p:cNvSpPr>
+            <a:spLocks noGrp="1"/>
+          </p:cNvSpPr>
+          <p:nvPr>
+            <p:ph type="sldNum" sz="quarter" idx="5"/>
+          </p:nvPr>
+        </p:nvSpPr>
+        <p:spPr/>
+        <p:txBody>
+          <a:bodyPr/>
+          <a:lstStyle/>
+          <a:p>
+            <a:fld id="{95B655DE-FF30-4D5D-A50E-CFE6AC1E1D06}" type="slidenum">
+              <a:rPr lang="pl-PL" smtClean="0"/>
+              <a:t>15</a:t>
             </a:fld>
             <a:endParaRPr lang="pl-PL"/>
           </a:p>
@@ -2102,7 +2454,7 @@
           <a:p>
             <a:fld id="{F0EF8B8A-156A-435C-AD97-E523B40FBEC6}" type="datetime1">
               <a:rPr lang="pl-PL" smtClean="0"/>
-              <a:t>19.09.2024</a:t>
+              <a:t>24.10.2024</a:t>
             </a:fld>
             <a:endParaRPr lang="pl-PL" dirty="0"/>
           </a:p>
@@ -2181,10 +2533,10 @@
       </p:sp>
       <p:pic>
         <p:nvPicPr>
-          <p:cNvPr id="8" name="Picture 7">
-            <a:extLst>
-              <a:ext uri="{FF2B5EF4-FFF2-40B4-BE49-F238E27FC236}">
-                <a16:creationId xmlns:a16="http://schemas.microsoft.com/office/drawing/2014/main" id="{5C01B713-E988-267E-19AD-5E75F3B5BB59}"/>
+          <p:cNvPr id="9" name="Image" descr="Image">
+            <a:extLst>
+              <a:ext uri="{FF2B5EF4-FFF2-40B4-BE49-F238E27FC236}">
+                <a16:creationId xmlns:a16="http://schemas.microsoft.com/office/drawing/2014/main" id="{5E855CC7-5BE1-611D-2959-51F87F5B90D6}"/>
               </a:ext>
             </a:extLst>
           </p:cNvPr>
@@ -2194,24 +2546,23 @@
           <p:nvPr userDrawn="1"/>
         </p:nvPicPr>
         <p:blipFill>
-          <a:blip r:embed="rId2">
-            <a:extLst>
-              <a:ext uri="{28A0092B-C50C-407E-A947-70E740481C1C}">
-                <a14:useLocalDpi xmlns:a14="http://schemas.microsoft.com/office/drawing/2010/main" val="0"/>
-              </a:ext>
-            </a:extLst>
-          </a:blip>
-          <a:srcRect t="36750" b="36856"/>
-          <a:stretch/>
+          <a:blip r:embed="rId2"/>
+          <a:srcRect r="33599"/>
+          <a:stretch>
+            <a:fillRect/>
+          </a:stretch>
         </p:blipFill>
         <p:spPr>
           <a:xfrm>
-            <a:off x="2856000" y="330201"/>
-            <a:ext cx="6480000" cy="1219200"/>
+            <a:off x="2856000" y="410016"/>
+            <a:ext cx="6480000" cy="1571892"/>
           </a:xfrm>
           <a:prstGeom prst="rect">
             <a:avLst/>
           </a:prstGeom>
+          <a:ln w="12700">
+            <a:miter lim="400000"/>
+          </a:ln>
         </p:spPr>
       </p:pic>
     </p:spTree>
@@ -2354,7 +2705,7 @@
           <a:p>
             <a:fld id="{6D267998-9FE6-4DC5-B510-9D5DDF5DDD4E}" type="datetime1">
               <a:rPr lang="pl-PL" smtClean="0"/>
-              <a:t>19.09.2024</a:t>
+              <a:t>24.10.2024</a:t>
             </a:fld>
             <a:endParaRPr lang="pl-PL"/>
           </a:p>
@@ -2564,7 +2915,7 @@
           <a:p>
             <a:fld id="{0D4DDDB4-675E-47A0-B021-EDCA5866B50A}" type="datetime1">
               <a:rPr lang="pl-PL" smtClean="0"/>
-              <a:t>19.09.2024</a:t>
+              <a:t>24.10.2024</a:t>
             </a:fld>
             <a:endParaRPr lang="pl-PL"/>
           </a:p>
@@ -2634,6 +2985,91 @@
   <p:clrMapOvr>
     <a:masterClrMapping/>
   </p:clrMapOvr>
+</p:sldLayout>
+</file>
+
+<file path=ppt/slideLayouts/slideLayout12.xml><?xml version="1.0" encoding="utf-8"?>
+<p:sldLayout xmlns:a="http://schemas.openxmlformats.org/drawingml/2006/main" xmlns:r="http://schemas.openxmlformats.org/officeDocument/2006/relationships" xmlns:p="http://schemas.openxmlformats.org/presentationml/2006/main" showMasterSp="0" type="tx">
+  <p:cSld name="3_Nagłówek sekcji">
+    <p:spTree>
+      <p:nvGrpSpPr>
+        <p:cNvPr id="1" name=""/>
+        <p:cNvGrpSpPr/>
+        <p:nvPr/>
+      </p:nvGrpSpPr>
+      <p:grpSpPr>
+        <a:xfrm>
+          <a:off x="0" y="0"/>
+          <a:ext cx="0" cy="0"/>
+          <a:chOff x="0" y="0"/>
+          <a:chExt cx="0" cy="0"/>
+        </a:xfrm>
+      </p:grpSpPr>
+      <p:pic>
+        <p:nvPicPr>
+          <p:cNvPr id="253" name="Image" descr="Image"/>
+          <p:cNvPicPr>
+            <a:picLocks noChangeAspect="1"/>
+          </p:cNvPicPr>
+          <p:nvPr/>
+        </p:nvPicPr>
+        <p:blipFill>
+          <a:blip r:embed="rId2"/>
+          <a:srcRect r="33607"/>
+          <a:stretch>
+            <a:fillRect/>
+          </a:stretch>
+        </p:blipFill>
+        <p:spPr>
+          <a:xfrm>
+            <a:off x="3128218" y="2709000"/>
+            <a:ext cx="5935564" cy="1440000"/>
+          </a:xfrm>
+          <a:prstGeom prst="rect">
+            <a:avLst/>
+          </a:prstGeom>
+          <a:ln w="12700">
+            <a:miter lim="400000"/>
+          </a:ln>
+        </p:spPr>
+      </p:pic>
+      <p:sp>
+        <p:nvSpPr>
+          <p:cNvPr id="256" name="Slide Number"/>
+          <p:cNvSpPr txBox="1">
+            <a:spLocks noGrp="1"/>
+          </p:cNvSpPr>
+          <p:nvPr>
+            <p:ph type="sldNum" sz="quarter" idx="2"/>
+          </p:nvPr>
+        </p:nvSpPr>
+        <p:spPr>
+          <a:prstGeom prst="rect">
+            <a:avLst/>
+          </a:prstGeom>
+        </p:spPr>
+        <p:txBody>
+          <a:bodyPr/>
+          <a:lstStyle/>
+          <a:p>
+            <a:fld id="{86CB4B4D-7CA3-9044-876B-883B54F8677D}" type="slidenum">
+              <a:t>‹#›</a:t>
+            </a:fld>
+            <a:endParaRPr/>
+          </a:p>
+        </p:txBody>
+      </p:sp>
+    </p:spTree>
+    <p:extLst>
+      <p:ext uri="{BB962C8B-B14F-4D97-AF65-F5344CB8AC3E}">
+        <p14:creationId xmlns:p14="http://schemas.microsoft.com/office/powerpoint/2010/main" val="3000699201"/>
+      </p:ext>
+    </p:extLst>
+  </p:cSld>
+  <p:clrMapOvr>
+    <a:masterClrMapping/>
+  </p:clrMapOvr>
+  <p:transition spd="med"/>
 </p:sldLayout>
 </file>
 
@@ -2830,7 +3266,7 @@
           <a:p>
             <a:fld id="{DA999596-79E2-47B9-BE05-8BA149DDBEB8}" type="datetime1">
               <a:rPr lang="pl-PL" smtClean="0"/>
-              <a:t>19.09.2024</a:t>
+              <a:t>24.10.2024</a:t>
             </a:fld>
             <a:endParaRPr lang="pl-PL" dirty="0"/>
           </a:p>
@@ -3126,7 +3562,7 @@
           <a:p>
             <a:fld id="{75B5E9CE-1D79-43DA-9F33-E75AC39DFDD8}" type="datetime1">
               <a:rPr lang="pl-PL" smtClean="0"/>
-              <a:t>19.09.2024</a:t>
+              <a:t>24.10.2024</a:t>
             </a:fld>
             <a:endParaRPr lang="pl-PL"/>
           </a:p>
@@ -3500,7 +3936,7 @@
           <a:p>
             <a:fld id="{7C3477A2-E204-4FE0-9357-9D746BEC6204}" type="datetime1">
               <a:rPr lang="pl-PL" smtClean="0"/>
-              <a:t>19.09.2024</a:t>
+              <a:t>24.10.2024</a:t>
             </a:fld>
             <a:endParaRPr lang="pl-PL" dirty="0"/>
           </a:p>
@@ -4002,7 +4438,7 @@
           <a:p>
             <a:fld id="{ABFFCD06-3475-4CDD-804B-4C2809B5A13A}" type="datetime1">
               <a:rPr lang="pl-PL" smtClean="0"/>
-              <a:t>19.09.2024</a:t>
+              <a:t>24.10.2024</a:t>
             </a:fld>
             <a:endParaRPr lang="pl-PL"/>
           </a:p>
@@ -4144,7 +4580,7 @@
           <a:p>
             <a:fld id="{D5BDAB46-48FF-4D68-9F01-A14A7B3B09A5}" type="datetime1">
               <a:rPr lang="pl-PL" smtClean="0"/>
-              <a:t>19.09.2024</a:t>
+              <a:t>24.10.2024</a:t>
             </a:fld>
             <a:endParaRPr lang="pl-PL"/>
           </a:p>
@@ -4257,7 +4693,7 @@
           <a:p>
             <a:fld id="{3723169C-5DAD-43A4-A9F4-0546DD4F92EF}" type="datetime1">
               <a:rPr lang="pl-PL" smtClean="0"/>
-              <a:t>19.09.2024</a:t>
+              <a:t>24.10.2024</a:t>
             </a:fld>
             <a:endParaRPr lang="pl-PL"/>
           </a:p>
@@ -4606,7 +5042,7 @@
           <a:p>
             <a:fld id="{84232DA5-5ACB-4357-B607-7FAA6ABE8D2E}" type="datetime1">
               <a:rPr lang="pl-PL" smtClean="0"/>
-              <a:t>19.09.2024</a:t>
+              <a:t>24.10.2024</a:t>
             </a:fld>
             <a:endParaRPr lang="pl-PL"/>
           </a:p>
@@ -4899,7 +5335,7 @@
           <a:p>
             <a:fld id="{D6D8E8D5-B667-465B-923C-8AE64D9B5C50}" type="datetime1">
               <a:rPr lang="pl-PL" smtClean="0"/>
-              <a:t>19.09.2024</a:t>
+              <a:t>24.10.2024</a:t>
             </a:fld>
             <a:endParaRPr lang="pl-PL"/>
           </a:p>
@@ -5142,7 +5578,7 @@
           <a:p>
             <a:fld id="{CF5EBC61-B65A-4F86-AC7A-820DD48DEEE0}" type="datetime1">
               <a:rPr lang="pl-PL" smtClean="0"/>
-              <a:t>19.09.2024</a:t>
+              <a:t>24.10.2024</a:t>
             </a:fld>
             <a:endParaRPr lang="pl-PL" dirty="0"/>
           </a:p>
@@ -5263,6 +5699,7 @@
     <p:sldLayoutId id="2147483669" r:id="rId9"/>
     <p:sldLayoutId id="2147483670" r:id="rId10"/>
     <p:sldLayoutId id="2147483671" r:id="rId11"/>
+    <p:sldLayoutId id="2147483673" r:id="rId12"/>
   </p:sldLayoutIdLst>
   <p:hf hdr="0" ftr="0" dt="0"/>
   <p:txStyles>
@@ -5551,9 +5988,23 @@
 <file path=ppt/slides/slide1.xml><?xml version="1.0" encoding="utf-8"?>
 <p:sld xmlns:a="http://schemas.openxmlformats.org/drawingml/2006/main" xmlns:r="http://schemas.openxmlformats.org/officeDocument/2006/relationships" xmlns:p="http://schemas.openxmlformats.org/presentationml/2006/main">
   <p:cSld>
+    <p:bg>
+      <p:bgPr>
+        <a:solidFill>
+          <a:srgbClr val="003767"/>
+        </a:solidFill>
+        <a:effectLst/>
+      </p:bgPr>
+    </p:bg>
     <p:spTree>
       <p:nvGrpSpPr>
-        <p:cNvPr id="1" name=""/>
+        <p:cNvPr id="1" name="">
+          <a:extLst>
+            <a:ext uri="{FF2B5EF4-FFF2-40B4-BE49-F238E27FC236}">
+              <a16:creationId xmlns:a16="http://schemas.microsoft.com/office/drawing/2014/main" id="{E33F0303-AB49-249B-063F-6EF784A57F4D}"/>
+            </a:ext>
+          </a:extLst>
+        </p:cNvPr>
         <p:cNvGrpSpPr/>
         <p:nvPr/>
       </p:nvGrpSpPr>
@@ -5570,7 +6021,7 @@
           <p:cNvPr id="2" name="Tytuł 1">
             <a:extLst>
               <a:ext uri="{FF2B5EF4-FFF2-40B4-BE49-F238E27FC236}">
-                <a16:creationId xmlns:a16="http://schemas.microsoft.com/office/drawing/2014/main" id="{E29D7799-A4EF-35D7-4BB8-D11444782D5F}"/>
+                <a16:creationId xmlns:a16="http://schemas.microsoft.com/office/drawing/2014/main" id="{DC48A32A-55BC-6AE8-FD6B-A3F50260BE19}"/>
               </a:ext>
             </a:extLst>
           </p:cNvPr>
@@ -5589,51 +6040,8 @@
           <a:lstStyle/>
           <a:p>
             <a:r>
-              <a:rPr lang="en-US" sz="3200" b="0" i="0" u="none" strike="noStrike" baseline="0" dirty="0">
-                <a:latin typeface="Arial" panose="020B0604020202020204" pitchFamily="34" charset="0"/>
-                <a:cs typeface="Arial" panose="020B0604020202020204" pitchFamily="34" charset="0"/>
-              </a:rPr>
-              <a:t>Stakeholders satisfaction measurement </a:t>
-            </a:r>
-            <a:br>
-              <a:rPr lang="pl-PL" sz="3200" b="0" i="0" u="none" strike="noStrike" baseline="0" dirty="0">
-                <a:latin typeface="Arial" panose="020B0604020202020204" pitchFamily="34" charset="0"/>
-                <a:cs typeface="Arial" panose="020B0604020202020204" pitchFamily="34" charset="0"/>
-              </a:rPr>
-            </a:br>
-            <a:r>
-              <a:rPr lang="en-US" sz="3200" b="0" i="0" u="none" strike="noStrike" baseline="0" dirty="0">
-                <a:latin typeface="Arial" panose="020B0604020202020204" pitchFamily="34" charset="0"/>
-                <a:cs typeface="Arial" panose="020B0604020202020204" pitchFamily="34" charset="0"/>
-              </a:rPr>
-              <a:t>for improvement</a:t>
-            </a:r>
-            <a:r>
-              <a:rPr lang="pl-PL" sz="3200" b="0" i="0" u="none" strike="noStrike" baseline="0" dirty="0">
-                <a:latin typeface="Arial" panose="020B0604020202020204" pitchFamily="34" charset="0"/>
-                <a:cs typeface="Arial" panose="020B0604020202020204" pitchFamily="34" charset="0"/>
-              </a:rPr>
-              <a:t> </a:t>
-            </a:r>
-            <a:r>
-              <a:rPr lang="en-US" sz="3200" b="0" i="0" u="none" strike="noStrike" baseline="0" dirty="0">
-                <a:latin typeface="Arial" panose="020B0604020202020204" pitchFamily="34" charset="0"/>
-                <a:cs typeface="Arial" panose="020B0604020202020204" pitchFamily="34" charset="0"/>
-              </a:rPr>
-              <a:t>of quality management system </a:t>
-            </a:r>
-            <a:br>
-              <a:rPr lang="pl-PL" sz="3200" b="0" i="0" u="none" strike="noStrike" baseline="0" dirty="0">
-                <a:latin typeface="Arial" panose="020B0604020202020204" pitchFamily="34" charset="0"/>
-                <a:cs typeface="Arial" panose="020B0604020202020204" pitchFamily="34" charset="0"/>
-              </a:rPr>
-            </a:br>
-            <a:r>
-              <a:rPr lang="en-US" sz="3200" b="0" i="0" u="none" strike="noStrike" baseline="0" dirty="0">
-                <a:latin typeface="Arial" panose="020B0604020202020204" pitchFamily="34" charset="0"/>
-                <a:cs typeface="Arial" panose="020B0604020202020204" pitchFamily="34" charset="0"/>
-              </a:rPr>
-              <a:t>of Polish technical universities</a:t>
+              <a:rPr lang="pl-PL" sz="3200" dirty="0"/>
+              <a:t>Pomiar satysfakcji interesariuszy w doskonaleniu systemu zarządzania jakością uczelni technicznych w Polsce</a:t>
             </a:r>
             <a:endParaRPr lang="pl-PL" sz="3200" dirty="0">
               <a:latin typeface="Arial" panose="020B0604020202020204" pitchFamily="34" charset="0"/>
@@ -5647,7 +6055,7 @@
           <p:cNvPr id="3" name="Podtytuł 2">
             <a:extLst>
               <a:ext uri="{FF2B5EF4-FFF2-40B4-BE49-F238E27FC236}">
-                <a16:creationId xmlns:a16="http://schemas.microsoft.com/office/drawing/2014/main" id="{28DA0633-C169-56F1-BE82-4CE0776C07E2}"/>
+                <a16:creationId xmlns:a16="http://schemas.microsoft.com/office/drawing/2014/main" id="{19DEA9DD-F948-B38A-F6CF-7962AD56E706}"/>
               </a:ext>
             </a:extLst>
           </p:cNvPr>
@@ -5676,35 +6084,35 @@
                 <a:latin typeface="Arial" panose="020B0604020202020204" pitchFamily="34" charset="0"/>
                 <a:cs typeface="Arial" panose="020B0604020202020204" pitchFamily="34" charset="0"/>
               </a:rPr>
-              <a:t>Jan Paweł Szefler </a:t>
-            </a:r>
-            <a:r>
-              <a:rPr lang="pl-PL" sz="2000" dirty="0" err="1">
-                <a:latin typeface="Arial" panose="020B0604020202020204" pitchFamily="34" charset="0"/>
-                <a:cs typeface="Arial" panose="020B0604020202020204" pitchFamily="34" charset="0"/>
-              </a:rPr>
-              <a:t>MSc</a:t>
-            </a:r>
-            <a:r>
-              <a:rPr lang="pl-PL" sz="2000" dirty="0">
-                <a:latin typeface="Arial" panose="020B0604020202020204" pitchFamily="34" charset="0"/>
-                <a:cs typeface="Arial" panose="020B0604020202020204" pitchFamily="34" charset="0"/>
-              </a:rPr>
-              <a:t> </a:t>
-            </a:r>
-            <a:r>
-              <a:rPr lang="pl-PL" sz="2000" dirty="0" err="1">
-                <a:latin typeface="Arial" panose="020B0604020202020204" pitchFamily="34" charset="0"/>
-                <a:cs typeface="Arial" panose="020B0604020202020204" pitchFamily="34" charset="0"/>
-              </a:rPr>
-              <a:t>Eng</a:t>
-            </a:r>
-            <a:r>
-              <a:rPr lang="pl-PL" sz="2000" dirty="0">
-                <a:latin typeface="Arial" panose="020B0604020202020204" pitchFamily="34" charset="0"/>
-                <a:cs typeface="Arial" panose="020B0604020202020204" pitchFamily="34" charset="0"/>
-              </a:rPr>
-              <a:t>.</a:t>
+              <a:t>Mgr inż. Jan Paweł Szefler </a:t>
+            </a:r>
+          </a:p>
+        </p:txBody>
+      </p:sp>
+      <p:sp>
+        <p:nvSpPr>
+          <p:cNvPr id="4" name="Date Placeholder 3">
+            <a:extLst>
+              <a:ext uri="{FF2B5EF4-FFF2-40B4-BE49-F238E27FC236}">
+                <a16:creationId xmlns:a16="http://schemas.microsoft.com/office/drawing/2014/main" id="{66E301B0-1A9E-3D74-979F-6F2D50567E8C}"/>
+              </a:ext>
+            </a:extLst>
+          </p:cNvPr>
+          <p:cNvSpPr>
+            <a:spLocks noGrp="1"/>
+          </p:cNvSpPr>
+          <p:nvPr>
+            <p:ph type="dt" sz="half" idx="10"/>
+          </p:nvPr>
+        </p:nvSpPr>
+        <p:spPr/>
+        <p:txBody>
+          <a:bodyPr/>
+          <a:lstStyle/>
+          <a:p>
+            <a:r>
+              <a:rPr lang="pl-PL" dirty="0"/>
+              <a:t>Gdańsk, 12.12.2024</a:t>
             </a:r>
           </a:p>
         </p:txBody>
@@ -5712,7 +6120,7 @@
     </p:spTree>
     <p:extLst>
       <p:ext uri="{BB962C8B-B14F-4D97-AF65-F5344CB8AC3E}">
-        <p14:creationId xmlns:p14="http://schemas.microsoft.com/office/powerpoint/2010/main" val="2750831356"/>
+        <p14:creationId xmlns:p14="http://schemas.microsoft.com/office/powerpoint/2010/main" val="2185784683"/>
       </p:ext>
     </p:extLst>
   </p:cSld>
@@ -5744,7 +6152,7 @@
           <p:cNvPr id="2" name="Tytuł 1">
             <a:extLst>
               <a:ext uri="{FF2B5EF4-FFF2-40B4-BE49-F238E27FC236}">
-                <a16:creationId xmlns:a16="http://schemas.microsoft.com/office/drawing/2014/main" id="{F6890351-155B-7356-4743-88EE83BACBDB}"/>
+                <a16:creationId xmlns:a16="http://schemas.microsoft.com/office/drawing/2014/main" id="{01EFD048-9FB8-37CA-8312-F051845A7BC3}"/>
               </a:ext>
             </a:extLst>
           </p:cNvPr>
@@ -5753,6 +6161,47 @@
           </p:cNvSpPr>
           <p:nvPr>
             <p:ph type="title"/>
+          </p:nvPr>
+        </p:nvSpPr>
+        <p:spPr/>
+        <p:txBody>
+          <a:bodyPr/>
+          <a:lstStyle/>
+          <a:p>
+            <a:r>
+              <a:rPr lang="en-GB" dirty="0"/>
+              <a:t>Research – hypothesis</a:t>
+            </a:r>
+            <a:r>
+              <a:rPr lang="pl-PL" dirty="0"/>
+              <a:t> </a:t>
+            </a:r>
+            <a:r>
+              <a:rPr lang="pl-PL" dirty="0" err="1"/>
+              <a:t>verification</a:t>
+            </a:r>
+            <a:r>
+              <a:rPr lang="pl-PL" dirty="0"/>
+              <a:t> 1/2</a:t>
+            </a:r>
+            <a:endParaRPr lang="en-GB" dirty="0"/>
+          </a:p>
+        </p:txBody>
+      </p:sp>
+      <p:sp>
+        <p:nvSpPr>
+          <p:cNvPr id="3" name="Symbol zastępczy zawartości 2">
+            <a:extLst>
+              <a:ext uri="{FF2B5EF4-FFF2-40B4-BE49-F238E27FC236}">
+                <a16:creationId xmlns:a16="http://schemas.microsoft.com/office/drawing/2014/main" id="{EE4AD005-1970-BDE9-0A53-0944A39687D5}"/>
+              </a:ext>
+            </a:extLst>
+          </p:cNvPr>
+          <p:cNvSpPr>
+            <a:spLocks noGrp="1"/>
+          </p:cNvSpPr>
+          <p:nvPr>
+            <p:ph idx="1"/>
           </p:nvPr>
         </p:nvSpPr>
         <p:spPr/>
@@ -5763,181 +6212,262 @@
           <a:lstStyle/>
           <a:p>
             <a:r>
-              <a:rPr lang="en-GB" dirty="0"/>
-              <a:t>Proposed practical solution - SSDQM</a:t>
-            </a:r>
-          </a:p>
-        </p:txBody>
-      </p:sp>
-      <p:sp>
-        <p:nvSpPr>
-          <p:cNvPr id="9" name="Symbol zastępczy zawartości 8">
-            <a:extLst>
-              <a:ext uri="{FF2B5EF4-FFF2-40B4-BE49-F238E27FC236}">
-                <a16:creationId xmlns:a16="http://schemas.microsoft.com/office/drawing/2014/main" id="{64173AA8-6E89-4AEF-5FDF-8C44185B4716}"/>
-              </a:ext>
-            </a:extLst>
-          </p:cNvPr>
-          <p:cNvSpPr>
-            <a:spLocks noGrp="1"/>
-          </p:cNvSpPr>
-          <p:nvPr>
-            <p:ph sz="half" idx="1"/>
-          </p:nvPr>
-        </p:nvSpPr>
-        <p:spPr>
-          <a:xfrm>
-            <a:off x="838200" y="1825625"/>
-            <a:ext cx="4500000" cy="4351338"/>
-          </a:xfrm>
-        </p:spPr>
-        <p:txBody>
-          <a:bodyPr>
-            <a:normAutofit lnSpcReduction="10000"/>
-          </a:bodyPr>
-          <a:lstStyle/>
-          <a:p>
-            <a:r>
-              <a:rPr lang="en-GB" sz="2400" b="1" dirty="0"/>
-              <a:t>Stakeholders Satisfaction Driven Quality Management Model </a:t>
-            </a:r>
-            <a:br>
-              <a:rPr lang="en-GB" sz="2400" dirty="0"/>
-            </a:br>
-            <a:r>
-              <a:rPr lang="en-GB" sz="2400" dirty="0"/>
-              <a:t>(main stages only</a:t>
-            </a:r>
-            <a:r>
-              <a:rPr lang="en-GB" sz="2000" dirty="0"/>
-              <a:t>)</a:t>
-            </a:r>
-          </a:p>
-          <a:p>
-            <a:r>
-              <a:rPr lang="en-GB" sz="2400" dirty="0"/>
-              <a:t>supporting compliance with:</a:t>
+              <a:rPr lang="en-GB" sz="1800" b="1" dirty="0"/>
+              <a:t>H1</a:t>
+            </a:r>
+            <a:r>
+              <a:rPr lang="en-GB" sz="1800" dirty="0"/>
+              <a:t>: </a:t>
+            </a:r>
+            <a:r>
+              <a:rPr lang="en-GB" sz="1800" i="1" dirty="0"/>
+              <a:t>there is positive correlation between stakeholders’ satisfaction and other measures of quality of universities’ services </a:t>
+            </a:r>
+            <a:r>
+              <a:rPr lang="en-GB" sz="1800" b="1" i="1" dirty="0"/>
+              <a:t>→</a:t>
+            </a:r>
+            <a:r>
+              <a:rPr lang="en-GB" sz="1800" i="1" dirty="0"/>
+              <a:t> </a:t>
+            </a:r>
+            <a:r>
+              <a:rPr lang="en-GB" sz="1800" dirty="0"/>
+              <a:t>Not confirmed</a:t>
+            </a:r>
+          </a:p>
+          <a:p>
+            <a:r>
+              <a:rPr lang="en-GB" sz="1800" b="1" dirty="0"/>
+              <a:t>H2: </a:t>
+            </a:r>
+            <a:r>
+              <a:rPr lang="en-GB" sz="1800" i="1" dirty="0"/>
+              <a:t>there is a positive correlation between stakeholders’ satisfaction and graduates’ market performance index (earnings, employment – named </a:t>
+            </a:r>
+            <a:r>
+              <a:rPr lang="en-GB" sz="1800" b="1" i="1" dirty="0"/>
+              <a:t>IWRA</a:t>
+            </a:r>
+            <a:r>
+              <a:rPr lang="en-GB" sz="1800" i="1" dirty="0"/>
+              <a:t>) </a:t>
+            </a:r>
+            <a:r>
+              <a:rPr lang="en-GB" sz="1800" b="1" i="1" dirty="0"/>
+              <a:t>→</a:t>
+            </a:r>
+            <a:r>
+              <a:rPr lang="en-GB" sz="1800" i="1" dirty="0"/>
+              <a:t> </a:t>
+            </a:r>
+            <a:r>
+              <a:rPr lang="en-GB" sz="1800" dirty="0"/>
+              <a:t>Not confirmed</a:t>
             </a:r>
           </a:p>
           <a:p>
             <a:pPr lvl="1"/>
             <a:r>
-              <a:rPr lang="en-GB" sz="2000" dirty="0"/>
-              <a:t>ISO21001:2018</a:t>
+              <a:rPr lang="en-GB" sz="1600" b="1" dirty="0"/>
+              <a:t>H2a</a:t>
+            </a:r>
+            <a:r>
+              <a:rPr lang="en-GB" sz="1600" i="1" dirty="0"/>
+              <a:t>: </a:t>
+            </a:r>
+            <a:r>
+              <a:rPr lang="en-GB" sz="1600" i="1" u="sng" dirty="0"/>
+              <a:t>Employment rate</a:t>
+            </a:r>
+            <a:r>
+              <a:rPr lang="en-GB" sz="1600" i="1" dirty="0"/>
+              <a:t> among university graduates </a:t>
+            </a:r>
+            <a:r>
+              <a:rPr lang="en-GB" sz="1600" i="1" u="sng" dirty="0"/>
+              <a:t>one year</a:t>
+            </a:r>
+            <a:r>
+              <a:rPr lang="en-GB" sz="1600" i="1" dirty="0"/>
+              <a:t> after graduation is positively correlated with satisfaction of universities’ services</a:t>
+            </a:r>
+            <a:r>
+              <a:rPr lang="en-GB" sz="1600" dirty="0"/>
+              <a:t> </a:t>
+            </a:r>
+            <a:r>
+              <a:rPr lang="en-GB" sz="1600" b="1" i="1" dirty="0"/>
+              <a:t>→</a:t>
+            </a:r>
+            <a:r>
+              <a:rPr lang="en-GB" sz="1600" i="1" dirty="0"/>
+              <a:t> </a:t>
+            </a:r>
+            <a:r>
+              <a:rPr lang="en-GB" sz="1600" dirty="0"/>
+              <a:t>Not confirmed</a:t>
             </a:r>
           </a:p>
           <a:p>
             <a:pPr lvl="1"/>
             <a:r>
-              <a:rPr lang="en-GB" sz="2000" dirty="0"/>
-              <a:t>PKA requirements</a:t>
-            </a:r>
-          </a:p>
-          <a:p>
-            <a:r>
-              <a:rPr lang="en-GB" sz="2400" dirty="0"/>
-              <a:t>based on facts </a:t>
-            </a:r>
-            <a:r>
-              <a:rPr lang="en-GB" sz="2400" b="1" dirty="0"/>
+              <a:rPr lang="en-GB" sz="1600" b="1" dirty="0"/>
+              <a:t>H2b</a:t>
+            </a:r>
+            <a:r>
+              <a:rPr lang="en-GB" sz="1600" i="1" dirty="0"/>
+              <a:t>: </a:t>
+            </a:r>
+            <a:r>
+              <a:rPr lang="en-GB" sz="1600" i="1" u="sng" dirty="0"/>
+              <a:t>Employment rate</a:t>
+            </a:r>
+            <a:r>
+              <a:rPr lang="en-GB" sz="1600" i="1" dirty="0"/>
+              <a:t> among university graduates </a:t>
+            </a:r>
+            <a:r>
+              <a:rPr lang="en-GB" sz="1600" i="1" u="sng" dirty="0"/>
+              <a:t>three years</a:t>
+            </a:r>
+            <a:r>
+              <a:rPr lang="en-GB" sz="1600" i="1" dirty="0"/>
+              <a:t> after graduation is positively correlated with satisfaction of universities’ services</a:t>
+            </a:r>
+            <a:r>
+              <a:rPr lang="en-GB" sz="1600" dirty="0"/>
+              <a:t> </a:t>
+            </a:r>
+            <a:r>
+              <a:rPr lang="en-GB" sz="1600" b="1" i="1" dirty="0"/>
               <a:t>→</a:t>
             </a:r>
             <a:r>
-              <a:rPr lang="en-GB" sz="2400" dirty="0"/>
-              <a:t> qualitative and qua</a:t>
-            </a:r>
-            <a:r>
-              <a:rPr lang="pl-PL" sz="2400" dirty="0"/>
-              <a:t>n</a:t>
-            </a:r>
-            <a:r>
-              <a:rPr lang="en-GB" sz="2400" dirty="0" err="1"/>
-              <a:t>titative</a:t>
-            </a:r>
-            <a:r>
-              <a:rPr lang="en-GB" sz="2400" dirty="0"/>
-              <a:t> research </a:t>
-            </a:r>
-            <a:r>
-              <a:rPr lang="en-GB" sz="2400" b="1" dirty="0"/>
+              <a:rPr lang="en-GB" sz="1600" dirty="0"/>
+              <a:t> Not confirmed</a:t>
+            </a:r>
+            <a:endParaRPr lang="pl-PL" sz="1600" dirty="0"/>
+          </a:p>
+          <a:p>
+            <a:pPr lvl="1"/>
+            <a:r>
+              <a:rPr lang="en-GB" sz="1600" b="1" dirty="0"/>
+              <a:t>H2</a:t>
+            </a:r>
+            <a:r>
+              <a:rPr lang="pl-PL" sz="1600" b="1" dirty="0"/>
+              <a:t>c</a:t>
+            </a:r>
+            <a:r>
+              <a:rPr lang="en-GB" sz="1600" i="1" dirty="0"/>
+              <a:t>: </a:t>
+            </a:r>
+            <a:r>
+              <a:rPr lang="en-US" sz="1600" i="1" dirty="0"/>
+              <a:t>Graduate </a:t>
+            </a:r>
+            <a:r>
+              <a:rPr lang="en-US" sz="1600" i="1" u="sng" dirty="0"/>
+              <a:t>salary</a:t>
+            </a:r>
+            <a:r>
+              <a:rPr lang="en-US" sz="1600" i="1" dirty="0"/>
+              <a:t> levels </a:t>
+            </a:r>
+            <a:r>
+              <a:rPr lang="en-US" sz="1600" i="1" u="sng" dirty="0"/>
+              <a:t>one year </a:t>
+            </a:r>
+            <a:r>
+              <a:rPr lang="en-US" sz="1600" i="1" dirty="0"/>
+              <a:t>after graduation are positively correlated with satisfaction with university services</a:t>
+            </a:r>
+            <a:r>
+              <a:rPr lang="en-GB" sz="1600" dirty="0"/>
+              <a:t> </a:t>
+            </a:r>
+            <a:r>
+              <a:rPr lang="en-GB" sz="1600" b="1" i="1" dirty="0"/>
               <a:t>→</a:t>
             </a:r>
             <a:r>
-              <a:rPr lang="en-GB" sz="2400" dirty="0"/>
+              <a:rPr lang="pl-PL" sz="1600" dirty="0"/>
               <a:t> </a:t>
             </a:r>
-            <a:br>
-              <a:rPr lang="en-GB" sz="2400" dirty="0"/>
-            </a:br>
-            <a:r>
-              <a:rPr lang="en-GB" sz="2400" u="sng" dirty="0"/>
-              <a:t>stages 3, 4, 5</a:t>
-            </a:r>
-          </a:p>
-          <a:p>
-            <a:r>
-              <a:rPr lang="en-GB" sz="2400" dirty="0"/>
-              <a:t>choice of agile and waterfall (project) methods </a:t>
-            </a:r>
-            <a:r>
-              <a:rPr lang="en-GB" sz="2400" b="1" dirty="0"/>
+            <a:r>
+              <a:rPr lang="en-GB" sz="1600" dirty="0"/>
+              <a:t>Not confirmed</a:t>
+            </a:r>
+            <a:endParaRPr lang="pl-PL" sz="1600" dirty="0"/>
+          </a:p>
+          <a:p>
+            <a:pPr lvl="1"/>
+            <a:r>
+              <a:rPr lang="en-GB" sz="1600" b="1" dirty="0"/>
+              <a:t>H2</a:t>
+            </a:r>
+            <a:r>
+              <a:rPr lang="pl-PL" sz="1600" b="1" dirty="0"/>
+              <a:t>d</a:t>
+            </a:r>
+            <a:r>
+              <a:rPr lang="en-GB" sz="1600" i="1" dirty="0"/>
+              <a:t>: </a:t>
+            </a:r>
+            <a:r>
+              <a:rPr lang="en-US" sz="1600" i="1" dirty="0"/>
+              <a:t>Graduate </a:t>
+            </a:r>
+            <a:r>
+              <a:rPr lang="en-US" sz="1600" i="1" u="sng" dirty="0"/>
+              <a:t>salary</a:t>
+            </a:r>
+            <a:r>
+              <a:rPr lang="en-US" sz="1600" i="1" dirty="0"/>
+              <a:t> levels </a:t>
+            </a:r>
+            <a:r>
+              <a:rPr lang="en-US" sz="1600" i="1" u="sng" dirty="0"/>
+              <a:t>three years </a:t>
+            </a:r>
+            <a:r>
+              <a:rPr lang="en-US" sz="1600" i="1" dirty="0"/>
+              <a:t>after graduation are positively correlated with satisfaction with university services</a:t>
+            </a:r>
+            <a:r>
+              <a:rPr lang="en-GB" sz="1600" dirty="0"/>
+              <a:t> </a:t>
+            </a:r>
+            <a:r>
+              <a:rPr lang="en-GB" sz="1600" b="1" i="1" dirty="0"/>
               <a:t>→</a:t>
             </a:r>
             <a:r>
-              <a:rPr lang="en-GB" sz="2400" dirty="0"/>
+              <a:rPr lang="pl-PL" sz="1600" dirty="0"/>
               <a:t> </a:t>
             </a:r>
             <a:r>
-              <a:rPr lang="en-GB" sz="2400" u="sng" dirty="0"/>
-              <a:t>stage 7</a:t>
-            </a:r>
+              <a:rPr lang="pl-PL" sz="1600" b="1" dirty="0"/>
+              <a:t>C</a:t>
+            </a:r>
+            <a:r>
+              <a:rPr lang="en-GB" sz="1600" b="1" dirty="0" err="1"/>
+              <a:t>onfirmed</a:t>
+            </a:r>
+            <a:endParaRPr lang="en-GB" sz="1600" b="1" dirty="0"/>
           </a:p>
           <a:p>
             <a:endParaRPr lang="en-GB" dirty="0"/>
           </a:p>
         </p:txBody>
       </p:sp>
-      <p:pic>
-        <p:nvPicPr>
-          <p:cNvPr id="11" name="Symbol zastępczy zawartości 10">
-            <a:extLst>
-              <a:ext uri="{FF2B5EF4-FFF2-40B4-BE49-F238E27FC236}">
-                <a16:creationId xmlns:a16="http://schemas.microsoft.com/office/drawing/2014/main" id="{F3F2F887-44A0-AEBD-0E13-2AE703217309}"/>
-              </a:ext>
-            </a:extLst>
-          </p:cNvPr>
-          <p:cNvPicPr>
-            <a:picLocks noGrp="1" noChangeAspect="1"/>
-          </p:cNvPicPr>
-          <p:nvPr>
-            <p:ph sz="half" idx="2"/>
-          </p:nvPr>
-        </p:nvPicPr>
-        <p:blipFill>
-          <a:blip r:embed="rId2">
-            <a:extLst>
-              <a:ext uri="{28A0092B-C50C-407E-A947-70E740481C1C}">
-                <a14:useLocalDpi xmlns:a14="http://schemas.microsoft.com/office/drawing/2010/main" val="0"/>
-              </a:ext>
-            </a:extLst>
-          </a:blip>
-          <a:stretch>
-            <a:fillRect/>
-          </a:stretch>
-        </p:blipFill>
-        <p:spPr>
-          <a:xfrm>
-            <a:off x="5291667" y="1825625"/>
-            <a:ext cx="6645294" cy="3898934"/>
-          </a:xfrm>
-        </p:spPr>
-      </p:pic>
-      <p:sp>
-        <p:nvSpPr>
-          <p:cNvPr id="3" name="Slide Number Placeholder 2">
-            <a:extLst>
-              <a:ext uri="{FF2B5EF4-FFF2-40B4-BE49-F238E27FC236}">
-                <a16:creationId xmlns:a16="http://schemas.microsoft.com/office/drawing/2014/main" id="{5CAD4500-ADCB-5084-A82A-D4F7660BB6A8}"/>
+      <p:sp>
+        <p:nvSpPr>
+          <p:cNvPr id="4" name="Slide Number Placeholder 3">
+            <a:extLst>
+              <a:ext uri="{FF2B5EF4-FFF2-40B4-BE49-F238E27FC236}">
+                <a16:creationId xmlns:a16="http://schemas.microsoft.com/office/drawing/2014/main" id="{DB706B49-6F9B-ABED-D6D6-67D3575E89AC}"/>
               </a:ext>
             </a:extLst>
           </p:cNvPr>
@@ -5965,7 +6495,7 @@
     </p:spTree>
     <p:extLst>
       <p:ext uri="{BB962C8B-B14F-4D97-AF65-F5344CB8AC3E}">
-        <p14:creationId xmlns:p14="http://schemas.microsoft.com/office/powerpoint/2010/main" val="1961115062"/>
+        <p14:creationId xmlns:p14="http://schemas.microsoft.com/office/powerpoint/2010/main" val="62556228"/>
       </p:ext>
     </p:extLst>
   </p:cSld>
@@ -5997,6 +6527,501 @@
           <p:cNvPr id="2" name="Tytuł 1">
             <a:extLst>
               <a:ext uri="{FF2B5EF4-FFF2-40B4-BE49-F238E27FC236}">
+                <a16:creationId xmlns:a16="http://schemas.microsoft.com/office/drawing/2014/main" id="{01EFD048-9FB8-37CA-8312-F051845A7BC3}"/>
+              </a:ext>
+            </a:extLst>
+          </p:cNvPr>
+          <p:cNvSpPr>
+            <a:spLocks noGrp="1"/>
+          </p:cNvSpPr>
+          <p:nvPr>
+            <p:ph type="title"/>
+          </p:nvPr>
+        </p:nvSpPr>
+        <p:spPr/>
+        <p:txBody>
+          <a:bodyPr/>
+          <a:lstStyle/>
+          <a:p>
+            <a:r>
+              <a:rPr lang="en-GB" dirty="0"/>
+              <a:t>Research – hypothesis verification 2/2</a:t>
+            </a:r>
+          </a:p>
+        </p:txBody>
+      </p:sp>
+      <p:sp>
+        <p:nvSpPr>
+          <p:cNvPr id="3" name="Symbol zastępczy zawartości 2">
+            <a:extLst>
+              <a:ext uri="{FF2B5EF4-FFF2-40B4-BE49-F238E27FC236}">
+                <a16:creationId xmlns:a16="http://schemas.microsoft.com/office/drawing/2014/main" id="{EE4AD005-1970-BDE9-0A53-0944A39687D5}"/>
+              </a:ext>
+            </a:extLst>
+          </p:cNvPr>
+          <p:cNvSpPr>
+            <a:spLocks noGrp="1"/>
+          </p:cNvSpPr>
+          <p:nvPr>
+            <p:ph idx="1"/>
+          </p:nvPr>
+        </p:nvSpPr>
+        <p:spPr/>
+        <p:txBody>
+          <a:bodyPr>
+            <a:normAutofit fontScale="62500" lnSpcReduction="20000"/>
+          </a:bodyPr>
+          <a:lstStyle/>
+          <a:p>
+            <a:r>
+              <a:rPr lang="en-GB" sz="3200" b="1" dirty="0"/>
+              <a:t>H3</a:t>
+            </a:r>
+            <a:r>
+              <a:rPr lang="en-GB" sz="3200" dirty="0"/>
+              <a:t>: </a:t>
+            </a:r>
+            <a:r>
+              <a:rPr lang="en-GB" sz="3200" i="1" dirty="0"/>
+              <a:t>Graduates of </a:t>
+            </a:r>
+            <a:r>
+              <a:rPr lang="en-GB" sz="3200" i="1" u="sng" dirty="0"/>
+              <a:t>public technical universities </a:t>
+            </a:r>
+            <a:r>
+              <a:rPr lang="en-GB" sz="3200" i="1" dirty="0"/>
+              <a:t>are </a:t>
+            </a:r>
+            <a:r>
+              <a:rPr lang="en-GB" sz="3200" i="1" u="sng" dirty="0"/>
+              <a:t>more valued </a:t>
+            </a:r>
+            <a:r>
+              <a:rPr lang="en-GB" sz="3200" i="1" dirty="0"/>
+              <a:t>in the labour market than graduates of other universities (higher IWRA index values) </a:t>
+            </a:r>
+            <a:r>
+              <a:rPr lang="en-GB" sz="3200" b="1" i="1" dirty="0"/>
+              <a:t>→</a:t>
+            </a:r>
+            <a:r>
+              <a:rPr lang="en-GB" sz="3200" i="1" dirty="0"/>
+              <a:t> </a:t>
+            </a:r>
+            <a:r>
+              <a:rPr lang="en-GB" sz="3200" dirty="0"/>
+              <a:t>Not confirmed</a:t>
+            </a:r>
+          </a:p>
+          <a:p>
+            <a:pPr lvl="1"/>
+            <a:r>
+              <a:rPr lang="en-GB" sz="2600" b="1" dirty="0"/>
+              <a:t>H3a</a:t>
+            </a:r>
+            <a:r>
+              <a:rPr lang="en-GB" sz="2600" b="1" dirty="0">
+                <a:solidFill>
+                  <a:srgbClr val="FF0000"/>
+                </a:solidFill>
+              </a:rPr>
+              <a:t>’</a:t>
+            </a:r>
+            <a:r>
+              <a:rPr lang="en-GB" sz="2600" i="1" dirty="0"/>
+              <a:t>: </a:t>
+            </a:r>
+            <a:r>
+              <a:rPr lang="en-GB" sz="2600" i="1" u="sng" dirty="0"/>
+              <a:t>Employment rate</a:t>
+            </a:r>
+            <a:r>
+              <a:rPr lang="en-GB" sz="2600" i="1" dirty="0"/>
+              <a:t> among graduates of public </a:t>
+            </a:r>
+            <a:r>
+              <a:rPr lang="en-GB" sz="2600" i="1" u="sng" dirty="0"/>
+              <a:t>technical</a:t>
+            </a:r>
+            <a:r>
+              <a:rPr lang="en-GB" sz="2600" i="1" dirty="0"/>
+              <a:t> universities </a:t>
+            </a:r>
+            <a:r>
+              <a:rPr lang="en-GB" sz="2600" i="1" u="sng" dirty="0"/>
+              <a:t>one year </a:t>
+            </a:r>
+            <a:r>
+              <a:rPr lang="en-GB" sz="2600" i="1" dirty="0"/>
+              <a:t>after graduation is </a:t>
+            </a:r>
+            <a:r>
+              <a:rPr lang="en-GB" sz="2600" b="1" i="1" dirty="0">
+                <a:solidFill>
+                  <a:srgbClr val="FF0000"/>
+                </a:solidFill>
+              </a:rPr>
+              <a:t>lower</a:t>
+            </a:r>
+            <a:r>
+              <a:rPr lang="en-GB" sz="2600" i="1" dirty="0"/>
+              <a:t> than the employment rate of graduates from other universities </a:t>
+            </a:r>
+            <a:r>
+              <a:rPr lang="en-GB" sz="2600" b="1" i="1" dirty="0"/>
+              <a:t>→</a:t>
+            </a:r>
+            <a:r>
+              <a:rPr lang="en-GB" sz="2600" dirty="0"/>
+              <a:t> Not confirmed</a:t>
+            </a:r>
+          </a:p>
+          <a:p>
+            <a:pPr lvl="1"/>
+            <a:r>
+              <a:rPr lang="en-GB" sz="2600" b="1" dirty="0"/>
+              <a:t>H3b</a:t>
+            </a:r>
+            <a:r>
+              <a:rPr lang="en-GB" sz="2600" i="1" dirty="0"/>
+              <a:t>: </a:t>
+            </a:r>
+            <a:r>
+              <a:rPr lang="en-GB" sz="2600" i="1" u="sng" dirty="0"/>
+              <a:t>Employment rate</a:t>
+            </a:r>
+            <a:r>
+              <a:rPr lang="en-GB" sz="2600" i="1" dirty="0"/>
+              <a:t> among graduates of public </a:t>
+            </a:r>
+            <a:r>
+              <a:rPr lang="en-GB" sz="2600" i="1" u="sng" dirty="0"/>
+              <a:t>technical</a:t>
+            </a:r>
+            <a:r>
+              <a:rPr lang="en-GB" sz="2600" i="1" dirty="0"/>
+              <a:t> universities </a:t>
+            </a:r>
+            <a:r>
+              <a:rPr lang="en-GB" sz="2600" i="1" u="sng" dirty="0"/>
+              <a:t>three years</a:t>
+            </a:r>
+            <a:r>
+              <a:rPr lang="en-GB" sz="2600" i="1" dirty="0"/>
+              <a:t> after graduation is higher than for graduates from other universities </a:t>
+            </a:r>
+            <a:r>
+              <a:rPr lang="en-GB" sz="2600" b="1" i="1" dirty="0"/>
+              <a:t>→</a:t>
+            </a:r>
+            <a:r>
+              <a:rPr lang="en-GB" sz="2600" dirty="0"/>
+              <a:t> Not confirmed</a:t>
+            </a:r>
+          </a:p>
+          <a:p>
+            <a:pPr lvl="1"/>
+            <a:r>
+              <a:rPr lang="en-GB" sz="2600" b="1" dirty="0"/>
+              <a:t>H3c</a:t>
+            </a:r>
+            <a:r>
+              <a:rPr lang="en-GB" sz="2600" i="1" dirty="0"/>
+              <a:t>: Average </a:t>
+            </a:r>
+            <a:r>
+              <a:rPr lang="en-GB" sz="2600" i="1" u="sng" dirty="0"/>
+              <a:t>salaries</a:t>
+            </a:r>
+            <a:r>
+              <a:rPr lang="en-GB" sz="2600" i="1" dirty="0"/>
+              <a:t> of graduates of public </a:t>
+            </a:r>
+            <a:r>
+              <a:rPr lang="en-GB" sz="2600" i="1" u="sng" dirty="0"/>
+              <a:t>technical</a:t>
+            </a:r>
+            <a:r>
+              <a:rPr lang="en-GB" sz="2600" i="1" dirty="0"/>
+              <a:t> universities </a:t>
+            </a:r>
+            <a:r>
+              <a:rPr lang="en-GB" sz="2600" i="1" u="sng" dirty="0"/>
+              <a:t>one year</a:t>
+            </a:r>
+            <a:r>
+              <a:rPr lang="en-GB" sz="2600" i="1" dirty="0"/>
+              <a:t> after graduation are higher than for other universities </a:t>
+            </a:r>
+            <a:r>
+              <a:rPr lang="en-GB" sz="2600" b="1" i="1" dirty="0"/>
+              <a:t>→</a:t>
+            </a:r>
+            <a:r>
+              <a:rPr lang="en-GB" sz="2600" dirty="0"/>
+              <a:t> Not confirmed</a:t>
+            </a:r>
+          </a:p>
+          <a:p>
+            <a:pPr lvl="1"/>
+            <a:r>
+              <a:rPr lang="en-GB" sz="2600" b="1" dirty="0"/>
+              <a:t>H3d</a:t>
+            </a:r>
+            <a:r>
+              <a:rPr lang="en-GB" sz="2600" i="1" dirty="0"/>
+              <a:t>: Average </a:t>
+            </a:r>
+            <a:r>
+              <a:rPr lang="en-GB" sz="2600" i="1" u="sng" dirty="0"/>
+              <a:t>salaries</a:t>
+            </a:r>
+            <a:r>
+              <a:rPr lang="en-GB" sz="2600" i="1" dirty="0"/>
+              <a:t> of graduates of public </a:t>
+            </a:r>
+            <a:r>
+              <a:rPr lang="en-GB" sz="2600" i="1" u="sng" dirty="0"/>
+              <a:t>technical</a:t>
+            </a:r>
+            <a:r>
+              <a:rPr lang="en-GB" sz="2600" i="1" dirty="0"/>
+              <a:t> universities </a:t>
+            </a:r>
+            <a:r>
+              <a:rPr lang="en-GB" sz="2600" i="1" u="sng" dirty="0"/>
+              <a:t>three years</a:t>
+            </a:r>
+            <a:r>
+              <a:rPr lang="en-GB" sz="2600" i="1" dirty="0"/>
+              <a:t> after graduation are higher than for other universities </a:t>
+            </a:r>
+            <a:r>
+              <a:rPr lang="en-GB" sz="2600" b="1" i="1" dirty="0"/>
+              <a:t>→</a:t>
+            </a:r>
+            <a:r>
+              <a:rPr lang="en-GB" sz="2600" dirty="0"/>
+              <a:t> </a:t>
+            </a:r>
+            <a:r>
+              <a:rPr lang="en-GB" sz="2600" b="1" dirty="0"/>
+              <a:t>Confirmed</a:t>
+            </a:r>
+          </a:p>
+          <a:p>
+            <a:pPr lvl="1"/>
+            <a:r>
+              <a:rPr lang="en-GB" sz="2600" b="1" dirty="0"/>
+              <a:t>H3e</a:t>
+            </a:r>
+            <a:r>
+              <a:rPr lang="en-GB" sz="2600" i="1" dirty="0"/>
+              <a:t>: </a:t>
+            </a:r>
+            <a:r>
+              <a:rPr lang="en-GB" sz="2600" i="1" u="sng" dirty="0"/>
+              <a:t>IWRA indicator</a:t>
+            </a:r>
+            <a:r>
+              <a:rPr lang="en-GB" sz="2600" i="1" dirty="0"/>
+              <a:t> values, based on employment and salary data </a:t>
+            </a:r>
+            <a:r>
+              <a:rPr lang="en-GB" sz="2600" i="1" u="sng" dirty="0"/>
+              <a:t>one year</a:t>
+            </a:r>
+            <a:r>
+              <a:rPr lang="en-GB" sz="2600" i="1" dirty="0"/>
+              <a:t> after graduation, for </a:t>
+            </a:r>
+            <a:r>
+              <a:rPr lang="en-GB" sz="2600" i="1" u="sng" dirty="0"/>
+              <a:t>technical</a:t>
+            </a:r>
+            <a:r>
+              <a:rPr lang="en-GB" sz="2600" i="1" dirty="0"/>
+              <a:t> universities are higher than for other universities </a:t>
+            </a:r>
+            <a:r>
+              <a:rPr lang="en-GB" sz="2600" b="1" i="1" dirty="0"/>
+              <a:t>→</a:t>
+            </a:r>
+            <a:r>
+              <a:rPr lang="en-GB" sz="2600" dirty="0"/>
+              <a:t> Not confirmed</a:t>
+            </a:r>
+          </a:p>
+          <a:p>
+            <a:pPr lvl="1"/>
+            <a:r>
+              <a:rPr lang="en-GB" sz="2600" b="1" dirty="0"/>
+              <a:t>H3</a:t>
+            </a:r>
+            <a:r>
+              <a:rPr lang="pl-PL" sz="2600" b="1" dirty="0"/>
+              <a:t>f</a:t>
+            </a:r>
+            <a:r>
+              <a:rPr lang="en-GB" sz="2600" i="1" dirty="0"/>
+              <a:t>: </a:t>
+            </a:r>
+            <a:r>
+              <a:rPr lang="en-GB" sz="2600" i="1" u="sng" dirty="0"/>
+              <a:t>IWRA indicator</a:t>
+            </a:r>
+            <a:r>
+              <a:rPr lang="en-GB" sz="2600" i="1" dirty="0"/>
+              <a:t> values, based on employment and salary data </a:t>
+            </a:r>
+            <a:r>
+              <a:rPr lang="en-GB" sz="2600" i="1" u="sng" dirty="0"/>
+              <a:t>three years</a:t>
+            </a:r>
+            <a:r>
+              <a:rPr lang="en-GB" sz="2600" i="1" dirty="0"/>
+              <a:t> after graduation, for </a:t>
+            </a:r>
+            <a:r>
+              <a:rPr lang="en-GB" sz="2600" i="1" u="sng" dirty="0"/>
+              <a:t>technical</a:t>
+            </a:r>
+            <a:r>
+              <a:rPr lang="en-GB" sz="2600" i="1" dirty="0"/>
+              <a:t> universities are higher than for other universities </a:t>
+            </a:r>
+            <a:r>
+              <a:rPr lang="en-GB" sz="2600" b="1" i="1" dirty="0"/>
+              <a:t>→</a:t>
+            </a:r>
+            <a:r>
+              <a:rPr lang="en-GB" sz="2600" dirty="0"/>
+              <a:t> </a:t>
+            </a:r>
+            <a:r>
+              <a:rPr lang="en-GB" sz="2600" b="1" dirty="0"/>
+              <a:t>Confirmed</a:t>
+            </a:r>
+          </a:p>
+          <a:p>
+            <a:r>
+              <a:rPr lang="en-GB" sz="3200" b="1" dirty="0"/>
+              <a:t>H4:</a:t>
+            </a:r>
+            <a:r>
+              <a:rPr lang="en-GB" sz="3200" i="1" dirty="0"/>
+              <a:t> </a:t>
+            </a:r>
+            <a:r>
+              <a:rPr lang="en-GB" sz="3200" i="1" u="sng" dirty="0"/>
+              <a:t>IWRA</a:t>
+            </a:r>
+            <a:r>
+              <a:rPr lang="en-GB" sz="3200" i="1" dirty="0"/>
+              <a:t> results for Polish </a:t>
+            </a:r>
+            <a:r>
+              <a:rPr lang="en-GB" sz="3200" i="1" u="sng" dirty="0"/>
+              <a:t>public technical universities</a:t>
+            </a:r>
+            <a:r>
+              <a:rPr lang="en-GB" sz="3200" i="1" dirty="0"/>
+              <a:t> are positively correlated with the quality of university services measured by the </a:t>
+            </a:r>
+            <a:r>
+              <a:rPr lang="en-GB" sz="3200" i="1" u="sng" dirty="0" err="1"/>
+              <a:t>Perspektywy</a:t>
+            </a:r>
+            <a:r>
+              <a:rPr lang="en-GB" sz="3200" i="1" dirty="0"/>
+              <a:t> ranking</a:t>
+            </a:r>
+            <a:r>
+              <a:rPr lang="en-GB" sz="3200" dirty="0"/>
+              <a:t> </a:t>
+            </a:r>
+            <a:r>
+              <a:rPr lang="en-GB" sz="3200" b="1" i="1" dirty="0"/>
+              <a:t>→</a:t>
+            </a:r>
+            <a:r>
+              <a:rPr lang="en-GB" sz="3200" dirty="0"/>
+              <a:t> </a:t>
+            </a:r>
+            <a:r>
+              <a:rPr lang="en-GB" sz="3200" b="1" dirty="0"/>
+              <a:t>Confirmed</a:t>
+            </a:r>
+            <a:endParaRPr lang="en-GB" sz="3200" b="1" i="1" dirty="0"/>
+          </a:p>
+        </p:txBody>
+      </p:sp>
+      <p:sp>
+        <p:nvSpPr>
+          <p:cNvPr id="4" name="Slide Number Placeholder 3">
+            <a:extLst>
+              <a:ext uri="{FF2B5EF4-FFF2-40B4-BE49-F238E27FC236}">
+                <a16:creationId xmlns:a16="http://schemas.microsoft.com/office/drawing/2014/main" id="{A6DD0FC7-E803-7AEB-2E6D-23B8016AE1CE}"/>
+              </a:ext>
+            </a:extLst>
+          </p:cNvPr>
+          <p:cNvSpPr>
+            <a:spLocks noGrp="1"/>
+          </p:cNvSpPr>
+          <p:nvPr>
+            <p:ph type="sldNum" sz="quarter" idx="12"/>
+          </p:nvPr>
+        </p:nvSpPr>
+        <p:spPr/>
+        <p:txBody>
+          <a:bodyPr/>
+          <a:lstStyle/>
+          <a:p>
+            <a:fld id="{ADC9AAA0-29FB-4B62-AB65-7094BA6E939A}" type="slidenum">
+              <a:rPr lang="pl-PL" smtClean="0"/>
+              <a:pPr/>
+              <a:t>11</a:t>
+            </a:fld>
+            <a:endParaRPr lang="pl-PL" dirty="0"/>
+          </a:p>
+        </p:txBody>
+      </p:sp>
+    </p:spTree>
+    <p:extLst>
+      <p:ext uri="{BB962C8B-B14F-4D97-AF65-F5344CB8AC3E}">
+        <p14:creationId xmlns:p14="http://schemas.microsoft.com/office/powerpoint/2010/main" val="1001564616"/>
+      </p:ext>
+    </p:extLst>
+  </p:cSld>
+  <p:clrMapOvr>
+    <a:masterClrMapping/>
+  </p:clrMapOvr>
+</p:sld>
+</file>
+
+<file path=ppt/slides/slide12.xml><?xml version="1.0" encoding="utf-8"?>
+<p:sld xmlns:a="http://schemas.openxmlformats.org/drawingml/2006/main" xmlns:r="http://schemas.openxmlformats.org/officeDocument/2006/relationships" xmlns:p="http://schemas.openxmlformats.org/presentationml/2006/main">
+  <p:cSld>
+    <p:spTree>
+      <p:nvGrpSpPr>
+        <p:cNvPr id="1" name=""/>
+        <p:cNvGrpSpPr/>
+        <p:nvPr/>
+      </p:nvGrpSpPr>
+      <p:grpSpPr>
+        <a:xfrm>
+          <a:off x="0" y="0"/>
+          <a:ext cx="0" cy="0"/>
+          <a:chOff x="0" y="0"/>
+          <a:chExt cx="0" cy="0"/>
+        </a:xfrm>
+      </p:grpSpPr>
+      <p:sp>
+        <p:nvSpPr>
+          <p:cNvPr id="2" name="Tytuł 1">
+            <a:extLst>
+              <a:ext uri="{FF2B5EF4-FFF2-40B4-BE49-F238E27FC236}">
                 <a16:creationId xmlns:a16="http://schemas.microsoft.com/office/drawing/2014/main" id="{F6890351-155B-7356-4743-88EE83BACBDB}"/>
               </a:ext>
             </a:extLst>
@@ -6006,12 +7031,299 @@
           </p:cNvSpPr>
           <p:nvPr>
             <p:ph type="title"/>
+          </p:nvPr>
+        </p:nvSpPr>
+        <p:spPr/>
+        <p:txBody>
+          <a:bodyPr>
+            <a:normAutofit/>
+          </a:bodyPr>
+          <a:lstStyle/>
+          <a:p>
+            <a:r>
+              <a:rPr lang="en-GB" dirty="0"/>
+              <a:t>Proposed practical solution - SSDQM</a:t>
+            </a:r>
+          </a:p>
+        </p:txBody>
+      </p:sp>
+      <p:sp>
+        <p:nvSpPr>
+          <p:cNvPr id="9" name="Symbol zastępczy zawartości 8">
+            <a:extLst>
+              <a:ext uri="{FF2B5EF4-FFF2-40B4-BE49-F238E27FC236}">
+                <a16:creationId xmlns:a16="http://schemas.microsoft.com/office/drawing/2014/main" id="{64173AA8-6E89-4AEF-5FDF-8C44185B4716}"/>
+              </a:ext>
+            </a:extLst>
+          </p:cNvPr>
+          <p:cNvSpPr>
+            <a:spLocks noGrp="1"/>
+          </p:cNvSpPr>
+          <p:nvPr>
+            <p:ph sz="half" idx="1"/>
           </p:nvPr>
         </p:nvSpPr>
         <p:spPr>
           <a:xfrm>
-            <a:off x="846667" y="352425"/>
-            <a:ext cx="10515600" cy="1325563"/>
+            <a:off x="838200" y="1825625"/>
+            <a:ext cx="4500000" cy="4351338"/>
+          </a:xfrm>
+        </p:spPr>
+        <p:txBody>
+          <a:bodyPr>
+            <a:normAutofit fontScale="85000" lnSpcReduction="10000"/>
+          </a:bodyPr>
+          <a:lstStyle/>
+          <a:p>
+            <a:r>
+              <a:rPr lang="pl-PL" sz="2400" b="1" dirty="0"/>
+              <a:t>Model Doskonalenia Systemu Zarządzania Jakością Inspirowany Satysfakcją Interesariuszy </a:t>
+            </a:r>
+            <a:r>
+              <a:rPr lang="pl-PL" sz="2400" dirty="0"/>
+              <a:t>(główne etapy)</a:t>
+            </a:r>
+          </a:p>
+          <a:p>
+            <a:pPr marL="0" indent="0">
+              <a:buNone/>
+            </a:pPr>
+            <a:r>
+              <a:rPr lang="pl-PL" sz="2200" i="1" dirty="0"/>
+              <a:t>(</a:t>
+            </a:r>
+            <a:r>
+              <a:rPr lang="en-GB" sz="2200" i="1" dirty="0"/>
+              <a:t>Stakeholders Satisfaction Driven Quality Management Model</a:t>
+            </a:r>
+            <a:r>
+              <a:rPr lang="pl-PL" sz="2200" i="1" dirty="0"/>
+              <a:t>)</a:t>
+            </a:r>
+            <a:br>
+              <a:rPr lang="en-GB" sz="2200" dirty="0"/>
+            </a:br>
+            <a:endParaRPr lang="pl-PL" sz="2200" dirty="0"/>
+          </a:p>
+          <a:p>
+            <a:r>
+              <a:rPr lang="pl-PL" sz="2400" dirty="0"/>
+              <a:t>Wspiera zgodność z</a:t>
+            </a:r>
+            <a:r>
+              <a:rPr lang="en-GB" sz="2400" dirty="0"/>
+              <a:t>:</a:t>
+            </a:r>
+          </a:p>
+          <a:p>
+            <a:pPr lvl="1"/>
+            <a:r>
+              <a:rPr lang="en-GB" sz="2000" dirty="0"/>
+              <a:t>ISO21001:2018</a:t>
+            </a:r>
+          </a:p>
+          <a:p>
+            <a:pPr lvl="1"/>
+            <a:r>
+              <a:rPr lang="pl-PL" sz="2000" dirty="0"/>
+              <a:t>wymaganiami </a:t>
+            </a:r>
+            <a:r>
+              <a:rPr lang="en-GB" sz="2000" dirty="0"/>
+              <a:t>PKA</a:t>
+            </a:r>
+          </a:p>
+          <a:p>
+            <a:r>
+              <a:rPr lang="pl-PL" sz="2400" dirty="0"/>
+              <a:t>na podstawie faktów</a:t>
+            </a:r>
+            <a:r>
+              <a:rPr lang="en-GB" sz="2400" dirty="0"/>
+              <a:t> </a:t>
+            </a:r>
+            <a:r>
+              <a:rPr lang="en-GB" sz="2400" b="1" dirty="0"/>
+              <a:t>→</a:t>
+            </a:r>
+            <a:r>
+              <a:rPr lang="en-GB" sz="2400" dirty="0"/>
+              <a:t> </a:t>
+            </a:r>
+            <a:r>
+              <a:rPr lang="pl-PL" sz="2400" dirty="0"/>
+              <a:t>badania jakościowe i ilościowe</a:t>
+            </a:r>
+            <a:r>
+              <a:rPr lang="en-GB" sz="2400" dirty="0"/>
+              <a:t> </a:t>
+            </a:r>
+            <a:r>
+              <a:rPr lang="en-GB" sz="2400" b="1" dirty="0"/>
+              <a:t>→</a:t>
+            </a:r>
+            <a:r>
+              <a:rPr lang="en-GB" sz="2400" dirty="0"/>
+              <a:t> </a:t>
+            </a:r>
+            <a:br>
+              <a:rPr lang="en-GB" sz="2400" dirty="0"/>
+            </a:br>
+            <a:r>
+              <a:rPr lang="pl-PL" sz="2400" u="sng" dirty="0"/>
+              <a:t>etapy</a:t>
+            </a:r>
+            <a:r>
+              <a:rPr lang="en-GB" sz="2400" u="sng" dirty="0"/>
+              <a:t> 3, 4, 5</a:t>
+            </a:r>
+          </a:p>
+          <a:p>
+            <a:r>
+              <a:rPr lang="pl-PL" sz="2400" dirty="0"/>
+              <a:t>wdrażanie - wybór metod zwinnych lub projektowych</a:t>
+            </a:r>
+            <a:r>
+              <a:rPr lang="en-GB" sz="2400" dirty="0"/>
+              <a:t> </a:t>
+            </a:r>
+            <a:r>
+              <a:rPr lang="en-GB" sz="2400" b="1" dirty="0"/>
+              <a:t>→</a:t>
+            </a:r>
+            <a:r>
+              <a:rPr lang="en-GB" sz="2400" dirty="0"/>
+              <a:t> </a:t>
+            </a:r>
+            <a:r>
+              <a:rPr lang="pl-PL" sz="2400" u="sng" dirty="0"/>
+              <a:t>etap</a:t>
+            </a:r>
+            <a:r>
+              <a:rPr lang="en-GB" sz="2400" u="sng" dirty="0"/>
+              <a:t> 7</a:t>
+            </a:r>
+          </a:p>
+          <a:p>
+            <a:endParaRPr lang="en-GB" dirty="0"/>
+          </a:p>
+        </p:txBody>
+      </p:sp>
+      <p:sp>
+        <p:nvSpPr>
+          <p:cNvPr id="3" name="Slide Number Placeholder 2">
+            <a:extLst>
+              <a:ext uri="{FF2B5EF4-FFF2-40B4-BE49-F238E27FC236}">
+                <a16:creationId xmlns:a16="http://schemas.microsoft.com/office/drawing/2014/main" id="{5CAD4500-ADCB-5084-A82A-D4F7660BB6A8}"/>
+              </a:ext>
+            </a:extLst>
+          </p:cNvPr>
+          <p:cNvSpPr>
+            <a:spLocks noGrp="1"/>
+          </p:cNvSpPr>
+          <p:nvPr>
+            <p:ph type="sldNum" sz="quarter" idx="12"/>
+          </p:nvPr>
+        </p:nvSpPr>
+        <p:spPr/>
+        <p:txBody>
+          <a:bodyPr/>
+          <a:lstStyle/>
+          <a:p>
+            <a:fld id="{ADC9AAA0-29FB-4B62-AB65-7094BA6E939A}" type="slidenum">
+              <a:rPr lang="pl-PL" smtClean="0"/>
+              <a:pPr/>
+              <a:t>12</a:t>
+            </a:fld>
+            <a:endParaRPr lang="pl-PL" dirty="0"/>
+          </a:p>
+        </p:txBody>
+      </p:sp>
+      <p:pic>
+        <p:nvPicPr>
+          <p:cNvPr id="13" name="Content Placeholder 12">
+            <a:extLst>
+              <a:ext uri="{FF2B5EF4-FFF2-40B4-BE49-F238E27FC236}">
+                <a16:creationId xmlns:a16="http://schemas.microsoft.com/office/drawing/2014/main" id="{832F76EC-66D5-F8D1-556C-8062AB273C47}"/>
+              </a:ext>
+            </a:extLst>
+          </p:cNvPr>
+          <p:cNvPicPr>
+            <a:picLocks noGrp="1" noChangeAspect="1"/>
+          </p:cNvPicPr>
+          <p:nvPr>
+            <p:ph sz="half" idx="2"/>
+          </p:nvPr>
+        </p:nvPicPr>
+        <p:blipFill>
+          <a:blip r:embed="rId2">
+            <a:extLst>
+              <a:ext uri="{28A0092B-C50C-407E-A947-70E740481C1C}">
+                <a14:useLocalDpi xmlns:a14="http://schemas.microsoft.com/office/drawing/2010/main" val="0"/>
+              </a:ext>
+            </a:extLst>
+          </a:blip>
+          <a:stretch>
+            <a:fillRect/>
+          </a:stretch>
+        </p:blipFill>
+        <p:spPr>
+          <a:xfrm>
+            <a:off x="5338200" y="1909646"/>
+            <a:ext cx="6641315" cy="3888000"/>
+          </a:xfrm>
+        </p:spPr>
+      </p:pic>
+    </p:spTree>
+    <p:extLst>
+      <p:ext uri="{BB962C8B-B14F-4D97-AF65-F5344CB8AC3E}">
+        <p14:creationId xmlns:p14="http://schemas.microsoft.com/office/powerpoint/2010/main" val="1961115062"/>
+      </p:ext>
+    </p:extLst>
+  </p:cSld>
+  <p:clrMapOvr>
+    <a:masterClrMapping/>
+  </p:clrMapOvr>
+</p:sld>
+</file>
+
+<file path=ppt/slides/slide13.xml><?xml version="1.0" encoding="utf-8"?>
+<p:sld xmlns:a="http://schemas.openxmlformats.org/drawingml/2006/main" xmlns:r="http://schemas.openxmlformats.org/officeDocument/2006/relationships" xmlns:p="http://schemas.openxmlformats.org/presentationml/2006/main">
+  <p:cSld>
+    <p:spTree>
+      <p:nvGrpSpPr>
+        <p:cNvPr id="1" name=""/>
+        <p:cNvGrpSpPr/>
+        <p:nvPr/>
+      </p:nvGrpSpPr>
+      <p:grpSpPr>
+        <a:xfrm>
+          <a:off x="0" y="0"/>
+          <a:ext cx="0" cy="0"/>
+          <a:chOff x="0" y="0"/>
+          <a:chExt cx="0" cy="0"/>
+        </a:xfrm>
+      </p:grpSpPr>
+      <p:sp>
+        <p:nvSpPr>
+          <p:cNvPr id="2" name="Tytuł 1">
+            <a:extLst>
+              <a:ext uri="{FF2B5EF4-FFF2-40B4-BE49-F238E27FC236}">
+                <a16:creationId xmlns:a16="http://schemas.microsoft.com/office/drawing/2014/main" id="{F6890351-155B-7356-4743-88EE83BACBDB}"/>
+              </a:ext>
+            </a:extLst>
+          </p:cNvPr>
+          <p:cNvSpPr>
+            <a:spLocks noGrp="1"/>
+          </p:cNvSpPr>
+          <p:nvPr>
+            <p:ph type="title"/>
+          </p:nvPr>
+        </p:nvSpPr>
+        <p:spPr>
+          <a:xfrm>
+            <a:off x="846666" y="352425"/>
+            <a:ext cx="10640825" cy="1325563"/>
           </a:xfrm>
         </p:spPr>
         <p:txBody>
@@ -6021,9 +7333,26 @@
           <a:lstStyle/>
           <a:p>
             <a:r>
+              <a:rPr lang="pl-PL" dirty="0"/>
+              <a:t>Zestaw wskaźników wspierających </a:t>
+            </a:r>
+            <a:r>
+              <a:rPr lang="en-GB" dirty="0" err="1"/>
+              <a:t>implementa</a:t>
+            </a:r>
+            <a:r>
+              <a:rPr lang="pl-PL" dirty="0" err="1"/>
+              <a:t>cję</a:t>
+            </a:r>
+            <a:r>
               <a:rPr lang="en-GB" dirty="0"/>
-              <a:t>Set of Indicators supporting implementation of the SSDQM at a Technical University</a:t>
-            </a:r>
+              <a:t> SSDQM </a:t>
+            </a:r>
+            <a:r>
+              <a:rPr lang="pl-PL" dirty="0"/>
+              <a:t>na uczelni technicznej</a:t>
+            </a:r>
+            <a:endParaRPr lang="en-GB" dirty="0"/>
           </a:p>
         </p:txBody>
       </p:sp>
@@ -6739,7 +8068,7 @@
             <a:fld id="{ADC9AAA0-29FB-4B62-AB65-7094BA6E939A}" type="slidenum">
               <a:rPr lang="pl-PL" smtClean="0"/>
               <a:pPr/>
-              <a:t>11</a:t>
+              <a:t>13</a:t>
             </a:fld>
             <a:endParaRPr lang="pl-PL" dirty="0"/>
           </a:p>
@@ -6749,740 +8078,6 @@
     <p:extLst>
       <p:ext uri="{BB962C8B-B14F-4D97-AF65-F5344CB8AC3E}">
         <p14:creationId xmlns:p14="http://schemas.microsoft.com/office/powerpoint/2010/main" val="3542148493"/>
-      </p:ext>
-    </p:extLst>
-  </p:cSld>
-  <p:clrMapOvr>
-    <a:masterClrMapping/>
-  </p:clrMapOvr>
-</p:sld>
-</file>
-
-<file path=ppt/slides/slide12.xml><?xml version="1.0" encoding="utf-8"?>
-<p:sld xmlns:a="http://schemas.openxmlformats.org/drawingml/2006/main" xmlns:r="http://schemas.openxmlformats.org/officeDocument/2006/relationships" xmlns:p="http://schemas.openxmlformats.org/presentationml/2006/main">
-  <p:cSld>
-    <p:spTree>
-      <p:nvGrpSpPr>
-        <p:cNvPr id="1" name=""/>
-        <p:cNvGrpSpPr/>
-        <p:nvPr/>
-      </p:nvGrpSpPr>
-      <p:grpSpPr>
-        <a:xfrm>
-          <a:off x="0" y="0"/>
-          <a:ext cx="0" cy="0"/>
-          <a:chOff x="0" y="0"/>
-          <a:chExt cx="0" cy="0"/>
-        </a:xfrm>
-      </p:grpSpPr>
-      <p:sp>
-        <p:nvSpPr>
-          <p:cNvPr id="2" name="Tytuł 1">
-            <a:extLst>
-              <a:ext uri="{FF2B5EF4-FFF2-40B4-BE49-F238E27FC236}">
-                <a16:creationId xmlns:a16="http://schemas.microsoft.com/office/drawing/2014/main" id="{01EAFA99-E6F6-9C32-FCD9-295254D965A1}"/>
-              </a:ext>
-            </a:extLst>
-          </p:cNvPr>
-          <p:cNvSpPr>
-            <a:spLocks noGrp="1"/>
-          </p:cNvSpPr>
-          <p:nvPr>
-            <p:ph type="title"/>
-          </p:nvPr>
-        </p:nvSpPr>
-        <p:spPr/>
-        <p:txBody>
-          <a:bodyPr/>
-          <a:lstStyle/>
-          <a:p>
-            <a:r>
-              <a:rPr lang="pl-PL" dirty="0" err="1"/>
-              <a:t>Summary</a:t>
-            </a:r>
-            <a:endParaRPr lang="pl-PL" dirty="0"/>
-          </a:p>
-        </p:txBody>
-      </p:sp>
-      <p:sp>
-        <p:nvSpPr>
-          <p:cNvPr id="3" name="Symbol zastępczy zawartości 2">
-            <a:extLst>
-              <a:ext uri="{FF2B5EF4-FFF2-40B4-BE49-F238E27FC236}">
-                <a16:creationId xmlns:a16="http://schemas.microsoft.com/office/drawing/2014/main" id="{9AEEA72C-DA17-8133-04DC-5D0CEE84D90D}"/>
-              </a:ext>
-            </a:extLst>
-          </p:cNvPr>
-          <p:cNvSpPr>
-            <a:spLocks noGrp="1"/>
-          </p:cNvSpPr>
-          <p:nvPr>
-            <p:ph idx="1"/>
-          </p:nvPr>
-        </p:nvSpPr>
-        <p:spPr/>
-        <p:txBody>
-          <a:bodyPr>
-            <a:normAutofit fontScale="85000" lnSpcReduction="10000"/>
-          </a:bodyPr>
-          <a:lstStyle/>
-          <a:p>
-            <a:pPr algn="l"/>
-            <a:r>
-              <a:rPr lang="en-US" sz="1800" b="0" i="0" u="none" strike="noStrike" baseline="0" dirty="0">
-                <a:latin typeface="CIDFont+F1"/>
-              </a:rPr>
-              <a:t>This dissertation contributes to the development of management and quality sciences through</a:t>
-            </a:r>
-            <a:r>
-              <a:rPr lang="pl-PL" sz="1800" b="0" i="0" u="none" strike="noStrike" baseline="0" dirty="0">
-                <a:latin typeface="CIDFont+F1"/>
-              </a:rPr>
-              <a:t> </a:t>
-            </a:r>
-            <a:r>
-              <a:rPr lang="en-US" sz="1800" b="0" i="0" u="none" strike="noStrike" baseline="0" dirty="0">
-                <a:latin typeface="CIDFont+F1"/>
-              </a:rPr>
-              <a:t>synthesis of quality management theory and stakeholder theory.</a:t>
-            </a:r>
-            <a:endParaRPr lang="pl-PL" sz="1800" b="0" i="0" u="none" strike="noStrike" baseline="0" dirty="0">
-              <a:latin typeface="CIDFont+F1"/>
-            </a:endParaRPr>
-          </a:p>
-          <a:p>
-            <a:pPr algn="l"/>
-            <a:r>
-              <a:rPr lang="en-US" sz="1800" b="0" i="0" u="none" strike="noStrike" baseline="0" dirty="0">
-                <a:latin typeface="CIDFont+F1"/>
-              </a:rPr>
-              <a:t>The conducted qualitative and quantitative research allowed for achieving the cognitive goal of</a:t>
-            </a:r>
-            <a:r>
-              <a:rPr lang="pl-PL" sz="1800" b="0" i="0" u="none" strike="noStrike" baseline="0" dirty="0">
-                <a:latin typeface="CIDFont+F1"/>
-              </a:rPr>
-              <a:t> </a:t>
-            </a:r>
-            <a:r>
-              <a:rPr lang="en-US" sz="1800" b="0" i="0" u="none" strike="noStrike" baseline="0" dirty="0">
-                <a:latin typeface="CIDFont+F1"/>
-              </a:rPr>
-              <a:t>the study, which was to </a:t>
-            </a:r>
-            <a:r>
-              <a:rPr lang="en-US" sz="1800" b="0" i="0" u="none" strike="noStrike" baseline="0" dirty="0">
-                <a:latin typeface="CIDFont+F3"/>
-              </a:rPr>
-              <a:t>identify effective methods from the perspective of improving the quality management</a:t>
-            </a:r>
-            <a:r>
-              <a:rPr lang="pl-PL" sz="1800" b="0" i="0" u="none" strike="noStrike" baseline="0" dirty="0">
-                <a:latin typeface="CIDFont+F3"/>
-              </a:rPr>
-              <a:t> </a:t>
-            </a:r>
-            <a:r>
-              <a:rPr lang="en-US" sz="1800" b="0" i="0" u="none" strike="noStrike" baseline="0" dirty="0">
-                <a:latin typeface="CIDFont+F3"/>
-              </a:rPr>
-              <a:t>system, through the measurement and analysis of stakeholder satisfaction levels as an</a:t>
-            </a:r>
-            <a:r>
-              <a:rPr lang="pl-PL" sz="1800" b="0" i="0" u="none" strike="noStrike" baseline="0" dirty="0">
-                <a:latin typeface="CIDFont+F3"/>
-              </a:rPr>
-              <a:t> </a:t>
-            </a:r>
-            <a:r>
-              <a:rPr lang="pl-PL" sz="1800" b="0" i="0" u="none" strike="noStrike" baseline="0" dirty="0" err="1">
-                <a:latin typeface="CIDFont+F3"/>
-              </a:rPr>
-              <a:t>indicator</a:t>
-            </a:r>
-            <a:r>
-              <a:rPr lang="pl-PL" sz="1800" b="0" i="0" u="none" strike="noStrike" baseline="0" dirty="0">
-                <a:latin typeface="CIDFont+F3"/>
-              </a:rPr>
-              <a:t> of </a:t>
-            </a:r>
-            <a:r>
-              <a:rPr lang="pl-PL" sz="1800" b="0" i="0" u="none" strike="noStrike" baseline="0" dirty="0" err="1">
-                <a:latin typeface="CIDFont+F3"/>
-              </a:rPr>
-              <a:t>quality</a:t>
-            </a:r>
-            <a:r>
-              <a:rPr lang="pl-PL" sz="1800" b="0" i="0" u="none" strike="noStrike" baseline="0" dirty="0">
-                <a:latin typeface="CIDFont+F1"/>
-              </a:rPr>
-              <a:t>.</a:t>
-            </a:r>
-          </a:p>
-          <a:p>
-            <a:pPr algn="l"/>
-            <a:r>
-              <a:rPr lang="en-US" sz="1800" b="0" i="0" u="none" strike="noStrike" baseline="0" dirty="0">
-                <a:latin typeface="CIDFont+F1"/>
-              </a:rPr>
-              <a:t>The utilitarian goal, formulated as </a:t>
-            </a:r>
-            <a:r>
-              <a:rPr lang="en-US" sz="1800" b="0" i="0" u="none" strike="noStrike" baseline="0" dirty="0">
-                <a:latin typeface="CIDFont+F3"/>
-              </a:rPr>
-              <a:t>development of a method for improving the quality</a:t>
-            </a:r>
-            <a:r>
-              <a:rPr lang="pl-PL" sz="1800" b="0" i="0" u="none" strike="noStrike" baseline="0" dirty="0">
-                <a:latin typeface="CIDFont+F3"/>
-              </a:rPr>
-              <a:t> </a:t>
-            </a:r>
-            <a:r>
-              <a:rPr lang="en-US" sz="1800" b="0" i="0" u="none" strike="noStrike" baseline="0" dirty="0">
-                <a:latin typeface="CIDFont+F3"/>
-              </a:rPr>
-              <a:t>management system of universities, adapted to the specifics of Polish technical universities, using the</a:t>
-            </a:r>
-            <a:r>
-              <a:rPr lang="pl-PL" sz="1800" b="0" i="0" u="none" strike="noStrike" baseline="0" dirty="0">
-                <a:latin typeface="CIDFont+F3"/>
-              </a:rPr>
-              <a:t> </a:t>
-            </a:r>
-            <a:r>
-              <a:rPr lang="en-US" sz="1800" b="0" i="0" u="none" strike="noStrike" baseline="0" dirty="0">
-                <a:latin typeface="CIDFont+F3"/>
-              </a:rPr>
-              <a:t>measurement of satisfaction of various stakeholder groups as one of the indicators of the university’s</a:t>
-            </a:r>
-            <a:r>
-              <a:rPr lang="pl-PL" sz="1800" b="0" i="0" u="none" strike="noStrike" baseline="0" dirty="0">
-                <a:latin typeface="CIDFont+F3"/>
-              </a:rPr>
-              <a:t> performance</a:t>
-            </a:r>
-            <a:r>
-              <a:rPr lang="pl-PL" sz="1800" b="0" i="0" u="none" strike="noStrike" baseline="0" dirty="0">
-                <a:latin typeface="CIDFont+F1"/>
-              </a:rPr>
-              <a:t>, was </a:t>
-            </a:r>
-            <a:r>
-              <a:rPr lang="pl-PL" sz="1800" b="0" i="0" u="none" strike="noStrike" baseline="0" dirty="0" err="1">
-                <a:latin typeface="CIDFont+F1"/>
-              </a:rPr>
-              <a:t>also</a:t>
-            </a:r>
-            <a:r>
-              <a:rPr lang="pl-PL" sz="1800" b="0" i="0" u="none" strike="noStrike" baseline="0" dirty="0">
-                <a:latin typeface="CIDFont+F1"/>
-              </a:rPr>
-              <a:t> </a:t>
-            </a:r>
-            <a:r>
-              <a:rPr lang="pl-PL" sz="1800" b="0" i="0" u="none" strike="noStrike" baseline="0" dirty="0" err="1">
-                <a:latin typeface="CIDFont+F1"/>
-              </a:rPr>
-              <a:t>achieved</a:t>
-            </a:r>
-            <a:r>
-              <a:rPr lang="pl-PL" sz="1800" b="0" i="0" u="none" strike="noStrike" baseline="0" dirty="0">
-                <a:latin typeface="CIDFont+F1"/>
-              </a:rPr>
-              <a:t>.</a:t>
-            </a:r>
-          </a:p>
-          <a:p>
-            <a:pPr algn="l"/>
-            <a:r>
-              <a:rPr lang="en-US" sz="1800" b="0" i="0" u="none" strike="noStrike" baseline="0" dirty="0">
-                <a:latin typeface="CIDFont+F1"/>
-              </a:rPr>
-              <a:t>This objective has been achieved with developing Stakeholders Satisfaction</a:t>
-            </a:r>
-            <a:r>
-              <a:rPr lang="pl-PL" sz="1800" b="0" i="0" u="none" strike="noStrike" baseline="0" dirty="0">
-                <a:latin typeface="CIDFont+F1"/>
-              </a:rPr>
-              <a:t> </a:t>
-            </a:r>
-            <a:r>
-              <a:rPr lang="en-US" sz="1800" b="0" i="0" u="none" strike="noStrike" baseline="0" dirty="0">
-                <a:latin typeface="CIDFont+F1"/>
-              </a:rPr>
-              <a:t>Driven Quality Management Model – SSDQM.</a:t>
-            </a:r>
-            <a:endParaRPr lang="pl-PL" sz="1800" b="0" i="0" u="none" strike="noStrike" baseline="0" dirty="0">
-              <a:latin typeface="CIDFont+F1"/>
-            </a:endParaRPr>
-          </a:p>
-          <a:p>
-            <a:pPr algn="l"/>
-            <a:r>
-              <a:rPr lang="en-US" sz="1800" b="0" i="0" u="none" strike="noStrike" baseline="0" dirty="0">
-                <a:latin typeface="CIDFont+F1"/>
-              </a:rPr>
-              <a:t>The model is developed taking into account</a:t>
-            </a:r>
-            <a:r>
-              <a:rPr lang="pl-PL" sz="1800" b="0" i="0" u="none" strike="noStrike" baseline="0" dirty="0">
-                <a:latin typeface="CIDFont+F1"/>
-              </a:rPr>
-              <a:t> </a:t>
-            </a:r>
-            <a:r>
-              <a:rPr lang="en-US" sz="1800" b="0" i="0" u="none" strike="noStrike" baseline="0" dirty="0">
-                <a:latin typeface="CIDFont+F1"/>
-              </a:rPr>
-              <a:t>possible applications in the context of the specifics of Polish technical universities.</a:t>
-            </a:r>
-            <a:endParaRPr lang="pl-PL" sz="1800" b="0" i="0" u="none" strike="noStrike" baseline="0" dirty="0">
-              <a:latin typeface="CIDFont+F1"/>
-            </a:endParaRPr>
-          </a:p>
-          <a:p>
-            <a:pPr algn="l"/>
-            <a:r>
-              <a:rPr lang="pl-PL" sz="1800" b="0" i="0" u="none" strike="noStrike" baseline="0" dirty="0">
-                <a:latin typeface="CIDFont+F1"/>
-              </a:rPr>
-              <a:t>The </a:t>
-            </a:r>
-            <a:r>
-              <a:rPr lang="pl-PL" sz="1800" b="0" i="0" u="none" strike="noStrike" baseline="0" dirty="0" err="1">
-                <a:latin typeface="CIDFont+F1"/>
-              </a:rPr>
-              <a:t>applicative</a:t>
-            </a:r>
-            <a:r>
-              <a:rPr lang="pl-PL" sz="1800" b="0" i="0" u="none" strike="noStrike" baseline="0" dirty="0">
-                <a:latin typeface="CIDFont+F1"/>
-              </a:rPr>
-              <a:t> </a:t>
-            </a:r>
-            <a:r>
-              <a:rPr lang="pl-PL" sz="1800" b="0" i="0" u="none" strike="noStrike" baseline="0" dirty="0" err="1">
-                <a:latin typeface="CIDFont+F1"/>
-              </a:rPr>
-              <a:t>value</a:t>
-            </a:r>
-            <a:r>
-              <a:rPr lang="pl-PL" sz="1800" b="0" i="0" u="none" strike="noStrike" baseline="0" dirty="0">
-                <a:latin typeface="CIDFont+F1"/>
-              </a:rPr>
-              <a:t> </a:t>
-            </a:r>
-            <a:r>
-              <a:rPr lang="en-US" sz="1800" b="0" i="0" u="none" strike="noStrike" baseline="0" dirty="0">
-                <a:latin typeface="CIDFont+F1"/>
-              </a:rPr>
-              <a:t>of the proposed model has been enhanced with recommendations resulting from the conducted research,</a:t>
-            </a:r>
-            <a:r>
-              <a:rPr lang="pl-PL" sz="1800" b="0" i="0" u="none" strike="noStrike" baseline="0" dirty="0">
-                <a:latin typeface="CIDFont+F1"/>
-              </a:rPr>
-              <a:t> </a:t>
-            </a:r>
-            <a:r>
-              <a:rPr lang="en-US" sz="1800" b="0" i="0" u="none" strike="noStrike" baseline="0" dirty="0">
-                <a:latin typeface="CIDFont+F1"/>
-              </a:rPr>
-              <a:t>a significant part of which is the development of a basic set of indicators.</a:t>
-            </a:r>
-            <a:endParaRPr lang="pl-PL" sz="1800" b="0" i="0" u="none" strike="noStrike" baseline="0" dirty="0">
-              <a:latin typeface="CIDFont+F1"/>
-            </a:endParaRPr>
-          </a:p>
-          <a:p>
-            <a:pPr algn="l"/>
-            <a:r>
-              <a:rPr lang="pl-PL" sz="1800" b="0" i="0" u="none" strike="noStrike" baseline="0" dirty="0" err="1">
-                <a:latin typeface="CIDFont+F1"/>
-              </a:rPr>
-              <a:t>These</a:t>
-            </a:r>
-            <a:r>
-              <a:rPr lang="pl-PL" sz="1800" b="0" i="0" u="none" strike="noStrike" baseline="0" dirty="0">
-                <a:latin typeface="CIDFont+F1"/>
-              </a:rPr>
-              <a:t> </a:t>
-            </a:r>
-            <a:r>
-              <a:rPr lang="pl-PL" sz="1800" b="0" i="0" u="none" strike="noStrike" baseline="0" dirty="0" err="1">
-                <a:latin typeface="CIDFont+F1"/>
-              </a:rPr>
-              <a:t>are</a:t>
-            </a:r>
-            <a:r>
-              <a:rPr lang="pl-PL" sz="1800" b="0" i="0" u="none" strike="noStrike" baseline="0" dirty="0">
-                <a:latin typeface="CIDFont+F1"/>
-              </a:rPr>
-              <a:t> </a:t>
-            </a:r>
-            <a:r>
-              <a:rPr lang="pl-PL" sz="1800" b="0" i="0" u="none" strike="noStrike" baseline="0" dirty="0" err="1">
-                <a:latin typeface="CIDFont+F1"/>
-              </a:rPr>
-              <a:t>measures</a:t>
-            </a:r>
-            <a:r>
-              <a:rPr lang="pl-PL" sz="1800" b="0" i="0" u="none" strike="noStrike" baseline="0" dirty="0">
-                <a:latin typeface="CIDFont+F1"/>
-              </a:rPr>
-              <a:t> </a:t>
-            </a:r>
-            <a:r>
-              <a:rPr lang="en-US" sz="1800" b="0" i="0" u="none" strike="noStrike" baseline="0" dirty="0">
-                <a:latin typeface="CIDFont+F1"/>
-              </a:rPr>
-              <a:t>statistically proven to be significant for the environment of technical universities.</a:t>
-            </a:r>
-            <a:endParaRPr lang="pl-PL" sz="1800" b="0" i="0" u="none" strike="noStrike" baseline="0" dirty="0">
-              <a:latin typeface="CIDFont+F1"/>
-            </a:endParaRPr>
-          </a:p>
-          <a:p>
-            <a:pPr algn="l"/>
-            <a:r>
-              <a:rPr lang="pl-PL" sz="1800" b="0" i="0" u="none" strike="noStrike" baseline="0" dirty="0">
-                <a:latin typeface="CIDFont+F1"/>
-              </a:rPr>
-              <a:t>The </a:t>
-            </a:r>
-            <a:r>
-              <a:rPr lang="pl-PL" sz="1800" b="0" i="0" u="none" strike="noStrike" baseline="0" dirty="0" err="1">
-                <a:latin typeface="CIDFont+F1"/>
-              </a:rPr>
-              <a:t>strong</a:t>
-            </a:r>
-            <a:r>
-              <a:rPr lang="pl-PL" sz="1800" b="0" i="0" u="none" strike="noStrike" baseline="0" dirty="0">
-                <a:latin typeface="CIDFont+F1"/>
-              </a:rPr>
-              <a:t> </a:t>
-            </a:r>
-            <a:r>
-              <a:rPr lang="pl-PL" sz="1800" b="0" i="0" u="none" strike="noStrike" baseline="0" dirty="0" err="1">
-                <a:latin typeface="CIDFont+F1"/>
-              </a:rPr>
-              <a:t>connections</a:t>
-            </a:r>
-            <a:r>
-              <a:rPr lang="pl-PL" sz="1800" b="0" i="0" u="none" strike="noStrike" baseline="0" dirty="0">
-                <a:latin typeface="CIDFont+F1"/>
-              </a:rPr>
-              <a:t> </a:t>
-            </a:r>
-            <a:r>
-              <a:rPr lang="en-US" sz="1800" b="0" i="0" u="none" strike="noStrike" baseline="0" dirty="0">
-                <a:latin typeface="CIDFont+F1"/>
-              </a:rPr>
-              <a:t>of the proposed model with the field of quality management are also confirmed by analyses indicating</a:t>
-            </a:r>
-            <a:r>
-              <a:rPr lang="pl-PL" sz="1800" b="0" i="0" u="none" strike="noStrike" baseline="0" dirty="0">
-                <a:latin typeface="CIDFont+F1"/>
-              </a:rPr>
-              <a:t> </a:t>
-            </a:r>
-            <a:r>
-              <a:rPr lang="en-US" sz="1800" b="0" i="0" u="none" strike="noStrike" baseline="0" dirty="0">
-                <a:latin typeface="CIDFont+F1"/>
-              </a:rPr>
-              <a:t>that the application of SSDQM can provide very good preparation for organizations to implement the</a:t>
-            </a:r>
-            <a:r>
-              <a:rPr lang="pl-PL" sz="1800" b="0" i="0" u="none" strike="noStrike" baseline="0" dirty="0">
-                <a:latin typeface="CIDFont+F1"/>
-              </a:rPr>
-              <a:t> </a:t>
-            </a:r>
-            <a:r>
-              <a:rPr lang="en-US" sz="1800" b="0" i="0" u="none" strike="noStrike" baseline="0" dirty="0">
-                <a:latin typeface="CIDFont+F1"/>
-              </a:rPr>
-              <a:t>requirements of the ISO</a:t>
-            </a:r>
-            <a:r>
-              <a:rPr lang="pl-PL" sz="1800" dirty="0">
-                <a:latin typeface="CIDFont+F1"/>
-              </a:rPr>
-              <a:t> </a:t>
-            </a:r>
-            <a:r>
-              <a:rPr lang="en-US" sz="1800" b="0" i="0" u="none" strike="noStrike" baseline="0" dirty="0">
-                <a:latin typeface="CIDFont+F1"/>
-              </a:rPr>
-              <a:t>21001:2018 and other standards and requirements that promote focus on</a:t>
-            </a:r>
-            <a:r>
-              <a:rPr lang="pl-PL" sz="1800" b="0" i="0" u="none" strike="noStrike" baseline="0" dirty="0">
-                <a:latin typeface="CIDFont+F1"/>
-              </a:rPr>
-              <a:t> </a:t>
-            </a:r>
-            <a:r>
-              <a:rPr lang="pl-PL" sz="1800" b="0" i="0" u="none" strike="noStrike" baseline="0" dirty="0" err="1">
-                <a:latin typeface="CIDFont+F1"/>
-              </a:rPr>
-              <a:t>stakeholders</a:t>
-            </a:r>
-            <a:r>
-              <a:rPr lang="pl-PL" sz="1800" b="0" i="0" u="none" strike="noStrike" baseline="0" dirty="0">
-                <a:latin typeface="CIDFont+F1"/>
-              </a:rPr>
-              <a:t>.</a:t>
-            </a:r>
-            <a:endParaRPr lang="pl-PL" dirty="0"/>
-          </a:p>
-        </p:txBody>
-      </p:sp>
-      <p:sp>
-        <p:nvSpPr>
-          <p:cNvPr id="4" name="Slide Number Placeholder 3">
-            <a:extLst>
-              <a:ext uri="{FF2B5EF4-FFF2-40B4-BE49-F238E27FC236}">
-                <a16:creationId xmlns:a16="http://schemas.microsoft.com/office/drawing/2014/main" id="{EC1BD1F1-20DD-5B06-C501-0CEB8101DA9B}"/>
-              </a:ext>
-            </a:extLst>
-          </p:cNvPr>
-          <p:cNvSpPr>
-            <a:spLocks noGrp="1"/>
-          </p:cNvSpPr>
-          <p:nvPr>
-            <p:ph type="sldNum" sz="quarter" idx="12"/>
-          </p:nvPr>
-        </p:nvSpPr>
-        <p:spPr/>
-        <p:txBody>
-          <a:bodyPr/>
-          <a:lstStyle/>
-          <a:p>
-            <a:fld id="{ADC9AAA0-29FB-4B62-AB65-7094BA6E939A}" type="slidenum">
-              <a:rPr lang="pl-PL" smtClean="0"/>
-              <a:pPr/>
-              <a:t>12</a:t>
-            </a:fld>
-            <a:endParaRPr lang="pl-PL" dirty="0"/>
-          </a:p>
-        </p:txBody>
-      </p:sp>
-    </p:spTree>
-    <p:extLst>
-      <p:ext uri="{BB962C8B-B14F-4D97-AF65-F5344CB8AC3E}">
-        <p14:creationId xmlns:p14="http://schemas.microsoft.com/office/powerpoint/2010/main" val="1751899173"/>
-      </p:ext>
-    </p:extLst>
-  </p:cSld>
-  <p:clrMapOvr>
-    <a:masterClrMapping/>
-  </p:clrMapOvr>
-</p:sld>
-</file>
-
-<file path=ppt/slides/slide13.xml><?xml version="1.0" encoding="utf-8"?>
-<p:sld xmlns:a="http://schemas.openxmlformats.org/drawingml/2006/main" xmlns:r="http://schemas.openxmlformats.org/officeDocument/2006/relationships" xmlns:p="http://schemas.openxmlformats.org/presentationml/2006/main">
-  <p:cSld>
-    <p:spTree>
-      <p:nvGrpSpPr>
-        <p:cNvPr id="1" name=""/>
-        <p:cNvGrpSpPr/>
-        <p:nvPr/>
-      </p:nvGrpSpPr>
-      <p:grpSpPr>
-        <a:xfrm>
-          <a:off x="0" y="0"/>
-          <a:ext cx="0" cy="0"/>
-          <a:chOff x="0" y="0"/>
-          <a:chExt cx="0" cy="0"/>
-        </a:xfrm>
-      </p:grpSpPr>
-      <p:sp>
-        <p:nvSpPr>
-          <p:cNvPr id="2" name="Tytuł 1">
-            <a:extLst>
-              <a:ext uri="{FF2B5EF4-FFF2-40B4-BE49-F238E27FC236}">
-                <a16:creationId xmlns:a16="http://schemas.microsoft.com/office/drawing/2014/main" id="{01EAFA99-E6F6-9C32-FCD9-295254D965A1}"/>
-              </a:ext>
-            </a:extLst>
-          </p:cNvPr>
-          <p:cNvSpPr>
-            <a:spLocks noGrp="1"/>
-          </p:cNvSpPr>
-          <p:nvPr>
-            <p:ph type="title"/>
-          </p:nvPr>
-        </p:nvSpPr>
-        <p:spPr/>
-        <p:txBody>
-          <a:bodyPr/>
-          <a:lstStyle/>
-          <a:p>
-            <a:r>
-              <a:rPr lang="pl-PL" dirty="0" err="1"/>
-              <a:t>Literature</a:t>
-            </a:r>
-            <a:endParaRPr lang="pl-PL" dirty="0"/>
-          </a:p>
-        </p:txBody>
-      </p:sp>
-      <p:sp>
-        <p:nvSpPr>
-          <p:cNvPr id="3" name="Symbol zastępczy zawartości 2">
-            <a:extLst>
-              <a:ext uri="{FF2B5EF4-FFF2-40B4-BE49-F238E27FC236}">
-                <a16:creationId xmlns:a16="http://schemas.microsoft.com/office/drawing/2014/main" id="{9AEEA72C-DA17-8133-04DC-5D0CEE84D90D}"/>
-              </a:ext>
-            </a:extLst>
-          </p:cNvPr>
-          <p:cNvSpPr>
-            <a:spLocks noGrp="1"/>
-          </p:cNvSpPr>
-          <p:nvPr>
-            <p:ph idx="1"/>
-          </p:nvPr>
-        </p:nvSpPr>
-        <p:spPr/>
-        <p:txBody>
-          <a:bodyPr>
-            <a:normAutofit fontScale="85000" lnSpcReduction="20000"/>
-          </a:bodyPr>
-          <a:lstStyle/>
-          <a:p>
-            <a:r>
-              <a:rPr lang="pl-PL" sz="2800" b="0" i="0" u="none" strike="noStrike" baseline="0" dirty="0" err="1"/>
-              <a:t>Grudowski</a:t>
-            </a:r>
-            <a:r>
-              <a:rPr lang="pl-PL" sz="2800" b="0" i="0" u="none" strike="noStrike" baseline="0" dirty="0"/>
-              <a:t> </a:t>
-            </a:r>
-            <a:r>
-              <a:rPr lang="pl-PL" sz="2800" dirty="0"/>
-              <a:t>P.,</a:t>
-            </a:r>
-            <a:r>
-              <a:rPr lang="pl-PL" sz="2800" b="0" i="0" u="none" strike="noStrike" baseline="0" dirty="0"/>
-              <a:t> Lewandowski K. (2012), Pojęcie jakości kształcenia i uwarunkowania jej kwantyfikacji w uczelniach wyższych, Zarządzanie i Finanse, nr 3, cz. 1</a:t>
-            </a:r>
-            <a:endParaRPr lang="pl-PL" sz="2800" dirty="0"/>
-          </a:p>
-          <a:p>
-            <a:r>
-              <a:rPr lang="en-US" dirty="0"/>
-              <a:t>Freeman R.E. (1984), Strategic Management: A Stakeholder Approach, Pitman, London and Boston, MA</a:t>
-            </a:r>
-            <a:endParaRPr lang="pl-PL" dirty="0"/>
-          </a:p>
-          <a:p>
-            <a:pPr algn="l"/>
-            <a:r>
-              <a:rPr lang="pl-PL" dirty="0"/>
-              <a:t>Leja K. (2011), Koncepcje zarządzania współczesnym uniwersytetem, 10.13140/RG.2.1.3539.1529. </a:t>
-            </a:r>
-          </a:p>
-          <a:p>
-            <a:pPr algn="l"/>
-            <a:r>
-              <a:rPr lang="pl-PL" dirty="0"/>
-              <a:t>Leja K. (2019), Misja społecznie odpowiedzialnego uniwersytetu, w: Jastrzębska, E., Przybysz, M. (red.), Społeczna odpowiedzialność uczelni znaczenie dla uczelni i sposoby jej wdrażania (s. 11-13), Ministerstwo Nauki i Szkolnictwa Wyższego i Ministerstwo Inwestycji i Rozwoju, Warszawa</a:t>
-            </a:r>
-          </a:p>
-          <a:p>
-            <a:pPr algn="l"/>
-            <a:r>
-              <a:rPr lang="pl-PL" dirty="0" err="1"/>
-              <a:t>Puente</a:t>
-            </a:r>
-            <a:r>
-              <a:rPr lang="pl-PL" dirty="0"/>
-              <a:t> C., </a:t>
-            </a:r>
-            <a:r>
-              <a:rPr lang="pl-PL" dirty="0" err="1"/>
-              <a:t>Fabra</a:t>
-            </a:r>
-            <a:r>
-              <a:rPr lang="pl-PL" dirty="0"/>
-              <a:t> M., Mason C. et al. (2021), Role of the </a:t>
-            </a:r>
-            <a:r>
-              <a:rPr lang="pl-PL" dirty="0" err="1"/>
-              <a:t>Universities</a:t>
-            </a:r>
-            <a:r>
-              <a:rPr lang="pl-PL" dirty="0"/>
-              <a:t> as Drivers of </a:t>
-            </a:r>
-            <a:r>
-              <a:rPr lang="pl-PL" dirty="0" err="1"/>
-              <a:t>Social</a:t>
-            </a:r>
-            <a:r>
-              <a:rPr lang="pl-PL" dirty="0"/>
-              <a:t> </a:t>
-            </a:r>
-            <a:r>
-              <a:rPr lang="pl-PL" dirty="0" err="1"/>
-              <a:t>Innovation</a:t>
-            </a:r>
-            <a:r>
-              <a:rPr lang="pl-PL" dirty="0"/>
-              <a:t>, </a:t>
-            </a:r>
-            <a:r>
-              <a:rPr lang="pl-PL" dirty="0" err="1"/>
-              <a:t>Sustainability</a:t>
-            </a:r>
-            <a:r>
-              <a:rPr lang="pl-PL" dirty="0"/>
-              <a:t>, 13, 13727, 10.3390/su132413727</a:t>
-            </a:r>
-            <a:endParaRPr lang="en-US" dirty="0"/>
-          </a:p>
-          <a:p>
-            <a:pPr algn="l"/>
-            <a:endParaRPr lang="pl-PL" dirty="0"/>
-          </a:p>
-        </p:txBody>
-      </p:sp>
-      <p:sp>
-        <p:nvSpPr>
-          <p:cNvPr id="4" name="Slide Number Placeholder 3">
-            <a:extLst>
-              <a:ext uri="{FF2B5EF4-FFF2-40B4-BE49-F238E27FC236}">
-                <a16:creationId xmlns:a16="http://schemas.microsoft.com/office/drawing/2014/main" id="{8CE4049D-1C83-5BCB-31E1-B99EF9414431}"/>
-              </a:ext>
-            </a:extLst>
-          </p:cNvPr>
-          <p:cNvSpPr>
-            <a:spLocks noGrp="1"/>
-          </p:cNvSpPr>
-          <p:nvPr>
-            <p:ph type="sldNum" sz="quarter" idx="12"/>
-          </p:nvPr>
-        </p:nvSpPr>
-        <p:spPr/>
-        <p:txBody>
-          <a:bodyPr/>
-          <a:lstStyle/>
-          <a:p>
-            <a:fld id="{ADC9AAA0-29FB-4B62-AB65-7094BA6E939A}" type="slidenum">
-              <a:rPr lang="pl-PL" smtClean="0"/>
-              <a:pPr/>
-              <a:t>13</a:t>
-            </a:fld>
-            <a:endParaRPr lang="pl-PL" dirty="0"/>
-          </a:p>
-        </p:txBody>
-      </p:sp>
-    </p:spTree>
-    <p:extLst>
-      <p:ext uri="{BB962C8B-B14F-4D97-AF65-F5344CB8AC3E}">
-        <p14:creationId xmlns:p14="http://schemas.microsoft.com/office/powerpoint/2010/main" val="2905408895"/>
       </p:ext>
     </p:extLst>
   </p:cSld>
@@ -7514,7 +8109,7 @@
           <p:cNvPr id="2" name="Tytuł 1">
             <a:extLst>
               <a:ext uri="{FF2B5EF4-FFF2-40B4-BE49-F238E27FC236}">
-                <a16:creationId xmlns:a16="http://schemas.microsoft.com/office/drawing/2014/main" id="{EF146487-78BF-B718-BD20-9D922B93369A}"/>
+                <a16:creationId xmlns:a16="http://schemas.microsoft.com/office/drawing/2014/main" id="{01EAFA99-E6F6-9C32-FCD9-295254D965A1}"/>
               </a:ext>
             </a:extLst>
           </p:cNvPr>
@@ -7532,7 +8127,7 @@
           <a:p>
             <a:r>
               <a:rPr lang="pl-PL" dirty="0"/>
-              <a:t>Plan narracji 1/2</a:t>
+              <a:t>Podsumowanie</a:t>
             </a:r>
           </a:p>
         </p:txBody>
@@ -7542,7 +8137,7 @@
           <p:cNvPr id="3" name="Symbol zastępczy zawartości 2">
             <a:extLst>
               <a:ext uri="{FF2B5EF4-FFF2-40B4-BE49-F238E27FC236}">
-                <a16:creationId xmlns:a16="http://schemas.microsoft.com/office/drawing/2014/main" id="{E78D3559-3162-A0D8-F760-5A7FD0A881F4}"/>
+                <a16:creationId xmlns:a16="http://schemas.microsoft.com/office/drawing/2014/main" id="{9AEEA72C-DA17-8133-04DC-5D0CEE84D90D}"/>
               </a:ext>
             </a:extLst>
           </p:cNvPr>
@@ -7556,176 +8151,421 @@
         <p:spPr/>
         <p:txBody>
           <a:bodyPr>
-            <a:normAutofit fontScale="32500" lnSpcReduction="20000"/>
+            <a:normAutofit fontScale="85000" lnSpcReduction="10000"/>
           </a:bodyPr>
           <a:lstStyle/>
           <a:p>
-            <a:r>
-              <a:rPr lang="pl-PL" dirty="0"/>
-              <a:t>Dlaczego warto zająć się tematem?: uniwersytety są  „silnikiem” rozwoju społecznego, gospodarczego i kulturowego</a:t>
-            </a:r>
-            <a:r>
-              <a:rPr lang="pl-PL" baseline="30000" dirty="0"/>
-              <a:t>1</a:t>
-            </a:r>
-            <a:r>
-              <a:rPr lang="pl-PL" dirty="0"/>
-              <a:t> , pozycja polskich uczelni w świecie nauki nie odpowiada pozycji ani potencjałowi Polski w globalnej gospodarce. Ponadto polscy naukowcy osiągają wiele sukcesów naukowych, które nie są odpowiednio komercjalizowane przez polskie przedsiębiorstwa.</a:t>
-            </a:r>
-          </a:p>
-          <a:p>
-            <a:r>
-              <a:rPr lang="pl-PL" dirty="0"/>
-              <a:t>Skąd mogą się brać obecne problemy?: Silna kultura akademicka związana z odwoływaniem się do wielowiekowej tradycji; konflikt tradycja a nowoczesność to często sprzeczność między koncepcją uniwersytetu liberalnego i uniwersytetu przedsiębiorczego, a obecnie także z cechami uniwersytetu społecznie odpowiedzialnego; żadna nie może być w pełni </a:t>
-            </a:r>
-            <a:r>
-              <a:rPr lang="pl-PL" dirty="0" err="1"/>
-              <a:t>rezalizowana</a:t>
-            </a:r>
-            <a:r>
-              <a:rPr lang="pl-PL" dirty="0"/>
-              <a:t> przez różne ograniczenia (w tym regulacje prawne); </a:t>
-            </a:r>
-          </a:p>
-          <a:p>
-            <a:r>
-              <a:rPr lang="pl-PL" dirty="0"/>
-              <a:t>Sprzeczne oczekiwania różnych interesariuszy; dziedzictwo wielu wieków tradycji uniwersyteckich potęgujących sprzeczności;</a:t>
-            </a:r>
-          </a:p>
-          <a:p>
-            <a:r>
-              <a:rPr lang="en-US" sz="2800" b="0" i="0" u="none" strike="noStrike" baseline="0" dirty="0">
+            <a:pPr algn="l"/>
+            <a:r>
+              <a:rPr lang="en-US" sz="1800" b="0" i="0" u="none" strike="noStrike" baseline="0" dirty="0">
                 <a:latin typeface="CIDFont+F1"/>
               </a:rPr>
-              <a:t>utilitarian goal, formulated as </a:t>
-            </a:r>
-            <a:r>
-              <a:rPr lang="en-US" sz="2800" b="0" i="0" u="none" strike="noStrike" baseline="0" dirty="0">
+              <a:t>This dissertation contributes to the development of management and quality sciences through</a:t>
+            </a:r>
+            <a:r>
+              <a:rPr lang="pl-PL" sz="1800" b="0" i="0" u="none" strike="noStrike" baseline="0" dirty="0">
+                <a:latin typeface="CIDFont+F1"/>
+              </a:rPr>
+              <a:t> </a:t>
+            </a:r>
+            <a:r>
+              <a:rPr lang="en-US" sz="1800" b="0" i="0" u="none" strike="noStrike" baseline="0" dirty="0">
+                <a:latin typeface="CIDFont+F1"/>
+              </a:rPr>
+              <a:t>synthesis of quality management theory and stakeholder theory.</a:t>
+            </a:r>
+            <a:endParaRPr lang="pl-PL" sz="1800" b="0" i="0" u="none" strike="noStrike" baseline="0" dirty="0">
+              <a:latin typeface="CIDFont+F1"/>
+            </a:endParaRPr>
+          </a:p>
+          <a:p>
+            <a:pPr algn="l"/>
+            <a:r>
+              <a:rPr lang="en-US" sz="1800" b="0" i="0" u="none" strike="noStrike" baseline="0" dirty="0">
+                <a:latin typeface="CIDFont+F1"/>
+              </a:rPr>
+              <a:t>The conducted qualitative and quantitative research allowed for achieving the cognitive goal of</a:t>
+            </a:r>
+            <a:r>
+              <a:rPr lang="pl-PL" sz="1800" b="0" i="0" u="none" strike="noStrike" baseline="0" dirty="0">
+                <a:latin typeface="CIDFont+F1"/>
+              </a:rPr>
+              <a:t> </a:t>
+            </a:r>
+            <a:r>
+              <a:rPr lang="en-US" sz="1800" b="0" i="0" u="none" strike="noStrike" baseline="0" dirty="0">
+                <a:latin typeface="CIDFont+F1"/>
+              </a:rPr>
+              <a:t>the study, which was to </a:t>
+            </a:r>
+            <a:r>
+              <a:rPr lang="en-US" sz="1800" b="0" i="0" u="none" strike="noStrike" baseline="0" dirty="0">
                 <a:latin typeface="CIDFont+F3"/>
               </a:rPr>
+              <a:t>identify effective methods from the perspective of improving the quality management</a:t>
+            </a:r>
+            <a:r>
+              <a:rPr lang="pl-PL" sz="1800" b="0" i="0" u="none" strike="noStrike" baseline="0" dirty="0">
+                <a:latin typeface="CIDFont+F3"/>
+              </a:rPr>
+              <a:t> </a:t>
+            </a:r>
+            <a:r>
+              <a:rPr lang="en-US" sz="1800" b="0" i="0" u="none" strike="noStrike" baseline="0" dirty="0">
+                <a:latin typeface="CIDFont+F3"/>
+              </a:rPr>
+              <a:t>system, through the measurement and analysis of stakeholder satisfaction levels as an</a:t>
+            </a:r>
+            <a:r>
+              <a:rPr lang="pl-PL" sz="1800" b="0" i="0" u="none" strike="noStrike" baseline="0" dirty="0">
+                <a:latin typeface="CIDFont+F3"/>
+              </a:rPr>
+              <a:t> </a:t>
+            </a:r>
+            <a:r>
+              <a:rPr lang="pl-PL" sz="1800" b="0" i="0" u="none" strike="noStrike" baseline="0" dirty="0" err="1">
+                <a:latin typeface="CIDFont+F3"/>
+              </a:rPr>
+              <a:t>indicator</a:t>
+            </a:r>
+            <a:r>
+              <a:rPr lang="pl-PL" sz="1800" b="0" i="0" u="none" strike="noStrike" baseline="0" dirty="0">
+                <a:latin typeface="CIDFont+F3"/>
+              </a:rPr>
+              <a:t> of </a:t>
+            </a:r>
+            <a:r>
+              <a:rPr lang="pl-PL" sz="1800" b="0" i="0" u="none" strike="noStrike" baseline="0" dirty="0" err="1">
+                <a:latin typeface="CIDFont+F3"/>
+              </a:rPr>
+              <a:t>quality</a:t>
+            </a:r>
+            <a:r>
+              <a:rPr lang="pl-PL" sz="1800" b="0" i="0" u="none" strike="noStrike" baseline="0" dirty="0">
+                <a:latin typeface="CIDFont+F1"/>
+              </a:rPr>
+              <a:t>.</a:t>
+            </a:r>
+          </a:p>
+          <a:p>
+            <a:pPr algn="l"/>
+            <a:r>
+              <a:rPr lang="en-US" sz="1800" b="0" i="0" u="none" strike="noStrike" baseline="0" dirty="0">
+                <a:latin typeface="CIDFont+F1"/>
+              </a:rPr>
+              <a:t>The utilitarian goal, formulated as </a:t>
+            </a:r>
+            <a:r>
+              <a:rPr lang="en-US" sz="1800" b="0" i="0" u="none" strike="noStrike" baseline="0" dirty="0">
+                <a:latin typeface="CIDFont+F3"/>
+              </a:rPr>
               <a:t>development of a method for improving the quality</a:t>
             </a:r>
             <a:r>
-              <a:rPr lang="pl-PL" sz="2800" b="0" i="0" u="none" strike="noStrike" baseline="0" dirty="0">
+              <a:rPr lang="pl-PL" sz="1800" b="0" i="0" u="none" strike="noStrike" baseline="0" dirty="0">
                 <a:latin typeface="CIDFont+F3"/>
               </a:rPr>
               <a:t> </a:t>
             </a:r>
             <a:r>
-              <a:rPr lang="en-US" sz="2800" b="0" i="0" u="none" strike="noStrike" baseline="0" dirty="0">
+              <a:rPr lang="en-US" sz="1800" b="0" i="0" u="none" strike="noStrike" baseline="0" dirty="0">
                 <a:latin typeface="CIDFont+F3"/>
               </a:rPr>
               <a:t>management system of universities, adapted to the specifics of Polish technical universities, using the</a:t>
             </a:r>
             <a:r>
-              <a:rPr lang="pl-PL" sz="2800" b="0" i="0" u="none" strike="noStrike" baseline="0" dirty="0">
+              <a:rPr lang="pl-PL" sz="1800" b="0" i="0" u="none" strike="noStrike" baseline="0" dirty="0">
                 <a:latin typeface="CIDFont+F3"/>
               </a:rPr>
               <a:t> </a:t>
             </a:r>
             <a:r>
-              <a:rPr lang="en-US" sz="2800" b="0" i="0" u="none" strike="noStrike" baseline="0" dirty="0">
+              <a:rPr lang="en-US" sz="1800" b="0" i="0" u="none" strike="noStrike" baseline="0" dirty="0">
                 <a:latin typeface="CIDFont+F3"/>
               </a:rPr>
               <a:t>measurement of satisfaction of various stakeholder groups as one of the indicators of the university’s</a:t>
             </a:r>
             <a:r>
-              <a:rPr lang="pl-PL" sz="2800" b="0" i="0" u="none" strike="noStrike" baseline="0" dirty="0">
+              <a:rPr lang="pl-PL" sz="1800" b="0" i="0" u="none" strike="noStrike" baseline="0" dirty="0">
                 <a:latin typeface="CIDFont+F3"/>
               </a:rPr>
               <a:t> performance</a:t>
             </a:r>
+            <a:r>
+              <a:rPr lang="pl-PL" sz="1800" b="0" i="0" u="none" strike="noStrike" baseline="0" dirty="0">
+                <a:latin typeface="CIDFont+F1"/>
+              </a:rPr>
+              <a:t>, was </a:t>
+            </a:r>
+            <a:r>
+              <a:rPr lang="pl-PL" sz="1800" b="0" i="0" u="none" strike="noStrike" baseline="0" dirty="0" err="1">
+                <a:latin typeface="CIDFont+F1"/>
+              </a:rPr>
+              <a:t>also</a:t>
+            </a:r>
+            <a:r>
+              <a:rPr lang="pl-PL" sz="1800" b="0" i="0" u="none" strike="noStrike" baseline="0" dirty="0">
+                <a:latin typeface="CIDFont+F1"/>
+              </a:rPr>
+              <a:t> </a:t>
+            </a:r>
+            <a:r>
+              <a:rPr lang="pl-PL" sz="1800" b="0" i="0" u="none" strike="noStrike" baseline="0" dirty="0" err="1">
+                <a:latin typeface="CIDFont+F1"/>
+              </a:rPr>
+              <a:t>achieved</a:t>
+            </a:r>
+            <a:r>
+              <a:rPr lang="pl-PL" sz="1800" b="0" i="0" u="none" strike="noStrike" baseline="0" dirty="0">
+                <a:latin typeface="CIDFont+F1"/>
+              </a:rPr>
+              <a:t>.</a:t>
+            </a:r>
+          </a:p>
+          <a:p>
+            <a:pPr algn="l"/>
+            <a:r>
+              <a:rPr lang="en-US" sz="1800" b="0" i="0" u="none" strike="noStrike" baseline="0" dirty="0">
+                <a:latin typeface="CIDFont+F1"/>
+              </a:rPr>
+              <a:t>This objective has been achieved with developing Stakeholders Satisfaction</a:t>
+            </a:r>
+            <a:r>
+              <a:rPr lang="pl-PL" sz="1800" b="0" i="0" u="none" strike="noStrike" baseline="0" dirty="0">
+                <a:latin typeface="CIDFont+F1"/>
+              </a:rPr>
+              <a:t> </a:t>
+            </a:r>
+            <a:r>
+              <a:rPr lang="en-US" sz="1800" b="0" i="0" u="none" strike="noStrike" baseline="0" dirty="0">
+                <a:latin typeface="CIDFont+F1"/>
+              </a:rPr>
+              <a:t>Driven Quality Management Model – SSDQM.</a:t>
+            </a:r>
+            <a:endParaRPr lang="pl-PL" sz="1800" b="0" i="0" u="none" strike="noStrike" baseline="0" dirty="0">
+              <a:latin typeface="CIDFont+F1"/>
+            </a:endParaRPr>
+          </a:p>
+          <a:p>
+            <a:pPr algn="l"/>
+            <a:r>
+              <a:rPr lang="en-US" sz="1800" b="0" i="0" u="none" strike="noStrike" baseline="0" dirty="0">
+                <a:latin typeface="CIDFont+F1"/>
+              </a:rPr>
+              <a:t>The model is developed taking into account</a:t>
+            </a:r>
+            <a:r>
+              <a:rPr lang="pl-PL" sz="1800" b="0" i="0" u="none" strike="noStrike" baseline="0" dirty="0">
+                <a:latin typeface="CIDFont+F1"/>
+              </a:rPr>
+              <a:t> </a:t>
+            </a:r>
+            <a:r>
+              <a:rPr lang="en-US" sz="1800" b="0" i="0" u="none" strike="noStrike" baseline="0" dirty="0">
+                <a:latin typeface="CIDFont+F1"/>
+              </a:rPr>
+              <a:t>possible applications in the context of the specifics of Polish technical universities.</a:t>
+            </a:r>
+            <a:endParaRPr lang="pl-PL" sz="1800" b="0" i="0" u="none" strike="noStrike" baseline="0" dirty="0">
+              <a:latin typeface="CIDFont+F1"/>
+            </a:endParaRPr>
+          </a:p>
+          <a:p>
+            <a:pPr algn="l"/>
+            <a:r>
+              <a:rPr lang="pl-PL" sz="1800" b="0" i="0" u="none" strike="noStrike" baseline="0" dirty="0">
+                <a:latin typeface="CIDFont+F1"/>
+              </a:rPr>
+              <a:t>The </a:t>
+            </a:r>
+            <a:r>
+              <a:rPr lang="pl-PL" sz="1800" b="0" i="0" u="none" strike="noStrike" baseline="0" dirty="0" err="1">
+                <a:latin typeface="CIDFont+F1"/>
+              </a:rPr>
+              <a:t>applicative</a:t>
+            </a:r>
+            <a:r>
+              <a:rPr lang="pl-PL" sz="1800" b="0" i="0" u="none" strike="noStrike" baseline="0" dirty="0">
+                <a:latin typeface="CIDFont+F1"/>
+              </a:rPr>
+              <a:t> </a:t>
+            </a:r>
+            <a:r>
+              <a:rPr lang="pl-PL" sz="1800" b="0" i="0" u="none" strike="noStrike" baseline="0" dirty="0" err="1">
+                <a:latin typeface="CIDFont+F1"/>
+              </a:rPr>
+              <a:t>value</a:t>
+            </a:r>
+            <a:r>
+              <a:rPr lang="pl-PL" sz="1800" b="0" i="0" u="none" strike="noStrike" baseline="0" dirty="0">
+                <a:latin typeface="CIDFont+F1"/>
+              </a:rPr>
+              <a:t> </a:t>
+            </a:r>
+            <a:r>
+              <a:rPr lang="en-US" sz="1800" b="0" i="0" u="none" strike="noStrike" baseline="0" dirty="0">
+                <a:latin typeface="CIDFont+F1"/>
+              </a:rPr>
+              <a:t>of the proposed model has been enhanced with recommendations resulting from the conducted research,</a:t>
+            </a:r>
+            <a:r>
+              <a:rPr lang="pl-PL" sz="1800" b="0" i="0" u="none" strike="noStrike" baseline="0" dirty="0">
+                <a:latin typeface="CIDFont+F1"/>
+              </a:rPr>
+              <a:t> </a:t>
+            </a:r>
+            <a:r>
+              <a:rPr lang="en-US" sz="1800" b="0" i="0" u="none" strike="noStrike" baseline="0" dirty="0">
+                <a:latin typeface="CIDFont+F1"/>
+              </a:rPr>
+              <a:t>a significant part of which is the development of a basic set of indicators.</a:t>
+            </a:r>
+            <a:endParaRPr lang="pl-PL" sz="1800" b="0" i="0" u="none" strike="noStrike" baseline="0" dirty="0">
+              <a:latin typeface="CIDFont+F1"/>
+            </a:endParaRPr>
+          </a:p>
+          <a:p>
+            <a:pPr algn="l"/>
+            <a:r>
+              <a:rPr lang="pl-PL" sz="1800" b="0" i="0" u="none" strike="noStrike" baseline="0" dirty="0" err="1">
+                <a:latin typeface="CIDFont+F1"/>
+              </a:rPr>
+              <a:t>These</a:t>
+            </a:r>
+            <a:r>
+              <a:rPr lang="pl-PL" sz="1800" b="0" i="0" u="none" strike="noStrike" baseline="0" dirty="0">
+                <a:latin typeface="CIDFont+F1"/>
+              </a:rPr>
+              <a:t> </a:t>
+            </a:r>
+            <a:r>
+              <a:rPr lang="pl-PL" sz="1800" b="0" i="0" u="none" strike="noStrike" baseline="0" dirty="0" err="1">
+                <a:latin typeface="CIDFont+F1"/>
+              </a:rPr>
+              <a:t>are</a:t>
+            </a:r>
+            <a:r>
+              <a:rPr lang="pl-PL" sz="1800" b="0" i="0" u="none" strike="noStrike" baseline="0" dirty="0">
+                <a:latin typeface="CIDFont+F1"/>
+              </a:rPr>
+              <a:t> </a:t>
+            </a:r>
+            <a:r>
+              <a:rPr lang="pl-PL" sz="1800" b="0" i="0" u="none" strike="noStrike" baseline="0" dirty="0" err="1">
+                <a:latin typeface="CIDFont+F1"/>
+              </a:rPr>
+              <a:t>measures</a:t>
+            </a:r>
+            <a:r>
+              <a:rPr lang="pl-PL" sz="1800" b="0" i="0" u="none" strike="noStrike" baseline="0" dirty="0">
+                <a:latin typeface="CIDFont+F1"/>
+              </a:rPr>
+              <a:t> </a:t>
+            </a:r>
+            <a:r>
+              <a:rPr lang="en-US" sz="1800" b="0" i="0" u="none" strike="noStrike" baseline="0" dirty="0">
+                <a:latin typeface="CIDFont+F1"/>
+              </a:rPr>
+              <a:t>statistically proven to be significant for the environment of technical universities.</a:t>
+            </a:r>
+            <a:endParaRPr lang="pl-PL" sz="1800" b="0" i="0" u="none" strike="noStrike" baseline="0" dirty="0">
+              <a:latin typeface="CIDFont+F1"/>
+            </a:endParaRPr>
+          </a:p>
+          <a:p>
+            <a:pPr algn="l"/>
+            <a:r>
+              <a:rPr lang="pl-PL" sz="1800" b="0" i="0" u="none" strike="noStrike" baseline="0" dirty="0">
+                <a:latin typeface="CIDFont+F1"/>
+              </a:rPr>
+              <a:t>The </a:t>
+            </a:r>
+            <a:r>
+              <a:rPr lang="pl-PL" sz="1800" b="0" i="0" u="none" strike="noStrike" baseline="0" dirty="0" err="1">
+                <a:latin typeface="CIDFont+F1"/>
+              </a:rPr>
+              <a:t>strong</a:t>
+            </a:r>
+            <a:r>
+              <a:rPr lang="pl-PL" sz="1800" b="0" i="0" u="none" strike="noStrike" baseline="0" dirty="0">
+                <a:latin typeface="CIDFont+F1"/>
+              </a:rPr>
+              <a:t> </a:t>
+            </a:r>
+            <a:r>
+              <a:rPr lang="pl-PL" sz="1800" b="0" i="0" u="none" strike="noStrike" baseline="0" dirty="0" err="1">
+                <a:latin typeface="CIDFont+F1"/>
+              </a:rPr>
+              <a:t>connections</a:t>
+            </a:r>
+            <a:r>
+              <a:rPr lang="pl-PL" sz="1800" b="0" i="0" u="none" strike="noStrike" baseline="0" dirty="0">
+                <a:latin typeface="CIDFont+F1"/>
+              </a:rPr>
+              <a:t> </a:t>
+            </a:r>
+            <a:r>
+              <a:rPr lang="en-US" sz="1800" b="0" i="0" u="none" strike="noStrike" baseline="0" dirty="0">
+                <a:latin typeface="CIDFont+F1"/>
+              </a:rPr>
+              <a:t>of the proposed model with the field of quality management are also confirmed by analyses indicating</a:t>
+            </a:r>
+            <a:r>
+              <a:rPr lang="pl-PL" sz="1800" b="0" i="0" u="none" strike="noStrike" baseline="0" dirty="0">
+                <a:latin typeface="CIDFont+F1"/>
+              </a:rPr>
+              <a:t> </a:t>
+            </a:r>
+            <a:r>
+              <a:rPr lang="en-US" sz="1800" b="0" i="0" u="none" strike="noStrike" baseline="0" dirty="0">
+                <a:latin typeface="CIDFont+F1"/>
+              </a:rPr>
+              <a:t>that the application of SSDQM can provide very good preparation for organizations to implement the</a:t>
+            </a:r>
+            <a:r>
+              <a:rPr lang="pl-PL" sz="1800" b="0" i="0" u="none" strike="noStrike" baseline="0" dirty="0">
+                <a:latin typeface="CIDFont+F1"/>
+              </a:rPr>
+              <a:t> </a:t>
+            </a:r>
+            <a:r>
+              <a:rPr lang="en-US" sz="1800" b="0" i="0" u="none" strike="noStrike" baseline="0" dirty="0">
+                <a:latin typeface="CIDFont+F1"/>
+              </a:rPr>
+              <a:t>requirements of the ISO</a:t>
+            </a:r>
+            <a:r>
+              <a:rPr lang="pl-PL" sz="1800" dirty="0">
+                <a:latin typeface="CIDFont+F1"/>
+              </a:rPr>
+              <a:t> </a:t>
+            </a:r>
+            <a:r>
+              <a:rPr lang="en-US" sz="1800" b="0" i="0" u="none" strike="noStrike" baseline="0" dirty="0">
+                <a:latin typeface="CIDFont+F1"/>
+              </a:rPr>
+              <a:t>21001:2018 and other standards and requirements that promote focus on</a:t>
+            </a:r>
+            <a:r>
+              <a:rPr lang="pl-PL" sz="1800" b="0" i="0" u="none" strike="noStrike" baseline="0" dirty="0">
+                <a:latin typeface="CIDFont+F1"/>
+              </a:rPr>
+              <a:t> </a:t>
+            </a:r>
+            <a:r>
+              <a:rPr lang="pl-PL" sz="1800" b="0" i="0" u="none" strike="noStrike" baseline="0" dirty="0" err="1">
+                <a:latin typeface="CIDFont+F1"/>
+              </a:rPr>
+              <a:t>stakeholders</a:t>
+            </a:r>
+            <a:r>
+              <a:rPr lang="pl-PL" sz="1800" b="0" i="0" u="none" strike="noStrike" baseline="0" dirty="0">
+                <a:latin typeface="CIDFont+F1"/>
+              </a:rPr>
+              <a:t>.</a:t>
+            </a:r>
             <a:endParaRPr lang="pl-PL" dirty="0"/>
           </a:p>
-          <a:p>
-            <a:r>
-              <a:rPr lang="pl-PL" dirty="0"/>
-              <a:t>W Polsce wiele złych skojarzeń z kolejnymi reformami szkolnictwa wyższego</a:t>
-            </a:r>
-          </a:p>
-          <a:p>
-            <a:r>
-              <a:rPr lang="pl-PL" dirty="0"/>
-              <a:t>Jednocześnie ogromny potencjał w Polsce dla szkolnictwa wyższego; stale utrzymujące się duże zainteresowanie studiowaniem</a:t>
-            </a:r>
-          </a:p>
-          <a:p>
-            <a:r>
-              <a:rPr lang="pl-PL" dirty="0"/>
-              <a:t>Jakość – trudna do zdefiniowania, szczególnie dla produktów tak wybitnie niematerialnych jak usługi edukacyjne. Jednak opracowano miary uznawane za standard w obszarze usług – w tym te odnoszące się do informacji zwrotnych pozyskiwanych od klientów (m. in. opinie, poziom satysfakcji, lojalność)</a:t>
-            </a:r>
-          </a:p>
-          <a:p>
-            <a:r>
-              <a:rPr lang="pl-PL" dirty="0"/>
-              <a:t>W odniesieniu do usług uczelni bardzo popularną miarą są wyniki rankingów (globalne, krajowe) – pozycja polskich uczelni w globalnych rankingach jest dalece niesatysfakcjonująca i nie koresponduje z potencjałem polskiej gospodarki i nauki</a:t>
-            </a:r>
-          </a:p>
-          <a:p>
-            <a:r>
-              <a:rPr lang="pl-PL" dirty="0"/>
-              <a:t>W zakresie zarządzania w ubiegłym wieku osiągnięto wiele w zakresie rozwoju zarówno teorii i praktyki (QI , QC, QA, QM / TQM)</a:t>
-            </a:r>
-          </a:p>
-          <a:p>
-            <a:r>
-              <a:rPr lang="pl-PL" dirty="0"/>
-              <a:t>TQM jest </a:t>
-            </a:r>
-            <a:r>
-              <a:rPr lang="pl-PL" dirty="0" err="1"/>
-              <a:t>kliento</a:t>
-            </a:r>
-            <a:r>
-              <a:rPr lang="pl-PL" dirty="0"/>
-              <a:t>-centryczny, ale kto jest klientem uniwersytetu? (student nie zawsze płaci za studia, beneficjentami efektów kształcenia są nie tylko studenci, itd.) -&gt; zatem trudno wprowadzić nowoczesne QM co potwierdzają liczne badania (TQM, Lean, </a:t>
-            </a:r>
-            <a:r>
-              <a:rPr lang="pl-PL" dirty="0" err="1"/>
-              <a:t>SixSigma</a:t>
-            </a:r>
-            <a:r>
-              <a:rPr lang="pl-PL" dirty="0"/>
-              <a:t>)</a:t>
-            </a:r>
-          </a:p>
-          <a:p>
-            <a:r>
-              <a:rPr lang="pl-PL" dirty="0"/>
-              <a:t>CAF – „QM” dla administracji publicznej – być może jest rozwiązaniem godnym uwagi? Nie ma zbyt wielu implementacji</a:t>
-            </a:r>
-          </a:p>
-          <a:p>
-            <a:r>
-              <a:rPr lang="pl-PL" dirty="0"/>
-              <a:t>Wymagania PKA – 10 kryteriów oceny – są dalekie od nowoczesnego zarządzania jakością</a:t>
-            </a:r>
-          </a:p>
-          <a:p>
-            <a:r>
-              <a:rPr lang="pl-PL" dirty="0"/>
-              <a:t>Wszelkie badania wskazują na kluczową rolę kierownictwa organizacji we wprowadzaniu zmian / nowoczesnego QM</a:t>
-            </a:r>
-          </a:p>
-          <a:p>
-            <a:r>
-              <a:rPr lang="pl-PL" dirty="0"/>
-              <a:t>ISO 21001:2018 – System zarządzania organizacją edukacyjną – w realiach uczelni w Polsce nowość, norma na wysokim poziomie ogólności, implementacja dla uczelni możliwa</a:t>
-            </a:r>
-          </a:p>
-          <a:p>
-            <a:endParaRPr lang="pl-PL" dirty="0"/>
-          </a:p>
-          <a:p>
-            <a:endParaRPr lang="pl-PL" dirty="0"/>
-          </a:p>
-          <a:p>
-            <a:endParaRPr lang="pl-PL" dirty="0"/>
-          </a:p>
-          <a:p>
-            <a:endParaRPr lang="pl-PL" dirty="0"/>
-          </a:p>
         </p:txBody>
       </p:sp>
       <p:sp>
@@ -7733,7 +8573,7 @@
           <p:cNvPr id="4" name="Slide Number Placeholder 3">
             <a:extLst>
               <a:ext uri="{FF2B5EF4-FFF2-40B4-BE49-F238E27FC236}">
-                <a16:creationId xmlns:a16="http://schemas.microsoft.com/office/drawing/2014/main" id="{503AAA29-CC14-7130-6830-03F85D6C52AD}"/>
+                <a16:creationId xmlns:a16="http://schemas.microsoft.com/office/drawing/2014/main" id="{EC1BD1F1-20DD-5B06-C501-0CEB8101DA9B}"/>
               </a:ext>
             </a:extLst>
           </p:cNvPr>
@@ -7761,7 +8601,7 @@
     </p:spTree>
     <p:extLst>
       <p:ext uri="{BB962C8B-B14F-4D97-AF65-F5344CB8AC3E}">
-        <p14:creationId xmlns:p14="http://schemas.microsoft.com/office/powerpoint/2010/main" val="2254966267"/>
+        <p14:creationId xmlns:p14="http://schemas.microsoft.com/office/powerpoint/2010/main" val="1751899173"/>
       </p:ext>
     </p:extLst>
   </p:cSld>
@@ -7793,7 +8633,7 @@
           <p:cNvPr id="2" name="Tytuł 1">
             <a:extLst>
               <a:ext uri="{FF2B5EF4-FFF2-40B4-BE49-F238E27FC236}">
-                <a16:creationId xmlns:a16="http://schemas.microsoft.com/office/drawing/2014/main" id="{EF146487-78BF-B718-BD20-9D922B93369A}"/>
+                <a16:creationId xmlns:a16="http://schemas.microsoft.com/office/drawing/2014/main" id="{01EAFA99-E6F6-9C32-FCD9-295254D965A1}"/>
               </a:ext>
             </a:extLst>
           </p:cNvPr>
@@ -7811,7 +8651,7 @@
           <a:p>
             <a:r>
               <a:rPr lang="pl-PL" dirty="0"/>
-              <a:t>Plan narracji 2/2</a:t>
+              <a:t>Literatura</a:t>
             </a:r>
           </a:p>
         </p:txBody>
@@ -7821,7 +8661,7 @@
           <p:cNvPr id="3" name="Symbol zastępczy zawartości 2">
             <a:extLst>
               <a:ext uri="{FF2B5EF4-FFF2-40B4-BE49-F238E27FC236}">
-                <a16:creationId xmlns:a16="http://schemas.microsoft.com/office/drawing/2014/main" id="{E78D3559-3162-A0D8-F760-5A7FD0A881F4}"/>
+                <a16:creationId xmlns:a16="http://schemas.microsoft.com/office/drawing/2014/main" id="{9AEEA72C-DA17-8133-04DC-5D0CEE84D90D}"/>
               </a:ext>
             </a:extLst>
           </p:cNvPr>
@@ -7835,212 +8675,238 @@
         <p:spPr/>
         <p:txBody>
           <a:bodyPr>
-            <a:normAutofit fontScale="32500" lnSpcReduction="20000"/>
+            <a:normAutofit fontScale="62500" lnSpcReduction="20000"/>
           </a:bodyPr>
           <a:lstStyle/>
           <a:p>
             <a:r>
+              <a:rPr lang="en-US" b="0" i="0" u="none" strike="noStrike" baseline="0" dirty="0"/>
+              <a:t>Anderson, J. C., </a:t>
+            </a:r>
+            <a:r>
+              <a:rPr lang="en-US" b="0" i="0" u="none" strike="noStrike" baseline="0" dirty="0" err="1"/>
+              <a:t>Rungtusanatham</a:t>
+            </a:r>
+            <a:r>
+              <a:rPr lang="en-US" b="0" i="0" u="none" strike="noStrike" baseline="0" dirty="0"/>
+              <a:t>, M., &amp; Schroeder, R. G. (1994)</a:t>
+            </a:r>
+            <a:r>
+              <a:rPr lang="pl-PL" b="0" i="0" u="none" strike="noStrike" baseline="0" dirty="0"/>
+              <a:t>,</a:t>
+            </a:r>
+            <a:r>
+              <a:rPr lang="en-US" b="0" i="0" u="none" strike="noStrike" baseline="0" dirty="0"/>
+              <a:t> A Theory Of Quality Management Underlying The Deming Management Method</a:t>
+            </a:r>
+            <a:r>
+              <a:rPr lang="pl-PL" b="0" i="0" u="none" strike="noStrike" baseline="0" dirty="0"/>
+              <a:t>,</a:t>
+            </a:r>
+            <a:r>
+              <a:rPr lang="en-US" b="0" i="0" u="none" strike="noStrike" baseline="0" dirty="0"/>
+              <a:t> Academy of Management Review, 19(3), 472–509</a:t>
+            </a:r>
+            <a:endParaRPr lang="pl-PL" b="0" i="0" u="none" strike="noStrike" baseline="0" dirty="0"/>
+          </a:p>
+          <a:p>
+            <a:r>
+              <a:rPr lang="en-US" b="0" i="0" u="none" strike="noStrike" baseline="0" dirty="0" err="1"/>
+              <a:t>Cwynar</a:t>
+            </a:r>
+            <a:r>
+              <a:rPr lang="en-US" b="0" i="0" u="none" strike="noStrike" baseline="0" dirty="0"/>
+              <a:t>, K. M. (2005)</a:t>
+            </a:r>
+            <a:r>
+              <a:rPr lang="pl-PL" b="0" i="0" u="none" strike="noStrike" baseline="0" dirty="0"/>
+              <a:t>,</a:t>
+            </a:r>
+            <a:r>
+              <a:rPr lang="en-US" b="0" i="0" u="none" strike="noStrike" baseline="0" dirty="0"/>
+              <a:t> The Idea Of The University In European Culture</a:t>
+            </a:r>
+            <a:r>
+              <a:rPr lang="pl-PL" b="0" i="0" u="none" strike="noStrike" baseline="0" dirty="0"/>
+              <a:t>,</a:t>
+            </a:r>
+            <a:r>
+              <a:rPr lang="en-US" b="0" i="0" u="none" strike="noStrike" baseline="0" dirty="0"/>
+              <a:t> </a:t>
+            </a:r>
+            <a:r>
+              <a:rPr lang="en-US" b="0" i="0" u="none" strike="noStrike" baseline="0" dirty="0" err="1"/>
+              <a:t>Polityka</a:t>
+            </a:r>
+            <a:r>
+              <a:rPr lang="en-US" b="0" i="0" u="none" strike="noStrike" baseline="0" dirty="0"/>
+              <a:t> </a:t>
+            </a:r>
+            <a:r>
+              <a:rPr lang="en-US" b="0" i="0" u="none" strike="noStrike" baseline="0" dirty="0" err="1"/>
+              <a:t>i</a:t>
+            </a:r>
+            <a:r>
+              <a:rPr lang="en-US" b="0" i="0" u="none" strike="noStrike" baseline="0" dirty="0"/>
+              <a:t> </a:t>
+            </a:r>
+            <a:r>
+              <a:rPr lang="en-US" b="0" i="0" u="none" strike="noStrike" baseline="0" dirty="0" err="1"/>
+              <a:t>Społeczeństwo</a:t>
+            </a:r>
+            <a:r>
+              <a:rPr lang="en-US" b="0" i="0" u="none" strike="noStrike" baseline="0" dirty="0"/>
+              <a:t> </a:t>
+            </a:r>
+            <a:r>
+              <a:rPr lang="pl-PL" b="0" i="0" u="none" strike="noStrike" baseline="0" dirty="0"/>
+              <a:t>(s. </a:t>
+            </a:r>
+            <a:r>
+              <a:rPr lang="en-US" b="0" i="0" u="none" strike="noStrike" baseline="0" dirty="0"/>
+              <a:t>60–72</a:t>
+            </a:r>
+            <a:r>
               <a:rPr lang="pl-PL" dirty="0"/>
-              <a:t>ISO 21001:2018 – System zarządzania organizacją edukacyjną – w realiach uczelni w Polsce nowość, norma na wysokim poziomie ogólności, implementacja dla uczelni możliwa</a:t>
-            </a:r>
-          </a:p>
-          <a:p>
+              <a:t>)</a:t>
+            </a:r>
+            <a:endParaRPr lang="pl-PL" b="0" i="0" u="none" strike="noStrike" baseline="0" dirty="0"/>
+          </a:p>
+          <a:p>
+            <a:r>
+              <a:rPr lang="en-US" b="0" i="0" u="none" strike="noStrike" baseline="0" dirty="0"/>
+              <a:t>De Ridder-</a:t>
+            </a:r>
+            <a:r>
+              <a:rPr lang="en-US" b="0" i="0" u="none" strike="noStrike" baseline="0" dirty="0" err="1"/>
+              <a:t>Symoens</a:t>
+            </a:r>
+            <a:r>
+              <a:rPr lang="en-US" b="0" i="0" u="none" strike="noStrike" baseline="0" dirty="0"/>
+              <a:t>, H. (2020)</a:t>
+            </a:r>
+            <a:r>
+              <a:rPr lang="pl-PL" b="0" i="0" u="none" strike="noStrike" baseline="0" dirty="0"/>
+              <a:t>,</a:t>
+            </a:r>
+            <a:r>
+              <a:rPr lang="en-US" b="0" i="0" u="none" strike="noStrike" baseline="0" dirty="0"/>
+              <a:t> Universities and Their Missions in Early Modern Times. W L. </a:t>
+            </a:r>
+            <a:r>
+              <a:rPr lang="en-US" b="0" i="0" u="none" strike="noStrike" baseline="0" dirty="0" err="1"/>
+              <a:t>Engwall</a:t>
+            </a:r>
+            <a:r>
+              <a:rPr lang="en-US" b="0" i="0" u="none" strike="noStrike" baseline="0" dirty="0"/>
+              <a:t> (Red.), Missions of Universities: Past, Present, Future (s. 43–61)</a:t>
+            </a:r>
+            <a:r>
+              <a:rPr lang="pl-PL" b="0" i="0" u="none" strike="noStrike" baseline="0" dirty="0"/>
+              <a:t>,</a:t>
+            </a:r>
+            <a:r>
+              <a:rPr lang="en-US" b="0" i="0" u="none" strike="noStrike" baseline="0" dirty="0"/>
+              <a:t> Springer International Publishing</a:t>
+            </a:r>
+            <a:endParaRPr lang="pl-PL" b="0" i="0" u="none" strike="noStrike" baseline="0" dirty="0"/>
+          </a:p>
+          <a:p>
+            <a:r>
+              <a:rPr lang="en-US" dirty="0"/>
+              <a:t>Freeman R.E. (1984), Strategic Management: A Stakeholder Approach, Pitman, London and Boston, MA</a:t>
+            </a:r>
+            <a:endParaRPr lang="pl-PL" dirty="0"/>
+          </a:p>
+          <a:p>
+            <a:r>
+              <a:rPr lang="pl-PL" b="0" i="0" u="none" strike="noStrike" baseline="0" dirty="0" err="1"/>
+              <a:t>Grudowski</a:t>
+            </a:r>
+            <a:r>
+              <a:rPr lang="pl-PL" b="0" i="0" u="none" strike="noStrike" baseline="0" dirty="0"/>
+              <a:t> </a:t>
+            </a:r>
             <a:r>
               <a:rPr lang="pl-PL" dirty="0"/>
-              <a:t>Jeśli nie klient to może interesariusz?</a:t>
-            </a:r>
-          </a:p>
-          <a:p>
+              <a:t>P.,</a:t>
+            </a:r>
+            <a:r>
+              <a:rPr lang="pl-PL" b="0" i="0" u="none" strike="noStrike" baseline="0" dirty="0"/>
+              <a:t> Lewandowski K. (2012), Pojęcie jakości kształcenia i uwarunkowania jej kwantyfikacji w uczelniach wyższych, Zarządzanie i Finanse, nr 3, cz. 1</a:t>
+            </a:r>
+            <a:endParaRPr lang="pl-PL" dirty="0"/>
+          </a:p>
+          <a:p>
+            <a:pPr algn="l"/>
             <a:r>
               <a:rPr lang="pl-PL" dirty="0"/>
-              <a:t>W ramach badań przeanalizowałem rozwój definicji interesariuszy od najbardziej podstawowych (Freeman, 1984: może wpływać i może być pod wpływem”) własna definicja interesariuszy uczelni: </a:t>
-            </a:r>
-            <a:r>
-              <a:rPr lang="pl-PL" i="1" dirty="0"/>
-              <a:t>osoby lub grupy zainteresowane wysokim poziomem jakości efektów działań uczelni</a:t>
-            </a:r>
-          </a:p>
-          <a:p>
+              <a:t>Leja K. (2011), Koncepcje zarządzania współczesnym uniwersytetem, 10.13140/RG.2.1.3539.1529. </a:t>
+            </a:r>
+          </a:p>
+          <a:p>
+            <a:pPr algn="l"/>
             <a:r>
               <a:rPr lang="pl-PL" dirty="0"/>
-              <a:t>W rezultacie badania literatury zaproponowałem listę możliwych interesariuszy uczelni (74 przykłady) – pomoc w analizie; przedstawiłem metody analizy interesariuszy wybrane jako przydatne do stosowania w kontekście uniwersytetów (np. wykres interesu i siły wpływu; diagram relacji interesariuszy; mapa </a:t>
-            </a:r>
+              <a:t>Leja K. (2019), Misja społecznie odpowiedzialnego uniwersytetu, w: Jastrzębska, E., Przybysz, M. (red.), Społeczna odpowiedzialność uczelni znaczenie dla uczelni i sposoby jej wdrażania (s. 11-13), Ministerstwo Nauki i Szkolnictwa Wyższego i Ministerstwo Inwestycji i Rozwoju, Warszawa</a:t>
+            </a:r>
+          </a:p>
+          <a:p>
+            <a:pPr algn="l"/>
             <a:r>
               <a:rPr lang="pl-PL" dirty="0" err="1"/>
-              <a:t>intersariuszy</a:t>
+              <a:t>Puente</a:t>
             </a:r>
             <a:r>
               <a:rPr lang="pl-PL" dirty="0"/>
-              <a:t>; mapa atrakcyjności rozwiązań versus możliwości przyjęcia przez interesariuszy)</a:t>
-            </a:r>
-          </a:p>
-          <a:p>
+              <a:t> C., </a:t>
+            </a:r>
+            <a:r>
+              <a:rPr lang="pl-PL" dirty="0" err="1"/>
+              <a:t>Fabra</a:t>
+            </a:r>
             <a:r>
               <a:rPr lang="pl-PL" dirty="0"/>
-              <a:t>Badanie abstraktów 474 artykułów odnoszących się do interesariuszy uczelni wyższych (zapytanie do bazy </a:t>
+              <a:t> M., Mason C. et al. (2021), Role of the </a:t>
             </a:r>
             <a:r>
               <a:rPr lang="pl-PL" dirty="0" err="1"/>
-              <a:t>Scopus</a:t>
+              <a:t>Universities</a:t>
             </a:r>
             <a:r>
               <a:rPr lang="pl-PL" dirty="0"/>
-              <a:t> „przytoczyć frazę”) – lista najczęściej wymienianych grup interesariuszy uczelni</a:t>
-            </a:r>
-          </a:p>
-          <a:p>
-            <a:r>
-              <a:rPr lang="pl-PL" dirty="0"/>
-              <a:t>Rezultaty analiz </a:t>
+              <a:t> as Drivers of </a:t>
             </a:r>
             <a:r>
               <a:rPr lang="pl-PL" dirty="0" err="1"/>
-              <a:t>wiażą</a:t>
-            </a:r>
-            <a:r>
-              <a:rPr lang="pl-PL" dirty="0"/>
-              <a:t> się też ze wskazówkami dla zarządzających odnośnie do kształtowania relacji z poszczególnymi grupami interesariuszy (np. </a:t>
-            </a:r>
-            <a:r>
-              <a:rPr lang="pl-PL" i="1" dirty="0"/>
-              <a:t>kreatorzy warunków</a:t>
-            </a:r>
-            <a:r>
-              <a:rPr lang="pl-PL" dirty="0"/>
-              <a:t> – utrzymaj satysfakcję; </a:t>
-            </a:r>
-            <a:r>
-              <a:rPr lang="pl-PL" i="1" dirty="0"/>
-              <a:t>gracze</a:t>
-            </a:r>
-            <a:r>
-              <a:rPr lang="pl-PL" dirty="0"/>
-              <a:t> – uważnie zarządzaj; </a:t>
-            </a:r>
-            <a:r>
-              <a:rPr lang="pl-PL" i="1" dirty="0"/>
-              <a:t>podmioty</a:t>
-            </a:r>
-            <a:r>
-              <a:rPr lang="pl-PL" dirty="0"/>
-              <a:t> – informuj; </a:t>
-            </a:r>
-            <a:r>
-              <a:rPr lang="pl-PL" i="1" dirty="0"/>
-              <a:t>tłum</a:t>
-            </a:r>
-            <a:r>
-              <a:rPr lang="pl-PL" dirty="0"/>
-              <a:t> - monitoruj)</a:t>
-            </a:r>
-          </a:p>
-          <a:p>
-            <a:r>
-              <a:rPr lang="pl-PL" dirty="0"/>
-              <a:t>Czy określać jakość przy pomocy pomiaru satysfakcji interesariuszy? Wskazówka: ISO 21001:2018 – zawiera bardzo wiele odniesień do „grup zainteresowanych” i badania ich opinii, w tym satysfakcji</a:t>
-            </a:r>
-          </a:p>
-          <a:p>
-            <a:r>
-              <a:rPr lang="pl-PL" dirty="0"/>
-              <a:t>W związku z tym postawiłem następujące pytania badawcze: </a:t>
-            </a:r>
-            <a:br>
-              <a:rPr lang="pl-PL" dirty="0"/>
-            </a:br>
-            <a:r>
-              <a:rPr lang="pl-PL" dirty="0"/>
-              <a:t>W badaniu jakościowym przeprowadzonym wśród 33 respondentów (dobór celowy) większość wskazała studentów i absolwentów jako najistotniejszych interesariuszy – jednak opinie były bardzo zróżnicowane w zależności od tego jak silne były związku respondentów z procesami zarządzania uczelniami (słabo związani – istotne tylko efekty kształcenia; silnie związani – dostrzeganie szerszego kontekstu) [przytoczyć różne opinie nt. celów uczelni; tabelka ze statystyką wskazań z komentarzem, że to tylko pomocnicza metoda do oceny]</a:t>
-            </a:r>
-          </a:p>
-          <a:p>
-            <a:r>
-              <a:rPr lang="pl-PL" dirty="0"/>
-              <a:t>Weryfikacja hipotez badawczych na podstawie wyników badań ilościowych: ankieta (nielosowa metoda doboru grupy badawczej – metoda kuli śnieżnej) –133 respondentów [rys. 30]; oraz badań analitycznych na podstawie wyników ELA i rankingów oraz własnego badania:</a:t>
-            </a:r>
-          </a:p>
-          <a:p>
-            <a:pPr lvl="1"/>
-            <a:r>
-              <a:rPr lang="pl-PL" dirty="0"/>
-              <a:t>Hipotezy pomocnicze ze względu na ograniczenia badania (efekt - brak reprezentatywności dla większości grup interesariuszy)</a:t>
-            </a:r>
-          </a:p>
-          <a:p>
-            <a:pPr lvl="1"/>
-            <a:r>
-              <a:rPr lang="pl-PL" dirty="0"/>
-              <a:t>Potwierdzone korelacje: H2d → pomiędzy zarobkami po 3 latach, a satysfakcją z usług uczelni; hipoteza H3a</a:t>
-            </a:r>
-            <a:r>
-              <a:rPr lang="pl-PL" b="1" dirty="0"/>
-              <a:t>’</a:t>
-            </a:r>
-            <a:r>
-              <a:rPr lang="pl-PL" dirty="0"/>
-              <a:t> ze względu na zaobserwowaną odwrotną relację → stopa zatrudnienia absolwentów uczelni technicznych po roku </a:t>
-            </a:r>
-            <a:r>
-              <a:rPr lang="pl-PL" b="1" dirty="0"/>
-              <a:t>niższa</a:t>
-            </a:r>
-            <a:r>
-              <a:rPr lang="pl-PL" dirty="0"/>
-              <a:t> niż absolwentów pozostałych uczelni; H3d → średnie zarobki absolwentów uczelni technicznych po trzech latach wyższe niż absolwentów pozostałych uczelni; H3f → IWRA po 3 latach dla absolwentów uczelni technicznych wyższe niż dla absolwentów pozostałych uczelni; H4 → wyniki IWRA po 3 latach dla absolwentów uczelni technicznych pozytywnie skorelowane z wynikami rankingu Perspektywy</a:t>
-            </a:r>
-          </a:p>
-          <a:p>
-            <a:r>
-              <a:rPr lang="pl-PL" dirty="0"/>
-              <a:t>Cel utylitarny: SSDQM – Model Doskonalenia Systemu Zarządzania Jakością Uczelni Inspirowany Satysfakcją Interesariuszy (</a:t>
-            </a:r>
-            <a:r>
-              <a:rPr lang="en-US" dirty="0"/>
-              <a:t>Stakeholders Satisfaction Driven Quality Management</a:t>
+              <a:t>Social</a:t>
             </a:r>
             <a:r>
               <a:rPr lang="pl-PL" dirty="0"/>
               <a:t> </a:t>
             </a:r>
             <a:r>
-              <a:rPr lang="en-US" dirty="0"/>
-              <a:t>Model</a:t>
+              <a:rPr lang="pl-PL" dirty="0" err="1"/>
+              <a:t>Innovation</a:t>
             </a:r>
             <a:r>
               <a:rPr lang="pl-PL" dirty="0"/>
-              <a:t>) → przeanalizowałem jak to wspiera wdrażanie ISO21001:2018 oraz wymagań PKA</a:t>
-            </a:r>
-          </a:p>
-          <a:p>
+              <a:t>, </a:t>
+            </a:r>
+            <a:r>
+              <a:rPr lang="pl-PL" dirty="0" err="1"/>
+              <a:t>Sustainability</a:t>
+            </a:r>
             <a:r>
               <a:rPr lang="pl-PL" dirty="0"/>
-              <a:t>Etap 7 – dwie ścieżki postępowania oddzielnie dla metod zwinnych oraz kaskadowych (projektowych) wraz z rekomendacjami do tego kiedy jakie stosować</a:t>
-            </a:r>
-          </a:p>
-          <a:p>
-            <a:r>
-              <a:rPr lang="pl-PL" dirty="0"/>
-              <a:t>Zestaw potwierdzonych statystycznie wskaźników wartych do stosowania przy badaniu efektów działania uczelni techniczny oraz efektów wdrażanych usprawnień</a:t>
-            </a:r>
-          </a:p>
-          <a:p>
+              <a:t>, 13, 13727, 10.3390/su132413727</a:t>
+            </a:r>
+            <a:endParaRPr lang="en-US" dirty="0"/>
+          </a:p>
+          <a:p>
+            <a:pPr algn="l"/>
             <a:endParaRPr lang="pl-PL" dirty="0"/>
           </a:p>
-          <a:p>
-            <a:endParaRPr lang="pl-PL" dirty="0"/>
-          </a:p>
-          <a:p>
-            <a:endParaRPr lang="pl-PL" dirty="0"/>
-          </a:p>
-          <a:p>
-            <a:endParaRPr lang="pl-PL" dirty="0"/>
-          </a:p>
-          <a:p>
-            <a:endParaRPr lang="pl-PL" dirty="0"/>
-          </a:p>
-          <a:p>
-            <a:endParaRPr lang="pl-PL" dirty="0"/>
-          </a:p>
         </p:txBody>
       </p:sp>
       <p:sp>
@@ -8048,7 +8914,7 @@
           <p:cNvPr id="4" name="Slide Number Placeholder 3">
             <a:extLst>
               <a:ext uri="{FF2B5EF4-FFF2-40B4-BE49-F238E27FC236}">
-                <a16:creationId xmlns:a16="http://schemas.microsoft.com/office/drawing/2014/main" id="{16F3E5F9-035B-2C34-40AF-0B50B13FE605}"/>
+                <a16:creationId xmlns:a16="http://schemas.microsoft.com/office/drawing/2014/main" id="{8CE4049D-1C83-5BCB-31E1-B99EF9414431}"/>
               </a:ext>
             </a:extLst>
           </p:cNvPr>
@@ -8076,7 +8942,7 @@
     </p:spTree>
     <p:extLst>
       <p:ext uri="{BB962C8B-B14F-4D97-AF65-F5344CB8AC3E}">
-        <p14:creationId xmlns:p14="http://schemas.microsoft.com/office/powerpoint/2010/main" val="2692899238"/>
+        <p14:creationId xmlns:p14="http://schemas.microsoft.com/office/powerpoint/2010/main" val="2905408895"/>
       </p:ext>
     </p:extLst>
   </p:cSld>
@@ -8126,7 +8992,7 @@
           <a:p>
             <a:r>
               <a:rPr lang="pl-PL" dirty="0"/>
-              <a:t>Na obronę</a:t>
+              <a:t>Plan narracji 1/2</a:t>
             </a:r>
           </a:p>
         </p:txBody>
@@ -8150,13 +9016,122 @@
         <p:spPr/>
         <p:txBody>
           <a:bodyPr>
-            <a:normAutofit fontScale="55000" lnSpcReduction="20000"/>
+            <a:normAutofit fontScale="32500" lnSpcReduction="20000"/>
           </a:bodyPr>
           <a:lstStyle/>
           <a:p>
             <a:r>
               <a:rPr lang="pl-PL" dirty="0"/>
-              <a:t>rys. 1 teoria zarządzania jakością – </a:t>
+              <a:t>Dlaczego warto zająć się tematem?: uniwersytety są  „silnikiem” rozwoju społecznego, gospodarczego i kulturowego</a:t>
+            </a:r>
+            <a:r>
+              <a:rPr lang="pl-PL" baseline="30000" dirty="0"/>
+              <a:t>1</a:t>
+            </a:r>
+            <a:r>
+              <a:rPr lang="pl-PL" dirty="0"/>
+              <a:t> , pozycja polskich uczelni w świecie nauki nie odpowiada pozycji ani potencjałowi Polski w globalnej gospodarce. Ponadto polscy naukowcy osiągają wiele sukcesów naukowych, które nie są odpowiednio komercjalizowane przez polskie przedsiębiorstwa.</a:t>
+            </a:r>
+          </a:p>
+          <a:p>
+            <a:r>
+              <a:rPr lang="pl-PL" dirty="0"/>
+              <a:t>Skąd mogą się brać obecne problemy?: Silna kultura akademicka związana z odwoływaniem się do wielowiekowej tradycji; konflikt tradycja a nowoczesność to często sprzeczność między koncepcją uniwersytetu liberalnego i uniwersytetu przedsiębiorczego, a obecnie także z cechami uniwersytetu społecznie odpowiedzialnego; żadna nie może być w pełni </a:t>
+            </a:r>
+            <a:r>
+              <a:rPr lang="pl-PL" dirty="0" err="1"/>
+              <a:t>rezalizowana</a:t>
+            </a:r>
+            <a:r>
+              <a:rPr lang="pl-PL" dirty="0"/>
+              <a:t> przez różne ograniczenia (w tym regulacje prawne); </a:t>
+            </a:r>
+          </a:p>
+          <a:p>
+            <a:r>
+              <a:rPr lang="pl-PL" dirty="0"/>
+              <a:t>Sprzeczne oczekiwania różnych interesariuszy; dziedzictwo wielu wieków tradycji uniwersyteckich potęgujących sprzeczności;</a:t>
+            </a:r>
+          </a:p>
+          <a:p>
+            <a:r>
+              <a:rPr lang="en-US" sz="2800" b="0" i="0" u="none" strike="noStrike" baseline="0" dirty="0">
+                <a:latin typeface="CIDFont+F1"/>
+              </a:rPr>
+              <a:t>utilitarian goal, formulated as </a:t>
+            </a:r>
+            <a:r>
+              <a:rPr lang="en-US" sz="2800" b="0" i="0" u="none" strike="noStrike" baseline="0" dirty="0">
+                <a:latin typeface="CIDFont+F3"/>
+              </a:rPr>
+              <a:t>development of a method for improving the quality</a:t>
+            </a:r>
+            <a:r>
+              <a:rPr lang="pl-PL" sz="2800" b="0" i="0" u="none" strike="noStrike" baseline="0" dirty="0">
+                <a:latin typeface="CIDFont+F3"/>
+              </a:rPr>
+              <a:t> </a:t>
+            </a:r>
+            <a:r>
+              <a:rPr lang="en-US" sz="2800" b="0" i="0" u="none" strike="noStrike" baseline="0" dirty="0">
+                <a:latin typeface="CIDFont+F3"/>
+              </a:rPr>
+              <a:t>management system of universities, adapted to the specifics of Polish technical universities, using the</a:t>
+            </a:r>
+            <a:r>
+              <a:rPr lang="pl-PL" sz="2800" b="0" i="0" u="none" strike="noStrike" baseline="0" dirty="0">
+                <a:latin typeface="CIDFont+F3"/>
+              </a:rPr>
+              <a:t> </a:t>
+            </a:r>
+            <a:r>
+              <a:rPr lang="en-US" sz="2800" b="0" i="0" u="none" strike="noStrike" baseline="0" dirty="0">
+                <a:latin typeface="CIDFont+F3"/>
+              </a:rPr>
+              <a:t>measurement of satisfaction of various stakeholder groups as one of the indicators of the university’s</a:t>
+            </a:r>
+            <a:r>
+              <a:rPr lang="pl-PL" sz="2800" b="0" i="0" u="none" strike="noStrike" baseline="0" dirty="0">
+                <a:latin typeface="CIDFont+F3"/>
+              </a:rPr>
+              <a:t> performance</a:t>
+            </a:r>
+            <a:endParaRPr lang="pl-PL" dirty="0"/>
+          </a:p>
+          <a:p>
+            <a:r>
+              <a:rPr lang="pl-PL" dirty="0"/>
+              <a:t>W Polsce wiele złych skojarzeń z kolejnymi reformami szkolnictwa wyższego</a:t>
+            </a:r>
+          </a:p>
+          <a:p>
+            <a:r>
+              <a:rPr lang="pl-PL" dirty="0"/>
+              <a:t>Jednocześnie ogromny potencjał w Polsce dla szkolnictwa wyższego; stale utrzymujące się duże zainteresowanie studiowaniem</a:t>
+            </a:r>
+          </a:p>
+          <a:p>
+            <a:r>
+              <a:rPr lang="pl-PL" dirty="0"/>
+              <a:t>Jakość – trudna do zdefiniowania, szczególnie dla produktów tak wybitnie niematerialnych jak usługi edukacyjne. Jednak opracowano miary uznawane za standard w obszarze usług – w tym te odnoszące się do informacji zwrotnych pozyskiwanych od klientów (m. in. opinie, poziom satysfakcji, lojalność)</a:t>
+            </a:r>
+          </a:p>
+          <a:p>
+            <a:r>
+              <a:rPr lang="pl-PL" dirty="0"/>
+              <a:t>W odniesieniu do usług uczelni bardzo popularną miarą są wyniki rankingów (globalne, krajowe) – pozycja polskich uczelni w globalnych rankingach jest dalece niesatysfakcjonująca i nie koresponduje z potencjałem polskiej gospodarki i nauki</a:t>
+            </a:r>
+          </a:p>
+          <a:p>
+            <a:r>
+              <a:rPr lang="pl-PL" dirty="0"/>
+              <a:t>W zakresie zarządzania w ubiegłym wieku osiągnięto wiele w zakresie rozwoju zarówno teorii i praktyki (QI , QC, QA, QM / TQM)</a:t>
+            </a:r>
+          </a:p>
+          <a:p>
+            <a:r>
+              <a:rPr lang="pl-PL" dirty="0"/>
+              <a:t>TQM jest </a:t>
             </a:r>
             <a:r>
               <a:rPr lang="pl-PL" dirty="0" err="1"/>
@@ -8164,77 +9139,7 @@
             </a:r>
             <a:r>
               <a:rPr lang="pl-PL" dirty="0"/>
-              <a:t>-centryzm</a:t>
-            </a:r>
-          </a:p>
-          <a:p>
-            <a:r>
-              <a:rPr lang="pl-PL" dirty="0"/>
-              <a:t>rys. 2 „cykliczność” zmian koncepcji uniwersytetu</a:t>
-            </a:r>
-          </a:p>
-          <a:p>
-            <a:r>
-              <a:rPr lang="pl-PL" dirty="0"/>
-              <a:t>rys. 13 do ilustracji sprzecznych interesów – wspomnieć o opracowanej liście przykładów sprzecznych interesów – tab. ?</a:t>
-            </a:r>
-          </a:p>
-          <a:p>
-            <a:r>
-              <a:rPr lang="pl-PL" dirty="0"/>
-              <a:t>geniusz „i” zamiast tyranii „albo” str. 55]</a:t>
-            </a:r>
-          </a:p>
-          <a:p>
-            <a:r>
-              <a:rPr lang="pl-PL" dirty="0"/>
-              <a:t>model Cronina – jakość a satysfakcja rys. 18]</a:t>
-            </a:r>
-          </a:p>
-          <a:p>
-            <a:r>
-              <a:rPr lang="pl-PL" dirty="0"/>
-              <a:t>wiele miar CFM do pomiaru jakości usług i nie tylko – polegających na pomiarze opinii/satysfakcji/informacji zwrotnej klientów]</a:t>
-            </a:r>
-          </a:p>
-          <a:p>
-            <a:r>
-              <a:rPr lang="pl-PL" dirty="0"/>
-              <a:t>autorski ranking RV250 – zintegrowany ranking na podstawie najważniejszych globalnych rankingów</a:t>
-            </a:r>
-          </a:p>
-          <a:p>
-            <a:r>
-              <a:rPr lang="pl-PL" dirty="0"/>
-              <a:t>CAF – diagram – oraz </a:t>
-            </a:r>
-            <a:r>
-              <a:rPr lang="pl-PL" dirty="0" err="1"/>
-              <a:t>QualHE</a:t>
-            </a:r>
-            <a:r>
-              <a:rPr lang="pl-PL" dirty="0"/>
-              <a:t> prof. </a:t>
-            </a:r>
-            <a:r>
-              <a:rPr lang="pl-PL" dirty="0" err="1"/>
-              <a:t>Grudowskiego</a:t>
-            </a:r>
-            <a:r>
-              <a:rPr lang="pl-PL" dirty="0"/>
-              <a:t> jako przykład koncepcji integrujących dorobek nowoczesnych metod QM dla szkolnictwa wyższego</a:t>
-            </a:r>
-          </a:p>
-          <a:p>
-            <a:r>
-              <a:rPr lang="pl-PL" dirty="0"/>
-              <a:t>Podejście do jakości w polskim systemie – tab. 36.</a:t>
-            </a:r>
-          </a:p>
-          <a:p>
-            <a:r>
-              <a:rPr lang="pl-PL" dirty="0"/>
-              <a:t>Bariery wdrażania QM (Lean </a:t>
+              <a:t>-centryczny, ale kto jest klientem uniwersytetu? (student nie zawsze płaci za studia, beneficjentami efektów kształcenia są nie tylko studenci, itd.) -&gt; zatem trudno wprowadzić nowoczesne QM co potwierdzają liczne badania (TQM, Lean, </a:t>
             </a:r>
             <a:r>
               <a:rPr lang="pl-PL" dirty="0" err="1"/>
@@ -8242,25 +9147,31 @@
             </a:r>
             <a:r>
               <a:rPr lang="pl-PL" dirty="0"/>
-              <a:t>) na uczelniach</a:t>
+              <a:t>)</a:t>
             </a:r>
           </a:p>
           <a:p>
             <a:r>
               <a:rPr lang="pl-PL" dirty="0"/>
-              <a:t>Rola kultury organizacyjnej; kultury jakości (tab. 40 – regeneracji)? ; dojrzałość kultury organizacyjnej? (tab. 41 typ D zintegrowana)</a:t>
+              <a:t>CAF – „QM” dla administracji publicznej – być może jest rozwiązaniem godnym uwagi? Nie ma zbyt wielu implementacji</a:t>
             </a:r>
           </a:p>
           <a:p>
             <a:r>
               <a:rPr lang="pl-PL" dirty="0"/>
-              <a:t>Interesariusze: tab. 51</a:t>
+              <a:t>Wymagania PKA – 10 kryteriów oceny – są dalekie od nowoczesnego zarządzania jakością</a:t>
             </a:r>
           </a:p>
           <a:p>
             <a:r>
               <a:rPr lang="pl-PL" dirty="0"/>
-              <a:t>Edukacyjny łańcuch dostaw</a:t>
+              <a:t>Wszelkie badania wskazują na kluczową rolę kierownictwa organizacji we wprowadzaniu zmian / nowoczesnego QM</a:t>
+            </a:r>
+          </a:p>
+          <a:p>
+            <a:r>
+              <a:rPr lang="pl-PL" dirty="0"/>
+              <a:t>ISO 21001:2018 – System zarządzania organizacją edukacyjną – w realiach uczelni w Polsce nowość, norma na wysokim poziomie ogólności, implementacja dla uczelni możliwa</a:t>
             </a:r>
           </a:p>
           <a:p>
@@ -8282,7 +9193,7 @@
           <p:cNvPr id="4" name="Slide Number Placeholder 3">
             <a:extLst>
               <a:ext uri="{FF2B5EF4-FFF2-40B4-BE49-F238E27FC236}">
-                <a16:creationId xmlns:a16="http://schemas.microsoft.com/office/drawing/2014/main" id="{75CD7F28-D658-62E5-6D23-E2D586402D5A}"/>
+                <a16:creationId xmlns:a16="http://schemas.microsoft.com/office/drawing/2014/main" id="{503AAA29-CC14-7130-6830-03F85D6C52AD}"/>
               </a:ext>
             </a:extLst>
           </p:cNvPr>
@@ -8310,7 +9221,7 @@
     </p:spTree>
     <p:extLst>
       <p:ext uri="{BB962C8B-B14F-4D97-AF65-F5344CB8AC3E}">
-        <p14:creationId xmlns:p14="http://schemas.microsoft.com/office/powerpoint/2010/main" val="1405418258"/>
+        <p14:creationId xmlns:p14="http://schemas.microsoft.com/office/powerpoint/2010/main" val="2254966267"/>
       </p:ext>
     </p:extLst>
   </p:cSld>
@@ -8339,18 +9250,18 @@
       </p:grpSpPr>
       <p:sp>
         <p:nvSpPr>
-          <p:cNvPr id="2" name="Slide Number Placeholder 1">
-            <a:extLst>
-              <a:ext uri="{FF2B5EF4-FFF2-40B4-BE49-F238E27FC236}">
-                <a16:creationId xmlns:a16="http://schemas.microsoft.com/office/drawing/2014/main" id="{5B13169F-44A2-D153-B55A-DF5B146ED084}"/>
-              </a:ext>
-            </a:extLst>
-          </p:cNvPr>
-          <p:cNvSpPr>
-            <a:spLocks noGrp="1"/>
-          </p:cNvSpPr>
-          <p:nvPr>
-            <p:ph type="sldNum" sz="quarter" idx="12"/>
+          <p:cNvPr id="2" name="Tytuł 1">
+            <a:extLst>
+              <a:ext uri="{FF2B5EF4-FFF2-40B4-BE49-F238E27FC236}">
+                <a16:creationId xmlns:a16="http://schemas.microsoft.com/office/drawing/2014/main" id="{EF146487-78BF-B718-BD20-9D922B93369A}"/>
+              </a:ext>
+            </a:extLst>
+          </p:cNvPr>
+          <p:cNvSpPr>
+            <a:spLocks noGrp="1"/>
+          </p:cNvSpPr>
+          <p:nvPr>
+            <p:ph type="title"/>
           </p:nvPr>
         </p:nvSpPr>
         <p:spPr/>
@@ -8358,24 +9269,540 @@
           <a:bodyPr/>
           <a:lstStyle/>
           <a:p>
+            <a:r>
+              <a:rPr lang="pl-PL" dirty="0"/>
+              <a:t>Plan narracji 2/2</a:t>
+            </a:r>
+          </a:p>
+        </p:txBody>
+      </p:sp>
+      <p:sp>
+        <p:nvSpPr>
+          <p:cNvPr id="3" name="Symbol zastępczy zawartości 2">
+            <a:extLst>
+              <a:ext uri="{FF2B5EF4-FFF2-40B4-BE49-F238E27FC236}">
+                <a16:creationId xmlns:a16="http://schemas.microsoft.com/office/drawing/2014/main" id="{E78D3559-3162-A0D8-F760-5A7FD0A881F4}"/>
+              </a:ext>
+            </a:extLst>
+          </p:cNvPr>
+          <p:cNvSpPr>
+            <a:spLocks noGrp="1"/>
+          </p:cNvSpPr>
+          <p:nvPr>
+            <p:ph idx="1"/>
+          </p:nvPr>
+        </p:nvSpPr>
+        <p:spPr/>
+        <p:txBody>
+          <a:bodyPr>
+            <a:normAutofit fontScale="32500" lnSpcReduction="20000"/>
+          </a:bodyPr>
+          <a:lstStyle/>
+          <a:p>
+            <a:r>
+              <a:rPr lang="pl-PL" dirty="0"/>
+              <a:t>ISO 21001:2018 – System zarządzania organizacją edukacyjną – w realiach uczelni w Polsce nowość, norma na wysokim poziomie ogólności, implementacja dla uczelni możliwa</a:t>
+            </a:r>
+          </a:p>
+          <a:p>
+            <a:r>
+              <a:rPr lang="pl-PL" dirty="0"/>
+              <a:t>Jeśli nie klient to może interesariusz?</a:t>
+            </a:r>
+          </a:p>
+          <a:p>
+            <a:r>
+              <a:rPr lang="pl-PL" dirty="0"/>
+              <a:t>W ramach badań przeanalizowałem rozwój definicji interesariuszy od najbardziej podstawowych (Freeman, 1984: może wpływać i może być pod wpływem”) własna definicja interesariuszy uczelni: </a:t>
+            </a:r>
+            <a:r>
+              <a:rPr lang="pl-PL" i="1" dirty="0"/>
+              <a:t>osoby lub grupy zainteresowane wysokim poziomem jakości efektów działań uczelni</a:t>
+            </a:r>
+          </a:p>
+          <a:p>
+            <a:r>
+              <a:rPr lang="pl-PL" dirty="0"/>
+              <a:t>W rezultacie badania literatury zaproponowałem listę możliwych interesariuszy uczelni (74 przykłady) – pomoc w analizie; przedstawiłem metody analizy interesariuszy wybrane jako przydatne do stosowania w kontekście uniwersytetów (np. wykres interesu i siły wpływu; diagram relacji interesariuszy; mapa </a:t>
+            </a:r>
+            <a:r>
+              <a:rPr lang="pl-PL" dirty="0" err="1"/>
+              <a:t>intersariuszy</a:t>
+            </a:r>
+            <a:r>
+              <a:rPr lang="pl-PL" dirty="0"/>
+              <a:t>; mapa atrakcyjności rozwiązań versus możliwości przyjęcia przez interesariuszy)</a:t>
+            </a:r>
+          </a:p>
+          <a:p>
+            <a:r>
+              <a:rPr lang="pl-PL" dirty="0"/>
+              <a:t>Badanie abstraktów 474 artykułów odnoszących się do interesariuszy uczelni wyższych (zapytanie do bazy </a:t>
+            </a:r>
+            <a:r>
+              <a:rPr lang="pl-PL" dirty="0" err="1"/>
+              <a:t>Scopus</a:t>
+            </a:r>
+            <a:r>
+              <a:rPr lang="pl-PL" dirty="0"/>
+              <a:t> „przytoczyć frazę”) – lista najczęściej wymienianych grup interesariuszy uczelni</a:t>
+            </a:r>
+          </a:p>
+          <a:p>
+            <a:r>
+              <a:rPr lang="pl-PL" dirty="0"/>
+              <a:t>Rezultaty analiz </a:t>
+            </a:r>
+            <a:r>
+              <a:rPr lang="pl-PL" dirty="0" err="1"/>
+              <a:t>wiażą</a:t>
+            </a:r>
+            <a:r>
+              <a:rPr lang="pl-PL" dirty="0"/>
+              <a:t> się też ze wskazówkami dla zarządzających odnośnie do kształtowania relacji z poszczególnymi grupami interesariuszy (np. </a:t>
+            </a:r>
+            <a:r>
+              <a:rPr lang="pl-PL" i="1" dirty="0"/>
+              <a:t>kreatorzy warunków</a:t>
+            </a:r>
+            <a:r>
+              <a:rPr lang="pl-PL" dirty="0"/>
+              <a:t> – utrzymaj satysfakcję; </a:t>
+            </a:r>
+            <a:r>
+              <a:rPr lang="pl-PL" i="1" dirty="0"/>
+              <a:t>gracze</a:t>
+            </a:r>
+            <a:r>
+              <a:rPr lang="pl-PL" dirty="0"/>
+              <a:t> – uważnie zarządzaj; </a:t>
+            </a:r>
+            <a:r>
+              <a:rPr lang="pl-PL" i="1" dirty="0"/>
+              <a:t>podmioty</a:t>
+            </a:r>
+            <a:r>
+              <a:rPr lang="pl-PL" dirty="0"/>
+              <a:t> – informuj; </a:t>
+            </a:r>
+            <a:r>
+              <a:rPr lang="pl-PL" i="1" dirty="0"/>
+              <a:t>tłum</a:t>
+            </a:r>
+            <a:r>
+              <a:rPr lang="pl-PL" dirty="0"/>
+              <a:t> - monitoruj)</a:t>
+            </a:r>
+          </a:p>
+          <a:p>
+            <a:r>
+              <a:rPr lang="pl-PL" dirty="0"/>
+              <a:t>Czy określać jakość przy pomocy pomiaru satysfakcji interesariuszy? Wskazówka: ISO 21001:2018 – zawiera bardzo wiele odniesień do „grup zainteresowanych” i badania ich opinii, w tym satysfakcji</a:t>
+            </a:r>
+          </a:p>
+          <a:p>
+            <a:r>
+              <a:rPr lang="pl-PL" dirty="0"/>
+              <a:t>W związku z tym postawiłem następujące pytania badawcze: </a:t>
+            </a:r>
+            <a:br>
+              <a:rPr lang="pl-PL" dirty="0"/>
+            </a:br>
+            <a:r>
+              <a:rPr lang="pl-PL" dirty="0"/>
+              <a:t>W badaniu jakościowym przeprowadzonym wśród 33 respondentów (dobór celowy) większość wskazała studentów i absolwentów jako najistotniejszych interesariuszy – jednak opinie były bardzo zróżnicowane w zależności od tego jak silne były związku respondentów z procesami zarządzania uczelniami (słabo związani – istotne tylko efekty kształcenia; silnie związani – dostrzeganie szerszego kontekstu) [przytoczyć różne opinie nt. celów uczelni; tabelka ze statystyką wskazań z komentarzem, że to tylko pomocnicza metoda do oceny]</a:t>
+            </a:r>
+          </a:p>
+          <a:p>
+            <a:r>
+              <a:rPr lang="pl-PL" dirty="0"/>
+              <a:t>Weryfikacja hipotez badawczych na podstawie wyników badań ilościowych: ankieta (nielosowa metoda doboru grupy badawczej – metoda kuli śnieżnej) –133 respondentów [rys. 30]; oraz badań analitycznych na podstawie wyników ELA i rankingów oraz własnego badania:</a:t>
+            </a:r>
+          </a:p>
+          <a:p>
+            <a:pPr lvl="1"/>
+            <a:r>
+              <a:rPr lang="pl-PL" dirty="0"/>
+              <a:t>Hipotezy pomocnicze ze względu na ograniczenia badania (efekt - brak reprezentatywności dla większości grup interesariuszy)</a:t>
+            </a:r>
+          </a:p>
+          <a:p>
+            <a:pPr lvl="1"/>
+            <a:r>
+              <a:rPr lang="pl-PL" dirty="0"/>
+              <a:t>Potwierdzone korelacje: H2d → pomiędzy zarobkami po 3 latach, a satysfakcją z usług uczelni; hipoteza H3a</a:t>
+            </a:r>
+            <a:r>
+              <a:rPr lang="pl-PL" b="1" dirty="0"/>
+              <a:t>’</a:t>
+            </a:r>
+            <a:r>
+              <a:rPr lang="pl-PL" dirty="0"/>
+              <a:t> ze względu na zaobserwowaną odwrotną relację → stopa zatrudnienia absolwentów uczelni technicznych po roku </a:t>
+            </a:r>
+            <a:r>
+              <a:rPr lang="pl-PL" b="1" dirty="0"/>
+              <a:t>niższa</a:t>
+            </a:r>
+            <a:r>
+              <a:rPr lang="pl-PL" dirty="0"/>
+              <a:t> niż absolwentów pozostałych uczelni; H3d → średnie zarobki absolwentów uczelni technicznych po trzech latach wyższe niż absolwentów pozostałych uczelni; H3f → IWRA po 3 latach dla absolwentów uczelni technicznych wyższe niż dla absolwentów pozostałych uczelni; H4 → wyniki IWRA po 3 latach dla absolwentów uczelni technicznych pozytywnie skorelowane z wynikami rankingu Perspektywy</a:t>
+            </a:r>
+          </a:p>
+          <a:p>
+            <a:r>
+              <a:rPr lang="pl-PL" dirty="0"/>
+              <a:t>Cel utylitarny: SSDQM – Model Doskonalenia Systemu Zarządzania Jakością Uczelni Inspirowany Satysfakcją Interesariuszy (</a:t>
+            </a:r>
+            <a:r>
+              <a:rPr lang="en-US" dirty="0"/>
+              <a:t>Stakeholders Satisfaction Driven Quality Management</a:t>
+            </a:r>
+            <a:r>
+              <a:rPr lang="pl-PL" dirty="0"/>
+              <a:t> </a:t>
+            </a:r>
+            <a:r>
+              <a:rPr lang="en-US" dirty="0"/>
+              <a:t>Model</a:t>
+            </a:r>
+            <a:r>
+              <a:rPr lang="pl-PL" dirty="0"/>
+              <a:t>) → przeanalizowałem jak to wspiera wdrażanie ISO21001:2018 oraz wymagań PKA</a:t>
+            </a:r>
+          </a:p>
+          <a:p>
+            <a:r>
+              <a:rPr lang="pl-PL" dirty="0"/>
+              <a:t>Etap 7 – dwie ścieżki postępowania oddzielnie dla metod zwinnych oraz kaskadowych (projektowych) wraz z rekomendacjami do tego kiedy jakie stosować</a:t>
+            </a:r>
+          </a:p>
+          <a:p>
+            <a:r>
+              <a:rPr lang="pl-PL" dirty="0"/>
+              <a:t>Zestaw potwierdzonych statystycznie wskaźników wartych do stosowania przy badaniu efektów działania uczelni techniczny oraz efektów wdrażanych usprawnień</a:t>
+            </a:r>
+          </a:p>
+          <a:p>
+            <a:endParaRPr lang="pl-PL" dirty="0"/>
+          </a:p>
+          <a:p>
+            <a:endParaRPr lang="pl-PL" dirty="0"/>
+          </a:p>
+          <a:p>
+            <a:endParaRPr lang="pl-PL" dirty="0"/>
+          </a:p>
+          <a:p>
+            <a:endParaRPr lang="pl-PL" dirty="0"/>
+          </a:p>
+          <a:p>
+            <a:endParaRPr lang="pl-PL" dirty="0"/>
+          </a:p>
+          <a:p>
+            <a:endParaRPr lang="pl-PL" dirty="0"/>
+          </a:p>
+        </p:txBody>
+      </p:sp>
+      <p:sp>
+        <p:nvSpPr>
+          <p:cNvPr id="4" name="Slide Number Placeholder 3">
+            <a:extLst>
+              <a:ext uri="{FF2B5EF4-FFF2-40B4-BE49-F238E27FC236}">
+                <a16:creationId xmlns:a16="http://schemas.microsoft.com/office/drawing/2014/main" id="{16F3E5F9-035B-2C34-40AF-0B50B13FE605}"/>
+              </a:ext>
+            </a:extLst>
+          </p:cNvPr>
+          <p:cNvSpPr>
+            <a:spLocks noGrp="1"/>
+          </p:cNvSpPr>
+          <p:nvPr>
+            <p:ph type="sldNum" sz="quarter" idx="12"/>
+          </p:nvPr>
+        </p:nvSpPr>
+        <p:spPr/>
+        <p:txBody>
+          <a:bodyPr/>
+          <a:lstStyle/>
+          <a:p>
             <a:fld id="{ADC9AAA0-29FB-4B62-AB65-7094BA6E939A}" type="slidenum">
               <a:rPr lang="pl-PL" smtClean="0"/>
+              <a:pPr/>
               <a:t>17</a:t>
             </a:fld>
-            <a:endParaRPr lang="pl-PL"/>
+            <a:endParaRPr lang="pl-PL" dirty="0"/>
           </a:p>
         </p:txBody>
       </p:sp>
     </p:spTree>
     <p:extLst>
       <p:ext uri="{BB962C8B-B14F-4D97-AF65-F5344CB8AC3E}">
-        <p14:creationId xmlns:p14="http://schemas.microsoft.com/office/powerpoint/2010/main" val="3099068771"/>
+        <p14:creationId xmlns:p14="http://schemas.microsoft.com/office/powerpoint/2010/main" val="2692899238"/>
       </p:ext>
     </p:extLst>
   </p:cSld>
   <p:clrMapOvr>
     <a:masterClrMapping/>
   </p:clrMapOvr>
+</p:sld>
+</file>
+
+<file path=ppt/slides/slide18.xml><?xml version="1.0" encoding="utf-8"?>
+<p:sld xmlns:a="http://schemas.openxmlformats.org/drawingml/2006/main" xmlns:r="http://schemas.openxmlformats.org/officeDocument/2006/relationships" xmlns:p="http://schemas.openxmlformats.org/presentationml/2006/main">
+  <p:cSld>
+    <p:spTree>
+      <p:nvGrpSpPr>
+        <p:cNvPr id="1" name=""/>
+        <p:cNvGrpSpPr/>
+        <p:nvPr/>
+      </p:nvGrpSpPr>
+      <p:grpSpPr>
+        <a:xfrm>
+          <a:off x="0" y="0"/>
+          <a:ext cx="0" cy="0"/>
+          <a:chOff x="0" y="0"/>
+          <a:chExt cx="0" cy="0"/>
+        </a:xfrm>
+      </p:grpSpPr>
+      <p:sp>
+        <p:nvSpPr>
+          <p:cNvPr id="2" name="Tytuł 1">
+            <a:extLst>
+              <a:ext uri="{FF2B5EF4-FFF2-40B4-BE49-F238E27FC236}">
+                <a16:creationId xmlns:a16="http://schemas.microsoft.com/office/drawing/2014/main" id="{EF146487-78BF-B718-BD20-9D922B93369A}"/>
+              </a:ext>
+            </a:extLst>
+          </p:cNvPr>
+          <p:cNvSpPr>
+            <a:spLocks noGrp="1"/>
+          </p:cNvSpPr>
+          <p:nvPr>
+            <p:ph type="title"/>
+          </p:nvPr>
+        </p:nvSpPr>
+        <p:spPr/>
+        <p:txBody>
+          <a:bodyPr/>
+          <a:lstStyle/>
+          <a:p>
+            <a:r>
+              <a:rPr lang="pl-PL" dirty="0"/>
+              <a:t>Na obronę</a:t>
+            </a:r>
+          </a:p>
+        </p:txBody>
+      </p:sp>
+      <p:sp>
+        <p:nvSpPr>
+          <p:cNvPr id="3" name="Symbol zastępczy zawartości 2">
+            <a:extLst>
+              <a:ext uri="{FF2B5EF4-FFF2-40B4-BE49-F238E27FC236}">
+                <a16:creationId xmlns:a16="http://schemas.microsoft.com/office/drawing/2014/main" id="{E78D3559-3162-A0D8-F760-5A7FD0A881F4}"/>
+              </a:ext>
+            </a:extLst>
+          </p:cNvPr>
+          <p:cNvSpPr>
+            <a:spLocks noGrp="1"/>
+          </p:cNvSpPr>
+          <p:nvPr>
+            <p:ph idx="1"/>
+          </p:nvPr>
+        </p:nvSpPr>
+        <p:spPr/>
+        <p:txBody>
+          <a:bodyPr>
+            <a:normAutofit fontScale="55000" lnSpcReduction="20000"/>
+          </a:bodyPr>
+          <a:lstStyle/>
+          <a:p>
+            <a:r>
+              <a:rPr lang="pl-PL" strike="sngStrike" dirty="0"/>
+              <a:t>rys. 1 teoria zarządzania jakością – </a:t>
+            </a:r>
+            <a:r>
+              <a:rPr lang="pl-PL" strike="sngStrike" dirty="0" err="1"/>
+              <a:t>kliento</a:t>
+            </a:r>
+            <a:r>
+              <a:rPr lang="pl-PL" strike="sngStrike" dirty="0"/>
+              <a:t>-centryzm</a:t>
+            </a:r>
+          </a:p>
+          <a:p>
+            <a:r>
+              <a:rPr lang="pl-PL" strike="sngStrike" dirty="0"/>
+              <a:t>rys. 2 „cykliczność” zmian koncepcji uniwersytetu</a:t>
+            </a:r>
+          </a:p>
+          <a:p>
+            <a:r>
+              <a:rPr lang="pl-PL" strike="sngStrike" dirty="0"/>
+              <a:t>rys. 13 do ilustracji sprzecznych interesów – wspomnieć o opracowanej liście przykładów sprzecznych interesów – tab. ?</a:t>
+            </a:r>
+          </a:p>
+          <a:p>
+            <a:r>
+              <a:rPr lang="pl-PL" dirty="0"/>
+              <a:t>geniusz „i” zamiast tyranii „albo” str. 55]</a:t>
+            </a:r>
+          </a:p>
+          <a:p>
+            <a:r>
+              <a:rPr lang="pl-PL" dirty="0"/>
+              <a:t>model Cronina – jakość a satysfakcja rys. 18]</a:t>
+            </a:r>
+          </a:p>
+          <a:p>
+            <a:r>
+              <a:rPr lang="pl-PL" dirty="0"/>
+              <a:t>wiele miar CFM do pomiaru jakości usług i nie tylko – polegających na pomiarze opinii/satysfakcji/informacji zwrotnej klientów]</a:t>
+            </a:r>
+          </a:p>
+          <a:p>
+            <a:r>
+              <a:rPr lang="pl-PL" dirty="0"/>
+              <a:t>autorski ranking RV250 – zintegrowany ranking na podstawie najważniejszych globalnych rankingów</a:t>
+            </a:r>
+          </a:p>
+          <a:p>
+            <a:r>
+              <a:rPr lang="pl-PL" dirty="0"/>
+              <a:t>CAF – diagram – oraz </a:t>
+            </a:r>
+            <a:r>
+              <a:rPr lang="pl-PL" dirty="0" err="1"/>
+              <a:t>QualHE</a:t>
+            </a:r>
+            <a:r>
+              <a:rPr lang="pl-PL" dirty="0"/>
+              <a:t> prof. </a:t>
+            </a:r>
+            <a:r>
+              <a:rPr lang="pl-PL" dirty="0" err="1"/>
+              <a:t>Grudowskiego</a:t>
+            </a:r>
+            <a:r>
+              <a:rPr lang="pl-PL" dirty="0"/>
+              <a:t> jako przykład koncepcji integrujących dorobek nowoczesnych metod QM dla szkolnictwa wyższego</a:t>
+            </a:r>
+          </a:p>
+          <a:p>
+            <a:r>
+              <a:rPr lang="pl-PL" dirty="0"/>
+              <a:t>Podejście do jakości w polskim systemie – tab. 36.</a:t>
+            </a:r>
+          </a:p>
+          <a:p>
+            <a:r>
+              <a:rPr lang="pl-PL" dirty="0"/>
+              <a:t>Bariery wdrażania QM (Lean </a:t>
+            </a:r>
+            <a:r>
+              <a:rPr lang="pl-PL" dirty="0" err="1"/>
+              <a:t>SixSigma</a:t>
+            </a:r>
+            <a:r>
+              <a:rPr lang="pl-PL" dirty="0"/>
+              <a:t>) na uczelniach</a:t>
+            </a:r>
+          </a:p>
+          <a:p>
+            <a:r>
+              <a:rPr lang="pl-PL" dirty="0"/>
+              <a:t>Rola kultury organizacyjnej; kultury jakości (tab. 40 – regeneracji)? ; dojrzałość kultury organizacyjnej? (tab. 41 typ D zintegrowana)</a:t>
+            </a:r>
+          </a:p>
+          <a:p>
+            <a:r>
+              <a:rPr lang="pl-PL" dirty="0"/>
+              <a:t>Interesariusze: tab. 51</a:t>
+            </a:r>
+          </a:p>
+          <a:p>
+            <a:r>
+              <a:rPr lang="pl-PL" dirty="0"/>
+              <a:t>Edukacyjny łańcuch dostaw</a:t>
+            </a:r>
+          </a:p>
+          <a:p>
+            <a:endParaRPr lang="pl-PL" dirty="0"/>
+          </a:p>
+          <a:p>
+            <a:endParaRPr lang="pl-PL" dirty="0"/>
+          </a:p>
+          <a:p>
+            <a:endParaRPr lang="pl-PL" dirty="0"/>
+          </a:p>
+          <a:p>
+            <a:endParaRPr lang="pl-PL" dirty="0"/>
+          </a:p>
+        </p:txBody>
+      </p:sp>
+      <p:sp>
+        <p:nvSpPr>
+          <p:cNvPr id="4" name="Slide Number Placeholder 3">
+            <a:extLst>
+              <a:ext uri="{FF2B5EF4-FFF2-40B4-BE49-F238E27FC236}">
+                <a16:creationId xmlns:a16="http://schemas.microsoft.com/office/drawing/2014/main" id="{75CD7F28-D658-62E5-6D23-E2D586402D5A}"/>
+              </a:ext>
+            </a:extLst>
+          </p:cNvPr>
+          <p:cNvSpPr>
+            <a:spLocks noGrp="1"/>
+          </p:cNvSpPr>
+          <p:nvPr>
+            <p:ph type="sldNum" sz="quarter" idx="12"/>
+          </p:nvPr>
+        </p:nvSpPr>
+        <p:spPr/>
+        <p:txBody>
+          <a:bodyPr/>
+          <a:lstStyle/>
+          <a:p>
+            <a:fld id="{ADC9AAA0-29FB-4B62-AB65-7094BA6E939A}" type="slidenum">
+              <a:rPr lang="pl-PL" smtClean="0"/>
+              <a:pPr/>
+              <a:t>18</a:t>
+            </a:fld>
+            <a:endParaRPr lang="pl-PL" dirty="0"/>
+          </a:p>
+        </p:txBody>
+      </p:sp>
+    </p:spTree>
+    <p:extLst>
+      <p:ext uri="{BB962C8B-B14F-4D97-AF65-F5344CB8AC3E}">
+        <p14:creationId xmlns:p14="http://schemas.microsoft.com/office/powerpoint/2010/main" val="1405418258"/>
+      </p:ext>
+    </p:extLst>
+  </p:cSld>
+  <p:clrMapOvr>
+    <a:masterClrMapping/>
+  </p:clrMapOvr>
+</p:sld>
+</file>
+
+<file path=ppt/slides/slide19.xml><?xml version="1.0" encoding="utf-8"?>
+<p:sld xmlns:a="http://schemas.openxmlformats.org/drawingml/2006/main" xmlns:r="http://schemas.openxmlformats.org/officeDocument/2006/relationships" xmlns:p="http://schemas.openxmlformats.org/presentationml/2006/main">
+  <p:cSld>
+    <p:spTree>
+      <p:nvGrpSpPr>
+        <p:cNvPr id="1" name=""/>
+        <p:cNvGrpSpPr/>
+        <p:nvPr/>
+      </p:nvGrpSpPr>
+      <p:grpSpPr>
+        <a:xfrm>
+          <a:off x="0" y="0"/>
+          <a:ext cx="0" cy="0"/>
+          <a:chOff x="0" y="0"/>
+          <a:chExt cx="0" cy="0"/>
+        </a:xfrm>
+      </p:grpSpPr>
+    </p:spTree>
+  </p:cSld>
+  <p:clrMapOvr>
+    <a:masterClrMapping/>
+  </p:clrMapOvr>
+  <p:transition spd="med"/>
 </p:sld>
 </file>
 
@@ -8418,9 +9845,10 @@
           <a:lstStyle/>
           <a:p>
             <a:r>
-              <a:rPr lang="en-GB" dirty="0"/>
-              <a:t>Main concepts for universities - radar</a:t>
-            </a:r>
+              <a:rPr lang="pl-PL" dirty="0"/>
+              <a:t>Teoria zarządzania jakością</a:t>
+            </a:r>
+            <a:endParaRPr lang="en-GB" dirty="0"/>
           </a:p>
         </p:txBody>
       </p:sp>
@@ -8460,293 +9888,6 @@
           </a:p>
         </p:txBody>
       </p:sp>
-      <p:sp>
-        <p:nvSpPr>
-          <p:cNvPr id="6" name="pole tekstowe 5">
-            <a:extLst>
-              <a:ext uri="{FF2B5EF4-FFF2-40B4-BE49-F238E27FC236}">
-                <a16:creationId xmlns:a16="http://schemas.microsoft.com/office/drawing/2014/main" id="{C3202C3E-F339-ADDF-F292-0C12D4F32501}"/>
-              </a:ext>
-            </a:extLst>
-          </p:cNvPr>
-          <p:cNvSpPr txBox="1"/>
-          <p:nvPr/>
-        </p:nvSpPr>
-        <p:spPr>
-          <a:xfrm>
-            <a:off x="9237517" y="2553133"/>
-            <a:ext cx="2047010" cy="2585323"/>
-          </a:xfrm>
-          <a:prstGeom prst="rect">
-            <a:avLst/>
-          </a:prstGeom>
-          <a:noFill/>
-        </p:spPr>
-        <p:txBody>
-          <a:bodyPr wrap="square" rtlCol="0">
-            <a:spAutoFit/>
-          </a:bodyPr>
-          <a:lstStyle/>
-          <a:p>
-            <a:r>
-              <a:rPr lang="en-GB" b="1" dirty="0"/>
-              <a:t>SR</a:t>
-            </a:r>
-            <a:r>
-              <a:rPr lang="en-GB" dirty="0"/>
-              <a:t> – State Regulations</a:t>
-            </a:r>
-          </a:p>
-          <a:p>
-            <a:r>
-              <a:rPr lang="en-GB" b="1" dirty="0"/>
-              <a:t>AG</a:t>
-            </a:r>
-            <a:r>
-              <a:rPr lang="en-GB" dirty="0"/>
-              <a:t> – Academic </a:t>
-            </a:r>
-            <a:br>
-              <a:rPr lang="en-GB" dirty="0"/>
-            </a:br>
-            <a:r>
-              <a:rPr lang="en-GB" dirty="0"/>
-              <a:t>self-Governance</a:t>
-            </a:r>
-          </a:p>
-          <a:p>
-            <a:r>
-              <a:rPr lang="en-GB" b="1" dirty="0"/>
-              <a:t>SG</a:t>
-            </a:r>
-            <a:r>
-              <a:rPr lang="en-GB" dirty="0"/>
-              <a:t> – Stakeholder guidance</a:t>
-            </a:r>
-          </a:p>
-          <a:p>
-            <a:r>
-              <a:rPr lang="en-GB" b="1" dirty="0"/>
-              <a:t>MG</a:t>
-            </a:r>
-            <a:r>
-              <a:rPr lang="en-GB" dirty="0"/>
-              <a:t> – Managerial self-Governance</a:t>
-            </a:r>
-          </a:p>
-          <a:p>
-            <a:r>
-              <a:rPr lang="en-GB" b="1" dirty="0"/>
-              <a:t>C</a:t>
-            </a:r>
-            <a:r>
-              <a:rPr lang="en-GB" dirty="0"/>
-              <a:t> – Competition</a:t>
-            </a:r>
-          </a:p>
-        </p:txBody>
-      </p:sp>
-      <p:grpSp>
-        <p:nvGrpSpPr>
-          <p:cNvPr id="11" name="Grupa 10">
-            <a:extLst>
-              <a:ext uri="{FF2B5EF4-FFF2-40B4-BE49-F238E27FC236}">
-                <a16:creationId xmlns:a16="http://schemas.microsoft.com/office/drawing/2014/main" id="{721446EF-F0EC-F112-05A4-8D8C2EE55137}"/>
-              </a:ext>
-            </a:extLst>
-          </p:cNvPr>
-          <p:cNvGrpSpPr/>
-          <p:nvPr/>
-        </p:nvGrpSpPr>
-        <p:grpSpPr>
-          <a:xfrm>
-            <a:off x="616752" y="1690688"/>
-            <a:ext cx="7919382" cy="5129794"/>
-            <a:chOff x="616752" y="1690688"/>
-            <a:chExt cx="7919382" cy="5129794"/>
-          </a:xfrm>
-        </p:grpSpPr>
-        <p:pic>
-          <p:nvPicPr>
-            <p:cNvPr id="5" name="Obraz 4">
-              <a:extLst>
-                <a:ext uri="{FF2B5EF4-FFF2-40B4-BE49-F238E27FC236}">
-                  <a16:creationId xmlns:a16="http://schemas.microsoft.com/office/drawing/2014/main" id="{27CC000E-4B98-06A3-E1D7-6F30D50BF93D}"/>
-                </a:ext>
-              </a:extLst>
-            </p:cNvPr>
-            <p:cNvPicPr>
-              <a:picLocks noChangeAspect="1"/>
-            </p:cNvPicPr>
-            <p:nvPr/>
-          </p:nvPicPr>
-          <p:blipFill>
-            <a:blip r:embed="rId3">
-              <a:extLst>
-                <a:ext uri="{28A0092B-C50C-407E-A947-70E740481C1C}">
-                  <a14:useLocalDpi xmlns:a14="http://schemas.microsoft.com/office/drawing/2010/main" val="0"/>
-                </a:ext>
-              </a:extLst>
-            </a:blip>
-            <a:stretch>
-              <a:fillRect/>
-            </a:stretch>
-          </p:blipFill>
-          <p:spPr>
-            <a:xfrm>
-              <a:off x="616752" y="1690688"/>
-              <a:ext cx="7735806" cy="5129794"/>
-            </a:xfrm>
-            <a:prstGeom prst="rect">
-              <a:avLst/>
-            </a:prstGeom>
-          </p:spPr>
-        </p:pic>
-        <p:grpSp>
-          <p:nvGrpSpPr>
-            <p:cNvPr id="10" name="Grupa 9">
-              <a:extLst>
-                <a:ext uri="{FF2B5EF4-FFF2-40B4-BE49-F238E27FC236}">
-                  <a16:creationId xmlns:a16="http://schemas.microsoft.com/office/drawing/2014/main" id="{C4F6DFF3-9781-D8F8-2163-838CBABFA5C7}"/>
-                </a:ext>
-              </a:extLst>
-            </p:cNvPr>
-            <p:cNvGrpSpPr/>
-            <p:nvPr/>
-          </p:nvGrpSpPr>
-          <p:grpSpPr>
-            <a:xfrm>
-              <a:off x="6468340" y="2904260"/>
-              <a:ext cx="2067794" cy="2064226"/>
-              <a:chOff x="6468340" y="2904260"/>
-              <a:chExt cx="2067794" cy="2064226"/>
-            </a:xfrm>
-          </p:grpSpPr>
-          <p:sp>
-            <p:nvSpPr>
-              <p:cNvPr id="7" name="pole tekstowe 6">
-                <a:extLst>
-                  <a:ext uri="{FF2B5EF4-FFF2-40B4-BE49-F238E27FC236}">
-                    <a16:creationId xmlns:a16="http://schemas.microsoft.com/office/drawing/2014/main" id="{70509911-A4FA-5523-E5B4-40B6B8C22E88}"/>
-                  </a:ext>
-                </a:extLst>
-              </p:cNvPr>
-              <p:cNvSpPr txBox="1"/>
-              <p:nvPr/>
-            </p:nvSpPr>
-            <p:spPr>
-              <a:xfrm>
-                <a:off x="6468340" y="2904260"/>
-                <a:ext cx="1958686" cy="584775"/>
-              </a:xfrm>
-              <a:prstGeom prst="rect">
-                <a:avLst/>
-              </a:prstGeom>
-              <a:solidFill>
-                <a:schemeClr val="bg1"/>
-              </a:solidFill>
-            </p:spPr>
-            <p:txBody>
-              <a:bodyPr wrap="square" rtlCol="0">
-                <a:spAutoFit/>
-              </a:bodyPr>
-              <a:lstStyle/>
-              <a:p>
-                <a:r>
-                  <a:rPr lang="en-GB" sz="1600" dirty="0" err="1"/>
-                  <a:t>Entrepr</a:t>
-                </a:r>
-                <a:r>
-                  <a:rPr lang="pl-PL" sz="1600" dirty="0"/>
-                  <a:t>e</a:t>
-                </a:r>
-                <a:r>
-                  <a:rPr lang="en-GB" sz="1600" dirty="0" err="1"/>
-                  <a:t>neurial</a:t>
-                </a:r>
-                <a:r>
-                  <a:rPr lang="en-GB" sz="1600" dirty="0"/>
-                  <a:t> University</a:t>
-                </a:r>
-              </a:p>
-            </p:txBody>
-          </p:sp>
-          <p:sp>
-            <p:nvSpPr>
-              <p:cNvPr id="8" name="pole tekstowe 7">
-                <a:extLst>
-                  <a:ext uri="{FF2B5EF4-FFF2-40B4-BE49-F238E27FC236}">
-                    <a16:creationId xmlns:a16="http://schemas.microsoft.com/office/drawing/2014/main" id="{5351021F-5506-2F1F-01B5-E468EE484EEF}"/>
-                  </a:ext>
-                </a:extLst>
-              </p:cNvPr>
-              <p:cNvSpPr txBox="1"/>
-              <p:nvPr/>
-            </p:nvSpPr>
-            <p:spPr>
-              <a:xfrm>
-                <a:off x="6489124" y="3739645"/>
-                <a:ext cx="2047010" cy="584775"/>
-              </a:xfrm>
-              <a:prstGeom prst="rect">
-                <a:avLst/>
-              </a:prstGeom>
-              <a:solidFill>
-                <a:schemeClr val="bg1"/>
-              </a:solidFill>
-            </p:spPr>
-            <p:txBody>
-              <a:bodyPr wrap="square" rtlCol="0">
-                <a:spAutoFit/>
-              </a:bodyPr>
-              <a:lstStyle/>
-              <a:p>
-                <a:r>
-                  <a:rPr lang="en-GB" sz="1600" dirty="0"/>
-                  <a:t>Socially Responsible University</a:t>
-                </a:r>
-              </a:p>
-            </p:txBody>
-          </p:sp>
-          <p:sp>
-            <p:nvSpPr>
-              <p:cNvPr id="9" name="pole tekstowe 8">
-                <a:extLst>
-                  <a:ext uri="{FF2B5EF4-FFF2-40B4-BE49-F238E27FC236}">
-                    <a16:creationId xmlns:a16="http://schemas.microsoft.com/office/drawing/2014/main" id="{141BB123-9A70-12E5-CFA1-44B54CAC83B3}"/>
-                  </a:ext>
-                </a:extLst>
-              </p:cNvPr>
-              <p:cNvSpPr txBox="1"/>
-              <p:nvPr/>
-            </p:nvSpPr>
-            <p:spPr>
-              <a:xfrm>
-                <a:off x="6468340" y="4629932"/>
-                <a:ext cx="1958686" cy="338554"/>
-              </a:xfrm>
-              <a:prstGeom prst="rect">
-                <a:avLst/>
-              </a:prstGeom>
-              <a:solidFill>
-                <a:schemeClr val="bg1"/>
-              </a:solidFill>
-            </p:spPr>
-            <p:txBody>
-              <a:bodyPr wrap="square" rtlCol="0">
-                <a:spAutoFit/>
-              </a:bodyPr>
-              <a:lstStyle/>
-              <a:p>
-                <a:r>
-                  <a:rPr lang="en-GB" sz="1600" dirty="0"/>
-                  <a:t>Liberal University</a:t>
-                </a:r>
-              </a:p>
-            </p:txBody>
-          </p:sp>
-        </p:grpSp>
-      </p:grpSp>
       <p:sp>
         <p:nvSpPr>
           <p:cNvPr id="12" name="pole tekstowe 11">
@@ -8776,21 +9917,26 @@
           <a:lstStyle/>
           <a:p>
             <a:r>
-              <a:rPr lang="pl-PL" sz="1200" dirty="0" err="1"/>
-              <a:t>source</a:t>
+              <a:rPr lang="pl-PL" sz="1200" dirty="0"/>
+              <a:t>źródło</a:t>
             </a:r>
             <a:r>
               <a:rPr lang="en-GB" sz="1200" dirty="0"/>
               <a:t>: </a:t>
             </a:r>
             <a:r>
-              <a:rPr lang="en-GB" sz="1200" dirty="0" err="1"/>
-              <a:t>Leja</a:t>
+              <a:rPr lang="pl-PL" sz="1200" dirty="0"/>
+              <a:t>Anderson i in.</a:t>
             </a:r>
             <a:r>
               <a:rPr lang="en-GB" sz="1200" dirty="0"/>
-              <a:t> 2011, p. 175</a:t>
-            </a:r>
+              <a:t> </a:t>
+            </a:r>
+            <a:r>
+              <a:rPr lang="pl-PL" sz="1200" dirty="0"/>
+              <a:t>1994</a:t>
+            </a:r>
+            <a:endParaRPr lang="en-GB" sz="1200" dirty="0"/>
           </a:p>
         </p:txBody>
       </p:sp>
@@ -8824,6 +9970,42 @@
           </a:p>
         </p:txBody>
       </p:sp>
+      <p:pic>
+        <p:nvPicPr>
+          <p:cNvPr id="8" name="Picture 7">
+            <a:extLst>
+              <a:ext uri="{FF2B5EF4-FFF2-40B4-BE49-F238E27FC236}">
+                <a16:creationId xmlns:a16="http://schemas.microsoft.com/office/drawing/2014/main" id="{30B1A005-724B-553F-B808-E29E83BEE1D2}"/>
+              </a:ext>
+            </a:extLst>
+          </p:cNvPr>
+          <p:cNvPicPr>
+            <a:picLocks noChangeAspect="1"/>
+          </p:cNvPicPr>
+          <p:nvPr/>
+        </p:nvPicPr>
+        <p:blipFill>
+          <a:blip r:embed="rId3">
+            <a:extLst>
+              <a:ext uri="{28A0092B-C50C-407E-A947-70E740481C1C}">
+                <a14:useLocalDpi xmlns:a14="http://schemas.microsoft.com/office/drawing/2010/main" val="0"/>
+              </a:ext>
+            </a:extLst>
+          </a:blip>
+          <a:stretch>
+            <a:fillRect/>
+          </a:stretch>
+        </p:blipFill>
+        <p:spPr>
+          <a:xfrm>
+            <a:off x="1604097" y="1646238"/>
+            <a:ext cx="8983806" cy="4320000"/>
+          </a:xfrm>
+          <a:prstGeom prst="rect">
+            <a:avLst/>
+          </a:prstGeom>
+        </p:spPr>
+      </p:pic>
     </p:spTree>
     <p:extLst>
       <p:ext uri="{BB962C8B-B14F-4D97-AF65-F5344CB8AC3E}">
@@ -8842,7 +10024,13 @@
   <p:cSld>
     <p:spTree>
       <p:nvGrpSpPr>
-        <p:cNvPr id="1" name=""/>
+        <p:cNvPr id="1" name="">
+          <a:extLst>
+            <a:ext uri="{FF2B5EF4-FFF2-40B4-BE49-F238E27FC236}">
+              <a16:creationId xmlns:a16="http://schemas.microsoft.com/office/drawing/2014/main" id="{19802E52-2C34-5D43-D9A0-F97E73020A74}"/>
+            </a:ext>
+          </a:extLst>
+        </p:cNvPr>
         <p:cNvGrpSpPr/>
         <p:nvPr/>
       </p:nvGrpSpPr>
@@ -8859,7 +10047,7 @@
           <p:cNvPr id="2" name="Tytuł 1">
             <a:extLst>
               <a:ext uri="{FF2B5EF4-FFF2-40B4-BE49-F238E27FC236}">
-                <a16:creationId xmlns:a16="http://schemas.microsoft.com/office/drawing/2014/main" id="{DB6EC187-A11A-B519-3209-BC9B1F37B6E7}"/>
+                <a16:creationId xmlns:a16="http://schemas.microsoft.com/office/drawing/2014/main" id="{82CD0E2F-995B-4010-9501-BDB9F6BA13B8}"/>
               </a:ext>
             </a:extLst>
           </p:cNvPr>
@@ -8876,27 +10064,144 @@
           <a:lstStyle/>
           <a:p>
             <a:r>
-              <a:rPr lang="en-GB" dirty="0"/>
-              <a:t>Conflicting interests environment</a:t>
-            </a:r>
+              <a:rPr lang="pl-PL" dirty="0"/>
+              <a:t>Zmiany w koncepcjach uniwersytetu</a:t>
+            </a:r>
+            <a:endParaRPr lang="en-GB" dirty="0"/>
+          </a:p>
+        </p:txBody>
+      </p:sp>
+      <p:sp>
+        <p:nvSpPr>
+          <p:cNvPr id="3" name="Symbol zastępczy zawartości 2">
+            <a:extLst>
+              <a:ext uri="{FF2B5EF4-FFF2-40B4-BE49-F238E27FC236}">
+                <a16:creationId xmlns:a16="http://schemas.microsoft.com/office/drawing/2014/main" id="{6997F5E1-4FDF-8E25-1565-AFADBA00C4C1}"/>
+              </a:ext>
+            </a:extLst>
+          </p:cNvPr>
+          <p:cNvSpPr>
+            <a:spLocks noGrp="1"/>
+          </p:cNvSpPr>
+          <p:nvPr>
+            <p:ph idx="1"/>
+          </p:nvPr>
+        </p:nvSpPr>
+        <p:spPr/>
+        <p:txBody>
+          <a:bodyPr>
+            <a:normAutofit/>
+          </a:bodyPr>
+          <a:lstStyle/>
+          <a:p>
+            <a:pPr algn="l"/>
+            <a:endParaRPr lang="en-GB" sz="1800" b="0" i="0" u="none" strike="noStrike" baseline="0" dirty="0"/>
+          </a:p>
+          <a:p>
+            <a:pPr algn="l"/>
+            <a:endParaRPr lang="en-GB" sz="1800" dirty="0"/>
+          </a:p>
+          <a:p>
+            <a:pPr algn="l"/>
+            <a:endParaRPr lang="en-GB" sz="1800" dirty="0"/>
+          </a:p>
+        </p:txBody>
+      </p:sp>
+      <p:sp>
+        <p:nvSpPr>
+          <p:cNvPr id="12" name="pole tekstowe 11">
+            <a:extLst>
+              <a:ext uri="{FF2B5EF4-FFF2-40B4-BE49-F238E27FC236}">
+                <a16:creationId xmlns:a16="http://schemas.microsoft.com/office/drawing/2014/main" id="{0C09BB2A-EC85-660C-037E-DE4BCCEBA79C}"/>
+              </a:ext>
+            </a:extLst>
+          </p:cNvPr>
+          <p:cNvSpPr txBox="1"/>
+          <p:nvPr/>
+        </p:nvSpPr>
+        <p:spPr>
+          <a:xfrm>
+            <a:off x="7122386" y="5946130"/>
+            <a:ext cx="3936332" cy="461665"/>
+          </a:xfrm>
+          <a:prstGeom prst="rect">
+            <a:avLst/>
+          </a:prstGeom>
+          <a:noFill/>
+        </p:spPr>
+        <p:txBody>
+          <a:bodyPr wrap="square" rtlCol="0">
+            <a:spAutoFit/>
+          </a:bodyPr>
+          <a:lstStyle/>
+          <a:p>
+            <a:r>
+              <a:rPr lang="pl-PL" sz="1200" dirty="0"/>
+              <a:t>źródło</a:t>
+            </a:r>
+            <a:r>
+              <a:rPr lang="en-GB" sz="1200" dirty="0"/>
+              <a:t>: </a:t>
+            </a:r>
+            <a:r>
+              <a:rPr lang="pl-PL" sz="1200" dirty="0"/>
+              <a:t>opracowanie własne na podstawie Cwynar, 2005; De </a:t>
+            </a:r>
+            <a:r>
+              <a:rPr lang="pl-PL" sz="1200" dirty="0" err="1"/>
+              <a:t>Ridder-Symoens</a:t>
+            </a:r>
+            <a:r>
+              <a:rPr lang="pl-PL" sz="1200" dirty="0"/>
+              <a:t>, 2020</a:t>
+            </a:r>
+            <a:endParaRPr lang="en-GB" sz="1200" dirty="0"/>
+          </a:p>
+        </p:txBody>
+      </p:sp>
+      <p:sp>
+        <p:nvSpPr>
+          <p:cNvPr id="4" name="Slide Number Placeholder 3">
+            <a:extLst>
+              <a:ext uri="{FF2B5EF4-FFF2-40B4-BE49-F238E27FC236}">
+                <a16:creationId xmlns:a16="http://schemas.microsoft.com/office/drawing/2014/main" id="{0822CF7E-75DD-BCDF-4424-BEADBBC2B3E7}"/>
+              </a:ext>
+            </a:extLst>
+          </p:cNvPr>
+          <p:cNvSpPr>
+            <a:spLocks noGrp="1"/>
+          </p:cNvSpPr>
+          <p:nvPr>
+            <p:ph type="sldNum" sz="quarter" idx="12"/>
+          </p:nvPr>
+        </p:nvSpPr>
+        <p:spPr/>
+        <p:txBody>
+          <a:bodyPr/>
+          <a:lstStyle/>
+          <a:p>
+            <a:fld id="{ADC9AAA0-29FB-4B62-AB65-7094BA6E939A}" type="slidenum">
+              <a:rPr lang="pl-PL" smtClean="0"/>
+              <a:pPr/>
+              <a:t>3</a:t>
+            </a:fld>
+            <a:endParaRPr lang="pl-PL" dirty="0"/>
           </a:p>
         </p:txBody>
       </p:sp>
       <p:pic>
         <p:nvPicPr>
-          <p:cNvPr id="7" name="Symbol zastępczy zawartości 6">
-            <a:extLst>
-              <a:ext uri="{FF2B5EF4-FFF2-40B4-BE49-F238E27FC236}">
-                <a16:creationId xmlns:a16="http://schemas.microsoft.com/office/drawing/2014/main" id="{307C3D14-B4D3-388E-1B65-5E13CF9F573E}"/>
+          <p:cNvPr id="8" name="Picture 7">
+            <a:extLst>
+              <a:ext uri="{FF2B5EF4-FFF2-40B4-BE49-F238E27FC236}">
+                <a16:creationId xmlns:a16="http://schemas.microsoft.com/office/drawing/2014/main" id="{A5DA9C8F-8406-6195-D4CE-6D0F723DAB54}"/>
               </a:ext>
             </a:extLst>
           </p:cNvPr>
           <p:cNvPicPr>
-            <a:picLocks noGrp="1" noChangeAspect="1"/>
+            <a:picLocks noChangeAspect="1"/>
           </p:cNvPicPr>
-          <p:nvPr>
-            <p:ph idx="1"/>
-          </p:nvPr>
+          <p:nvPr/>
         </p:nvPicPr>
         <p:blipFill>
           <a:blip r:embed="rId3">
@@ -8912,88 +10217,18 @@
         </p:blipFill>
         <p:spPr>
           <a:xfrm>
-            <a:off x="2172564" y="1825625"/>
-            <a:ext cx="7846872" cy="4351338"/>
-          </a:xfrm>
-        </p:spPr>
-      </p:pic>
-      <p:sp>
-        <p:nvSpPr>
-          <p:cNvPr id="3" name="Slide Number Placeholder 2">
-            <a:extLst>
-              <a:ext uri="{FF2B5EF4-FFF2-40B4-BE49-F238E27FC236}">
-                <a16:creationId xmlns:a16="http://schemas.microsoft.com/office/drawing/2014/main" id="{FA4ACDDB-93A9-15D0-5528-E83A51433C0B}"/>
-              </a:ext>
-            </a:extLst>
-          </p:cNvPr>
-          <p:cNvSpPr>
-            <a:spLocks noGrp="1"/>
-          </p:cNvSpPr>
-          <p:nvPr>
-            <p:ph type="sldNum" sz="quarter" idx="12"/>
-          </p:nvPr>
-        </p:nvSpPr>
-        <p:spPr/>
-        <p:txBody>
-          <a:bodyPr/>
-          <a:lstStyle/>
-          <a:p>
-            <a:fld id="{ADC9AAA0-29FB-4B62-AB65-7094BA6E939A}" type="slidenum">
-              <a:rPr lang="en-GB" smtClean="0"/>
-              <a:pPr/>
-              <a:t>3</a:t>
-            </a:fld>
-            <a:endParaRPr lang="en-GB" dirty="0"/>
-          </a:p>
-        </p:txBody>
-      </p:sp>
-      <p:sp>
-        <p:nvSpPr>
-          <p:cNvPr id="4" name="pole tekstowe 11">
-            <a:extLst>
-              <a:ext uri="{FF2B5EF4-FFF2-40B4-BE49-F238E27FC236}">
-                <a16:creationId xmlns:a16="http://schemas.microsoft.com/office/drawing/2014/main" id="{3B6EF422-0C08-1440-62F5-F70B3F42E972}"/>
-              </a:ext>
-            </a:extLst>
-          </p:cNvPr>
-          <p:cNvSpPr txBox="1"/>
-          <p:nvPr/>
-        </p:nvSpPr>
-        <p:spPr>
-          <a:xfrm>
-            <a:off x="3160183" y="6297057"/>
-            <a:ext cx="5871634" cy="276999"/>
+            <a:off x="796195" y="1584138"/>
+            <a:ext cx="6031109" cy="5117392"/>
           </a:xfrm>
           <a:prstGeom prst="rect">
             <a:avLst/>
           </a:prstGeom>
-          <a:noFill/>
         </p:spPr>
-        <p:txBody>
-          <a:bodyPr wrap="square" rtlCol="0">
-            <a:spAutoFit/>
-          </a:bodyPr>
-          <a:lstStyle/>
-          <a:p>
-            <a:r>
-              <a:rPr lang="en-GB" sz="1200" dirty="0"/>
-              <a:t>source: author’s own work based on </a:t>
-            </a:r>
-            <a:r>
-              <a:rPr lang="en-GB" sz="1200" dirty="0" err="1"/>
-              <a:t>Leja</a:t>
-            </a:r>
-            <a:r>
-              <a:rPr lang="en-GB" sz="1200" dirty="0"/>
-              <a:t>, 2019, s. 13</a:t>
-            </a:r>
-          </a:p>
-        </p:txBody>
-      </p:sp>
+      </p:pic>
     </p:spTree>
     <p:extLst>
       <p:ext uri="{BB962C8B-B14F-4D97-AF65-F5344CB8AC3E}">
-        <p14:creationId xmlns:p14="http://schemas.microsoft.com/office/powerpoint/2010/main" val="2984450038"/>
+        <p14:creationId xmlns:p14="http://schemas.microsoft.com/office/powerpoint/2010/main" val="442160630"/>
       </p:ext>
     </p:extLst>
   </p:cSld>
@@ -9004,6 +10239,400 @@
 </file>
 
 <file path=ppt/slides/slide4.xml><?xml version="1.0" encoding="utf-8"?>
+<p:sld xmlns:a="http://schemas.openxmlformats.org/drawingml/2006/main" xmlns:r="http://schemas.openxmlformats.org/officeDocument/2006/relationships" xmlns:p="http://schemas.openxmlformats.org/presentationml/2006/main">
+  <p:cSld>
+    <p:spTree>
+      <p:nvGrpSpPr>
+        <p:cNvPr id="1" name="">
+          <a:extLst>
+            <a:ext uri="{FF2B5EF4-FFF2-40B4-BE49-F238E27FC236}">
+              <a16:creationId xmlns:a16="http://schemas.microsoft.com/office/drawing/2014/main" id="{4BB6AA11-E039-65BB-26A4-E3A4E0B67ADC}"/>
+            </a:ext>
+          </a:extLst>
+        </p:cNvPr>
+        <p:cNvGrpSpPr/>
+        <p:nvPr/>
+      </p:nvGrpSpPr>
+      <p:grpSpPr>
+        <a:xfrm>
+          <a:off x="0" y="0"/>
+          <a:ext cx="0" cy="0"/>
+          <a:chOff x="0" y="0"/>
+          <a:chExt cx="0" cy="0"/>
+        </a:xfrm>
+      </p:grpSpPr>
+      <p:sp>
+        <p:nvSpPr>
+          <p:cNvPr id="2" name="Tytuł 1">
+            <a:extLst>
+              <a:ext uri="{FF2B5EF4-FFF2-40B4-BE49-F238E27FC236}">
+                <a16:creationId xmlns:a16="http://schemas.microsoft.com/office/drawing/2014/main" id="{72A14A42-1B92-9784-BC35-5C9D20F369BC}"/>
+              </a:ext>
+            </a:extLst>
+          </p:cNvPr>
+          <p:cNvSpPr>
+            <a:spLocks noGrp="1"/>
+          </p:cNvSpPr>
+          <p:nvPr>
+            <p:ph type="title"/>
+          </p:nvPr>
+        </p:nvSpPr>
+        <p:spPr/>
+        <p:txBody>
+          <a:bodyPr/>
+          <a:lstStyle/>
+          <a:p>
+            <a:r>
+              <a:rPr lang="pl-PL" dirty="0"/>
+              <a:t>Istotne współcześnie koncepcje</a:t>
+            </a:r>
+            <a:endParaRPr lang="en-GB" dirty="0"/>
+          </a:p>
+        </p:txBody>
+      </p:sp>
+      <p:sp>
+        <p:nvSpPr>
+          <p:cNvPr id="3" name="Symbol zastępczy zawartości 2">
+            <a:extLst>
+              <a:ext uri="{FF2B5EF4-FFF2-40B4-BE49-F238E27FC236}">
+                <a16:creationId xmlns:a16="http://schemas.microsoft.com/office/drawing/2014/main" id="{090B7A1D-900A-B07F-9669-5987791DE012}"/>
+              </a:ext>
+            </a:extLst>
+          </p:cNvPr>
+          <p:cNvSpPr>
+            <a:spLocks noGrp="1"/>
+          </p:cNvSpPr>
+          <p:nvPr>
+            <p:ph idx="1"/>
+          </p:nvPr>
+        </p:nvSpPr>
+        <p:spPr/>
+        <p:txBody>
+          <a:bodyPr>
+            <a:normAutofit/>
+          </a:bodyPr>
+          <a:lstStyle/>
+          <a:p>
+            <a:pPr algn="l"/>
+            <a:endParaRPr lang="en-GB" sz="1800" b="0" i="0" u="none" strike="noStrike" baseline="0" dirty="0"/>
+          </a:p>
+          <a:p>
+            <a:pPr algn="l"/>
+            <a:endParaRPr lang="en-GB" sz="1800" dirty="0"/>
+          </a:p>
+          <a:p>
+            <a:pPr algn="l"/>
+            <a:endParaRPr lang="en-GB" sz="1800" dirty="0"/>
+          </a:p>
+        </p:txBody>
+      </p:sp>
+      <p:sp>
+        <p:nvSpPr>
+          <p:cNvPr id="6" name="pole tekstowe 5">
+            <a:extLst>
+              <a:ext uri="{FF2B5EF4-FFF2-40B4-BE49-F238E27FC236}">
+                <a16:creationId xmlns:a16="http://schemas.microsoft.com/office/drawing/2014/main" id="{F53C298A-0337-328D-FCD3-EE3F62913EA5}"/>
+              </a:ext>
+            </a:extLst>
+          </p:cNvPr>
+          <p:cNvSpPr txBox="1"/>
+          <p:nvPr/>
+        </p:nvSpPr>
+        <p:spPr>
+          <a:xfrm>
+            <a:off x="8574005" y="2647996"/>
+            <a:ext cx="2836831" cy="3262432"/>
+          </a:xfrm>
+          <a:prstGeom prst="rect">
+            <a:avLst/>
+          </a:prstGeom>
+          <a:noFill/>
+        </p:spPr>
+        <p:txBody>
+          <a:bodyPr wrap="square" rtlCol="0">
+            <a:spAutoFit/>
+          </a:bodyPr>
+          <a:lstStyle/>
+          <a:p>
+            <a:r>
+              <a:rPr lang="en-GB" b="1" dirty="0"/>
+              <a:t>SR</a:t>
+            </a:r>
+            <a:r>
+              <a:rPr lang="en-GB" dirty="0"/>
+              <a:t> – </a:t>
+            </a:r>
+            <a:r>
+              <a:rPr lang="pl-PL" dirty="0"/>
+              <a:t>regulacje prawne </a:t>
+            </a:r>
+            <a:r>
+              <a:rPr lang="pl-PL" sz="1600" dirty="0"/>
+              <a:t>(</a:t>
+            </a:r>
+            <a:r>
+              <a:rPr lang="en-GB" sz="1600" i="1" dirty="0"/>
+              <a:t>State Regulations</a:t>
+            </a:r>
+            <a:r>
+              <a:rPr lang="pl-PL" sz="1600" dirty="0"/>
+              <a:t>)</a:t>
+            </a:r>
+            <a:endParaRPr lang="en-GB" sz="1600" dirty="0"/>
+          </a:p>
+          <a:p>
+            <a:r>
+              <a:rPr lang="en-GB" b="1" dirty="0"/>
+              <a:t>AG</a:t>
+            </a:r>
+            <a:r>
+              <a:rPr lang="en-GB" dirty="0"/>
+              <a:t> – </a:t>
+            </a:r>
+            <a:r>
+              <a:rPr lang="pl-PL" dirty="0"/>
+              <a:t>znaczenie kolegialności </a:t>
+            </a:r>
+            <a:r>
+              <a:rPr lang="pl-PL" sz="1600" dirty="0"/>
+              <a:t>(</a:t>
+            </a:r>
+            <a:r>
+              <a:rPr lang="en-GB" sz="1600" i="1" dirty="0"/>
+              <a:t>Academic</a:t>
+            </a:r>
+            <a:r>
+              <a:rPr lang="pl-PL" sz="1600" i="1" dirty="0"/>
+              <a:t> </a:t>
+            </a:r>
+            <a:r>
+              <a:rPr lang="en-GB" sz="1600" i="1" dirty="0"/>
+              <a:t>self-Governance</a:t>
+            </a:r>
+            <a:r>
+              <a:rPr lang="pl-PL" sz="1600" dirty="0"/>
+              <a:t>)</a:t>
+            </a:r>
+            <a:endParaRPr lang="en-GB" dirty="0"/>
+          </a:p>
+          <a:p>
+            <a:r>
+              <a:rPr lang="en-GB" b="1" dirty="0"/>
+              <a:t>SG</a:t>
+            </a:r>
+            <a:r>
+              <a:rPr lang="en-GB" dirty="0"/>
+              <a:t> – </a:t>
+            </a:r>
+            <a:r>
+              <a:rPr lang="pl-PL" dirty="0"/>
+              <a:t>rola interesariuszy </a:t>
+            </a:r>
+            <a:r>
+              <a:rPr lang="pl-PL" sz="1600" dirty="0"/>
+              <a:t>(</a:t>
+            </a:r>
+            <a:r>
+              <a:rPr lang="en-GB" sz="1600" i="1" dirty="0"/>
+              <a:t>Stakeholder guidance</a:t>
+            </a:r>
+            <a:r>
+              <a:rPr lang="pl-PL" sz="1600" dirty="0"/>
+              <a:t>)</a:t>
+            </a:r>
+            <a:endParaRPr lang="en-GB" dirty="0"/>
+          </a:p>
+          <a:p>
+            <a:r>
+              <a:rPr lang="en-GB" b="1" dirty="0"/>
+              <a:t>MG</a:t>
+            </a:r>
+            <a:r>
+              <a:rPr lang="en-GB" dirty="0"/>
+              <a:t> –</a:t>
+            </a:r>
+            <a:r>
+              <a:rPr lang="pl-PL" dirty="0"/>
+              <a:t> umocowanie władzy rektora </a:t>
+            </a:r>
+            <a:r>
+              <a:rPr lang="pl-PL" sz="1600" dirty="0"/>
+              <a:t>(</a:t>
+            </a:r>
+            <a:r>
+              <a:rPr lang="en-GB" sz="1600" i="1" dirty="0"/>
+              <a:t>Managerial self-Governance</a:t>
+            </a:r>
+            <a:r>
+              <a:rPr lang="pl-PL" sz="1600" dirty="0"/>
+              <a:t>)</a:t>
+            </a:r>
+            <a:endParaRPr lang="en-GB" dirty="0"/>
+          </a:p>
+          <a:p>
+            <a:r>
+              <a:rPr lang="en-GB" b="1" dirty="0"/>
+              <a:t>C</a:t>
+            </a:r>
+            <a:r>
+              <a:rPr lang="en-GB" dirty="0"/>
+              <a:t> – </a:t>
+            </a:r>
+            <a:r>
+              <a:rPr lang="pl-PL" dirty="0"/>
+              <a:t>konkurencyjność </a:t>
+            </a:r>
+            <a:r>
+              <a:rPr lang="pl-PL" sz="1600" dirty="0"/>
+              <a:t>(</a:t>
+            </a:r>
+            <a:r>
+              <a:rPr lang="en-GB" sz="1600" i="1" dirty="0"/>
+              <a:t>Competition</a:t>
+            </a:r>
+            <a:r>
+              <a:rPr lang="pl-PL" sz="1600" dirty="0"/>
+              <a:t>)</a:t>
+            </a:r>
+            <a:endParaRPr lang="en-GB" dirty="0"/>
+          </a:p>
+        </p:txBody>
+      </p:sp>
+      <p:pic>
+        <p:nvPicPr>
+          <p:cNvPr id="5" name="Obraz 4">
+            <a:extLst>
+              <a:ext uri="{FF2B5EF4-FFF2-40B4-BE49-F238E27FC236}">
+                <a16:creationId xmlns:a16="http://schemas.microsoft.com/office/drawing/2014/main" id="{4FBC298E-44CC-7CAE-285D-D56AB176563A}"/>
+              </a:ext>
+            </a:extLst>
+          </p:cNvPr>
+          <p:cNvPicPr>
+            <a:picLocks noChangeAspect="1"/>
+          </p:cNvPicPr>
+          <p:nvPr/>
+        </p:nvPicPr>
+        <p:blipFill>
+          <a:blip r:embed="rId3">
+            <a:extLst>
+              <a:ext uri="{28A0092B-C50C-407E-A947-70E740481C1C}">
+                <a14:useLocalDpi xmlns:a14="http://schemas.microsoft.com/office/drawing/2010/main" val="0"/>
+              </a:ext>
+            </a:extLst>
+          </a:blip>
+          <a:stretch>
+            <a:fillRect/>
+          </a:stretch>
+        </p:blipFill>
+        <p:spPr>
+          <a:xfrm>
+            <a:off x="616752" y="1690688"/>
+            <a:ext cx="7735806" cy="5129794"/>
+          </a:xfrm>
+          <a:prstGeom prst="rect">
+            <a:avLst/>
+          </a:prstGeom>
+        </p:spPr>
+      </p:pic>
+      <p:sp>
+        <p:nvSpPr>
+          <p:cNvPr id="12" name="pole tekstowe 11">
+            <a:extLst>
+              <a:ext uri="{FF2B5EF4-FFF2-40B4-BE49-F238E27FC236}">
+                <a16:creationId xmlns:a16="http://schemas.microsoft.com/office/drawing/2014/main" id="{07889635-5BA9-6891-5DEB-6C9D858EF2F7}"/>
+              </a:ext>
+            </a:extLst>
+          </p:cNvPr>
+          <p:cNvSpPr txBox="1"/>
+          <p:nvPr/>
+        </p:nvSpPr>
+        <p:spPr>
+          <a:xfrm>
+            <a:off x="5520651" y="6142218"/>
+            <a:ext cx="4972050" cy="276999"/>
+          </a:xfrm>
+          <a:prstGeom prst="rect">
+            <a:avLst/>
+          </a:prstGeom>
+          <a:noFill/>
+        </p:spPr>
+        <p:txBody>
+          <a:bodyPr wrap="square" rtlCol="0">
+            <a:spAutoFit/>
+          </a:bodyPr>
+          <a:lstStyle/>
+          <a:p>
+            <a:r>
+              <a:rPr lang="pl-PL" sz="1200" dirty="0"/>
+              <a:t>źródło</a:t>
+            </a:r>
+            <a:r>
+              <a:rPr lang="en-GB" sz="1200" dirty="0"/>
+              <a:t>: </a:t>
+            </a:r>
+            <a:r>
+              <a:rPr lang="en-GB" sz="1200" dirty="0" err="1"/>
+              <a:t>Leja</a:t>
+            </a:r>
+            <a:r>
+              <a:rPr lang="en-GB" sz="1200" dirty="0"/>
+              <a:t> 2011, </a:t>
+            </a:r>
+            <a:r>
+              <a:rPr lang="pl-PL" sz="1200" dirty="0"/>
+              <a:t>s</a:t>
+            </a:r>
+            <a:r>
+              <a:rPr lang="en-GB" sz="1200" dirty="0"/>
+              <a:t>. 175</a:t>
+            </a:r>
+          </a:p>
+        </p:txBody>
+      </p:sp>
+      <p:sp>
+        <p:nvSpPr>
+          <p:cNvPr id="4" name="Slide Number Placeholder 3">
+            <a:extLst>
+              <a:ext uri="{FF2B5EF4-FFF2-40B4-BE49-F238E27FC236}">
+                <a16:creationId xmlns:a16="http://schemas.microsoft.com/office/drawing/2014/main" id="{1147AC23-3475-4523-C972-1623159CF714}"/>
+              </a:ext>
+            </a:extLst>
+          </p:cNvPr>
+          <p:cNvSpPr>
+            <a:spLocks noGrp="1"/>
+          </p:cNvSpPr>
+          <p:nvPr>
+            <p:ph type="sldNum" sz="quarter" idx="12"/>
+          </p:nvPr>
+        </p:nvSpPr>
+        <p:spPr/>
+        <p:txBody>
+          <a:bodyPr/>
+          <a:lstStyle/>
+          <a:p>
+            <a:fld id="{ADC9AAA0-29FB-4B62-AB65-7094BA6E939A}" type="slidenum">
+              <a:rPr lang="pl-PL" smtClean="0"/>
+              <a:pPr/>
+              <a:t>4</a:t>
+            </a:fld>
+            <a:endParaRPr lang="pl-PL" dirty="0"/>
+          </a:p>
+        </p:txBody>
+      </p:sp>
+    </p:spTree>
+    <p:extLst>
+      <p:ext uri="{BB962C8B-B14F-4D97-AF65-F5344CB8AC3E}">
+        <p14:creationId xmlns:p14="http://schemas.microsoft.com/office/powerpoint/2010/main" val="1770607422"/>
+      </p:ext>
+    </p:extLst>
+  </p:cSld>
+  <p:clrMapOvr>
+    <a:masterClrMapping/>
+  </p:clrMapOvr>
+</p:sld>
+</file>
+
+<file path=ppt/slides/slide5.xml><?xml version="1.0" encoding="utf-8"?>
 <p:sld xmlns:a="http://schemas.openxmlformats.org/drawingml/2006/main" xmlns:r="http://schemas.openxmlformats.org/officeDocument/2006/relationships" xmlns:p="http://schemas.openxmlformats.org/presentationml/2006/main">
   <p:cSld>
     <p:spTree>
@@ -9025,7 +10654,7 @@
           <p:cNvPr id="2" name="Tytuł 1">
             <a:extLst>
               <a:ext uri="{FF2B5EF4-FFF2-40B4-BE49-F238E27FC236}">
-                <a16:creationId xmlns:a16="http://schemas.microsoft.com/office/drawing/2014/main" id="{23619B1C-ACF5-E6EC-AB5C-E36EC32066A4}"/>
+                <a16:creationId xmlns:a16="http://schemas.microsoft.com/office/drawing/2014/main" id="{DB6EC187-A11A-B519-3209-BC9B1F37B6E7}"/>
               </a:ext>
             </a:extLst>
           </p:cNvPr>
@@ -9042,9 +10671,269 @@
           <a:lstStyle/>
           <a:p>
             <a:r>
-              <a:rPr lang="en-GB" dirty="0"/>
-              <a:t>What is Quality of Education</a:t>
-            </a:r>
+              <a:rPr lang="pl-PL" dirty="0"/>
+              <a:t>Środowisko sprzecznych interesów</a:t>
+            </a:r>
+            <a:endParaRPr lang="en-GB" dirty="0"/>
+          </a:p>
+        </p:txBody>
+      </p:sp>
+      <p:sp>
+        <p:nvSpPr>
+          <p:cNvPr id="3" name="Slide Number Placeholder 2">
+            <a:extLst>
+              <a:ext uri="{FF2B5EF4-FFF2-40B4-BE49-F238E27FC236}">
+                <a16:creationId xmlns:a16="http://schemas.microsoft.com/office/drawing/2014/main" id="{FA4ACDDB-93A9-15D0-5528-E83A51433C0B}"/>
+              </a:ext>
+            </a:extLst>
+          </p:cNvPr>
+          <p:cNvSpPr>
+            <a:spLocks noGrp="1"/>
+          </p:cNvSpPr>
+          <p:nvPr>
+            <p:ph type="sldNum" sz="quarter" idx="12"/>
+          </p:nvPr>
+        </p:nvSpPr>
+        <p:spPr/>
+        <p:txBody>
+          <a:bodyPr/>
+          <a:lstStyle/>
+          <a:p>
+            <a:fld id="{ADC9AAA0-29FB-4B62-AB65-7094BA6E939A}" type="slidenum">
+              <a:rPr lang="en-GB" smtClean="0"/>
+              <a:pPr/>
+              <a:t>5</a:t>
+            </a:fld>
+            <a:endParaRPr lang="en-GB" dirty="0"/>
+          </a:p>
+        </p:txBody>
+      </p:sp>
+      <p:sp>
+        <p:nvSpPr>
+          <p:cNvPr id="4" name="pole tekstowe 11">
+            <a:extLst>
+              <a:ext uri="{FF2B5EF4-FFF2-40B4-BE49-F238E27FC236}">
+                <a16:creationId xmlns:a16="http://schemas.microsoft.com/office/drawing/2014/main" id="{3B6EF422-0C08-1440-62F5-F70B3F42E972}"/>
+              </a:ext>
+            </a:extLst>
+          </p:cNvPr>
+          <p:cNvSpPr txBox="1"/>
+          <p:nvPr/>
+        </p:nvSpPr>
+        <p:spPr>
+          <a:xfrm>
+            <a:off x="3160183" y="6346153"/>
+            <a:ext cx="5871634" cy="276999"/>
+          </a:xfrm>
+          <a:prstGeom prst="rect">
+            <a:avLst/>
+          </a:prstGeom>
+          <a:noFill/>
+        </p:spPr>
+        <p:txBody>
+          <a:bodyPr wrap="square" rtlCol="0">
+            <a:spAutoFit/>
+          </a:bodyPr>
+          <a:lstStyle/>
+          <a:p>
+            <a:r>
+              <a:rPr lang="pl-PL" sz="1200" dirty="0"/>
+              <a:t>źródło</a:t>
+            </a:r>
+            <a:r>
+              <a:rPr lang="en-GB" sz="1200" dirty="0"/>
+              <a:t>: </a:t>
+            </a:r>
+            <a:r>
+              <a:rPr lang="pl-PL" sz="1200" dirty="0"/>
+              <a:t>opracowanie własne na podstawie</a:t>
+            </a:r>
+            <a:r>
+              <a:rPr lang="en-GB" sz="1200" dirty="0"/>
+              <a:t> </a:t>
+            </a:r>
+            <a:r>
+              <a:rPr lang="en-GB" sz="1200" dirty="0" err="1"/>
+              <a:t>Leja</a:t>
+            </a:r>
+            <a:r>
+              <a:rPr lang="en-GB" sz="1200" dirty="0"/>
+              <a:t>, 2019, s. 13</a:t>
+            </a:r>
+          </a:p>
+        </p:txBody>
+      </p:sp>
+      <p:pic>
+        <p:nvPicPr>
+          <p:cNvPr id="9" name="Content Placeholder 8">
+            <a:extLst>
+              <a:ext uri="{FF2B5EF4-FFF2-40B4-BE49-F238E27FC236}">
+                <a16:creationId xmlns:a16="http://schemas.microsoft.com/office/drawing/2014/main" id="{8D82D832-CC46-F562-B860-AA104EFE627A}"/>
+              </a:ext>
+            </a:extLst>
+          </p:cNvPr>
+          <p:cNvPicPr>
+            <a:picLocks noGrp="1" noChangeAspect="1"/>
+          </p:cNvPicPr>
+          <p:nvPr>
+            <p:ph idx="1"/>
+          </p:nvPr>
+        </p:nvPicPr>
+        <p:blipFill>
+          <a:blip r:embed="rId3">
+            <a:extLst>
+              <a:ext uri="{28A0092B-C50C-407E-A947-70E740481C1C}">
+                <a14:useLocalDpi xmlns:a14="http://schemas.microsoft.com/office/drawing/2010/main" val="0"/>
+              </a:ext>
+            </a:extLst>
+          </a:blip>
+          <a:stretch>
+            <a:fillRect/>
+          </a:stretch>
+        </p:blipFill>
+        <p:spPr>
+          <a:xfrm>
+            <a:off x="932904" y="1825625"/>
+            <a:ext cx="8114959" cy="4500000"/>
+          </a:xfrm>
+        </p:spPr>
+      </p:pic>
+      <p:sp>
+        <p:nvSpPr>
+          <p:cNvPr id="5" name="TextBox 4">
+            <a:extLst>
+              <a:ext uri="{FF2B5EF4-FFF2-40B4-BE49-F238E27FC236}">
+                <a16:creationId xmlns:a16="http://schemas.microsoft.com/office/drawing/2014/main" id="{473EEF07-AACA-BE0D-7BD6-1B1B2B4542A9}"/>
+              </a:ext>
+            </a:extLst>
+          </p:cNvPr>
+          <p:cNvSpPr txBox="1"/>
+          <p:nvPr/>
+        </p:nvSpPr>
+        <p:spPr>
+          <a:xfrm>
+            <a:off x="9150133" y="1834936"/>
+            <a:ext cx="2608191" cy="3693319"/>
+          </a:xfrm>
+          <a:prstGeom prst="rect">
+            <a:avLst/>
+          </a:prstGeom>
+          <a:noFill/>
+        </p:spPr>
+        <p:txBody>
+          <a:bodyPr wrap="square" rtlCol="0">
+            <a:spAutoFit/>
+          </a:bodyPr>
+          <a:lstStyle/>
+          <a:p>
+            <a:pPr marL="285750" indent="-285750">
+              <a:buFont typeface="Arial" panose="020B0604020202020204" pitchFamily="34" charset="0"/>
+              <a:buChar char="•"/>
+            </a:pPr>
+            <a:r>
+              <a:rPr lang="pl-PL" dirty="0"/>
+              <a:t>zachód: środki publiczne, a zyski prywatne</a:t>
+            </a:r>
+          </a:p>
+          <a:p>
+            <a:pPr marL="285750" indent="-285750">
+              <a:buFont typeface="Arial" panose="020B0604020202020204" pitchFamily="34" charset="0"/>
+              <a:buChar char="•"/>
+            </a:pPr>
+            <a:endParaRPr lang="pl-PL" dirty="0"/>
+          </a:p>
+          <a:p>
+            <a:pPr marL="285750" indent="-285750">
+              <a:buFont typeface="Arial" panose="020B0604020202020204" pitchFamily="34" charset="0"/>
+              <a:buChar char="•"/>
+            </a:pPr>
+            <a:r>
+              <a:rPr lang="pl-PL" dirty="0"/>
+              <a:t>3 rodzaje oporu wobec zmian</a:t>
+            </a:r>
+          </a:p>
+          <a:p>
+            <a:pPr marL="285750" indent="-285750">
+              <a:buFont typeface="Arial" panose="020B0604020202020204" pitchFamily="34" charset="0"/>
+              <a:buChar char="•"/>
+            </a:pPr>
+            <a:endParaRPr lang="pl-PL" dirty="0"/>
+          </a:p>
+          <a:p>
+            <a:pPr marL="285750" indent="-285750">
+              <a:buFont typeface="Arial" panose="020B0604020202020204" pitchFamily="34" charset="0"/>
+              <a:buChar char="•"/>
+            </a:pPr>
+            <a:r>
+              <a:rPr lang="pl-PL" dirty="0"/>
+              <a:t>27 przykładów sprzeczności interesów – pomocniczo przy analizach</a:t>
+            </a:r>
+          </a:p>
+          <a:p>
+            <a:pPr marL="285750" indent="-285750">
+              <a:buFont typeface="Arial" panose="020B0604020202020204" pitchFamily="34" charset="0"/>
+              <a:buChar char="•"/>
+            </a:pPr>
+            <a:endParaRPr lang="pl-PL" dirty="0"/>
+          </a:p>
+        </p:txBody>
+      </p:sp>
+    </p:spTree>
+    <p:extLst>
+      <p:ext uri="{BB962C8B-B14F-4D97-AF65-F5344CB8AC3E}">
+        <p14:creationId xmlns:p14="http://schemas.microsoft.com/office/powerpoint/2010/main" val="2984450038"/>
+      </p:ext>
+    </p:extLst>
+  </p:cSld>
+  <p:clrMapOvr>
+    <a:masterClrMapping/>
+  </p:clrMapOvr>
+</p:sld>
+</file>
+
+<file path=ppt/slides/slide6.xml><?xml version="1.0" encoding="utf-8"?>
+<p:sld xmlns:a="http://schemas.openxmlformats.org/drawingml/2006/main" xmlns:r="http://schemas.openxmlformats.org/officeDocument/2006/relationships" xmlns:p="http://schemas.openxmlformats.org/presentationml/2006/main">
+  <p:cSld>
+    <p:spTree>
+      <p:nvGrpSpPr>
+        <p:cNvPr id="1" name=""/>
+        <p:cNvGrpSpPr/>
+        <p:nvPr/>
+      </p:nvGrpSpPr>
+      <p:grpSpPr>
+        <a:xfrm>
+          <a:off x="0" y="0"/>
+          <a:ext cx="0" cy="0"/>
+          <a:chOff x="0" y="0"/>
+          <a:chExt cx="0" cy="0"/>
+        </a:xfrm>
+      </p:grpSpPr>
+      <p:sp>
+        <p:nvSpPr>
+          <p:cNvPr id="2" name="Tytuł 1">
+            <a:extLst>
+              <a:ext uri="{FF2B5EF4-FFF2-40B4-BE49-F238E27FC236}">
+                <a16:creationId xmlns:a16="http://schemas.microsoft.com/office/drawing/2014/main" id="{23619B1C-ACF5-E6EC-AB5C-E36EC32066A4}"/>
+              </a:ext>
+            </a:extLst>
+          </p:cNvPr>
+          <p:cNvSpPr>
+            <a:spLocks noGrp="1"/>
+          </p:cNvSpPr>
+          <p:nvPr>
+            <p:ph type="title"/>
+          </p:nvPr>
+        </p:nvSpPr>
+        <p:spPr/>
+        <p:txBody>
+          <a:bodyPr/>
+          <a:lstStyle/>
+          <a:p>
+            <a:r>
+              <a:rPr lang="pl-PL" dirty="0"/>
+              <a:t>Czym jest jakość edukacji?</a:t>
+            </a:r>
+            <a:endParaRPr lang="en-GB" dirty="0"/>
           </a:p>
         </p:txBody>
       </p:sp>
@@ -9072,107 +10961,46 @@
           <a:lstStyle/>
           <a:p>
             <a:r>
-              <a:rPr lang="pl-PL" sz="3100" dirty="0" err="1">
+              <a:rPr lang="pl-PL" sz="3100" dirty="0">
                 <a:solidFill>
                   <a:srgbClr val="181818"/>
                 </a:solidFill>
               </a:rPr>
-              <a:t>Educational</a:t>
-            </a:r>
-            <a:r>
-              <a:rPr lang="pl-PL" sz="3100" dirty="0">
+              <a:t>Usługi edukacyjne:</a:t>
+            </a:r>
+          </a:p>
+          <a:p>
+            <a:pPr lvl="1"/>
+            <a:r>
+              <a:rPr lang="pl-PL" sz="2300" dirty="0">
                 <a:solidFill>
                   <a:srgbClr val="181818"/>
                 </a:solidFill>
               </a:rPr>
-              <a:t> services:</a:t>
+              <a:t>Hiper niematerialne</a:t>
             </a:r>
           </a:p>
           <a:p>
             <a:pPr lvl="1"/>
             <a:r>
-              <a:rPr lang="en-GB" sz="2300" dirty="0">
+              <a:rPr lang="pl-PL" sz="2300" dirty="0">
                 <a:solidFill>
                   <a:srgbClr val="181818"/>
                 </a:solidFill>
               </a:rPr>
-              <a:t>Hyper intangible</a:t>
-            </a:r>
-            <a:endParaRPr lang="pl-PL" sz="2300" dirty="0">
-              <a:solidFill>
-                <a:srgbClr val="181818"/>
-              </a:solidFill>
-            </a:endParaRPr>
+              <a:t>Silnie zależne od udziału „klienta”</a:t>
+            </a:r>
           </a:p>
           <a:p>
             <a:pPr lvl="1"/>
             <a:r>
-              <a:rPr lang="pl-PL" sz="2300" dirty="0">
+              <a:rPr lang="pl-PL" sz="2300" b="0" i="0" dirty="0">
                 <a:solidFill>
                   <a:srgbClr val="181818"/>
                 </a:solidFill>
-              </a:rPr>
-              <a:t>H</a:t>
-            </a:r>
-            <a:r>
-              <a:rPr lang="en-GB" sz="2300" dirty="0" err="1">
-                <a:solidFill>
-                  <a:srgbClr val="181818"/>
-                </a:solidFill>
-              </a:rPr>
-              <a:t>eavily</a:t>
-            </a:r>
-            <a:r>
-              <a:rPr lang="en-GB" sz="2300" dirty="0">
-                <a:solidFill>
-                  <a:srgbClr val="181818"/>
-                </a:solidFill>
-              </a:rPr>
-              <a:t> „customer” dependent</a:t>
-            </a:r>
-            <a:endParaRPr lang="pl-PL" sz="2300" dirty="0">
-              <a:solidFill>
-                <a:srgbClr val="181818"/>
-              </a:solidFill>
-            </a:endParaRPr>
-          </a:p>
-          <a:p>
-            <a:pPr lvl="1"/>
-            <a:r>
-              <a:rPr lang="pl-PL" sz="2300" b="0" i="0" dirty="0" err="1">
-                <a:solidFill>
-                  <a:srgbClr val="181818"/>
-                </a:solidFill>
                 <a:effectLst/>
               </a:rPr>
-              <a:t>Complex</a:t>
-            </a:r>
-            <a:r>
-              <a:rPr lang="pl-PL" sz="2300" b="0" i="0" dirty="0">
-                <a:solidFill>
-                  <a:srgbClr val="181818"/>
-                </a:solidFill>
-                <a:effectLst/>
-              </a:rPr>
-              <a:t> </a:t>
-            </a:r>
-            <a:r>
-              <a:rPr lang="pl-PL" sz="2300" b="0" i="0" dirty="0" err="1">
-                <a:solidFill>
-                  <a:srgbClr val="181818"/>
-                </a:solidFill>
-                <a:effectLst/>
-              </a:rPr>
-              <a:t>structure</a:t>
-            </a:r>
-            <a:r>
-              <a:rPr lang="pl-PL" sz="2300" b="0" i="0" dirty="0">
-                <a:solidFill>
-                  <a:srgbClr val="181818"/>
-                </a:solidFill>
-                <a:effectLst/>
-              </a:rPr>
-              <a:t> of relations</a:t>
+              <a:t>Skomplikowana struktura relacji</a:t>
             </a:r>
           </a:p>
           <a:p>
@@ -9186,8 +11014,12 @@
           <a:p>
             <a:pPr algn="l"/>
             <a:r>
+              <a:rPr lang="pl-PL" sz="3100" b="0" i="0" u="none" strike="noStrike" baseline="0" dirty="0"/>
+              <a:t>Jakość edukacji</a:t>
+            </a:r>
+            <a:r>
               <a:rPr lang="en-GB" sz="3100" b="0" i="0" u="none" strike="noStrike" baseline="0" dirty="0"/>
-              <a:t>Quality of Education:</a:t>
+              <a:t>:</a:t>
             </a:r>
             <a:endParaRPr lang="pl-PL" sz="3100" b="0" i="0" u="none" strike="noStrike" baseline="0" dirty="0"/>
           </a:p>
@@ -9220,19 +11052,51 @@
               <a:t>) – NPS, </a:t>
             </a:r>
             <a:r>
-              <a:rPr lang="en-GB" sz="3100" b="1" dirty="0"/>
-              <a:t>Satisfaction</a:t>
+              <a:rPr lang="pl-PL" sz="3100" b="1" dirty="0"/>
+              <a:t>satysfakcja</a:t>
             </a:r>
             <a:r>
               <a:rPr lang="en-GB" sz="3100" dirty="0"/>
-              <a:t>, Loyalty, etc.</a:t>
+              <a:t>, </a:t>
+            </a:r>
+            <a:r>
+              <a:rPr lang="pl-PL" sz="3100" dirty="0"/>
+              <a:t>lojalność</a:t>
+            </a:r>
+            <a:r>
+              <a:rPr lang="en-GB" sz="3100" dirty="0"/>
+              <a:t>, </a:t>
+            </a:r>
+            <a:r>
+              <a:rPr lang="pl-PL" sz="3100" dirty="0" err="1"/>
+              <a:t>itd</a:t>
+            </a:r>
+            <a:r>
+              <a:rPr lang="en-GB" sz="3100" dirty="0"/>
+              <a:t>.</a:t>
             </a:r>
           </a:p>
           <a:p>
             <a:pPr algn="l"/>
             <a:r>
+              <a:rPr lang="pl-PL" sz="3100" dirty="0"/>
+              <a:t>Rankingi</a:t>
+            </a:r>
+            <a:r>
               <a:rPr lang="en-GB" sz="3100" dirty="0"/>
-              <a:t>Rankings – polish universities’ far positions – inadequate to the polish economy’s potential</a:t>
+              <a:t> – </a:t>
+            </a:r>
+            <a:r>
+              <a:rPr lang="pl-PL" sz="3100" dirty="0"/>
+              <a:t>odległe pozycje polskich uniwersytetów</a:t>
+            </a:r>
+            <a:r>
+              <a:rPr lang="en-GB" sz="3100" dirty="0"/>
+              <a:t> – </a:t>
+            </a:r>
+            <a:r>
+              <a:rPr lang="pl-PL" sz="3100" dirty="0"/>
+              <a:t>nieadekwatne do potencjału polskiej gospodarki</a:t>
             </a:r>
             <a:endParaRPr lang="en-GB" sz="3100" b="0" i="0" u="none" strike="noStrike" baseline="0" dirty="0"/>
           </a:p>
@@ -9258,11 +11122,13 @@
         </p:nvSpPr>
         <p:spPr>
           <a:xfrm>
-            <a:off x="5012211" y="1374958"/>
-            <a:ext cx="6480000" cy="1800000"/>
+            <a:off x="5016000" y="1442650"/>
+            <a:ext cx="6480000" cy="1973194"/>
           </a:xfrm>
           <a:prstGeom prst="horizontalScroll">
-            <a:avLst/>
+            <a:avLst>
+              <a:gd name="adj" fmla="val 6902"/>
+            </a:avLst>
           </a:prstGeom>
           <a:solidFill>
             <a:srgbClr val="DABE82"/>
@@ -9299,7 +11165,7 @@
               </a:spcBef>
             </a:pPr>
             <a:r>
-              <a:rPr lang="en-GB" sz="1400" b="0" i="0" dirty="0">
+              <a:rPr lang="en-GB" sz="1600" b="0" i="0" dirty="0">
                 <a:solidFill>
                   <a:srgbClr val="181818"/>
                 </a:solidFill>
@@ -9310,7 +11176,7 @@
               <a:t>“</a:t>
             </a:r>
             <a:r>
-              <a:rPr lang="en-GB" sz="1400" b="0" i="1" dirty="0">
+              <a:rPr lang="pl-PL" sz="1600" b="0" i="1" dirty="0">
                 <a:solidFill>
                   <a:srgbClr val="181818"/>
                 </a:solidFill>
@@ -9318,10 +11184,10 @@
                 <a:latin typeface="Bookman Old Style" panose="02050604050505020204" pitchFamily="18" charset="0"/>
                 <a:cs typeface="Calibri" panose="020F0502020204030204" pitchFamily="34" charset="0"/>
               </a:rPr>
-              <a:t>Quality ... you know what it is, yet you don't know what it is. </a:t>
-            </a:r>
-            <a:br>
-              <a:rPr lang="pl-PL" sz="1400" b="0" i="1" dirty="0">
+              <a:t>Jakość... wiesz i nie wiesz, co to jest. To jest zaś sprzeczność sama w sobie. Ale przecież pewne rzeczy są lepsze od innych, czyli mają lepszą jakość. Spróbuj jednak powiedzieć, czym jest jakość w oderwaniu od przedmiotów, których jest właściwością, wtedy wszystko pęka jak bańka mydlana</a:t>
+            </a:r>
+            <a:r>
+              <a:rPr lang="en-GB" sz="1600" b="0" i="0" dirty="0">
                 <a:solidFill>
                   <a:srgbClr val="181818"/>
                 </a:solidFill>
@@ -9329,30 +11195,9 @@
                 <a:latin typeface="Bookman Old Style" panose="02050604050505020204" pitchFamily="18" charset="0"/>
                 <a:cs typeface="Calibri" panose="020F0502020204030204" pitchFamily="34" charset="0"/>
               </a:rPr>
-            </a:br>
-            <a:r>
-              <a:rPr lang="en-GB" sz="1400" b="0" i="1" dirty="0">
-                <a:solidFill>
-                  <a:srgbClr val="181818"/>
-                </a:solidFill>
-                <a:effectLst/>
-                <a:latin typeface="Bookman Old Style" panose="02050604050505020204" pitchFamily="18" charset="0"/>
-                <a:cs typeface="Calibri" panose="020F0502020204030204" pitchFamily="34" charset="0"/>
-              </a:rPr>
-              <a:t>But that's self-contradictory. But some things are better than others, that is, they have more quality. But when you try to say what the quality is, apart from the things that have it, it all goes poof!</a:t>
-            </a:r>
-            <a:r>
-              <a:rPr lang="en-GB" sz="1400" b="0" i="0" dirty="0">
-                <a:solidFill>
-                  <a:srgbClr val="181818"/>
-                </a:solidFill>
-                <a:effectLst/>
-                <a:latin typeface="Bookman Old Style" panose="02050604050505020204" pitchFamily="18" charset="0"/>
-                <a:cs typeface="Calibri" panose="020F0502020204030204" pitchFamily="34" charset="0"/>
-              </a:rPr>
               <a:t>”</a:t>
             </a:r>
-            <a:endParaRPr lang="pl-PL" sz="1400" b="0" i="0" dirty="0">
+            <a:endParaRPr lang="pl-PL" sz="1600" b="0" i="0" dirty="0">
               <a:solidFill>
                 <a:srgbClr val="181818"/>
               </a:solidFill>
@@ -9374,7 +11219,16 @@
                 </a:solidFill>
                 <a:effectLst/>
               </a:rPr>
-              <a:t>Robert M. Pirsig, Zen and the Art of Motorcycle Maintenance: An Inquiry Into Values</a:t>
+              <a:t>Robert M. Pirsig, </a:t>
+            </a:r>
+            <a:r>
+              <a:rPr lang="pl-PL" sz="1100" b="0" i="0" dirty="0">
+                <a:solidFill>
+                  <a:srgbClr val="181818"/>
+                </a:solidFill>
+                <a:effectLst/>
+              </a:rPr>
+              <a:t>Zen i sztuka oporządzania motocykla</a:t>
             </a:r>
             <a:endParaRPr lang="pl-PL" sz="1200" dirty="0"/>
           </a:p>
@@ -9442,94 +11296,104 @@
               <a:t>„</a:t>
             </a:r>
             <a:r>
-              <a:rPr lang="en-US" b="0" i="1" dirty="0">
+              <a:rPr lang="pl-PL" b="1" i="1" dirty="0">
                 <a:solidFill>
                   <a:srgbClr val="181818"/>
                 </a:solidFill>
                 <a:effectLst/>
                 <a:cs typeface="Calibri" panose="020F0502020204030204" pitchFamily="34" charset="0"/>
               </a:rPr>
-              <a:t>the </a:t>
-            </a:r>
-            <a:r>
-              <a:rPr lang="en-US" b="1" i="1" dirty="0">
+              <a:t>stopień</a:t>
+            </a:r>
+            <a:r>
+              <a:rPr lang="pl-PL" b="0" i="1" dirty="0">
                 <a:solidFill>
                   <a:srgbClr val="181818"/>
                 </a:solidFill>
                 <a:effectLst/>
                 <a:cs typeface="Calibri" panose="020F0502020204030204" pitchFamily="34" charset="0"/>
               </a:rPr>
-              <a:t>degree</a:t>
-            </a:r>
-            <a:r>
-              <a:rPr lang="en-US" b="0" i="1" dirty="0">
+              <a:t> </a:t>
+            </a:r>
+            <a:r>
+              <a:rPr lang="pl-PL" b="1" i="1" dirty="0">
                 <a:solidFill>
                   <a:srgbClr val="181818"/>
                 </a:solidFill>
                 <a:effectLst/>
                 <a:cs typeface="Calibri" panose="020F0502020204030204" pitchFamily="34" charset="0"/>
               </a:rPr>
-              <a:t> to which the </a:t>
-            </a:r>
-            <a:r>
-              <a:rPr lang="en-US" b="1" i="1" dirty="0">
+              <a:t>spełnienia</a:t>
+            </a:r>
+            <a:r>
+              <a:rPr lang="pl-PL" b="0" i="1" dirty="0">
                 <a:solidFill>
                   <a:srgbClr val="181818"/>
                 </a:solidFill>
                 <a:effectLst/>
                 <a:cs typeface="Calibri" panose="020F0502020204030204" pitchFamily="34" charset="0"/>
               </a:rPr>
-              <a:t>requirements</a:t>
-            </a:r>
-            <a:r>
-              <a:rPr lang="en-US" b="0" i="1" dirty="0">
+              <a:t> </a:t>
+            </a:r>
+            <a:r>
+              <a:rPr lang="pl-PL" b="1" i="1" dirty="0">
                 <a:solidFill>
                   <a:srgbClr val="181818"/>
                 </a:solidFill>
                 <a:effectLst/>
                 <a:cs typeface="Calibri" panose="020F0502020204030204" pitchFamily="34" charset="0"/>
               </a:rPr>
-              <a:t> regarding the educational process and its outcomes, formulated by </a:t>
-            </a:r>
-            <a:r>
-              <a:rPr lang="en-US" i="1" dirty="0">
+              <a:t>wymagań</a:t>
+            </a:r>
+            <a:r>
+              <a:rPr lang="pl-PL" b="0" i="1" dirty="0">
                 <a:solidFill>
                   <a:srgbClr val="181818"/>
                 </a:solidFill>
                 <a:effectLst/>
                 <a:cs typeface="Calibri" panose="020F0502020204030204" pitchFamily="34" charset="0"/>
               </a:rPr>
-              <a:t>stakeholders</a:t>
-            </a:r>
-            <a:r>
-              <a:rPr lang="en-US" b="0" i="1" dirty="0">
+              <a:t> dotyczących procesu </a:t>
+            </a:r>
+            <a:r>
+              <a:rPr lang="pl-PL" i="1" dirty="0">
                 <a:solidFill>
                   <a:srgbClr val="181818"/>
                 </a:solidFill>
                 <a:effectLst/>
                 <a:cs typeface="Calibri" panose="020F0502020204030204" pitchFamily="34" charset="0"/>
               </a:rPr>
-              <a:t>, are </a:t>
-            </a:r>
-            <a:r>
-              <a:rPr lang="en-US" b="1" i="1" dirty="0">
+              <a:t>kształcenia</a:t>
+            </a:r>
+            <a:r>
+              <a:rPr lang="pl-PL" b="0" i="1" dirty="0">
                 <a:solidFill>
                   <a:srgbClr val="181818"/>
                 </a:solidFill>
                 <a:effectLst/>
                 <a:cs typeface="Calibri" panose="020F0502020204030204" pitchFamily="34" charset="0"/>
               </a:rPr>
-              <a:t>met</a:t>
-            </a:r>
-            <a:r>
-              <a:rPr lang="en-US" b="0" i="1" dirty="0">
+              <a:t> i jego efektów, formułowanych przez interesariuszy (</a:t>
+            </a:r>
+            <a:r>
+              <a:rPr lang="pl-PL" b="0" i="1" dirty="0" err="1">
                 <a:solidFill>
                   <a:srgbClr val="181818"/>
                 </a:solidFill>
                 <a:effectLst/>
                 <a:cs typeface="Calibri" panose="020F0502020204030204" pitchFamily="34" charset="0"/>
               </a:rPr>
-              <a:t>, taking into account internal and external conditions</a:t>
+              <a:t>stakeholders</a:t>
+            </a:r>
+            <a:r>
+              <a:rPr lang="pl-PL" b="0" i="1" dirty="0">
+                <a:solidFill>
+                  <a:srgbClr val="181818"/>
+                </a:solidFill>
+                <a:effectLst/>
+                <a:cs typeface="Calibri" panose="020F0502020204030204" pitchFamily="34" charset="0"/>
+              </a:rPr>
+              <a:t>), przy uwzględnieniu uwarunkowań wewnętrznych i zewnętrznych</a:t>
             </a:r>
             <a:r>
               <a:rPr lang="pl-PL" sz="2000" b="0" i="1" dirty="0">
@@ -9565,7 +11429,25 @@
                 </a:solidFill>
                 <a:effectLst/>
               </a:rPr>
-              <a:t> &amp; Lewandowski, The notion of quality of education and conditions of its quantification at the universities, </a:t>
+              <a:t> &amp; Lewandowski,</a:t>
+            </a:r>
+            <a:r>
+              <a:rPr lang="pl-PL" sz="1100" b="0" i="0" dirty="0">
+                <a:solidFill>
+                  <a:srgbClr val="181818"/>
+                </a:solidFill>
+                <a:effectLst/>
+              </a:rPr>
+              <a:t> Pojęcie jakości kształcenia i uwarunkowania jej kwantyfikacji w uczelniach wyższych</a:t>
+            </a:r>
+            <a:r>
+              <a:rPr lang="en-US" sz="1100" b="0" i="0" dirty="0">
+                <a:solidFill>
+                  <a:srgbClr val="181818"/>
+                </a:solidFill>
+                <a:effectLst/>
+              </a:rPr>
+              <a:t>, </a:t>
             </a:r>
             <a:r>
               <a:rPr lang="en-US" sz="1100" b="0" i="0" dirty="0" err="1">
@@ -9666,7 +11548,7 @@
             <a:fld id="{ADC9AAA0-29FB-4B62-AB65-7094BA6E939A}" type="slidenum">
               <a:rPr lang="pl-PL" smtClean="0"/>
               <a:pPr/>
-              <a:t>4</a:t>
+              <a:t>6</a:t>
             </a:fld>
             <a:endParaRPr lang="pl-PL" dirty="0"/>
           </a:p>
@@ -9685,7 +11567,7 @@
 </p:sld>
 </file>
 
-<file path=ppt/slides/slide5.xml><?xml version="1.0" encoding="utf-8"?>
+<file path=ppt/slides/slide7.xml><?xml version="1.0" encoding="utf-8"?>
 <p:sld xmlns:a="http://schemas.openxmlformats.org/drawingml/2006/main" xmlns:r="http://schemas.openxmlformats.org/officeDocument/2006/relationships" xmlns:p="http://schemas.openxmlformats.org/presentationml/2006/main">
   <p:cSld>
     <p:spTree>
@@ -9724,9 +11606,10 @@
           <a:lstStyle/>
           <a:p>
             <a:r>
-              <a:rPr lang="en-GB" dirty="0"/>
-              <a:t>What is Quality Management for Education</a:t>
-            </a:r>
+              <a:rPr lang="pl-PL" dirty="0"/>
+              <a:t>Czym jest zarządzanie jakością edukacji</a:t>
+            </a:r>
+            <a:endParaRPr lang="en-GB" dirty="0"/>
           </a:p>
         </p:txBody>
       </p:sp>
@@ -9749,77 +11632,101 @@
         <p:spPr/>
         <p:txBody>
           <a:bodyPr>
-            <a:normAutofit fontScale="92500"/>
+            <a:normAutofit fontScale="92500" lnSpcReduction="10000"/>
           </a:bodyPr>
           <a:lstStyle/>
           <a:p>
             <a:r>
+              <a:rPr lang="pl-PL" dirty="0">
+                <a:solidFill>
+                  <a:srgbClr val="181818"/>
+                </a:solidFill>
+              </a:rPr>
+              <a:t>Systemy zarządzania jakością są </a:t>
+            </a:r>
+            <a:br>
+              <a:rPr lang="pl-PL" dirty="0">
+                <a:solidFill>
+                  <a:srgbClr val="181818"/>
+                </a:solidFill>
+              </a:rPr>
+            </a:br>
+            <a:r>
+              <a:rPr lang="pl-PL" b="1" dirty="0" err="1">
+                <a:solidFill>
+                  <a:srgbClr val="181818"/>
+                </a:solidFill>
+              </a:rPr>
+              <a:t>kliento</a:t>
+            </a:r>
+            <a:r>
+              <a:rPr lang="pl-PL" b="1" dirty="0">
+                <a:solidFill>
+                  <a:srgbClr val="181818"/>
+                </a:solidFill>
+              </a:rPr>
+              <a:t>-centryczne</a:t>
+            </a:r>
+          </a:p>
+          <a:p>
+            <a:r>
+              <a:rPr lang="pl-PL" sz="2600" dirty="0">
+                <a:solidFill>
+                  <a:srgbClr val="181818"/>
+                </a:solidFill>
+              </a:rPr>
+              <a:t>Kto jest klientem uczelni?</a:t>
+            </a:r>
+          </a:p>
+          <a:p>
+            <a:r>
+              <a:rPr lang="pl-PL" sz="2600" b="0" i="0" dirty="0">
+                <a:solidFill>
+                  <a:srgbClr val="181818"/>
+                </a:solidFill>
+                <a:effectLst/>
+              </a:rPr>
+              <a:t>Nieudane implementacje </a:t>
+            </a:r>
+            <a:r>
               <a:rPr lang="en-GB" sz="2600" dirty="0">
                 <a:solidFill>
                   <a:srgbClr val="181818"/>
                 </a:solidFill>
               </a:rPr>
-              <a:t>Quality Management Systems are</a:t>
-            </a:r>
-            <a:br>
+              <a:t>TQM, Lean </a:t>
+            </a:r>
+            <a:r>
+              <a:rPr lang="pl-PL" dirty="0">
+                <a:solidFill>
+                  <a:srgbClr val="181818"/>
+                </a:solidFill>
+              </a:rPr>
+              <a:t>lub</a:t>
+            </a:r>
+            <a:r>
               <a:rPr lang="en-GB" sz="2600" dirty="0">
                 <a:solidFill>
                   <a:srgbClr val="181818"/>
                 </a:solidFill>
               </a:rPr>
-            </a:br>
-            <a:r>
-              <a:rPr lang="en-GB" sz="2600" b="1" dirty="0">
+              <a:t> </a:t>
+            </a:r>
+            <a:r>
+              <a:rPr lang="en-GB" sz="2600" dirty="0" err="1">
                 <a:solidFill>
                   <a:srgbClr val="181818"/>
                 </a:solidFill>
               </a:rPr>
-              <a:t>client-centric</a:t>
-            </a:r>
-            <a:r>
-              <a:rPr lang="en-GB" sz="2600" dirty="0">
+              <a:t>SixSigma</a:t>
+            </a:r>
+            <a:r>
+              <a:rPr lang="pl-PL" sz="2600" dirty="0">
                 <a:solidFill>
                   <a:srgbClr val="181818"/>
                 </a:solidFill>
               </a:rPr>
-              <a:t> (customer Focus)</a:t>
-            </a:r>
-          </a:p>
-          <a:p>
-            <a:r>
-              <a:rPr lang="en-GB" sz="2600" dirty="0">
-                <a:solidFill>
-                  <a:srgbClr val="181818"/>
-                </a:solidFill>
-              </a:rPr>
-              <a:t>Who is a client of University?</a:t>
-            </a:r>
-          </a:p>
-          <a:p>
-            <a:r>
-              <a:rPr lang="en-GB" sz="2600" b="0" i="0" dirty="0">
-                <a:solidFill>
-                  <a:srgbClr val="181818"/>
-                </a:solidFill>
-                <a:effectLst/>
-              </a:rPr>
-              <a:t>Unsuccessful implementations at universities </a:t>
-            </a:r>
-            <a:r>
-              <a:rPr lang="en-GB" sz="2600" dirty="0">
-                <a:solidFill>
-                  <a:srgbClr val="181818"/>
-                </a:solidFill>
-              </a:rPr>
-              <a:t>of TQM, Lean or </a:t>
-            </a:r>
-            <a:r>
-              <a:rPr lang="en-GB" sz="2600" dirty="0" err="1">
-                <a:solidFill>
-                  <a:srgbClr val="181818"/>
-                </a:solidFill>
-              </a:rPr>
-              <a:t>SixSigma</a:t>
+              <a:t> na uczelniach</a:t>
             </a:r>
             <a:endParaRPr lang="en-GB" sz="2600" dirty="0">
               <a:solidFill>
@@ -9850,8 +11757,52 @@
                   <a:srgbClr val="181818"/>
                 </a:solidFill>
               </a:rPr>
-              <a:t> for public institutions – close to QM</a:t>
-            </a:r>
+              <a:t> </a:t>
+            </a:r>
+            <a:r>
+              <a:rPr lang="pl-PL" sz="2600" dirty="0">
+                <a:solidFill>
+                  <a:srgbClr val="181818"/>
+                </a:solidFill>
+              </a:rPr>
+              <a:t>Wspólna Metoda Oceny </a:t>
+            </a:r>
+            <a:br>
+              <a:rPr lang="pl-PL" sz="2600" dirty="0">
+                <a:solidFill>
+                  <a:srgbClr val="181818"/>
+                </a:solidFill>
+              </a:rPr>
+            </a:br>
+            <a:r>
+              <a:rPr lang="pl-PL" sz="2600" dirty="0">
+                <a:solidFill>
+                  <a:srgbClr val="181818"/>
+                </a:solidFill>
+              </a:rPr>
+              <a:t>dla instytucji publicznych</a:t>
+            </a:r>
+            <a:r>
+              <a:rPr lang="en-GB" sz="2600" dirty="0">
+                <a:solidFill>
+                  <a:srgbClr val="181818"/>
+                </a:solidFill>
+              </a:rPr>
+              <a:t> – </a:t>
+            </a:r>
+            <a:r>
+              <a:rPr lang="pl-PL" sz="2600" dirty="0">
+                <a:solidFill>
+                  <a:srgbClr val="181818"/>
+                </a:solidFill>
+              </a:rPr>
+              <a:t>bliskie idei zarządzania jakością</a:t>
+            </a:r>
+            <a:endParaRPr lang="en-GB" sz="2600" dirty="0">
+              <a:solidFill>
+                <a:srgbClr val="181818"/>
+              </a:solidFill>
+            </a:endParaRPr>
           </a:p>
           <a:p>
             <a:r>
@@ -9864,31 +11815,39 @@
               <a:t>PKA (</a:t>
             </a:r>
             <a:r>
-              <a:rPr lang="en-GB" sz="2600" i="1" dirty="0">
+              <a:rPr lang="pl-PL" sz="2600" i="1" dirty="0">
                 <a:solidFill>
                   <a:srgbClr val="181818"/>
                 </a:solidFill>
               </a:rPr>
-              <a:t>P</a:t>
-            </a:r>
-            <a:r>
-              <a:rPr lang="en-GB" sz="2600" b="0" i="1" dirty="0">
+              <a:t>Państwowa Komisja Akredytacyjna</a:t>
+            </a:r>
+            <a:r>
+              <a:rPr lang="en-GB" sz="2600" b="0" i="0" dirty="0">
                 <a:solidFill>
                   <a:srgbClr val="181818"/>
                 </a:solidFill>
                 <a:effectLst/>
               </a:rPr>
-              <a:t>olish Accreditation </a:t>
-            </a:r>
-            <a:r>
-              <a:rPr lang="en-GB" sz="2600" b="0" i="1" dirty="0" err="1">
+              <a:t>) – 10 </a:t>
+            </a:r>
+            <a:r>
+              <a:rPr lang="pl-PL" sz="2600" b="0" i="0" dirty="0">
                 <a:solidFill>
                   <a:srgbClr val="181818"/>
                 </a:solidFill>
                 <a:effectLst/>
               </a:rPr>
-              <a:t>Comission</a:t>
-            </a:r>
+              <a:t>kryteriów jakości</a:t>
+            </a:r>
+            <a:br>
+              <a:rPr lang="pl-PL" sz="2600" b="0" i="0" dirty="0">
+                <a:solidFill>
+                  <a:srgbClr val="181818"/>
+                </a:solidFill>
+                <a:effectLst/>
+              </a:rPr>
+            </a:br>
             <a:r>
               <a:rPr lang="en-GB" sz="2600" b="0" i="0" dirty="0">
                 <a:solidFill>
@@ -9896,65 +11855,17 @@
                 </a:solidFill>
                 <a:effectLst/>
               </a:rPr>
-              <a:t>) – 10 quality criterions – far from QM</a:t>
-            </a:r>
-          </a:p>
-          <a:p>
-            <a:r>
-              <a:rPr lang="en-GB" sz="2600" dirty="0">
+              <a:t> – </a:t>
+            </a:r>
+            <a:r>
+              <a:rPr lang="pl-PL" dirty="0">
                 <a:solidFill>
                   <a:srgbClr val="181818"/>
                 </a:solidFill>
               </a:rPr>
-              <a:t>Key role of organisation’s leaders</a:t>
-            </a:r>
-          </a:p>
-          <a:p>
-            <a:r>
-              <a:rPr lang="en-GB" sz="2600" b="0" i="0" dirty="0">
-                <a:solidFill>
-                  <a:srgbClr val="181818"/>
-                </a:solidFill>
-                <a:effectLst/>
-              </a:rPr>
-              <a:t>ISO </a:t>
-            </a:r>
-            <a:r>
-              <a:rPr lang="en-GB" sz="2600" dirty="0">
-                <a:solidFill>
-                  <a:srgbClr val="181818"/>
-                </a:solidFill>
-              </a:rPr>
-              <a:t>21001:2018 </a:t>
-            </a:r>
-            <a:r>
-              <a:rPr lang="en-GB" sz="2600" b="0" i="0" dirty="0">
-                <a:solidFill>
-                  <a:srgbClr val="181818"/>
-                </a:solidFill>
-                <a:effectLst/>
-              </a:rPr>
-              <a:t>–</a:t>
-            </a:r>
-            <a:r>
-              <a:rPr lang="en-GB" sz="2600" dirty="0">
-                <a:solidFill>
-                  <a:srgbClr val="181818"/>
-                </a:solidFill>
-              </a:rPr>
-              <a:t> </a:t>
-            </a:r>
-            <a:r>
-              <a:rPr lang="en-GB" sz="2600" i="1" dirty="0">
-                <a:solidFill>
-                  <a:srgbClr val="181818"/>
-                </a:solidFill>
-              </a:rPr>
-              <a:t>Management systems for educational organizations</a:t>
-            </a:r>
-          </a:p>
-          <a:p>
-            <a:endParaRPr lang="en-GB" sz="2400" b="0" i="0" dirty="0">
+              <a:t>daleko od idei zarządzania jakością</a:t>
+            </a:r>
+            <a:endParaRPr lang="en-GB" sz="2600" b="0" i="0" dirty="0">
               <a:solidFill>
                 <a:srgbClr val="181818"/>
               </a:solidFill>
@@ -9962,9 +11873,63 @@
             </a:endParaRPr>
           </a:p>
           <a:p>
-            <a:pPr marL="0" indent="0">
-              <a:buNone/>
-            </a:pPr>
+            <a:r>
+              <a:rPr lang="pl-PL" dirty="0">
+                <a:solidFill>
+                  <a:srgbClr val="181818"/>
+                </a:solidFill>
+              </a:rPr>
+              <a:t>Kluczowa rola liderów organizacji</a:t>
+            </a:r>
+            <a:endParaRPr lang="en-GB" sz="2600" dirty="0">
+              <a:solidFill>
+                <a:srgbClr val="181818"/>
+              </a:solidFill>
+            </a:endParaRPr>
+          </a:p>
+          <a:p>
+            <a:r>
+              <a:rPr lang="en-GB" sz="2600" b="0" i="0" dirty="0">
+                <a:solidFill>
+                  <a:srgbClr val="181818"/>
+                </a:solidFill>
+                <a:effectLst/>
+              </a:rPr>
+              <a:t>ISO </a:t>
+            </a:r>
+            <a:r>
+              <a:rPr lang="en-GB" sz="2600" dirty="0">
+                <a:solidFill>
+                  <a:srgbClr val="181818"/>
+                </a:solidFill>
+              </a:rPr>
+              <a:t>21001:2018 </a:t>
+            </a:r>
+            <a:r>
+              <a:rPr lang="en-GB" sz="2600" b="0" i="0" dirty="0">
+                <a:solidFill>
+                  <a:srgbClr val="181818"/>
+                </a:solidFill>
+                <a:effectLst/>
+              </a:rPr>
+              <a:t>–</a:t>
+            </a:r>
+            <a:r>
+              <a:rPr lang="en-GB" sz="2600" dirty="0">
+                <a:solidFill>
+                  <a:srgbClr val="181818"/>
+                </a:solidFill>
+              </a:rPr>
+              <a:t> </a:t>
+            </a:r>
+            <a:r>
+              <a:rPr lang="pl-PL" sz="2600" dirty="0">
+                <a:solidFill>
+                  <a:srgbClr val="181818"/>
+                </a:solidFill>
+              </a:rPr>
+              <a:t>System zarządzania organizacją edukacyjną</a:t>
+            </a:r>
             <a:endParaRPr lang="en-GB" dirty="0"/>
           </a:p>
         </p:txBody>
@@ -9983,11 +11948,13 @@
         </p:nvSpPr>
         <p:spPr>
           <a:xfrm>
-            <a:off x="6096001" y="1431256"/>
-            <a:ext cx="5400000" cy="1440000"/>
+            <a:off x="5858730" y="1379813"/>
+            <a:ext cx="5688992" cy="1708340"/>
           </a:xfrm>
           <a:prstGeom prst="horizontalScroll">
-            <a:avLst/>
+            <a:avLst>
+              <a:gd name="adj" fmla="val 8378"/>
+            </a:avLst>
           </a:prstGeom>
           <a:solidFill>
             <a:srgbClr val="DABE82"/>
@@ -10026,8 +11993,50 @@
                 </a:solidFill>
                 <a:latin typeface="Century Schoolbook" panose="02040604050505020304" pitchFamily="18" charset="0"/>
               </a:rPr>
-              <a:t>1900’s → QI – Quality Inspection</a:t>
-            </a:r>
+              <a:t>1900’s → QI – </a:t>
+            </a:r>
+            <a:r>
+              <a:rPr lang="pl-PL" sz="1600" dirty="0">
+                <a:solidFill>
+                  <a:srgbClr val="181818"/>
+                </a:solidFill>
+                <a:latin typeface="Century Schoolbook" panose="02040604050505020304" pitchFamily="18" charset="0"/>
+              </a:rPr>
+              <a:t>Kontrola jakości </a:t>
+            </a:r>
+            <a:r>
+              <a:rPr lang="pl-PL" sz="1400" dirty="0">
+                <a:solidFill>
+                  <a:srgbClr val="181818"/>
+                </a:solidFill>
+                <a:latin typeface="Century Schoolbook" panose="02040604050505020304" pitchFamily="18" charset="0"/>
+              </a:rPr>
+              <a:t>(</a:t>
+            </a:r>
+            <a:r>
+              <a:rPr lang="en-GB" sz="1400" i="1" dirty="0">
+                <a:solidFill>
+                  <a:srgbClr val="181818"/>
+                </a:solidFill>
+                <a:latin typeface="Century Schoolbook" panose="02040604050505020304" pitchFamily="18" charset="0"/>
+              </a:rPr>
+              <a:t>Quality Inspection</a:t>
+            </a:r>
+            <a:r>
+              <a:rPr lang="pl-PL" sz="1400" dirty="0">
+                <a:solidFill>
+                  <a:srgbClr val="181818"/>
+                </a:solidFill>
+                <a:latin typeface="Century Schoolbook" panose="02040604050505020304" pitchFamily="18" charset="0"/>
+              </a:rPr>
+              <a:t>)</a:t>
+            </a:r>
+            <a:endParaRPr lang="en-GB" sz="1600" dirty="0">
+              <a:solidFill>
+                <a:srgbClr val="181818"/>
+              </a:solidFill>
+              <a:latin typeface="Century Schoolbook" panose="02040604050505020304" pitchFamily="18" charset="0"/>
+            </a:endParaRPr>
           </a:p>
           <a:p>
             <a:pPr marL="180000" lvl="1"/>
@@ -10038,8 +12047,41 @@
                 </a:solidFill>
                 <a:latin typeface="Century Schoolbook" panose="02040604050505020304" pitchFamily="18" charset="0"/>
               </a:rPr>
-              <a:t>1920’s → QC – Quality Control</a:t>
-            </a:r>
+              <a:t>1920’s → QC – </a:t>
+            </a:r>
+            <a:r>
+              <a:rPr lang="pl-PL" sz="1600" dirty="0">
+                <a:solidFill>
+                  <a:srgbClr val="181818"/>
+                </a:solidFill>
+                <a:latin typeface="Century Schoolbook" panose="02040604050505020304" pitchFamily="18" charset="0"/>
+              </a:rPr>
+              <a:t>Sterowanie jakością (</a:t>
+            </a:r>
+            <a:r>
+              <a:rPr lang="en-GB" sz="1400" i="1" dirty="0">
+                <a:solidFill>
+                  <a:srgbClr val="181818"/>
+                </a:solidFill>
+                <a:latin typeface="Century Schoolbook" panose="02040604050505020304" pitchFamily="18" charset="0"/>
+              </a:rPr>
+              <a:t>Quality Control</a:t>
+            </a:r>
+            <a:r>
+              <a:rPr lang="pl-PL" sz="1400" dirty="0">
+                <a:solidFill>
+                  <a:srgbClr val="181818"/>
+                </a:solidFill>
+                <a:latin typeface="Century Schoolbook" panose="02040604050505020304" pitchFamily="18" charset="0"/>
+              </a:rPr>
+              <a:t>)</a:t>
+            </a:r>
+            <a:endParaRPr lang="en-GB" sz="1600" dirty="0">
+              <a:solidFill>
+                <a:srgbClr val="181818"/>
+              </a:solidFill>
+              <a:latin typeface="Century Schoolbook" panose="02040604050505020304" pitchFamily="18" charset="0"/>
+            </a:endParaRPr>
           </a:p>
           <a:p>
             <a:pPr marL="180000" lvl="1"/>
@@ -10050,8 +12092,50 @@
                 </a:solidFill>
                 <a:latin typeface="Century Schoolbook" panose="02040604050505020304" pitchFamily="18" charset="0"/>
               </a:rPr>
-              <a:t>1960’s → QA – Quality Assurance</a:t>
-            </a:r>
+              <a:t>1960’s → QA – </a:t>
+            </a:r>
+            <a:r>
+              <a:rPr lang="pl-PL" sz="1600" dirty="0">
+                <a:solidFill>
+                  <a:srgbClr val="181818"/>
+                </a:solidFill>
+                <a:latin typeface="Century Schoolbook" panose="02040604050505020304" pitchFamily="18" charset="0"/>
+              </a:rPr>
+              <a:t>Zapewnianie jakości </a:t>
+            </a:r>
+            <a:r>
+              <a:rPr lang="pl-PL" sz="1400" dirty="0">
+                <a:solidFill>
+                  <a:srgbClr val="181818"/>
+                </a:solidFill>
+                <a:latin typeface="Century Schoolbook" panose="02040604050505020304" pitchFamily="18" charset="0"/>
+              </a:rPr>
+              <a:t>(</a:t>
+            </a:r>
+            <a:r>
+              <a:rPr lang="en-GB" sz="1400" i="1" dirty="0">
+                <a:solidFill>
+                  <a:srgbClr val="181818"/>
+                </a:solidFill>
+                <a:latin typeface="Century Schoolbook" panose="02040604050505020304" pitchFamily="18" charset="0"/>
+              </a:rPr>
+              <a:t>Quality Assurance</a:t>
+            </a:r>
+            <a:r>
+              <a:rPr lang="pl-PL" sz="1400" dirty="0">
+                <a:solidFill>
+                  <a:srgbClr val="181818"/>
+                </a:solidFill>
+                <a:latin typeface="Century Schoolbook" panose="02040604050505020304" pitchFamily="18" charset="0"/>
+              </a:rPr>
+              <a:t>)</a:t>
+            </a:r>
+            <a:endParaRPr lang="en-GB" sz="1600" dirty="0">
+              <a:solidFill>
+                <a:srgbClr val="181818"/>
+              </a:solidFill>
+              <a:latin typeface="Century Schoolbook" panose="02040604050505020304" pitchFamily="18" charset="0"/>
+            </a:endParaRPr>
           </a:p>
           <a:p>
             <a:pPr marL="180000" lvl="1"/>
@@ -10062,8 +12146,41 @@
                 </a:solidFill>
                 <a:latin typeface="Century Schoolbook" panose="02040604050505020304" pitchFamily="18" charset="0"/>
               </a:rPr>
-              <a:t>1980’s → QM / TQM – Total Quality Management</a:t>
-            </a:r>
+              <a:t>1980’s → QM / TQM – </a:t>
+            </a:r>
+            <a:r>
+              <a:rPr lang="pl-PL" sz="1600" dirty="0">
+                <a:solidFill>
+                  <a:srgbClr val="181818"/>
+                </a:solidFill>
+                <a:latin typeface="Century Schoolbook" panose="02040604050505020304" pitchFamily="18" charset="0"/>
+              </a:rPr>
+              <a:t>Kompleksowe zarządzanie jakością (</a:t>
+            </a:r>
+            <a:r>
+              <a:rPr lang="en-GB" sz="1600" i="1" dirty="0">
+                <a:solidFill>
+                  <a:srgbClr val="181818"/>
+                </a:solidFill>
+                <a:latin typeface="Century Schoolbook" panose="02040604050505020304" pitchFamily="18" charset="0"/>
+              </a:rPr>
+              <a:t>Total Quality Management</a:t>
+            </a:r>
+            <a:r>
+              <a:rPr lang="pl-PL" sz="1600" dirty="0">
+                <a:solidFill>
+                  <a:srgbClr val="181818"/>
+                </a:solidFill>
+                <a:latin typeface="Century Schoolbook" panose="02040604050505020304" pitchFamily="18" charset="0"/>
+              </a:rPr>
+              <a:t>)</a:t>
+            </a:r>
+            <a:endParaRPr lang="en-GB" sz="1600" dirty="0">
+              <a:solidFill>
+                <a:srgbClr val="181818"/>
+              </a:solidFill>
+              <a:latin typeface="Century Schoolbook" panose="02040604050505020304" pitchFamily="18" charset="0"/>
+            </a:endParaRPr>
           </a:p>
         </p:txBody>
       </p:sp>
@@ -10091,7 +12208,7 @@
             <a:fld id="{ADC9AAA0-29FB-4B62-AB65-7094BA6E939A}" type="slidenum">
               <a:rPr lang="en-GB" smtClean="0"/>
               <a:pPr/>
-              <a:t>5</a:t>
+              <a:t>7</a:t>
             </a:fld>
             <a:endParaRPr lang="en-GB" dirty="0"/>
           </a:p>
@@ -10110,7 +12227,7 @@
 </p:sld>
 </file>
 
-<file path=ppt/slides/slide6.xml><?xml version="1.0" encoding="utf-8"?>
+<file path=ppt/slides/slide8.xml><?xml version="1.0" encoding="utf-8"?>
 <p:sld xmlns:a="http://schemas.openxmlformats.org/drawingml/2006/main" xmlns:r="http://schemas.openxmlformats.org/officeDocument/2006/relationships" xmlns:p="http://schemas.openxmlformats.org/presentationml/2006/main">
   <p:cSld>
     <p:spTree>
@@ -10161,6 +12278,11 @@
           <a:prstGeom prst="rect">
             <a:avLst/>
           </a:prstGeom>
+          <a:ln w="28575">
+            <a:solidFill>
+              <a:srgbClr val="FF0000"/>
+            </a:solidFill>
+          </a:ln>
         </p:spPr>
       </p:pic>
       <p:sp>
@@ -10185,8 +12307,12 @@
           <a:lstStyle/>
           <a:p>
             <a:r>
+              <a:rPr lang="pl-PL" dirty="0"/>
+              <a:t>Czy jeśli nie klient to interesariusz</a:t>
+            </a:r>
+            <a:r>
               <a:rPr lang="en-GB" dirty="0"/>
-              <a:t>If not Client then Stakeholder?</a:t>
+              <a:t>?</a:t>
             </a:r>
           </a:p>
         </p:txBody>
@@ -10210,27 +12336,56 @@
         <p:spPr/>
         <p:txBody>
           <a:bodyPr>
-            <a:normAutofit fontScale="92500" lnSpcReduction="10000"/>
+            <a:normAutofit fontScale="92500" lnSpcReduction="20000"/>
           </a:bodyPr>
           <a:lstStyle/>
           <a:p>
             <a:r>
+              <a:rPr lang="pl-PL" sz="2400" dirty="0">
+                <a:solidFill>
+                  <a:srgbClr val="181818"/>
+                </a:solidFill>
+              </a:rPr>
+              <a:t>Teorie interesariuszy od lat 60. XX w.</a:t>
+            </a:r>
+            <a:endParaRPr lang="en-GB" sz="2400" dirty="0">
+              <a:solidFill>
+                <a:srgbClr val="181818"/>
+              </a:solidFill>
+            </a:endParaRPr>
+          </a:p>
+          <a:p>
+            <a:r>
+              <a:rPr lang="pl-PL" sz="2400" dirty="0">
+                <a:solidFill>
+                  <a:srgbClr val="181818"/>
+                </a:solidFill>
+              </a:rPr>
+              <a:t>Interesariusz</a:t>
+            </a:r>
+            <a:r>
               <a:rPr lang="en-GB" sz="2400" dirty="0">
                 <a:solidFill>
                   <a:srgbClr val="181818"/>
                 </a:solidFill>
               </a:rPr>
-              <a:t>Stakeholders’ theories since 1960’s</a:t>
-            </a:r>
-          </a:p>
-          <a:p>
+              <a:t> – „</a:t>
+            </a:r>
+            <a:r>
+              <a:rPr lang="pl-PL" sz="2400" dirty="0">
+                <a:solidFill>
+                  <a:srgbClr val="181818"/>
+                </a:solidFill>
+              </a:rPr>
+              <a:t>może wypływać i może być pod wpływem</a:t>
+            </a:r>
             <a:r>
               <a:rPr lang="en-GB" sz="2400" dirty="0">
                 <a:solidFill>
                   <a:srgbClr val="181818"/>
                 </a:solidFill>
               </a:rPr>
-              <a:t>Stakeholder – „can affect and can be affected by” </a:t>
+              <a:t>” </a:t>
             </a:r>
             <a:r>
               <a:rPr lang="en-GB" sz="1800" b="1" dirty="0">
@@ -10243,84 +12398,163 @@
           </a:p>
           <a:p>
             <a:r>
+              <a:rPr lang="pl-PL" sz="2400" b="0" i="0" dirty="0">
+                <a:solidFill>
+                  <a:srgbClr val="181818"/>
+                </a:solidFill>
+                <a:effectLst/>
+              </a:rPr>
+              <a:t>Po analizie abstraktów</a:t>
+            </a:r>
+            <a:r>
               <a:rPr lang="en-GB" sz="2400" b="0" i="0" dirty="0">
                 <a:solidFill>
                   <a:srgbClr val="181818"/>
                 </a:solidFill>
                 <a:effectLst/>
               </a:rPr>
-              <a:t>Based on analysis of 474 articles’ abstracts:</a:t>
-            </a:r>
-          </a:p>
-          <a:p>
+              <a:t> 474 art</a:t>
+            </a:r>
+            <a:r>
+              <a:rPr lang="pl-PL" sz="2400" b="0" i="0" dirty="0" err="1">
+                <a:solidFill>
+                  <a:srgbClr val="181818"/>
+                </a:solidFill>
+                <a:effectLst/>
+              </a:rPr>
+              <a:t>ykułów</a:t>
+            </a:r>
+            <a:r>
+              <a:rPr lang="en-GB" sz="2400" b="0" i="0" dirty="0">
+                <a:solidFill>
+                  <a:srgbClr val="181818"/>
+                </a:solidFill>
+                <a:effectLst/>
+              </a:rPr>
+              <a:t>:</a:t>
+            </a:r>
+          </a:p>
+          <a:p>
+            <a:r>
+              <a:rPr lang="pl-PL" sz="2400" dirty="0">
+                <a:solidFill>
+                  <a:srgbClr val="181818"/>
+                </a:solidFill>
+              </a:rPr>
+              <a:t>Metody analizy interesariuszy</a:t>
+            </a:r>
             <a:r>
               <a:rPr lang="en-GB" sz="2400" dirty="0">
                 <a:solidFill>
                   <a:srgbClr val="181818"/>
                 </a:solidFill>
               </a:rPr>
-              <a:t>Stakeholders’ analysis methods:</a:t>
+              <a:t>:</a:t>
             </a:r>
           </a:p>
           <a:p>
             <a:pPr lvl="1"/>
             <a:r>
-              <a:rPr lang="en-GB" sz="2000" dirty="0">
+              <a:rPr lang="pl-PL" sz="2000" dirty="0">
                 <a:solidFill>
                   <a:srgbClr val="181818"/>
                 </a:solidFill>
               </a:rPr>
-              <a:t>Interest – power chart</a:t>
-            </a:r>
+              <a:t>Diagram interes – siła</a:t>
+            </a:r>
+            <a:endParaRPr lang="en-GB" sz="2000" dirty="0">
+              <a:solidFill>
+                <a:srgbClr val="181818"/>
+              </a:solidFill>
+            </a:endParaRPr>
           </a:p>
           <a:p>
             <a:pPr lvl="1"/>
             <a:r>
-              <a:rPr lang="en-GB" sz="2000" dirty="0">
+              <a:rPr lang="pl-PL" sz="2000" dirty="0">
                 <a:solidFill>
                   <a:srgbClr val="181818"/>
                 </a:solidFill>
               </a:rPr>
-              <a:t>Relations diagrams</a:t>
+              <a:t>Diagramy relacji</a:t>
             </a:r>
           </a:p>
           <a:p>
             <a:pPr lvl="1"/>
             <a:r>
-              <a:rPr lang="en-GB" sz="2000" dirty="0">
+              <a:rPr lang="pl-PL" sz="2100" dirty="0">
                 <a:solidFill>
                   <a:srgbClr val="181818"/>
                 </a:solidFill>
               </a:rPr>
-              <a:t>Policy attractiveness vs stakeholder capability grid</a:t>
-            </a:r>
+              <a:t>Mapa atrakcyjności rozwiązań versus możliwości </a:t>
+            </a:r>
+            <a:br>
+              <a:rPr lang="pl-PL" sz="2100" dirty="0">
+                <a:solidFill>
+                  <a:srgbClr val="181818"/>
+                </a:solidFill>
+              </a:rPr>
+            </a:br>
+            <a:r>
+              <a:rPr lang="pl-PL" sz="2100" dirty="0">
+                <a:solidFill>
+                  <a:srgbClr val="181818"/>
+                </a:solidFill>
+              </a:rPr>
+              <a:t>przyjęcia przez interesariuszy</a:t>
+            </a:r>
+            <a:endParaRPr lang="en-GB" sz="2100" dirty="0">
+              <a:solidFill>
+                <a:srgbClr val="181818"/>
+              </a:solidFill>
+            </a:endParaRPr>
           </a:p>
           <a:p>
             <a:pPr lvl="1"/>
             <a:r>
-              <a:rPr lang="en-GB" sz="2000" dirty="0" err="1">
+              <a:rPr lang="pl-PL" sz="2100" dirty="0">
                 <a:solidFill>
                   <a:srgbClr val="181818"/>
                 </a:solidFill>
               </a:rPr>
-              <a:t>Stak</a:t>
-            </a:r>
-            <a:r>
-              <a:rPr lang="pl-PL" sz="2000" dirty="0">
+              <a:t>Mapy interesariuszy</a:t>
+            </a:r>
+            <a:endParaRPr lang="en-GB" sz="2100" dirty="0">
+              <a:solidFill>
+                <a:srgbClr val="181818"/>
+              </a:solidFill>
+            </a:endParaRPr>
+          </a:p>
+          <a:p>
+            <a:r>
+              <a:rPr lang="pl-PL" sz="2400" dirty="0">
                 <a:solidFill>
                   <a:srgbClr val="181818"/>
                 </a:solidFill>
               </a:rPr>
-              <a:t>e</a:t>
-            </a:r>
-            <a:r>
-              <a:rPr lang="en-GB" sz="2000" dirty="0">
+              <a:t>Rekomendacje dla zarządzających na podstawie wyników analiz</a:t>
+            </a:r>
+            <a:endParaRPr lang="en-GB" sz="2400" dirty="0">
+              <a:solidFill>
+                <a:srgbClr val="181818"/>
+              </a:solidFill>
+            </a:endParaRPr>
+          </a:p>
+          <a:p>
+            <a:r>
+              <a:rPr lang="pl-PL" sz="2400" dirty="0">
                 <a:solidFill>
                   <a:srgbClr val="181818"/>
                 </a:solidFill>
               </a:rPr>
-              <a:t>holder maps</a:t>
-            </a:r>
+              <a:t>Czy mierzyć jakość jako satysfakcję interesariuszy?</a:t>
+            </a:r>
+            <a:endParaRPr lang="en-GB" sz="2400" dirty="0">
+              <a:solidFill>
+                <a:srgbClr val="181818"/>
+              </a:solidFill>
+            </a:endParaRPr>
           </a:p>
           <a:p>
             <a:r>
@@ -10329,27 +12563,39 @@
                   <a:srgbClr val="181818"/>
                 </a:solidFill>
               </a:rPr>
-              <a:t>Management recommendations based on outcomes of analysis</a:t>
-            </a:r>
-          </a:p>
-          <a:p>
+              <a:t>ISO 21001:2018 – </a:t>
+            </a:r>
+            <a:r>
+              <a:rPr lang="pl-PL" sz="2400" dirty="0">
+                <a:solidFill>
+                  <a:srgbClr val="181818"/>
+                </a:solidFill>
+              </a:rPr>
+              <a:t>bardzo wiele odniesień do </a:t>
+            </a:r>
             <a:r>
               <a:rPr lang="en-GB" sz="2400" dirty="0">
                 <a:solidFill>
                   <a:srgbClr val="181818"/>
                 </a:solidFill>
               </a:rPr>
-              <a:t>Measuring quality as stakeholders’ satisfaction?</a:t>
-            </a:r>
-          </a:p>
-          <a:p>
+              <a:t>„group</a:t>
+            </a:r>
+            <a:r>
+              <a:rPr lang="pl-PL" sz="2400" dirty="0">
+                <a:solidFill>
+                  <a:srgbClr val="181818"/>
+                </a:solidFill>
+              </a:rPr>
+              <a:t> zainteresowanych</a:t>
+            </a:r>
             <a:r>
               <a:rPr lang="en-GB" sz="2400" dirty="0">
                 <a:solidFill>
                   <a:srgbClr val="181818"/>
                 </a:solidFill>
               </a:rPr>
-              <a:t>ISO 21001:2018 – lots of references to „interested groups”</a:t>
+              <a:t>”</a:t>
             </a:r>
           </a:p>
           <a:p>
@@ -10415,7 +12661,7 @@
             <a:fld id="{ADC9AAA0-29FB-4B62-AB65-7094BA6E939A}" type="slidenum">
               <a:rPr lang="pl-PL" smtClean="0"/>
               <a:pPr/>
-              <a:t>6</a:t>
+              <a:t>8</a:t>
             </a:fld>
             <a:endParaRPr lang="pl-PL" dirty="0"/>
           </a:p>
@@ -10434,7 +12680,7 @@
 </p:sld>
 </file>
 
-<file path=ppt/slides/slide7.xml><?xml version="1.0" encoding="utf-8"?>
+<file path=ppt/slides/slide9.xml><?xml version="1.0" encoding="utf-8"?>
 <p:sld xmlns:a="http://schemas.openxmlformats.org/drawingml/2006/main" xmlns:r="http://schemas.openxmlformats.org/officeDocument/2006/relationships" xmlns:p="http://schemas.openxmlformats.org/presentationml/2006/main">
   <p:cSld>
     <p:spTree>
@@ -10473,9 +12719,10 @@
           <a:lstStyle/>
           <a:p>
             <a:r>
-              <a:rPr lang="en-GB" dirty="0"/>
-              <a:t>Research - questions</a:t>
-            </a:r>
+              <a:rPr lang="pl-PL" dirty="0"/>
+              <a:t>Pytania badawcze</a:t>
+            </a:r>
+            <a:endParaRPr lang="en-GB" dirty="0"/>
           </a:p>
         </p:txBody>
       </p:sp>
@@ -10497,50 +12744,82 @@
         </p:nvSpPr>
         <p:spPr/>
         <p:txBody>
-          <a:bodyPr/>
+          <a:bodyPr>
+            <a:normAutofit/>
+          </a:bodyPr>
           <a:lstStyle/>
           <a:p>
             <a:r>
+              <a:rPr lang="pl-PL" b="1" dirty="0"/>
+              <a:t>P</a:t>
+            </a:r>
+            <a:r>
               <a:rPr lang="en-GB" b="1" dirty="0"/>
-              <a:t>Q1</a:t>
+              <a:t>1</a:t>
             </a:r>
             <a:r>
               <a:rPr lang="en-GB" dirty="0"/>
               <a:t>: </a:t>
             </a:r>
             <a:r>
-              <a:rPr lang="en-GB" i="1" dirty="0"/>
-              <a:t>how different stakeholders perceive the aim </a:t>
+              <a:rPr lang="pl-PL" i="1" dirty="0"/>
+              <a:t>Jak różni interesariuszy postrzegają cel istnienia </a:t>
             </a:r>
             <a:br>
-              <a:rPr lang="en-GB" i="1" dirty="0"/>
+              <a:rPr lang="pl-PL" i="1" dirty="0"/>
             </a:br>
             <a:r>
-              <a:rPr lang="en-GB" i="1" dirty="0"/>
-              <a:t>of universities’ existence</a:t>
-            </a:r>
-          </a:p>
-          <a:p>
+              <a:rPr lang="pl-PL" i="1" dirty="0"/>
+              <a:t>uniwersytetów?</a:t>
+            </a:r>
+            <a:endParaRPr lang="en-GB" i="1" dirty="0"/>
+          </a:p>
+          <a:p>
+            <a:r>
+              <a:rPr lang="pl-PL" b="1" dirty="0"/>
+              <a:t>P</a:t>
+            </a:r>
             <a:r>
               <a:rPr lang="en-GB" b="1" dirty="0"/>
-              <a:t>Q2: </a:t>
-            </a:r>
-            <a:r>
-              <a:rPr lang="en-GB" i="1" dirty="0"/>
-              <a:t>how different stakeholders perceive the importance </a:t>
+              <a:t>2: </a:t>
+            </a:r>
+            <a:r>
+              <a:rPr lang="pl-PL" i="1" dirty="0"/>
+              <a:t>Jak różni interesariusze postrzegają znaczenie </a:t>
             </a:r>
             <a:br>
-              <a:rPr lang="en-GB" i="1" dirty="0"/>
+              <a:rPr lang="pl-PL" i="1" dirty="0"/>
             </a:br>
             <a:r>
-              <a:rPr lang="en-GB" i="1" dirty="0"/>
-              <a:t>of different stakeholders’ groups</a:t>
-            </a:r>
-          </a:p>
-          <a:p>
+              <a:rPr lang="pl-PL" i="1" dirty="0"/>
+              <a:t>różnych grup interesariuszy uniwersytetów?</a:t>
+            </a:r>
+            <a:endParaRPr lang="en-GB" i="1" dirty="0"/>
+          </a:p>
+          <a:p>
+            <a:r>
+              <a:rPr lang="pl-PL" dirty="0"/>
+              <a:t>Badanie jakościowe</a:t>
+            </a:r>
             <a:r>
               <a:rPr lang="en-GB" dirty="0"/>
-              <a:t>Qualitative research: 33 respondents of interviews from 8 chosen (</a:t>
+              <a:t>: 33 </a:t>
+            </a:r>
+            <a:r>
+              <a:rPr lang="pl-PL" dirty="0"/>
+              <a:t>respondentów z</a:t>
+            </a:r>
+            <a:r>
+              <a:rPr lang="en-GB" dirty="0"/>
+              <a:t> 8 </a:t>
+            </a:r>
+            <a:r>
+              <a:rPr lang="pl-PL" dirty="0"/>
+              <a:t>wybranych</a:t>
+            </a:r>
+            <a:r>
+              <a:rPr lang="en-GB" dirty="0"/>
+              <a:t> (</a:t>
             </a:r>
             <a:r>
               <a:rPr lang="en-GB" b="1" dirty="0"/>
@@ -10548,33 +12827,27 @@
             </a:r>
             <a:r>
               <a:rPr lang="en-GB" dirty="0"/>
-              <a:t>) groups of </a:t>
-            </a:r>
-            <a:r>
-              <a:rPr lang="en-GB" dirty="0" err="1"/>
-              <a:t>stak</a:t>
+              <a:t>) </a:t>
             </a:r>
             <a:r>
               <a:rPr lang="pl-PL" dirty="0"/>
-              <a:t>e</a:t>
-            </a:r>
-            <a:r>
-              <a:rPr lang="en-GB" dirty="0"/>
-              <a:t>holders</a:t>
-            </a:r>
-          </a:p>
-          <a:p>
-            <a:r>
-              <a:rPr lang="en-GB" dirty="0"/>
-              <a:t>Who is the most important</a:t>
+              <a:t>grup interesariuszy</a:t>
+            </a:r>
+            <a:endParaRPr lang="en-GB" dirty="0"/>
+          </a:p>
+          <a:p>
+            <a:r>
+              <a:rPr lang="pl-PL" dirty="0"/>
+              <a:t>Kto jest najistotniejszym</a:t>
             </a:r>
             <a:br>
-              <a:rPr lang="en-GB" dirty="0"/>
+              <a:rPr lang="pl-PL" dirty="0"/>
             </a:br>
             <a:r>
-              <a:rPr lang="en-GB" dirty="0"/>
-              <a:t>stakeholder?</a:t>
-            </a:r>
+              <a:rPr lang="pl-PL" dirty="0"/>
+              <a:t>interesariuszem?</a:t>
+            </a:r>
+            <a:endParaRPr lang="en-GB" dirty="0"/>
           </a:p>
         </p:txBody>
       </p:sp>
@@ -10593,7 +12866,7 @@
           <p:nvPr>
             <p:extLst>
               <p:ext uri="{D42A27DB-BD31-4B8C-83A1-F6EECF244321}">
-                <p14:modId xmlns:p14="http://schemas.microsoft.com/office/powerpoint/2010/main" val="1551994088"/>
+                <p14:modId xmlns:p14="http://schemas.microsoft.com/office/powerpoint/2010/main" val="1281740255"/>
               </p:ext>
             </p:extLst>
           </p:nvPr>
@@ -10624,16 +12897,8 @@
                     <a:lstStyle/>
                     <a:p>
                       <a:r>
-                        <a:rPr lang="pl-PL" sz="1200" dirty="0" err="1"/>
-                        <a:t>Stakeholders</a:t>
-                      </a:r>
-                      <a:r>
                         <a:rPr lang="pl-PL" sz="1200" dirty="0"/>
-                        <a:t> - </a:t>
-                      </a:r>
-                      <a:r>
-                        <a:rPr lang="pl-PL" sz="1200" dirty="0" err="1"/>
-                        <a:t>respondents</a:t>
+                        <a:t>Interesariusze - respondenci</a:t>
                       </a:r>
                       <a:endParaRPr lang="pl-PL" sz="1200" dirty="0">
                         <a:latin typeface="Calibri" panose="020F0502020204030204" pitchFamily="34" charset="0"/>
@@ -10656,8 +12921,8 @@
                     <a:lstStyle/>
                     <a:p>
                       <a:r>
-                        <a:rPr lang="en-US" sz="1200" dirty="0"/>
-                        <a:t>Students</a:t>
+                        <a:rPr lang="pl-PL" sz="1200" dirty="0"/>
+                        <a:t>Studenci</a:t>
                       </a:r>
                       <a:endParaRPr lang="pl-PL" sz="1200" dirty="0">
                         <a:latin typeface="Calibri" panose="020F0502020204030204" pitchFamily="34" charset="0"/>
@@ -10680,8 +12945,8 @@
                     <a:lstStyle/>
                     <a:p>
                       <a:r>
-                        <a:rPr lang="en-US" sz="1200" dirty="0"/>
-                        <a:t>Alumni</a:t>
+                        <a:rPr lang="pl-PL" sz="1200" dirty="0"/>
+                        <a:t>Absolwenci</a:t>
                       </a:r>
                       <a:endParaRPr lang="pl-PL" sz="1200" dirty="0">
                         <a:latin typeface="Calibri" panose="020F0502020204030204" pitchFamily="34" charset="0"/>
@@ -10704,8 +12969,8 @@
                     <a:lstStyle/>
                     <a:p>
                       <a:r>
-                        <a:rPr lang="en-US" sz="1200" dirty="0"/>
-                        <a:t>Parents (Guardians)</a:t>
+                        <a:rPr lang="pl-PL" sz="1200" dirty="0"/>
+                        <a:t>Rodzice (opiekunowie)</a:t>
                       </a:r>
                       <a:endParaRPr lang="pl-PL" sz="1200" dirty="0">
                         <a:latin typeface="Calibri" panose="020F0502020204030204" pitchFamily="34" charset="0"/>
@@ -10728,8 +12993,8 @@
                     <a:lstStyle/>
                     <a:p>
                       <a:r>
-                        <a:rPr lang="en-US" sz="1200" dirty="0"/>
-                        <a:t>Administrative Staff</a:t>
+                        <a:rPr lang="pl-PL" sz="1200" dirty="0"/>
+                        <a:t>Pracownicy administracyjni</a:t>
                       </a:r>
                       <a:endParaRPr lang="pl-PL" sz="1200" dirty="0">
                         <a:latin typeface="Calibri" panose="020F0502020204030204" pitchFamily="34" charset="0"/>
@@ -10752,12 +13017,24 @@
                     <a:lstStyle/>
                     <a:p>
                       <a:r>
+                        <a:rPr lang="pl-PL" sz="1200" dirty="0"/>
+                        <a:t>Pracownicy akademiccy</a:t>
+                      </a:r>
+                      <a:r>
                         <a:rPr lang="en-US" sz="1200" dirty="0"/>
-                        <a:t>Academic Staff (Researchers/Lecturers</a:t>
+                        <a:t> (</a:t>
                       </a:r>
                       <a:r>
                         <a:rPr lang="pl-PL" sz="1200" dirty="0"/>
-                        <a:t>)</a:t>
+                        <a:t>Badacze</a:t>
+                      </a:r>
+                      <a:r>
+                        <a:rPr lang="en-US" sz="1200" dirty="0"/>
+                        <a:t>/</a:t>
+                      </a:r>
+                      <a:r>
+                        <a:rPr lang="pl-PL" sz="1200" dirty="0"/>
+                        <a:t>Wykładowcy)</a:t>
                       </a:r>
                       <a:endParaRPr lang="pl-PL" sz="1200" dirty="0">
                         <a:latin typeface="Calibri" panose="020F0502020204030204" pitchFamily="34" charset="0"/>
@@ -10780,8 +13057,20 @@
                     <a:lstStyle/>
                     <a:p>
                       <a:r>
+                        <a:rPr lang="pl-PL" sz="1200" dirty="0"/>
+                        <a:t>Przedsiębiorcy</a:t>
+                      </a:r>
+                      <a:r>
                         <a:rPr lang="en-US" sz="1200" dirty="0"/>
-                        <a:t>Entrepreneurs (Employers)</a:t>
+                        <a:t> (</a:t>
+                      </a:r>
+                      <a:r>
+                        <a:rPr lang="pl-PL" sz="1200" dirty="0"/>
+                        <a:t>pracodawcy</a:t>
+                      </a:r>
+                      <a:r>
+                        <a:rPr lang="en-US" sz="1200" dirty="0"/>
+                        <a:t>)</a:t>
                       </a:r>
                       <a:endParaRPr lang="pl-PL" sz="1200" dirty="0">
                         <a:latin typeface="Calibri" panose="020F0502020204030204" pitchFamily="34" charset="0"/>
@@ -10804,8 +13093,8 @@
                     <a:lstStyle/>
                     <a:p>
                       <a:r>
-                        <a:rPr lang="en-US" sz="1200" dirty="0"/>
-                        <a:t>University Authorities</a:t>
+                        <a:rPr lang="pl-PL" sz="1200" dirty="0"/>
+                        <a:t>Władze uczelni</a:t>
                       </a:r>
                       <a:endParaRPr lang="pl-PL" sz="1200" dirty="0">
                         <a:latin typeface="Calibri" panose="020F0502020204030204" pitchFamily="34" charset="0"/>
@@ -10828,29 +13117,12 @@
                     <a:lstStyle/>
                     <a:p>
                       <a:r>
-                        <a:rPr lang="en-US" sz="1200" dirty="0"/>
-                        <a:t>Local </a:t>
+                        <a:rPr lang="pl-PL" sz="1200" dirty="0">
+                          <a:latin typeface="+mn-lt"/>
+                          <a:cs typeface="Calibri" panose="020F0502020204030204" pitchFamily="34" charset="0"/>
+                        </a:rPr>
+                        <a:t>Władze samorządowe</a:t>
                       </a:r>
-                      <a:r>
-                        <a:rPr lang="pl-PL" sz="1200" dirty="0"/>
-                        <a:t>&amp; </a:t>
-                      </a:r>
-                      <a:r>
-                        <a:rPr lang="en-US" sz="1200" dirty="0"/>
-                        <a:t>Government </a:t>
-                      </a:r>
-                      <a:r>
-                        <a:rPr lang="en-US" sz="1200" dirty="0" err="1"/>
-                        <a:t>Authoritie</a:t>
-                      </a:r>
-                      <a:r>
-                        <a:rPr lang="pl-PL" sz="1200" dirty="0"/>
-                        <a:t>s</a:t>
-                      </a:r>
-                      <a:endParaRPr lang="pl-PL" sz="1200" dirty="0">
-                        <a:latin typeface="Calibri" panose="020F0502020204030204" pitchFamily="34" charset="0"/>
-                        <a:cs typeface="Calibri" panose="020F0502020204030204" pitchFamily="34" charset="0"/>
-                      </a:endParaRPr>
                     </a:p>
                   </a:txBody>
                   <a:tcPr/>
@@ -10899,6 +13171,11 @@
           <a:prstGeom prst="rect">
             <a:avLst/>
           </a:prstGeom>
+          <a:ln w="28575">
+            <a:solidFill>
+              <a:srgbClr val="FF0000"/>
+            </a:solidFill>
+          </a:ln>
         </p:spPr>
       </p:pic>
       <p:sp>
@@ -10907,876 +13184,6 @@
             <a:extLst>
               <a:ext uri="{FF2B5EF4-FFF2-40B4-BE49-F238E27FC236}">
                 <a16:creationId xmlns:a16="http://schemas.microsoft.com/office/drawing/2014/main" id="{FFB6F134-6A41-FFAD-CF78-89AA66461608}"/>
-              </a:ext>
-            </a:extLst>
-          </p:cNvPr>
-          <p:cNvSpPr>
-            <a:spLocks noGrp="1"/>
-          </p:cNvSpPr>
-          <p:nvPr>
-            <p:ph type="sldNum" sz="quarter" idx="12"/>
-          </p:nvPr>
-        </p:nvSpPr>
-        <p:spPr/>
-        <p:txBody>
-          <a:bodyPr/>
-          <a:lstStyle/>
-          <a:p>
-            <a:fld id="{ADC9AAA0-29FB-4B62-AB65-7094BA6E939A}" type="slidenum">
-              <a:rPr lang="pl-PL" smtClean="0"/>
-              <a:pPr/>
-              <a:t>7</a:t>
-            </a:fld>
-            <a:endParaRPr lang="pl-PL" dirty="0"/>
-          </a:p>
-        </p:txBody>
-      </p:sp>
-    </p:spTree>
-    <p:extLst>
-      <p:ext uri="{BB962C8B-B14F-4D97-AF65-F5344CB8AC3E}">
-        <p14:creationId xmlns:p14="http://schemas.microsoft.com/office/powerpoint/2010/main" val="3473138671"/>
-      </p:ext>
-    </p:extLst>
-  </p:cSld>
-  <p:clrMapOvr>
-    <a:masterClrMapping/>
-  </p:clrMapOvr>
-</p:sld>
-</file>
-
-<file path=ppt/slides/slide8.xml><?xml version="1.0" encoding="utf-8"?>
-<p:sld xmlns:a="http://schemas.openxmlformats.org/drawingml/2006/main" xmlns:r="http://schemas.openxmlformats.org/officeDocument/2006/relationships" xmlns:p="http://schemas.openxmlformats.org/presentationml/2006/main">
-  <p:cSld>
-    <p:spTree>
-      <p:nvGrpSpPr>
-        <p:cNvPr id="1" name=""/>
-        <p:cNvGrpSpPr/>
-        <p:nvPr/>
-      </p:nvGrpSpPr>
-      <p:grpSpPr>
-        <a:xfrm>
-          <a:off x="0" y="0"/>
-          <a:ext cx="0" cy="0"/>
-          <a:chOff x="0" y="0"/>
-          <a:chExt cx="0" cy="0"/>
-        </a:xfrm>
-      </p:grpSpPr>
-      <p:sp>
-        <p:nvSpPr>
-          <p:cNvPr id="2" name="Tytuł 1">
-            <a:extLst>
-              <a:ext uri="{FF2B5EF4-FFF2-40B4-BE49-F238E27FC236}">
-                <a16:creationId xmlns:a16="http://schemas.microsoft.com/office/drawing/2014/main" id="{01EFD048-9FB8-37CA-8312-F051845A7BC3}"/>
-              </a:ext>
-            </a:extLst>
-          </p:cNvPr>
-          <p:cNvSpPr>
-            <a:spLocks noGrp="1"/>
-          </p:cNvSpPr>
-          <p:nvPr>
-            <p:ph type="title"/>
-          </p:nvPr>
-        </p:nvSpPr>
-        <p:spPr/>
-        <p:txBody>
-          <a:bodyPr/>
-          <a:lstStyle/>
-          <a:p>
-            <a:r>
-              <a:rPr lang="en-GB" dirty="0"/>
-              <a:t>Research – hypothesis</a:t>
-            </a:r>
-            <a:r>
-              <a:rPr lang="pl-PL" dirty="0"/>
-              <a:t> </a:t>
-            </a:r>
-            <a:r>
-              <a:rPr lang="pl-PL" dirty="0" err="1"/>
-              <a:t>verification</a:t>
-            </a:r>
-            <a:r>
-              <a:rPr lang="pl-PL" dirty="0"/>
-              <a:t> 1/2</a:t>
-            </a:r>
-            <a:endParaRPr lang="en-GB" dirty="0"/>
-          </a:p>
-        </p:txBody>
-      </p:sp>
-      <p:sp>
-        <p:nvSpPr>
-          <p:cNvPr id="3" name="Symbol zastępczy zawartości 2">
-            <a:extLst>
-              <a:ext uri="{FF2B5EF4-FFF2-40B4-BE49-F238E27FC236}">
-                <a16:creationId xmlns:a16="http://schemas.microsoft.com/office/drawing/2014/main" id="{EE4AD005-1970-BDE9-0A53-0944A39687D5}"/>
-              </a:ext>
-            </a:extLst>
-          </p:cNvPr>
-          <p:cNvSpPr>
-            <a:spLocks noGrp="1"/>
-          </p:cNvSpPr>
-          <p:nvPr>
-            <p:ph idx="1"/>
-          </p:nvPr>
-        </p:nvSpPr>
-        <p:spPr/>
-        <p:txBody>
-          <a:bodyPr>
-            <a:normAutofit/>
-          </a:bodyPr>
-          <a:lstStyle/>
-          <a:p>
-            <a:r>
-              <a:rPr lang="en-GB" sz="1800" b="1" dirty="0"/>
-              <a:t>H1</a:t>
-            </a:r>
-            <a:r>
-              <a:rPr lang="en-GB" sz="1800" dirty="0"/>
-              <a:t>: </a:t>
-            </a:r>
-            <a:r>
-              <a:rPr lang="en-GB" sz="1800" i="1" dirty="0"/>
-              <a:t>there is positive correlation between stakeholders’ satisfaction and other measures of quality of universities’ services </a:t>
-            </a:r>
-            <a:r>
-              <a:rPr lang="en-GB" sz="1800" b="1" i="1" dirty="0"/>
-              <a:t>→</a:t>
-            </a:r>
-            <a:r>
-              <a:rPr lang="en-GB" sz="1800" i="1" dirty="0"/>
-              <a:t> </a:t>
-            </a:r>
-            <a:r>
-              <a:rPr lang="en-GB" sz="1800" dirty="0"/>
-              <a:t>Not confirmed</a:t>
-            </a:r>
-          </a:p>
-          <a:p>
-            <a:r>
-              <a:rPr lang="en-GB" sz="1800" b="1" dirty="0"/>
-              <a:t>H2: </a:t>
-            </a:r>
-            <a:r>
-              <a:rPr lang="en-GB" sz="1800" i="1" dirty="0"/>
-              <a:t>there is a positive correlation between stakeholders’ satisfaction and graduates’ market performance index (earnings, employment – named </a:t>
-            </a:r>
-            <a:r>
-              <a:rPr lang="en-GB" sz="1800" b="1" i="1" dirty="0"/>
-              <a:t>IWRA</a:t>
-            </a:r>
-            <a:r>
-              <a:rPr lang="en-GB" sz="1800" i="1" dirty="0"/>
-              <a:t>) </a:t>
-            </a:r>
-            <a:r>
-              <a:rPr lang="en-GB" sz="1800" b="1" i="1" dirty="0"/>
-              <a:t>→</a:t>
-            </a:r>
-            <a:r>
-              <a:rPr lang="en-GB" sz="1800" i="1" dirty="0"/>
-              <a:t> </a:t>
-            </a:r>
-            <a:r>
-              <a:rPr lang="en-GB" sz="1800" dirty="0"/>
-              <a:t>Not confirmed</a:t>
-            </a:r>
-          </a:p>
-          <a:p>
-            <a:pPr lvl="1"/>
-            <a:r>
-              <a:rPr lang="en-GB" sz="1600" b="1" dirty="0"/>
-              <a:t>H2a</a:t>
-            </a:r>
-            <a:r>
-              <a:rPr lang="en-GB" sz="1600" i="1" dirty="0"/>
-              <a:t>: </a:t>
-            </a:r>
-            <a:r>
-              <a:rPr lang="en-GB" sz="1600" i="1" u="sng" dirty="0"/>
-              <a:t>Employment rate</a:t>
-            </a:r>
-            <a:r>
-              <a:rPr lang="en-GB" sz="1600" i="1" dirty="0"/>
-              <a:t> among university graduates </a:t>
-            </a:r>
-            <a:r>
-              <a:rPr lang="en-GB" sz="1600" i="1" u="sng" dirty="0"/>
-              <a:t>one year</a:t>
-            </a:r>
-            <a:r>
-              <a:rPr lang="en-GB" sz="1600" i="1" dirty="0"/>
-              <a:t> after graduation is positively correlated with satisfaction of universities’ services</a:t>
-            </a:r>
-            <a:r>
-              <a:rPr lang="en-GB" sz="1600" dirty="0"/>
-              <a:t> </a:t>
-            </a:r>
-            <a:r>
-              <a:rPr lang="en-GB" sz="1600" b="1" i="1" dirty="0"/>
-              <a:t>→</a:t>
-            </a:r>
-            <a:r>
-              <a:rPr lang="en-GB" sz="1600" i="1" dirty="0"/>
-              <a:t> </a:t>
-            </a:r>
-            <a:r>
-              <a:rPr lang="en-GB" sz="1600" dirty="0"/>
-              <a:t>Not confirmed</a:t>
-            </a:r>
-          </a:p>
-          <a:p>
-            <a:pPr lvl="1"/>
-            <a:r>
-              <a:rPr lang="en-GB" sz="1600" b="1" dirty="0"/>
-              <a:t>H2b</a:t>
-            </a:r>
-            <a:r>
-              <a:rPr lang="en-GB" sz="1600" i="1" dirty="0"/>
-              <a:t>: </a:t>
-            </a:r>
-            <a:r>
-              <a:rPr lang="en-GB" sz="1600" i="1" u="sng" dirty="0"/>
-              <a:t>Employment rate</a:t>
-            </a:r>
-            <a:r>
-              <a:rPr lang="en-GB" sz="1600" i="1" dirty="0"/>
-              <a:t> among university graduates </a:t>
-            </a:r>
-            <a:r>
-              <a:rPr lang="en-GB" sz="1600" i="1" u="sng" dirty="0"/>
-              <a:t>three years</a:t>
-            </a:r>
-            <a:r>
-              <a:rPr lang="en-GB" sz="1600" i="1" dirty="0"/>
-              <a:t> after graduation is positively correlated with satisfaction of universities’ services</a:t>
-            </a:r>
-            <a:r>
-              <a:rPr lang="en-GB" sz="1600" dirty="0"/>
-              <a:t> </a:t>
-            </a:r>
-            <a:r>
-              <a:rPr lang="en-GB" sz="1600" b="1" i="1" dirty="0"/>
-              <a:t>→</a:t>
-            </a:r>
-            <a:r>
-              <a:rPr lang="en-GB" sz="1600" dirty="0"/>
-              <a:t> Not confirmed</a:t>
-            </a:r>
-            <a:endParaRPr lang="pl-PL" sz="1600" dirty="0"/>
-          </a:p>
-          <a:p>
-            <a:pPr lvl="1"/>
-            <a:r>
-              <a:rPr lang="en-GB" sz="1600" b="1" dirty="0"/>
-              <a:t>H2</a:t>
-            </a:r>
-            <a:r>
-              <a:rPr lang="pl-PL" sz="1600" b="1" dirty="0"/>
-              <a:t>c</a:t>
-            </a:r>
-            <a:r>
-              <a:rPr lang="en-GB" sz="1600" i="1" dirty="0"/>
-              <a:t>: </a:t>
-            </a:r>
-            <a:r>
-              <a:rPr lang="en-US" sz="1600" i="1" dirty="0"/>
-              <a:t>Graduate </a:t>
-            </a:r>
-            <a:r>
-              <a:rPr lang="en-US" sz="1600" i="1" u="sng" dirty="0"/>
-              <a:t>salary</a:t>
-            </a:r>
-            <a:r>
-              <a:rPr lang="en-US" sz="1600" i="1" dirty="0"/>
-              <a:t> levels </a:t>
-            </a:r>
-            <a:r>
-              <a:rPr lang="en-US" sz="1600" i="1" u="sng" dirty="0"/>
-              <a:t>one year </a:t>
-            </a:r>
-            <a:r>
-              <a:rPr lang="en-US" sz="1600" i="1" dirty="0"/>
-              <a:t>after graduation are positively correlated with satisfaction with university services</a:t>
-            </a:r>
-            <a:r>
-              <a:rPr lang="en-GB" sz="1600" dirty="0"/>
-              <a:t> </a:t>
-            </a:r>
-            <a:r>
-              <a:rPr lang="en-GB" sz="1600" b="1" i="1" dirty="0"/>
-              <a:t>→</a:t>
-            </a:r>
-            <a:r>
-              <a:rPr lang="pl-PL" sz="1600" dirty="0"/>
-              <a:t> </a:t>
-            </a:r>
-            <a:r>
-              <a:rPr lang="en-GB" sz="1600" dirty="0"/>
-              <a:t>Not confirmed</a:t>
-            </a:r>
-            <a:endParaRPr lang="pl-PL" sz="1600" dirty="0"/>
-          </a:p>
-          <a:p>
-            <a:pPr lvl="1"/>
-            <a:r>
-              <a:rPr lang="en-GB" sz="1600" b="1" dirty="0"/>
-              <a:t>H2</a:t>
-            </a:r>
-            <a:r>
-              <a:rPr lang="pl-PL" sz="1600" b="1" dirty="0"/>
-              <a:t>d</a:t>
-            </a:r>
-            <a:r>
-              <a:rPr lang="en-GB" sz="1600" i="1" dirty="0"/>
-              <a:t>: </a:t>
-            </a:r>
-            <a:r>
-              <a:rPr lang="en-US" sz="1600" i="1" dirty="0"/>
-              <a:t>Graduate </a:t>
-            </a:r>
-            <a:r>
-              <a:rPr lang="en-US" sz="1600" i="1" u="sng" dirty="0"/>
-              <a:t>salary</a:t>
-            </a:r>
-            <a:r>
-              <a:rPr lang="en-US" sz="1600" i="1" dirty="0"/>
-              <a:t> levels </a:t>
-            </a:r>
-            <a:r>
-              <a:rPr lang="en-US" sz="1600" i="1" u="sng" dirty="0"/>
-              <a:t>three years </a:t>
-            </a:r>
-            <a:r>
-              <a:rPr lang="en-US" sz="1600" i="1" dirty="0"/>
-              <a:t>after graduation are positively correlated with satisfaction with university services</a:t>
-            </a:r>
-            <a:r>
-              <a:rPr lang="en-GB" sz="1600" dirty="0"/>
-              <a:t> </a:t>
-            </a:r>
-            <a:r>
-              <a:rPr lang="en-GB" sz="1600" b="1" i="1" dirty="0"/>
-              <a:t>→</a:t>
-            </a:r>
-            <a:r>
-              <a:rPr lang="pl-PL" sz="1600" dirty="0"/>
-              <a:t> </a:t>
-            </a:r>
-            <a:r>
-              <a:rPr lang="pl-PL" sz="1600" b="1" dirty="0"/>
-              <a:t>C</a:t>
-            </a:r>
-            <a:r>
-              <a:rPr lang="en-GB" sz="1600" b="1" dirty="0" err="1"/>
-              <a:t>onfirmed</a:t>
-            </a:r>
-            <a:endParaRPr lang="en-GB" sz="1600" b="1" dirty="0"/>
-          </a:p>
-          <a:p>
-            <a:endParaRPr lang="en-GB" dirty="0"/>
-          </a:p>
-        </p:txBody>
-      </p:sp>
-      <p:sp>
-        <p:nvSpPr>
-          <p:cNvPr id="4" name="Slide Number Placeholder 3">
-            <a:extLst>
-              <a:ext uri="{FF2B5EF4-FFF2-40B4-BE49-F238E27FC236}">
-                <a16:creationId xmlns:a16="http://schemas.microsoft.com/office/drawing/2014/main" id="{DB706B49-6F9B-ABED-D6D6-67D3575E89AC}"/>
-              </a:ext>
-            </a:extLst>
-          </p:cNvPr>
-          <p:cNvSpPr>
-            <a:spLocks noGrp="1"/>
-          </p:cNvSpPr>
-          <p:nvPr>
-            <p:ph type="sldNum" sz="quarter" idx="12"/>
-          </p:nvPr>
-        </p:nvSpPr>
-        <p:spPr/>
-        <p:txBody>
-          <a:bodyPr/>
-          <a:lstStyle/>
-          <a:p>
-            <a:fld id="{ADC9AAA0-29FB-4B62-AB65-7094BA6E939A}" type="slidenum">
-              <a:rPr lang="pl-PL" smtClean="0"/>
-              <a:pPr/>
-              <a:t>8</a:t>
-            </a:fld>
-            <a:endParaRPr lang="pl-PL" dirty="0"/>
-          </a:p>
-        </p:txBody>
-      </p:sp>
-    </p:spTree>
-    <p:extLst>
-      <p:ext uri="{BB962C8B-B14F-4D97-AF65-F5344CB8AC3E}">
-        <p14:creationId xmlns:p14="http://schemas.microsoft.com/office/powerpoint/2010/main" val="62556228"/>
-      </p:ext>
-    </p:extLst>
-  </p:cSld>
-  <p:clrMapOvr>
-    <a:masterClrMapping/>
-  </p:clrMapOvr>
-</p:sld>
-</file>
-
-<file path=ppt/slides/slide9.xml><?xml version="1.0" encoding="utf-8"?>
-<p:sld xmlns:a="http://schemas.openxmlformats.org/drawingml/2006/main" xmlns:r="http://schemas.openxmlformats.org/officeDocument/2006/relationships" xmlns:p="http://schemas.openxmlformats.org/presentationml/2006/main">
-  <p:cSld>
-    <p:spTree>
-      <p:nvGrpSpPr>
-        <p:cNvPr id="1" name=""/>
-        <p:cNvGrpSpPr/>
-        <p:nvPr/>
-      </p:nvGrpSpPr>
-      <p:grpSpPr>
-        <a:xfrm>
-          <a:off x="0" y="0"/>
-          <a:ext cx="0" cy="0"/>
-          <a:chOff x="0" y="0"/>
-          <a:chExt cx="0" cy="0"/>
-        </a:xfrm>
-      </p:grpSpPr>
-      <p:sp>
-        <p:nvSpPr>
-          <p:cNvPr id="2" name="Tytuł 1">
-            <a:extLst>
-              <a:ext uri="{FF2B5EF4-FFF2-40B4-BE49-F238E27FC236}">
-                <a16:creationId xmlns:a16="http://schemas.microsoft.com/office/drawing/2014/main" id="{01EFD048-9FB8-37CA-8312-F051845A7BC3}"/>
-              </a:ext>
-            </a:extLst>
-          </p:cNvPr>
-          <p:cNvSpPr>
-            <a:spLocks noGrp="1"/>
-          </p:cNvSpPr>
-          <p:nvPr>
-            <p:ph type="title"/>
-          </p:nvPr>
-        </p:nvSpPr>
-        <p:spPr/>
-        <p:txBody>
-          <a:bodyPr/>
-          <a:lstStyle/>
-          <a:p>
-            <a:r>
-              <a:rPr lang="en-GB" dirty="0"/>
-              <a:t>Research – hypothesis verification 2/2</a:t>
-            </a:r>
-          </a:p>
-        </p:txBody>
-      </p:sp>
-      <p:sp>
-        <p:nvSpPr>
-          <p:cNvPr id="3" name="Symbol zastępczy zawartości 2">
-            <a:extLst>
-              <a:ext uri="{FF2B5EF4-FFF2-40B4-BE49-F238E27FC236}">
-                <a16:creationId xmlns:a16="http://schemas.microsoft.com/office/drawing/2014/main" id="{EE4AD005-1970-BDE9-0A53-0944A39687D5}"/>
-              </a:ext>
-            </a:extLst>
-          </p:cNvPr>
-          <p:cNvSpPr>
-            <a:spLocks noGrp="1"/>
-          </p:cNvSpPr>
-          <p:nvPr>
-            <p:ph idx="1"/>
-          </p:nvPr>
-        </p:nvSpPr>
-        <p:spPr/>
-        <p:txBody>
-          <a:bodyPr>
-            <a:normAutofit fontScale="62500" lnSpcReduction="20000"/>
-          </a:bodyPr>
-          <a:lstStyle/>
-          <a:p>
-            <a:r>
-              <a:rPr lang="en-GB" sz="3200" b="1" dirty="0"/>
-              <a:t>H3</a:t>
-            </a:r>
-            <a:r>
-              <a:rPr lang="en-GB" sz="3200" dirty="0"/>
-              <a:t>: </a:t>
-            </a:r>
-            <a:r>
-              <a:rPr lang="en-GB" sz="3200" i="1" dirty="0"/>
-              <a:t>Graduates of </a:t>
-            </a:r>
-            <a:r>
-              <a:rPr lang="en-GB" sz="3200" i="1" u="sng" dirty="0"/>
-              <a:t>public technical universities </a:t>
-            </a:r>
-            <a:r>
-              <a:rPr lang="en-GB" sz="3200" i="1" dirty="0"/>
-              <a:t>are </a:t>
-            </a:r>
-            <a:r>
-              <a:rPr lang="en-GB" sz="3200" i="1" u="sng" dirty="0"/>
-              <a:t>more valued </a:t>
-            </a:r>
-            <a:r>
-              <a:rPr lang="en-GB" sz="3200" i="1" dirty="0"/>
-              <a:t>in the labour market than graduates of other universities (higher IWRA index values) </a:t>
-            </a:r>
-            <a:r>
-              <a:rPr lang="en-GB" sz="3200" b="1" i="1" dirty="0"/>
-              <a:t>→</a:t>
-            </a:r>
-            <a:r>
-              <a:rPr lang="en-GB" sz="3200" i="1" dirty="0"/>
-              <a:t> </a:t>
-            </a:r>
-            <a:r>
-              <a:rPr lang="en-GB" sz="3200" dirty="0"/>
-              <a:t>Not confirmed</a:t>
-            </a:r>
-          </a:p>
-          <a:p>
-            <a:pPr lvl="1"/>
-            <a:r>
-              <a:rPr lang="en-GB" sz="2600" b="1" dirty="0"/>
-              <a:t>H3a</a:t>
-            </a:r>
-            <a:r>
-              <a:rPr lang="en-GB" sz="2600" b="1" dirty="0">
-                <a:solidFill>
-                  <a:srgbClr val="FF0000"/>
-                </a:solidFill>
-              </a:rPr>
-              <a:t>’</a:t>
-            </a:r>
-            <a:r>
-              <a:rPr lang="en-GB" sz="2600" i="1" dirty="0"/>
-              <a:t>: </a:t>
-            </a:r>
-            <a:r>
-              <a:rPr lang="en-GB" sz="2600" i="1" u="sng" dirty="0"/>
-              <a:t>Employment rate</a:t>
-            </a:r>
-            <a:r>
-              <a:rPr lang="en-GB" sz="2600" i="1" dirty="0"/>
-              <a:t> among graduates of public </a:t>
-            </a:r>
-            <a:r>
-              <a:rPr lang="en-GB" sz="2600" i="1" u="sng" dirty="0"/>
-              <a:t>technical</a:t>
-            </a:r>
-            <a:r>
-              <a:rPr lang="en-GB" sz="2600" i="1" dirty="0"/>
-              <a:t> universities </a:t>
-            </a:r>
-            <a:r>
-              <a:rPr lang="en-GB" sz="2600" i="1" u="sng" dirty="0"/>
-              <a:t>one year </a:t>
-            </a:r>
-            <a:r>
-              <a:rPr lang="en-GB" sz="2600" i="1" dirty="0"/>
-              <a:t>after graduation is </a:t>
-            </a:r>
-            <a:r>
-              <a:rPr lang="en-GB" sz="2600" b="1" i="1" dirty="0">
-                <a:solidFill>
-                  <a:srgbClr val="FF0000"/>
-                </a:solidFill>
-              </a:rPr>
-              <a:t>lower</a:t>
-            </a:r>
-            <a:r>
-              <a:rPr lang="en-GB" sz="2600" i="1" dirty="0"/>
-              <a:t> than the employment rate of graduates from other universities </a:t>
-            </a:r>
-            <a:r>
-              <a:rPr lang="en-GB" sz="2600" b="1" i="1" dirty="0"/>
-              <a:t>→</a:t>
-            </a:r>
-            <a:r>
-              <a:rPr lang="en-GB" sz="2600" dirty="0"/>
-              <a:t> Not confirmed</a:t>
-            </a:r>
-          </a:p>
-          <a:p>
-            <a:pPr lvl="1"/>
-            <a:r>
-              <a:rPr lang="en-GB" sz="2600" b="1" dirty="0"/>
-              <a:t>H3b</a:t>
-            </a:r>
-            <a:r>
-              <a:rPr lang="en-GB" sz="2600" i="1" dirty="0"/>
-              <a:t>: </a:t>
-            </a:r>
-            <a:r>
-              <a:rPr lang="en-GB" sz="2600" i="1" u="sng" dirty="0"/>
-              <a:t>Employment rate</a:t>
-            </a:r>
-            <a:r>
-              <a:rPr lang="en-GB" sz="2600" i="1" dirty="0"/>
-              <a:t> among graduates of public </a:t>
-            </a:r>
-            <a:r>
-              <a:rPr lang="en-GB" sz="2600" i="1" u="sng" dirty="0"/>
-              <a:t>technical</a:t>
-            </a:r>
-            <a:r>
-              <a:rPr lang="en-GB" sz="2600" i="1" dirty="0"/>
-              <a:t> universities </a:t>
-            </a:r>
-            <a:r>
-              <a:rPr lang="en-GB" sz="2600" i="1" u="sng" dirty="0"/>
-              <a:t>three years</a:t>
-            </a:r>
-            <a:r>
-              <a:rPr lang="en-GB" sz="2600" i="1" dirty="0"/>
-              <a:t> after graduation is higher than for graduates from other universities </a:t>
-            </a:r>
-            <a:r>
-              <a:rPr lang="en-GB" sz="2600" b="1" i="1" dirty="0"/>
-              <a:t>→</a:t>
-            </a:r>
-            <a:r>
-              <a:rPr lang="en-GB" sz="2600" dirty="0"/>
-              <a:t> Not confirmed</a:t>
-            </a:r>
-          </a:p>
-          <a:p>
-            <a:pPr lvl="1"/>
-            <a:r>
-              <a:rPr lang="en-GB" sz="2600" b="1" dirty="0"/>
-              <a:t>H3c</a:t>
-            </a:r>
-            <a:r>
-              <a:rPr lang="en-GB" sz="2600" i="1" dirty="0"/>
-              <a:t>: Average </a:t>
-            </a:r>
-            <a:r>
-              <a:rPr lang="en-GB" sz="2600" i="1" u="sng" dirty="0"/>
-              <a:t>salaries</a:t>
-            </a:r>
-            <a:r>
-              <a:rPr lang="en-GB" sz="2600" i="1" dirty="0"/>
-              <a:t> of graduates of public </a:t>
-            </a:r>
-            <a:r>
-              <a:rPr lang="en-GB" sz="2600" i="1" u="sng" dirty="0"/>
-              <a:t>technical</a:t>
-            </a:r>
-            <a:r>
-              <a:rPr lang="en-GB" sz="2600" i="1" dirty="0"/>
-              <a:t> universities </a:t>
-            </a:r>
-            <a:r>
-              <a:rPr lang="en-GB" sz="2600" i="1" u="sng" dirty="0"/>
-              <a:t>one year</a:t>
-            </a:r>
-            <a:r>
-              <a:rPr lang="en-GB" sz="2600" i="1" dirty="0"/>
-              <a:t> after graduation are higher than for other universities </a:t>
-            </a:r>
-            <a:r>
-              <a:rPr lang="en-GB" sz="2600" b="1" i="1" dirty="0"/>
-              <a:t>→</a:t>
-            </a:r>
-            <a:r>
-              <a:rPr lang="en-GB" sz="2600" dirty="0"/>
-              <a:t> Not confirmed</a:t>
-            </a:r>
-          </a:p>
-          <a:p>
-            <a:pPr lvl="1"/>
-            <a:r>
-              <a:rPr lang="en-GB" sz="2600" b="1" dirty="0"/>
-              <a:t>H3d</a:t>
-            </a:r>
-            <a:r>
-              <a:rPr lang="en-GB" sz="2600" i="1" dirty="0"/>
-              <a:t>: Average </a:t>
-            </a:r>
-            <a:r>
-              <a:rPr lang="en-GB" sz="2600" i="1" u="sng" dirty="0"/>
-              <a:t>salaries</a:t>
-            </a:r>
-            <a:r>
-              <a:rPr lang="en-GB" sz="2600" i="1" dirty="0"/>
-              <a:t> of graduates of public </a:t>
-            </a:r>
-            <a:r>
-              <a:rPr lang="en-GB" sz="2600" i="1" u="sng" dirty="0"/>
-              <a:t>technical</a:t>
-            </a:r>
-            <a:r>
-              <a:rPr lang="en-GB" sz="2600" i="1" dirty="0"/>
-              <a:t> universities </a:t>
-            </a:r>
-            <a:r>
-              <a:rPr lang="en-GB" sz="2600" i="1" u="sng" dirty="0"/>
-              <a:t>three years</a:t>
-            </a:r>
-            <a:r>
-              <a:rPr lang="en-GB" sz="2600" i="1" dirty="0"/>
-              <a:t> after graduation are higher than for other universities </a:t>
-            </a:r>
-            <a:r>
-              <a:rPr lang="en-GB" sz="2600" b="1" i="1" dirty="0"/>
-              <a:t>→</a:t>
-            </a:r>
-            <a:r>
-              <a:rPr lang="en-GB" sz="2600" dirty="0"/>
-              <a:t> </a:t>
-            </a:r>
-            <a:r>
-              <a:rPr lang="en-GB" sz="2600" b="1" dirty="0"/>
-              <a:t>Confirmed</a:t>
-            </a:r>
-          </a:p>
-          <a:p>
-            <a:pPr lvl="1"/>
-            <a:r>
-              <a:rPr lang="en-GB" sz="2600" b="1" dirty="0"/>
-              <a:t>H3e</a:t>
-            </a:r>
-            <a:r>
-              <a:rPr lang="en-GB" sz="2600" i="1" dirty="0"/>
-              <a:t>: </a:t>
-            </a:r>
-            <a:r>
-              <a:rPr lang="en-GB" sz="2600" i="1" u="sng" dirty="0"/>
-              <a:t>IWRA indicator</a:t>
-            </a:r>
-            <a:r>
-              <a:rPr lang="en-GB" sz="2600" i="1" dirty="0"/>
-              <a:t> values, based on employment and salary data </a:t>
-            </a:r>
-            <a:r>
-              <a:rPr lang="en-GB" sz="2600" i="1" u="sng" dirty="0"/>
-              <a:t>one year</a:t>
-            </a:r>
-            <a:r>
-              <a:rPr lang="en-GB" sz="2600" i="1" dirty="0"/>
-              <a:t> after graduation, for </a:t>
-            </a:r>
-            <a:r>
-              <a:rPr lang="en-GB" sz="2600" i="1" u="sng" dirty="0"/>
-              <a:t>technical</a:t>
-            </a:r>
-            <a:r>
-              <a:rPr lang="en-GB" sz="2600" i="1" dirty="0"/>
-              <a:t> universities are higher than for other universities </a:t>
-            </a:r>
-            <a:r>
-              <a:rPr lang="en-GB" sz="2600" b="1" i="1" dirty="0"/>
-              <a:t>→</a:t>
-            </a:r>
-            <a:r>
-              <a:rPr lang="en-GB" sz="2600" dirty="0"/>
-              <a:t> Not confirmed</a:t>
-            </a:r>
-          </a:p>
-          <a:p>
-            <a:pPr lvl="1"/>
-            <a:r>
-              <a:rPr lang="en-GB" sz="2600" b="1" dirty="0"/>
-              <a:t>H3</a:t>
-            </a:r>
-            <a:r>
-              <a:rPr lang="pl-PL" sz="2600" b="1" dirty="0"/>
-              <a:t>f</a:t>
-            </a:r>
-            <a:r>
-              <a:rPr lang="en-GB" sz="2600" i="1" dirty="0"/>
-              <a:t>: </a:t>
-            </a:r>
-            <a:r>
-              <a:rPr lang="en-GB" sz="2600" i="1" u="sng" dirty="0"/>
-              <a:t>IWRA indicator</a:t>
-            </a:r>
-            <a:r>
-              <a:rPr lang="en-GB" sz="2600" i="1" dirty="0"/>
-              <a:t> values, based on employment and salary data </a:t>
-            </a:r>
-            <a:r>
-              <a:rPr lang="en-GB" sz="2600" i="1" u="sng" dirty="0"/>
-              <a:t>three years</a:t>
-            </a:r>
-            <a:r>
-              <a:rPr lang="en-GB" sz="2600" i="1" dirty="0"/>
-              <a:t> after graduation, for </a:t>
-            </a:r>
-            <a:r>
-              <a:rPr lang="en-GB" sz="2600" i="1" u="sng" dirty="0"/>
-              <a:t>technical</a:t>
-            </a:r>
-            <a:r>
-              <a:rPr lang="en-GB" sz="2600" i="1" dirty="0"/>
-              <a:t> universities are higher than for other universities </a:t>
-            </a:r>
-            <a:r>
-              <a:rPr lang="en-GB" sz="2600" b="1" i="1" dirty="0"/>
-              <a:t>→</a:t>
-            </a:r>
-            <a:r>
-              <a:rPr lang="en-GB" sz="2600" dirty="0"/>
-              <a:t> </a:t>
-            </a:r>
-            <a:r>
-              <a:rPr lang="en-GB" sz="2600" b="1" dirty="0"/>
-              <a:t>Confirmed</a:t>
-            </a:r>
-          </a:p>
-          <a:p>
-            <a:r>
-              <a:rPr lang="en-GB" sz="3200" b="1" dirty="0"/>
-              <a:t>H4:</a:t>
-            </a:r>
-            <a:r>
-              <a:rPr lang="en-GB" sz="3200" i="1" dirty="0"/>
-              <a:t> </a:t>
-            </a:r>
-            <a:r>
-              <a:rPr lang="en-GB" sz="3200" i="1" u="sng" dirty="0"/>
-              <a:t>IWRA</a:t>
-            </a:r>
-            <a:r>
-              <a:rPr lang="en-GB" sz="3200" i="1" dirty="0"/>
-              <a:t> results for Polish </a:t>
-            </a:r>
-            <a:r>
-              <a:rPr lang="en-GB" sz="3200" i="1" u="sng" dirty="0"/>
-              <a:t>public technical universities</a:t>
-            </a:r>
-            <a:r>
-              <a:rPr lang="en-GB" sz="3200" i="1" dirty="0"/>
-              <a:t> are positively correlated with the quality of university services measured by the </a:t>
-            </a:r>
-            <a:r>
-              <a:rPr lang="en-GB" sz="3200" i="1" u="sng" dirty="0" err="1"/>
-              <a:t>Perspektywy</a:t>
-            </a:r>
-            <a:r>
-              <a:rPr lang="en-GB" sz="3200" i="1" dirty="0"/>
-              <a:t> ranking</a:t>
-            </a:r>
-            <a:r>
-              <a:rPr lang="en-GB" sz="3200" dirty="0"/>
-              <a:t> </a:t>
-            </a:r>
-            <a:r>
-              <a:rPr lang="en-GB" sz="3200" b="1" i="1" dirty="0"/>
-              <a:t>→</a:t>
-            </a:r>
-            <a:r>
-              <a:rPr lang="en-GB" sz="3200" dirty="0"/>
-              <a:t> </a:t>
-            </a:r>
-            <a:r>
-              <a:rPr lang="en-GB" sz="3200" b="1" dirty="0"/>
-              <a:t>Confirmed</a:t>
-            </a:r>
-            <a:endParaRPr lang="en-GB" sz="3200" b="1" i="1" dirty="0"/>
-          </a:p>
-        </p:txBody>
-      </p:sp>
-      <p:sp>
-        <p:nvSpPr>
-          <p:cNvPr id="4" name="Slide Number Placeholder 3">
-            <a:extLst>
-              <a:ext uri="{FF2B5EF4-FFF2-40B4-BE49-F238E27FC236}">
-                <a16:creationId xmlns:a16="http://schemas.microsoft.com/office/drawing/2014/main" id="{A6DD0FC7-E803-7AEB-2E6D-23B8016AE1CE}"/>
               </a:ext>
             </a:extLst>
           </p:cNvPr>
@@ -11804,7 +13211,7 @@
     </p:spTree>
     <p:extLst>
       <p:ext uri="{BB962C8B-B14F-4D97-AF65-F5344CB8AC3E}">
-        <p14:creationId xmlns:p14="http://schemas.microsoft.com/office/powerpoint/2010/main" val="1001564616"/>
+        <p14:creationId xmlns:p14="http://schemas.microsoft.com/office/powerpoint/2010/main" val="3473138671"/>
       </p:ext>
     </p:extLst>
   </p:cSld>

--- a/Obrona_JPSZEFLER/SSI_forHEI_QMS_PL_v0.1.pptx
+++ b/Obrona_JPSZEFLER/SSI_forHEI_QMS_PL_v0.1.pptx
@@ -5,10 +5,10 @@
     <p:sldMasterId id="2147483660" r:id="rId1"/>
   </p:sldMasterIdLst>
   <p:notesMasterIdLst>
-    <p:notesMasterId r:id="rId21"/>
+    <p:notesMasterId r:id="rId22"/>
   </p:notesMasterIdLst>
   <p:handoutMasterIdLst>
-    <p:handoutMasterId r:id="rId22"/>
+    <p:handoutMasterId r:id="rId23"/>
   </p:handoutMasterIdLst>
   <p:sldIdLst>
     <p:sldId id="276" r:id="rId2"/>
@@ -22,14 +22,15 @@
     <p:sldId id="269" r:id="rId10"/>
     <p:sldId id="270" r:id="rId11"/>
     <p:sldId id="271" r:id="rId12"/>
-    <p:sldId id="272" r:id="rId13"/>
-    <p:sldId id="273" r:id="rId14"/>
-    <p:sldId id="259" r:id="rId15"/>
-    <p:sldId id="261" r:id="rId16"/>
-    <p:sldId id="260" r:id="rId17"/>
-    <p:sldId id="274" r:id="rId18"/>
-    <p:sldId id="266" r:id="rId19"/>
-    <p:sldId id="279" r:id="rId20"/>
+    <p:sldId id="282" r:id="rId13"/>
+    <p:sldId id="272" r:id="rId14"/>
+    <p:sldId id="273" r:id="rId15"/>
+    <p:sldId id="259" r:id="rId16"/>
+    <p:sldId id="261" r:id="rId17"/>
+    <p:sldId id="260" r:id="rId18"/>
+    <p:sldId id="274" r:id="rId19"/>
+    <p:sldId id="266" r:id="rId20"/>
+    <p:sldId id="279" r:id="rId21"/>
   </p:sldIdLst>
   <p:sldSz cx="12192000" cy="6858000"/>
   <p:notesSz cx="6858000" cy="9144000"/>
@@ -233,7 +234,7 @@
           <a:p>
             <a:fld id="{243069A2-C3F6-4081-B1AB-8D760EE424CE}" type="datetimeFigureOut">
               <a:rPr lang="pl-PL" smtClean="0"/>
-              <a:t>24.10.2024</a:t>
+              <a:t>26.11.2024</a:t>
             </a:fld>
             <a:endParaRPr lang="pl-PL"/>
           </a:p>
@@ -410,7 +411,7 @@
           <a:p>
             <a:fld id="{82C31221-F8E4-4014-8698-73F505210C60}" type="datetimeFigureOut">
               <a:rPr lang="pl-PL" smtClean="0"/>
-              <a:t>24.10.2024</a:t>
+              <a:t>26.11.2024</a:t>
             </a:fld>
             <a:endParaRPr lang="pl-PL"/>
           </a:p>
@@ -1892,7 +1893,7 @@
           <a:p>
             <a:fld id="{95B655DE-FF30-4D5D-A50E-CFE6AC1E1D06}" type="slidenum">
               <a:rPr lang="pl-PL" smtClean="0"/>
-              <a:t>13</a:t>
+              <a:t>14</a:t>
             </a:fld>
             <a:endParaRPr lang="pl-PL"/>
           </a:p>
@@ -2162,7 +2163,7 @@
           <a:p>
             <a:fld id="{95B655DE-FF30-4D5D-A50E-CFE6AC1E1D06}" type="slidenum">
               <a:rPr lang="pl-PL" smtClean="0"/>
-              <a:t>14</a:t>
+              <a:t>15</a:t>
             </a:fld>
             <a:endParaRPr lang="pl-PL"/>
           </a:p>
@@ -2258,7 +2259,7 @@
           <a:p>
             <a:fld id="{95B655DE-FF30-4D5D-A50E-CFE6AC1E1D06}" type="slidenum">
               <a:rPr lang="pl-PL" smtClean="0"/>
-              <a:t>15</a:t>
+              <a:t>16</a:t>
             </a:fld>
             <a:endParaRPr lang="pl-PL"/>
           </a:p>
@@ -2454,7 +2455,7 @@
           <a:p>
             <a:fld id="{F0EF8B8A-156A-435C-AD97-E523B40FBEC6}" type="datetime1">
               <a:rPr lang="pl-PL" smtClean="0"/>
-              <a:t>24.10.2024</a:t>
+              <a:t>26.11.2024</a:t>
             </a:fld>
             <a:endParaRPr lang="pl-PL" dirty="0"/>
           </a:p>
@@ -2705,7 +2706,7 @@
           <a:p>
             <a:fld id="{6D267998-9FE6-4DC5-B510-9D5DDF5DDD4E}" type="datetime1">
               <a:rPr lang="pl-PL" smtClean="0"/>
-              <a:t>24.10.2024</a:t>
+              <a:t>26.11.2024</a:t>
             </a:fld>
             <a:endParaRPr lang="pl-PL"/>
           </a:p>
@@ -2915,7 +2916,7 @@
           <a:p>
             <a:fld id="{0D4DDDB4-675E-47A0-B021-EDCA5866B50A}" type="datetime1">
               <a:rPr lang="pl-PL" smtClean="0"/>
-              <a:t>24.10.2024</a:t>
+              <a:t>26.11.2024</a:t>
             </a:fld>
             <a:endParaRPr lang="pl-PL"/>
           </a:p>
@@ -3266,7 +3267,7 @@
           <a:p>
             <a:fld id="{DA999596-79E2-47B9-BE05-8BA149DDBEB8}" type="datetime1">
               <a:rPr lang="pl-PL" smtClean="0"/>
-              <a:t>24.10.2024</a:t>
+              <a:t>26.11.2024</a:t>
             </a:fld>
             <a:endParaRPr lang="pl-PL" dirty="0"/>
           </a:p>
@@ -3562,7 +3563,7 @@
           <a:p>
             <a:fld id="{75B5E9CE-1D79-43DA-9F33-E75AC39DFDD8}" type="datetime1">
               <a:rPr lang="pl-PL" smtClean="0"/>
-              <a:t>24.10.2024</a:t>
+              <a:t>26.11.2024</a:t>
             </a:fld>
             <a:endParaRPr lang="pl-PL"/>
           </a:p>
@@ -3936,7 +3937,7 @@
           <a:p>
             <a:fld id="{7C3477A2-E204-4FE0-9357-9D746BEC6204}" type="datetime1">
               <a:rPr lang="pl-PL" smtClean="0"/>
-              <a:t>24.10.2024</a:t>
+              <a:t>26.11.2024</a:t>
             </a:fld>
             <a:endParaRPr lang="pl-PL" dirty="0"/>
           </a:p>
@@ -4438,7 +4439,7 @@
           <a:p>
             <a:fld id="{ABFFCD06-3475-4CDD-804B-4C2809B5A13A}" type="datetime1">
               <a:rPr lang="pl-PL" smtClean="0"/>
-              <a:t>24.10.2024</a:t>
+              <a:t>26.11.2024</a:t>
             </a:fld>
             <a:endParaRPr lang="pl-PL"/>
           </a:p>
@@ -4580,7 +4581,7 @@
           <a:p>
             <a:fld id="{D5BDAB46-48FF-4D68-9F01-A14A7B3B09A5}" type="datetime1">
               <a:rPr lang="pl-PL" smtClean="0"/>
-              <a:t>24.10.2024</a:t>
+              <a:t>26.11.2024</a:t>
             </a:fld>
             <a:endParaRPr lang="pl-PL"/>
           </a:p>
@@ -4693,7 +4694,7 @@
           <a:p>
             <a:fld id="{3723169C-5DAD-43A4-A9F4-0546DD4F92EF}" type="datetime1">
               <a:rPr lang="pl-PL" smtClean="0"/>
-              <a:t>24.10.2024</a:t>
+              <a:t>26.11.2024</a:t>
             </a:fld>
             <a:endParaRPr lang="pl-PL"/>
           </a:p>
@@ -5042,7 +5043,7 @@
           <a:p>
             <a:fld id="{84232DA5-5ACB-4357-B607-7FAA6ABE8D2E}" type="datetime1">
               <a:rPr lang="pl-PL" smtClean="0"/>
-              <a:t>24.10.2024</a:t>
+              <a:t>26.11.2024</a:t>
             </a:fld>
             <a:endParaRPr lang="pl-PL"/>
           </a:p>
@@ -5335,7 +5336,7 @@
           <a:p>
             <a:fld id="{D6D8E8D5-B667-465B-923C-8AE64D9B5C50}" type="datetime1">
               <a:rPr lang="pl-PL" smtClean="0"/>
-              <a:t>24.10.2024</a:t>
+              <a:t>26.11.2024</a:t>
             </a:fld>
             <a:endParaRPr lang="pl-PL"/>
           </a:p>
@@ -5578,7 +5579,7 @@
           <a:p>
             <a:fld id="{CF5EBC61-B65A-4F86-AC7A-820DD48DEEE0}" type="datetime1">
               <a:rPr lang="pl-PL" smtClean="0"/>
-              <a:t>24.10.2024</a:t>
+              <a:t>26.11.2024</a:t>
             </a:fld>
             <a:endParaRPr lang="pl-PL" dirty="0"/>
           </a:p>
@@ -6112,7 +6113,7 @@
           <a:p>
             <a:r>
               <a:rPr lang="pl-PL" dirty="0"/>
-              <a:t>Gdańsk, 12.12.2024</a:t>
+              <a:t>Gdańsk, 19.12.2024</a:t>
             </a:r>
           </a:p>
         </p:txBody>
@@ -6169,20 +6170,8 @@
           <a:lstStyle/>
           <a:p>
             <a:r>
-              <a:rPr lang="en-GB" dirty="0"/>
-              <a:t>Research – hypothesis</a:t>
-            </a:r>
-            <a:r>
               <a:rPr lang="pl-PL" dirty="0"/>
-              <a:t> </a:t>
-            </a:r>
-            <a:r>
-              <a:rPr lang="pl-PL" dirty="0" err="1"/>
-              <a:t>verification</a:t>
-            </a:r>
-            <a:r>
-              <a:rPr lang="pl-PL" dirty="0"/>
-              <a:t> 1/2</a:t>
+              <a:t>Weryfikacja hipotez – badania ilościowe</a:t>
             </a:r>
             <a:endParaRPr lang="en-GB" dirty="0"/>
           </a:p>
@@ -6204,7 +6193,12 @@
             <p:ph idx="1"/>
           </p:nvPr>
         </p:nvSpPr>
-        <p:spPr/>
+        <p:spPr>
+          <a:xfrm>
+            <a:off x="838200" y="1825625"/>
+            <a:ext cx="10677698" cy="1603375"/>
+          </a:xfrm>
+        </p:spPr>
         <p:txBody>
           <a:bodyPr>
             <a:normAutofit/>
@@ -6212,253 +6206,30 @@
           <a:lstStyle/>
           <a:p>
             <a:r>
-              <a:rPr lang="en-GB" sz="1800" b="1" dirty="0"/>
-              <a:t>H1</a:t>
-            </a:r>
-            <a:r>
-              <a:rPr lang="en-GB" sz="1800" dirty="0"/>
-              <a:t>: </a:t>
-            </a:r>
-            <a:r>
-              <a:rPr lang="en-GB" sz="1800" i="1" dirty="0"/>
-              <a:t>there is positive correlation between stakeholders’ satisfaction and other measures of quality of universities’ services </a:t>
-            </a:r>
-            <a:r>
-              <a:rPr lang="en-GB" sz="1800" b="1" i="1" dirty="0"/>
-              <a:t>→</a:t>
-            </a:r>
-            <a:r>
-              <a:rPr lang="en-GB" sz="1800" i="1" dirty="0"/>
-              <a:t> </a:t>
-            </a:r>
-            <a:r>
-              <a:rPr lang="en-GB" sz="1800" dirty="0"/>
-              <a:t>Not confirmed</a:t>
-            </a:r>
-          </a:p>
-          <a:p>
-            <a:r>
-              <a:rPr lang="en-GB" sz="1800" b="1" dirty="0"/>
-              <a:t>H2: </a:t>
-            </a:r>
-            <a:r>
-              <a:rPr lang="en-GB" sz="1800" i="1" dirty="0"/>
-              <a:t>there is a positive correlation between stakeholders’ satisfaction and graduates’ market performance index (earnings, employment – named </a:t>
-            </a:r>
-            <a:r>
-              <a:rPr lang="en-GB" sz="1800" b="1" i="1" dirty="0"/>
-              <a:t>IWRA</a:t>
-            </a:r>
-            <a:r>
-              <a:rPr lang="en-GB" sz="1800" i="1" dirty="0"/>
-              <a:t>) </a:t>
-            </a:r>
-            <a:r>
-              <a:rPr lang="en-GB" sz="1800" b="1" i="1" dirty="0"/>
-              <a:t>→</a:t>
-            </a:r>
-            <a:r>
-              <a:rPr lang="en-GB" sz="1800" i="1" dirty="0"/>
-              <a:t> </a:t>
-            </a:r>
-            <a:r>
-              <a:rPr lang="en-GB" sz="1800" dirty="0"/>
-              <a:t>Not confirmed</a:t>
+              <a:rPr lang="pl-PL" sz="2400" dirty="0"/>
+              <a:t>Badanie kwestionariuszowe wśród interesariuszy uczelni</a:t>
             </a:r>
           </a:p>
           <a:p>
             <a:pPr lvl="1"/>
             <a:r>
-              <a:rPr lang="en-GB" sz="1600" b="1" dirty="0"/>
-              <a:t>H2a</a:t>
-            </a:r>
-            <a:r>
-              <a:rPr lang="en-GB" sz="1600" i="1" dirty="0"/>
-              <a:t>: </a:t>
-            </a:r>
-            <a:r>
-              <a:rPr lang="en-GB" sz="1600" i="1" u="sng" dirty="0"/>
-              <a:t>Employment rate</a:t>
-            </a:r>
-            <a:r>
-              <a:rPr lang="en-GB" sz="1600" i="1" dirty="0"/>
-              <a:t> among university graduates </a:t>
-            </a:r>
-            <a:r>
-              <a:rPr lang="en-GB" sz="1600" i="1" u="sng" dirty="0"/>
-              <a:t>one year</a:t>
-            </a:r>
-            <a:r>
-              <a:rPr lang="en-GB" sz="1600" i="1" dirty="0"/>
-              <a:t> after graduation is positively correlated with satisfaction of universities’ services</a:t>
-            </a:r>
-            <a:r>
-              <a:rPr lang="en-GB" sz="1600" dirty="0"/>
-              <a:t> </a:t>
-            </a:r>
-            <a:r>
-              <a:rPr lang="en-GB" sz="1600" b="1" i="1" dirty="0"/>
-              <a:t>→</a:t>
-            </a:r>
-            <a:r>
-              <a:rPr lang="en-GB" sz="1600" i="1" dirty="0"/>
-              <a:t> </a:t>
-            </a:r>
-            <a:r>
-              <a:rPr lang="en-GB" sz="1600" dirty="0"/>
-              <a:t>Not confirmed</a:t>
+              <a:rPr lang="pl-PL" sz="2000" dirty="0"/>
+              <a:t>ankieta internetowa</a:t>
             </a:r>
           </a:p>
           <a:p>
             <a:pPr lvl="1"/>
             <a:r>
-              <a:rPr lang="en-GB" sz="1600" b="1" dirty="0"/>
-              <a:t>H2b</a:t>
-            </a:r>
-            <a:r>
-              <a:rPr lang="en-GB" sz="1600" i="1" dirty="0"/>
-              <a:t>: </a:t>
-            </a:r>
-            <a:r>
-              <a:rPr lang="en-GB" sz="1600" i="1" u="sng" dirty="0"/>
-              <a:t>Employment rate</a:t>
-            </a:r>
-            <a:r>
-              <a:rPr lang="en-GB" sz="1600" i="1" dirty="0"/>
-              <a:t> among university graduates </a:t>
-            </a:r>
-            <a:r>
-              <a:rPr lang="en-GB" sz="1600" i="1" u="sng" dirty="0"/>
-              <a:t>three years</a:t>
-            </a:r>
-            <a:r>
-              <a:rPr lang="en-GB" sz="1600" i="1" dirty="0"/>
-              <a:t> after graduation is positively correlated with satisfaction of universities’ services</a:t>
-            </a:r>
-            <a:r>
-              <a:rPr lang="en-GB" sz="1600" dirty="0"/>
-              <a:t> </a:t>
-            </a:r>
-            <a:r>
-              <a:rPr lang="en-GB" sz="1600" b="1" i="1" dirty="0"/>
-              <a:t>→</a:t>
-            </a:r>
-            <a:r>
-              <a:rPr lang="en-GB" sz="1600" dirty="0"/>
-              <a:t> Not confirmed</a:t>
-            </a:r>
-            <a:endParaRPr lang="pl-PL" sz="1600" dirty="0"/>
+              <a:rPr lang="pl-PL" sz="2000" dirty="0"/>
+              <a:t>metoda kuli śnieżnej do doboru próby (nielosowa)</a:t>
+            </a:r>
           </a:p>
           <a:p>
             <a:pPr lvl="1"/>
             <a:r>
-              <a:rPr lang="en-GB" sz="1600" b="1" dirty="0"/>
-              <a:t>H2</a:t>
-            </a:r>
-            <a:r>
-              <a:rPr lang="pl-PL" sz="1600" b="1" dirty="0"/>
-              <a:t>c</a:t>
-            </a:r>
-            <a:r>
-              <a:rPr lang="en-GB" sz="1600" i="1" dirty="0"/>
-              <a:t>: </a:t>
-            </a:r>
-            <a:r>
-              <a:rPr lang="en-US" sz="1600" i="1" dirty="0"/>
-              <a:t>Graduate </a:t>
-            </a:r>
-            <a:r>
-              <a:rPr lang="en-US" sz="1600" i="1" u="sng" dirty="0"/>
-              <a:t>salary</a:t>
-            </a:r>
-            <a:r>
-              <a:rPr lang="en-US" sz="1600" i="1" dirty="0"/>
-              <a:t> levels </a:t>
-            </a:r>
-            <a:r>
-              <a:rPr lang="en-US" sz="1600" i="1" u="sng" dirty="0"/>
-              <a:t>one year </a:t>
-            </a:r>
-            <a:r>
-              <a:rPr lang="en-US" sz="1600" i="1" dirty="0"/>
-              <a:t>after graduation are positively correlated with satisfaction with university services</a:t>
-            </a:r>
-            <a:r>
-              <a:rPr lang="en-GB" sz="1600" dirty="0"/>
-              <a:t> </a:t>
-            </a:r>
-            <a:r>
-              <a:rPr lang="en-GB" sz="1600" b="1" i="1" dirty="0"/>
-              <a:t>→</a:t>
-            </a:r>
-            <a:r>
-              <a:rPr lang="pl-PL" sz="1600" dirty="0"/>
-              <a:t> </a:t>
-            </a:r>
-            <a:r>
-              <a:rPr lang="en-GB" sz="1600" dirty="0"/>
-              <a:t>Not confirmed</a:t>
-            </a:r>
-            <a:endParaRPr lang="pl-PL" sz="1600" dirty="0"/>
-          </a:p>
-          <a:p>
-            <a:pPr lvl="1"/>
-            <a:r>
-              <a:rPr lang="en-GB" sz="1600" b="1" dirty="0"/>
-              <a:t>H2</a:t>
-            </a:r>
-            <a:r>
-              <a:rPr lang="pl-PL" sz="1600" b="1" dirty="0"/>
-              <a:t>d</a:t>
-            </a:r>
-            <a:r>
-              <a:rPr lang="en-GB" sz="1600" i="1" dirty="0"/>
-              <a:t>: </a:t>
-            </a:r>
-            <a:r>
-              <a:rPr lang="en-US" sz="1600" i="1" dirty="0"/>
-              <a:t>Graduate </a:t>
-            </a:r>
-            <a:r>
-              <a:rPr lang="en-US" sz="1600" i="1" u="sng" dirty="0"/>
-              <a:t>salary</a:t>
-            </a:r>
-            <a:r>
-              <a:rPr lang="en-US" sz="1600" i="1" dirty="0"/>
-              <a:t> levels </a:t>
-            </a:r>
-            <a:r>
-              <a:rPr lang="en-US" sz="1600" i="1" u="sng" dirty="0"/>
-              <a:t>three years </a:t>
-            </a:r>
-            <a:r>
-              <a:rPr lang="en-US" sz="1600" i="1" dirty="0"/>
-              <a:t>after graduation are positively correlated with satisfaction with university services</a:t>
-            </a:r>
-            <a:r>
-              <a:rPr lang="en-GB" sz="1600" dirty="0"/>
-              <a:t> </a:t>
-            </a:r>
-            <a:r>
-              <a:rPr lang="en-GB" sz="1600" b="1" i="1" dirty="0"/>
-              <a:t>→</a:t>
-            </a:r>
-            <a:r>
-              <a:rPr lang="pl-PL" sz="1600" dirty="0"/>
-              <a:t> </a:t>
-            </a:r>
-            <a:r>
-              <a:rPr lang="pl-PL" sz="1600" b="1" dirty="0"/>
-              <a:t>C</a:t>
-            </a:r>
-            <a:r>
-              <a:rPr lang="en-GB" sz="1600" b="1" dirty="0" err="1"/>
-              <a:t>onfirmed</a:t>
-            </a:r>
-            <a:endParaRPr lang="en-GB" sz="1600" b="1" dirty="0"/>
-          </a:p>
-          <a:p>
-            <a:endParaRPr lang="en-GB" dirty="0"/>
+              <a:rPr lang="pl-PL" sz="2000" dirty="0"/>
+              <a:t>absolwenci: N=120</a:t>
+            </a:r>
           </a:p>
         </p:txBody>
       </p:sp>
@@ -6492,6 +6263,431 @@
           </a:p>
         </p:txBody>
       </p:sp>
+      <p:graphicFrame>
+        <p:nvGraphicFramePr>
+          <p:cNvPr id="5" name="Table 4">
+            <a:extLst>
+              <a:ext uri="{FF2B5EF4-FFF2-40B4-BE49-F238E27FC236}">
+                <a16:creationId xmlns:a16="http://schemas.microsoft.com/office/drawing/2014/main" id="{891D8AB8-1354-7F41-E307-FF4517C6BCC1}"/>
+              </a:ext>
+            </a:extLst>
+          </p:cNvPr>
+          <p:cNvGraphicFramePr>
+            <a:graphicFrameLocks noGrp="1"/>
+          </p:cNvGraphicFramePr>
+          <p:nvPr>
+            <p:extLst>
+              <p:ext uri="{D42A27DB-BD31-4B8C-83A1-F6EECF244321}">
+                <p14:modId xmlns:p14="http://schemas.microsoft.com/office/powerpoint/2010/main" val="1687370745"/>
+              </p:ext>
+            </p:extLst>
+          </p:nvPr>
+        </p:nvGraphicFramePr>
+        <p:xfrm>
+          <a:off x="838200" y="3429000"/>
+          <a:ext cx="8244000" cy="3096000"/>
+        </p:xfrm>
+        <a:graphic>
+          <a:graphicData uri="http://schemas.openxmlformats.org/drawingml/2006/table">
+            <a:tbl>
+              <a:tblPr firstRow="1" bandRow="1">
+                <a:tableStyleId>{6E25E649-3F16-4E02-A733-19D2CDBF48F0}</a:tableStyleId>
+              </a:tblPr>
+              <a:tblGrid>
+                <a:gridCol w="7020000">
+                  <a:extLst>
+                    <a:ext uri="{9D8B030D-6E8A-4147-A177-3AD203B41FA5}">
+                      <a16:colId xmlns:a16="http://schemas.microsoft.com/office/drawing/2014/main" val="1544714985"/>
+                    </a:ext>
+                  </a:extLst>
+                </a:gridCol>
+                <a:gridCol w="1224000">
+                  <a:extLst>
+                    <a:ext uri="{9D8B030D-6E8A-4147-A177-3AD203B41FA5}">
+                      <a16:colId xmlns:a16="http://schemas.microsoft.com/office/drawing/2014/main" val="2045383070"/>
+                    </a:ext>
+                  </a:extLst>
+                </a:gridCol>
+              </a:tblGrid>
+              <a:tr h="468000">
+                <a:tc>
+                  <a:txBody>
+                    <a:bodyPr/>
+                    <a:lstStyle/>
+                    <a:p>
+                      <a:r>
+                        <a:rPr lang="pl-PL" sz="1800" b="1" u="none" strike="noStrike" baseline="0" dirty="0">
+                          <a:solidFill>
+                            <a:schemeClr val="bg1"/>
+                          </a:solidFill>
+                        </a:rPr>
+                        <a:t>Kategoria kwalifikacji odpowiedzi </a:t>
+                      </a:r>
+                      <a:endParaRPr lang="pl-PL" dirty="0">
+                        <a:solidFill>
+                          <a:schemeClr val="bg1"/>
+                        </a:solidFill>
+                      </a:endParaRPr>
+                    </a:p>
+                  </a:txBody>
+                  <a:tcPr anchor="ctr">
+                    <a:solidFill>
+                      <a:srgbClr val="003767"/>
+                    </a:solidFill>
+                  </a:tcPr>
+                </a:tc>
+                <a:tc>
+                  <a:txBody>
+                    <a:bodyPr/>
+                    <a:lstStyle/>
+                    <a:p>
+                      <a:pPr algn="ctr"/>
+                      <a:r>
+                        <a:rPr lang="pl-PL" sz="1800" b="1" u="none" strike="noStrike" baseline="0" dirty="0">
+                          <a:solidFill>
+                            <a:schemeClr val="bg1"/>
+                          </a:solidFill>
+                        </a:rPr>
+                        <a:t>Wartość</a:t>
+                      </a:r>
+                      <a:endParaRPr lang="pl-PL" dirty="0">
+                        <a:solidFill>
+                          <a:schemeClr val="bg1"/>
+                        </a:solidFill>
+                      </a:endParaRPr>
+                    </a:p>
+                  </a:txBody>
+                  <a:tcPr anchor="ctr">
+                    <a:solidFill>
+                      <a:srgbClr val="003767"/>
+                    </a:solidFill>
+                  </a:tcPr>
+                </a:tc>
+                <a:extLst>
+                  <a:ext uri="{0D108BD9-81ED-4DB2-BD59-A6C34878D82A}">
+                    <a16:rowId xmlns:a16="http://schemas.microsoft.com/office/drawing/2014/main" val="1520062032"/>
+                  </a:ext>
+                </a:extLst>
+              </a:tr>
+              <a:tr h="396000">
+                <a:tc>
+                  <a:txBody>
+                    <a:bodyPr/>
+                    <a:lstStyle/>
+                    <a:p>
+                      <a:r>
+                        <a:rPr lang="pl-PL" sz="1800" b="0" u="none" strike="noStrike" baseline="0" dirty="0">
+                          <a:solidFill>
+                            <a:srgbClr val="000000"/>
+                          </a:solidFill>
+                        </a:rPr>
+                        <a:t>Liczba rozpoczętych ankiet </a:t>
+                      </a:r>
+                      <a:endParaRPr lang="pl-PL" dirty="0"/>
+                    </a:p>
+                  </a:txBody>
+                  <a:tcPr/>
+                </a:tc>
+                <a:tc>
+                  <a:txBody>
+                    <a:bodyPr/>
+                    <a:lstStyle/>
+                    <a:p>
+                      <a:pPr algn="ctr"/>
+                      <a:r>
+                        <a:rPr lang="pl-PL" sz="1800" b="0" u="none" strike="noStrike" baseline="0" dirty="0">
+                          <a:solidFill>
+                            <a:srgbClr val="000000"/>
+                          </a:solidFill>
+                        </a:rPr>
+                        <a:t>259</a:t>
+                      </a:r>
+                      <a:endParaRPr lang="pl-PL" dirty="0"/>
+                    </a:p>
+                  </a:txBody>
+                  <a:tcPr anchor="ctr"/>
+                </a:tc>
+                <a:extLst>
+                  <a:ext uri="{0D108BD9-81ED-4DB2-BD59-A6C34878D82A}">
+                    <a16:rowId xmlns:a16="http://schemas.microsoft.com/office/drawing/2014/main" val="151821006"/>
+                  </a:ext>
+                </a:extLst>
+              </a:tr>
+              <a:tr h="396000">
+                <a:tc>
+                  <a:txBody>
+                    <a:bodyPr/>
+                    <a:lstStyle/>
+                    <a:p>
+                      <a:r>
+                        <a:rPr lang="pl-PL" sz="1800" b="0" u="none" strike="noStrike" baseline="0" dirty="0">
+                          <a:solidFill>
+                            <a:srgbClr val="000000"/>
+                          </a:solidFill>
+                        </a:rPr>
+                        <a:t>Liczba zakończonych ankiet </a:t>
+                      </a:r>
+                      <a:endParaRPr lang="pl-PL" dirty="0"/>
+                    </a:p>
+                  </a:txBody>
+                  <a:tcPr/>
+                </a:tc>
+                <a:tc>
+                  <a:txBody>
+                    <a:bodyPr/>
+                    <a:lstStyle/>
+                    <a:p>
+                      <a:pPr algn="ctr"/>
+                      <a:r>
+                        <a:rPr lang="pl-PL" sz="1800" b="0" u="none" strike="noStrike" baseline="0" dirty="0">
+                          <a:solidFill>
+                            <a:srgbClr val="000000"/>
+                          </a:solidFill>
+                        </a:rPr>
+                        <a:t>138</a:t>
+                      </a:r>
+                      <a:endParaRPr lang="pl-PL" dirty="0"/>
+                    </a:p>
+                  </a:txBody>
+                  <a:tcPr anchor="ctr"/>
+                </a:tc>
+                <a:extLst>
+                  <a:ext uri="{0D108BD9-81ED-4DB2-BD59-A6C34878D82A}">
+                    <a16:rowId xmlns:a16="http://schemas.microsoft.com/office/drawing/2014/main" val="1831117995"/>
+                  </a:ext>
+                </a:extLst>
+              </a:tr>
+              <a:tr h="396000">
+                <a:tc>
+                  <a:txBody>
+                    <a:bodyPr/>
+                    <a:lstStyle/>
+                    <a:p>
+                      <a:r>
+                        <a:rPr lang="pl-PL" sz="1800" b="0" u="none" strike="noStrike" baseline="0" dirty="0">
+                          <a:solidFill>
+                            <a:srgbClr val="000000"/>
+                          </a:solidFill>
+                        </a:rPr>
+                        <a:t>Proporcja liczby ankiet zakończonych do liczby ankiet rozpoczętych</a:t>
+                      </a:r>
+                      <a:endParaRPr lang="pl-PL" dirty="0"/>
+                    </a:p>
+                  </a:txBody>
+                  <a:tcPr/>
+                </a:tc>
+                <a:tc>
+                  <a:txBody>
+                    <a:bodyPr/>
+                    <a:lstStyle/>
+                    <a:p>
+                      <a:pPr algn="ctr"/>
+                      <a:r>
+                        <a:rPr lang="pl-PL" sz="1800" b="0" u="none" strike="noStrike" baseline="0" dirty="0">
+                          <a:solidFill>
+                            <a:srgbClr val="000000"/>
+                          </a:solidFill>
+                        </a:rPr>
+                        <a:t>53,28%</a:t>
+                      </a:r>
+                      <a:endParaRPr lang="pl-PL" dirty="0"/>
+                    </a:p>
+                  </a:txBody>
+                  <a:tcPr anchor="ctr"/>
+                </a:tc>
+                <a:extLst>
+                  <a:ext uri="{0D108BD9-81ED-4DB2-BD59-A6C34878D82A}">
+                    <a16:rowId xmlns:a16="http://schemas.microsoft.com/office/drawing/2014/main" val="2469376698"/>
+                  </a:ext>
+                </a:extLst>
+              </a:tr>
+              <a:tr h="396000">
+                <a:tc>
+                  <a:txBody>
+                    <a:bodyPr/>
+                    <a:lstStyle/>
+                    <a:p>
+                      <a:r>
+                        <a:rPr lang="pl-PL" sz="1800" b="0" u="none" strike="noStrike" baseline="0" dirty="0">
+                          <a:solidFill>
+                            <a:srgbClr val="000000"/>
+                          </a:solidFill>
+                        </a:rPr>
+                        <a:t>Liczba respondentów ankiet rozpoczętych</a:t>
+                      </a:r>
+                      <a:endParaRPr lang="pl-PL" dirty="0"/>
+                    </a:p>
+                  </a:txBody>
+                  <a:tcPr/>
+                </a:tc>
+                <a:tc>
+                  <a:txBody>
+                    <a:bodyPr/>
+                    <a:lstStyle/>
+                    <a:p>
+                      <a:pPr algn="ctr"/>
+                      <a:r>
+                        <a:rPr lang="pl-PL" sz="1800" b="0" u="none" strike="noStrike" baseline="0" dirty="0">
+                          <a:solidFill>
+                            <a:srgbClr val="000000"/>
+                          </a:solidFill>
+                        </a:rPr>
+                        <a:t>249</a:t>
+                      </a:r>
+                      <a:endParaRPr lang="pl-PL" dirty="0"/>
+                    </a:p>
+                  </a:txBody>
+                  <a:tcPr anchor="ctr"/>
+                </a:tc>
+                <a:extLst>
+                  <a:ext uri="{0D108BD9-81ED-4DB2-BD59-A6C34878D82A}">
+                    <a16:rowId xmlns:a16="http://schemas.microsoft.com/office/drawing/2014/main" val="3721248589"/>
+                  </a:ext>
+                </a:extLst>
+              </a:tr>
+              <a:tr h="396000">
+                <a:tc>
+                  <a:txBody>
+                    <a:bodyPr/>
+                    <a:lstStyle/>
+                    <a:p>
+                      <a:r>
+                        <a:rPr lang="pl-PL" sz="1800" b="0" u="none" strike="noStrike" baseline="0" dirty="0">
+                          <a:solidFill>
+                            <a:srgbClr val="000000"/>
+                          </a:solidFill>
+                        </a:rPr>
+                        <a:t>Liczba respondentów ankiet zakończonych</a:t>
+                      </a:r>
+                      <a:endParaRPr lang="pl-PL" dirty="0"/>
+                    </a:p>
+                  </a:txBody>
+                  <a:tcPr/>
+                </a:tc>
+                <a:tc>
+                  <a:txBody>
+                    <a:bodyPr/>
+                    <a:lstStyle/>
+                    <a:p>
+                      <a:pPr algn="ctr"/>
+                      <a:r>
+                        <a:rPr lang="pl-PL" sz="1800" b="0" u="none" strike="noStrike" baseline="0" dirty="0">
+                          <a:solidFill>
+                            <a:srgbClr val="000000"/>
+                          </a:solidFill>
+                        </a:rPr>
+                        <a:t>133</a:t>
+                      </a:r>
+                      <a:endParaRPr lang="pl-PL" dirty="0"/>
+                    </a:p>
+                  </a:txBody>
+                  <a:tcPr anchor="ctr"/>
+                </a:tc>
+                <a:extLst>
+                  <a:ext uri="{0D108BD9-81ED-4DB2-BD59-A6C34878D82A}">
+                    <a16:rowId xmlns:a16="http://schemas.microsoft.com/office/drawing/2014/main" val="1978532239"/>
+                  </a:ext>
+                </a:extLst>
+              </a:tr>
+              <a:tr h="648000">
+                <a:tc>
+                  <a:txBody>
+                    <a:bodyPr/>
+                    <a:lstStyle/>
+                    <a:p>
+                      <a:r>
+                        <a:rPr lang="pl-PL" sz="1800" b="0" u="none" strike="noStrike" baseline="0" dirty="0">
+                          <a:solidFill>
+                            <a:srgbClr val="000000"/>
+                          </a:solidFill>
+                        </a:rPr>
+                        <a:t>Proporcja liczby respondentów ankiet zakończonych do liczby </a:t>
+                      </a:r>
+                      <a:br>
+                        <a:rPr lang="pl-PL" sz="1800" b="0" u="none" strike="noStrike" baseline="0" dirty="0">
+                          <a:solidFill>
+                            <a:srgbClr val="000000"/>
+                          </a:solidFill>
+                        </a:rPr>
+                      </a:br>
+                      <a:r>
+                        <a:rPr lang="pl-PL" sz="1800" b="0" u="none" strike="noStrike" baseline="0" dirty="0">
+                          <a:solidFill>
+                            <a:srgbClr val="000000"/>
+                          </a:solidFill>
+                        </a:rPr>
+                        <a:t>respondentów ankiet rozpoczętych</a:t>
+                      </a:r>
+                      <a:endParaRPr lang="pl-PL" dirty="0"/>
+                    </a:p>
+                  </a:txBody>
+                  <a:tcPr/>
+                </a:tc>
+                <a:tc>
+                  <a:txBody>
+                    <a:bodyPr/>
+                    <a:lstStyle/>
+                    <a:p>
+                      <a:pPr algn="ctr"/>
+                      <a:r>
+                        <a:rPr lang="pl-PL" sz="1800" b="0" u="none" strike="noStrike" baseline="0" dirty="0">
+                          <a:solidFill>
+                            <a:srgbClr val="000000"/>
+                          </a:solidFill>
+                        </a:rPr>
+                        <a:t>53,41%</a:t>
+                      </a:r>
+                      <a:endParaRPr lang="pl-PL" dirty="0"/>
+                    </a:p>
+                  </a:txBody>
+                  <a:tcPr anchor="ctr"/>
+                </a:tc>
+                <a:extLst>
+                  <a:ext uri="{0D108BD9-81ED-4DB2-BD59-A6C34878D82A}">
+                    <a16:rowId xmlns:a16="http://schemas.microsoft.com/office/drawing/2014/main" val="334596088"/>
+                  </a:ext>
+                </a:extLst>
+              </a:tr>
+            </a:tbl>
+          </a:graphicData>
+        </a:graphic>
+      </p:graphicFrame>
+      <p:pic>
+        <p:nvPicPr>
+          <p:cNvPr id="9" name="Picture 8">
+            <a:extLst>
+              <a:ext uri="{FF2B5EF4-FFF2-40B4-BE49-F238E27FC236}">
+                <a16:creationId xmlns:a16="http://schemas.microsoft.com/office/drawing/2014/main" id="{91C8079D-DB9D-D94E-5A01-2133DE881EBD}"/>
+              </a:ext>
+            </a:extLst>
+          </p:cNvPr>
+          <p:cNvPicPr>
+            <a:picLocks noChangeAspect="1"/>
+          </p:cNvPicPr>
+          <p:nvPr/>
+        </p:nvPicPr>
+        <p:blipFill>
+          <a:blip r:embed="rId2">
+            <a:extLst>
+              <a:ext uri="{28A0092B-C50C-407E-A947-70E740481C1C}">
+                <a14:useLocalDpi xmlns:a14="http://schemas.microsoft.com/office/drawing/2010/main" val="0"/>
+              </a:ext>
+            </a:extLst>
+          </a:blip>
+          <a:stretch>
+            <a:fillRect/>
+          </a:stretch>
+        </p:blipFill>
+        <p:spPr>
+          <a:xfrm>
+            <a:off x="9671019" y="1433693"/>
+            <a:ext cx="2520981" cy="1720669"/>
+          </a:xfrm>
+          <a:prstGeom prst="rect">
+            <a:avLst/>
+          </a:prstGeom>
+        </p:spPr>
+      </p:pic>
     </p:spTree>
     <p:extLst>
       <p:ext uri="{BB962C8B-B14F-4D97-AF65-F5344CB8AC3E}">
@@ -6544,8 +6740,20 @@
           <a:lstStyle/>
           <a:p>
             <a:r>
+              <a:rPr lang="pl-PL" dirty="0"/>
+              <a:t>Weryfikacja hipotez</a:t>
+            </a:r>
+            <a:r>
               <a:rPr lang="en-GB" dirty="0"/>
-              <a:t>Research – hypothesis verification 2/2</a:t>
+              <a:t> </a:t>
+            </a:r>
+            <a:r>
+              <a:rPr lang="pl-PL" dirty="0"/>
+              <a:t>1</a:t>
+            </a:r>
+            <a:r>
+              <a:rPr lang="en-GB" dirty="0"/>
+              <a:t>/2</a:t>
             </a:r>
           </a:p>
         </p:txBody>
@@ -6569,59 +6777,321 @@
         <p:spPr/>
         <p:txBody>
           <a:bodyPr>
-            <a:normAutofit fontScale="62500" lnSpcReduction="20000"/>
+            <a:normAutofit fontScale="92500" lnSpcReduction="20000"/>
           </a:bodyPr>
           <a:lstStyle/>
           <a:p>
             <a:r>
-              <a:rPr lang="en-GB" sz="3200" b="1" dirty="0"/>
+              <a:rPr lang="en-GB" sz="1900" b="1" dirty="0"/>
+              <a:t>H1</a:t>
+            </a:r>
+            <a:r>
+              <a:rPr lang="en-GB" sz="1900" dirty="0"/>
+              <a:t>: </a:t>
+            </a:r>
+            <a:r>
+              <a:rPr lang="pl-PL" sz="1900" i="1" dirty="0"/>
+              <a:t>Wyniki pomiaru satysfakcji interesariuszy są pozytywnie skorelowane z innymi wynikami jakości usług uczelni</a:t>
+            </a:r>
+            <a:r>
+              <a:rPr lang="en-GB" sz="1900" i="1" dirty="0"/>
+              <a:t> </a:t>
+            </a:r>
+            <a:r>
+              <a:rPr lang="en-GB" sz="1900" b="1" i="1" dirty="0"/>
+              <a:t>→</a:t>
+            </a:r>
+            <a:r>
+              <a:rPr lang="en-GB" sz="1900" i="1" dirty="0"/>
+              <a:t> </a:t>
+            </a:r>
+            <a:r>
+              <a:rPr lang="pl-PL" sz="1900" dirty="0"/>
+              <a:t>Nie potwierdzona</a:t>
+            </a:r>
+            <a:endParaRPr lang="en-GB" sz="1900" dirty="0"/>
+          </a:p>
+          <a:p>
+            <a:r>
+              <a:rPr lang="en-GB" sz="1900" b="1" dirty="0"/>
+              <a:t>H2: </a:t>
+            </a:r>
+            <a:r>
+              <a:rPr lang="pl-PL" sz="1900" i="1" dirty="0"/>
+              <a:t>Wyniki pomiaru satysfakcji interesariuszy są pozytywnie skorelowane z wartościami Indeksu Wyceny Rynkowej Absolwenta</a:t>
+            </a:r>
+            <a:r>
+              <a:rPr lang="en-GB" sz="1900" i="1" dirty="0"/>
+              <a:t> </a:t>
+            </a:r>
+            <a:r>
+              <a:rPr lang="en-GB" sz="1900" b="1" i="1" dirty="0"/>
+              <a:t>→</a:t>
+            </a:r>
+            <a:r>
+              <a:rPr lang="en-GB" sz="1900" i="1" dirty="0"/>
+              <a:t> </a:t>
+            </a:r>
+            <a:r>
+              <a:rPr lang="pl-PL" sz="1900" dirty="0"/>
+              <a:t>Nie potwierdzona</a:t>
+            </a:r>
+            <a:endParaRPr lang="en-GB" sz="1900" dirty="0"/>
+          </a:p>
+          <a:p>
+            <a:pPr lvl="1"/>
+            <a:r>
+              <a:rPr lang="en-GB" sz="1600" b="1" dirty="0"/>
+              <a:t>H2a</a:t>
+            </a:r>
+            <a:r>
+              <a:rPr lang="en-GB" sz="1600" i="1" dirty="0"/>
+              <a:t>: </a:t>
+            </a:r>
+            <a:r>
+              <a:rPr lang="pl-PL" sz="1600" i="1" u="sng" dirty="0"/>
+              <a:t>Stopa zatrudnienia</a:t>
+            </a:r>
+            <a:r>
+              <a:rPr lang="pl-PL" sz="1600" i="1" dirty="0"/>
+              <a:t> wśród absolwentów uczelni </a:t>
+            </a:r>
+            <a:r>
+              <a:rPr lang="pl-PL" sz="1600" i="1" u="sng" dirty="0"/>
+              <a:t>po roku</a:t>
+            </a:r>
+            <a:r>
+              <a:rPr lang="pl-PL" sz="1600" i="1" dirty="0"/>
+              <a:t> od uzyskania dyplomu jest pozytywnie skorelowana z wartościami satysfakcji z usług uczelni</a:t>
+            </a:r>
+            <a:r>
+              <a:rPr lang="en-GB" sz="1600" dirty="0"/>
+              <a:t> </a:t>
+            </a:r>
+            <a:r>
+              <a:rPr lang="en-GB" sz="1600" b="1" i="1" dirty="0"/>
+              <a:t>→</a:t>
+            </a:r>
+            <a:r>
+              <a:rPr lang="en-GB" sz="1600" i="1" dirty="0"/>
+              <a:t> </a:t>
+            </a:r>
+            <a:r>
+              <a:rPr lang="pl-PL" sz="1600" dirty="0"/>
+              <a:t>Nie potwierdzona (H</a:t>
+            </a:r>
+            <a:r>
+              <a:rPr lang="pl-PL" sz="1600" baseline="-25000" dirty="0"/>
+              <a:t>0</a:t>
+            </a:r>
+            <a:r>
+              <a:rPr lang="pl-PL" sz="1600" dirty="0"/>
+              <a:t> nie odrzucona)</a:t>
+            </a:r>
+            <a:endParaRPr lang="en-GB" sz="1600" dirty="0"/>
+          </a:p>
+          <a:p>
+            <a:pPr lvl="1"/>
+            <a:r>
+              <a:rPr lang="en-GB" sz="1600" b="1" dirty="0"/>
+              <a:t>H2b</a:t>
+            </a:r>
+            <a:r>
+              <a:rPr lang="en-GB" sz="1600" i="1" dirty="0"/>
+              <a:t>: </a:t>
+            </a:r>
+            <a:r>
+              <a:rPr lang="pl-PL" sz="1600" i="1" u="sng" dirty="0"/>
+              <a:t>Stopa zatrudnienia</a:t>
+            </a:r>
+            <a:r>
+              <a:rPr lang="pl-PL" sz="1600" i="1" dirty="0"/>
+              <a:t> wśród absolwentów uczelni </a:t>
+            </a:r>
+            <a:r>
+              <a:rPr lang="pl-PL" sz="1600" i="1" u="sng" dirty="0"/>
+              <a:t>po 3 latach</a:t>
+            </a:r>
+            <a:r>
+              <a:rPr lang="pl-PL" sz="1600" i="1" dirty="0"/>
+              <a:t> od uzyskania dyplomu jest pozytywnie skorelowana z wartościami satysfakcji z usług uczelni</a:t>
+            </a:r>
+            <a:r>
+              <a:rPr lang="en-GB" sz="1600" dirty="0"/>
+              <a:t> </a:t>
+            </a:r>
+            <a:r>
+              <a:rPr lang="en-GB" sz="1600" b="1" i="1" dirty="0"/>
+              <a:t>→</a:t>
+            </a:r>
+            <a:r>
+              <a:rPr lang="en-GB" sz="1600" dirty="0"/>
+              <a:t> </a:t>
+            </a:r>
+            <a:r>
+              <a:rPr lang="pl-PL" sz="1600" dirty="0"/>
+              <a:t>Nie potwierdzona (H</a:t>
+            </a:r>
+            <a:r>
+              <a:rPr lang="pl-PL" sz="1600" baseline="-25000" dirty="0"/>
+              <a:t>0</a:t>
+            </a:r>
+            <a:r>
+              <a:rPr lang="pl-PL" sz="1600" dirty="0"/>
+              <a:t> nie odrzucona)</a:t>
+            </a:r>
+          </a:p>
+          <a:p>
+            <a:pPr lvl="1"/>
+            <a:r>
+              <a:rPr lang="en-GB" sz="1600" b="1" dirty="0"/>
+              <a:t>H2</a:t>
+            </a:r>
+            <a:r>
+              <a:rPr lang="pl-PL" sz="1600" b="1" dirty="0"/>
+              <a:t>c</a:t>
+            </a:r>
+            <a:r>
+              <a:rPr lang="en-GB" sz="1600" i="1" dirty="0"/>
+              <a:t>: </a:t>
+            </a:r>
+            <a:r>
+              <a:rPr lang="pl-PL" sz="1600" i="1" u="sng" dirty="0"/>
+              <a:t>Poziom zarobków</a:t>
+            </a:r>
+            <a:r>
+              <a:rPr lang="pl-PL" sz="1600" i="1" dirty="0"/>
+              <a:t> absolwentów uczelni </a:t>
+            </a:r>
+            <a:r>
+              <a:rPr lang="pl-PL" sz="1600" i="1" u="sng" dirty="0"/>
+              <a:t>po roku</a:t>
+            </a:r>
+            <a:r>
+              <a:rPr lang="pl-PL" sz="1600" i="1" dirty="0"/>
+              <a:t> od uzyskania dyplomu jest pozytywnie skorelowany </a:t>
+            </a:r>
+            <a:br>
+              <a:rPr lang="pl-PL" sz="1600" i="1" dirty="0"/>
+            </a:br>
+            <a:r>
+              <a:rPr lang="pl-PL" sz="1600" i="1" dirty="0"/>
+              <a:t>z wartościami satysfakcji z usług uczelni</a:t>
+            </a:r>
+            <a:r>
+              <a:rPr lang="en-GB" sz="1600" dirty="0"/>
+              <a:t> </a:t>
+            </a:r>
+            <a:r>
+              <a:rPr lang="en-GB" sz="1600" b="1" i="1" dirty="0"/>
+              <a:t>→</a:t>
+            </a:r>
+            <a:r>
+              <a:rPr lang="pl-PL" sz="1600" dirty="0"/>
+              <a:t> Nie potwierdzona (H</a:t>
+            </a:r>
+            <a:r>
+              <a:rPr lang="pl-PL" sz="1600" baseline="-25000" dirty="0"/>
+              <a:t>0</a:t>
+            </a:r>
+            <a:r>
+              <a:rPr lang="pl-PL" sz="1600" dirty="0"/>
+              <a:t> nie odrzucona)</a:t>
+            </a:r>
+          </a:p>
+          <a:p>
+            <a:pPr lvl="1"/>
+            <a:r>
+              <a:rPr lang="en-GB" sz="1600" b="1" dirty="0"/>
+              <a:t>H2</a:t>
+            </a:r>
+            <a:r>
+              <a:rPr lang="pl-PL" sz="1600" b="1" dirty="0"/>
+              <a:t>d</a:t>
+            </a:r>
+            <a:r>
+              <a:rPr lang="en-GB" sz="1600" i="1" dirty="0"/>
+              <a:t>: </a:t>
+            </a:r>
+            <a:r>
+              <a:rPr lang="pl-PL" sz="1600" i="1" u="sng" dirty="0"/>
+              <a:t>Poziom zarobków</a:t>
+            </a:r>
+            <a:r>
+              <a:rPr lang="pl-PL" sz="1600" i="1" dirty="0"/>
+              <a:t> absolwentów uczelni </a:t>
+            </a:r>
+            <a:r>
+              <a:rPr lang="pl-PL" sz="1600" i="1" u="sng" dirty="0"/>
+              <a:t>po 3 latach</a:t>
+            </a:r>
+            <a:r>
+              <a:rPr lang="pl-PL" sz="1600" i="1" dirty="0"/>
+              <a:t> od uzyskania dyplomu jest pozytywnie skorelowany z wartościami satysfakcji z usług uczelni</a:t>
+            </a:r>
+            <a:r>
+              <a:rPr lang="en-GB" sz="1600" dirty="0"/>
+              <a:t> </a:t>
+            </a:r>
+            <a:r>
+              <a:rPr lang="en-GB" sz="1600" b="1" i="1" dirty="0"/>
+              <a:t>→</a:t>
+            </a:r>
+            <a:r>
+              <a:rPr lang="pl-PL" sz="1600" dirty="0"/>
+              <a:t> </a:t>
+            </a:r>
+            <a:r>
+              <a:rPr lang="pl-PL" sz="1600" b="1" dirty="0"/>
+              <a:t>Potwierdzona (H</a:t>
+            </a:r>
+            <a:r>
+              <a:rPr lang="pl-PL" sz="1600" b="1" baseline="-25000" dirty="0"/>
+              <a:t>0</a:t>
+            </a:r>
+            <a:r>
+              <a:rPr lang="pl-PL" sz="1600" b="1" dirty="0"/>
+              <a:t> odrzucona)</a:t>
+            </a:r>
+          </a:p>
+          <a:p>
+            <a:r>
+              <a:rPr lang="en-GB" sz="1900" b="1" dirty="0"/>
               <a:t>H3</a:t>
             </a:r>
             <a:r>
-              <a:rPr lang="en-GB" sz="3200" dirty="0"/>
+              <a:rPr lang="en-GB" sz="1900" dirty="0"/>
               <a:t>: </a:t>
             </a:r>
             <a:r>
-              <a:rPr lang="en-GB" sz="3200" i="1" dirty="0"/>
-              <a:t>Graduates of </a:t>
-            </a:r>
-            <a:r>
-              <a:rPr lang="en-GB" sz="3200" i="1" u="sng" dirty="0"/>
-              <a:t>public technical universities </a:t>
-            </a:r>
-            <a:r>
-              <a:rPr lang="en-GB" sz="3200" i="1" dirty="0"/>
-              <a:t>are </a:t>
-            </a:r>
-            <a:r>
-              <a:rPr lang="en-GB" sz="3200" i="1" u="sng" dirty="0"/>
-              <a:t>more valued </a:t>
-            </a:r>
-            <a:r>
-              <a:rPr lang="en-GB" sz="3200" i="1" dirty="0"/>
-              <a:t>in the labour market than graduates of other universities (higher IWRA index values) </a:t>
-            </a:r>
-            <a:r>
-              <a:rPr lang="en-GB" sz="3200" b="1" i="1" dirty="0"/>
+              <a:rPr lang="pl-PL" sz="1900" i="1" dirty="0"/>
+              <a:t>Absolwenci publicznych uczelni technicznych są wyżej cenieni na rynku pracy niż absolwenci pozostałych uczelni, a uczelnie techniczne uzyskują wyższe wartości Indeksu Wyceny Rynkowej Absolwenta</a:t>
+            </a:r>
+            <a:r>
+              <a:rPr lang="en-GB" sz="1900" i="1" dirty="0"/>
+              <a:t> </a:t>
+            </a:r>
+            <a:r>
+              <a:rPr lang="en-GB" sz="1900" b="1" i="1" dirty="0"/>
               <a:t>→</a:t>
             </a:r>
             <a:r>
-              <a:rPr lang="en-GB" sz="3200" i="1" dirty="0"/>
+              <a:rPr lang="en-GB" sz="1900" i="1" dirty="0"/>
               <a:t> </a:t>
             </a:r>
             <a:r>
-              <a:rPr lang="en-GB" sz="3200" dirty="0"/>
-              <a:t>Not confirmed</a:t>
+              <a:rPr lang="pl-PL" sz="1900" dirty="0"/>
+              <a:t>Nie potwierdzona</a:t>
             </a:r>
           </a:p>
           <a:p>
             <a:pPr lvl="1"/>
             <a:r>
-              <a:rPr lang="en-GB" sz="2600" b="1" dirty="0"/>
+              <a:rPr lang="en-GB" sz="1600" b="1" dirty="0"/>
               <a:t>H3a</a:t>
             </a:r>
             <a:r>
-              <a:rPr lang="en-GB" sz="2600" b="1" dirty="0">
+              <a:rPr lang="en-GB" sz="1600" b="1" dirty="0">
                 <a:solidFill>
                   <a:srgbClr val="FF0000"/>
                 </a:solidFill>
@@ -6629,331 +7099,57 @@
               <a:t>’</a:t>
             </a:r>
             <a:r>
-              <a:rPr lang="en-GB" sz="2600" i="1" dirty="0"/>
+              <a:rPr lang="en-GB" sz="1600" i="1" dirty="0"/>
               <a:t>: </a:t>
             </a:r>
             <a:r>
-              <a:rPr lang="en-GB" sz="2600" i="1" u="sng" dirty="0"/>
-              <a:t>Employment rate</a:t>
-            </a:r>
-            <a:r>
-              <a:rPr lang="en-GB" sz="2600" i="1" dirty="0"/>
-              <a:t> among graduates of public </a:t>
-            </a:r>
-            <a:r>
-              <a:rPr lang="en-GB" sz="2600" i="1" u="sng" dirty="0"/>
-              <a:t>technical</a:t>
-            </a:r>
-            <a:r>
-              <a:rPr lang="en-GB" sz="2600" i="1" dirty="0"/>
-              <a:t> universities </a:t>
-            </a:r>
-            <a:r>
-              <a:rPr lang="en-GB" sz="2600" i="1" u="sng" dirty="0"/>
-              <a:t>one year </a:t>
-            </a:r>
-            <a:r>
-              <a:rPr lang="en-GB" sz="2600" i="1" dirty="0"/>
-              <a:t>after graduation is </a:t>
-            </a:r>
-            <a:r>
-              <a:rPr lang="en-GB" sz="2600" b="1" i="1" dirty="0">
+              <a:rPr lang="pl-PL" sz="1600" i="1" u="sng" dirty="0"/>
+              <a:t>Stopa zatrudnienia</a:t>
+            </a:r>
+            <a:r>
+              <a:rPr lang="pl-PL" sz="1600" i="1" dirty="0"/>
+              <a:t> wśród absolwentów publicznych uczelni technicznych po roku od uzyskania dyplomu jest </a:t>
+            </a:r>
+            <a:r>
+              <a:rPr lang="pl-PL" sz="1600" b="1" i="1" dirty="0">
                 <a:solidFill>
                   <a:srgbClr val="FF0000"/>
                 </a:solidFill>
               </a:rPr>
-              <a:t>lower</a:t>
-            </a:r>
-            <a:r>
-              <a:rPr lang="en-GB" sz="2600" i="1" dirty="0"/>
-              <a:t> than the employment rate of graduates from other universities </a:t>
-            </a:r>
-            <a:r>
-              <a:rPr lang="en-GB" sz="2600" b="1" i="1" dirty="0"/>
+              <a:t>niższa</a:t>
+            </a:r>
+            <a:r>
+              <a:rPr lang="pl-PL" sz="1600" i="1" dirty="0"/>
+              <a:t> niż stopa zatrudnienia absolwentów pozostałych uczelni w tym samym okresie</a:t>
+            </a:r>
+            <a:r>
+              <a:rPr lang="en-GB" sz="1600" i="1" dirty="0"/>
+              <a:t> </a:t>
+            </a:r>
+            <a:r>
+              <a:rPr lang="en-GB" sz="1600" b="1" i="1" dirty="0"/>
               <a:t>→</a:t>
             </a:r>
             <a:r>
-              <a:rPr lang="en-GB" sz="2600" dirty="0"/>
-              <a:t> Not confirmed</a:t>
-            </a:r>
-          </a:p>
-          <a:p>
-            <a:pPr lvl="1"/>
-            <a:r>
-              <a:rPr lang="en-GB" sz="2600" b="1" dirty="0"/>
-              <a:t>H3b</a:t>
-            </a:r>
-            <a:r>
-              <a:rPr lang="en-GB" sz="2600" i="1" dirty="0"/>
-              <a:t>: </a:t>
-            </a:r>
-            <a:r>
-              <a:rPr lang="en-GB" sz="2600" i="1" u="sng" dirty="0"/>
-              <a:t>Employment rate</a:t>
-            </a:r>
-            <a:r>
-              <a:rPr lang="en-GB" sz="2600" i="1" dirty="0"/>
-              <a:t> among graduates of public </a:t>
-            </a:r>
-            <a:r>
-              <a:rPr lang="en-GB" sz="2600" i="1" u="sng" dirty="0"/>
-              <a:t>technical</a:t>
-            </a:r>
-            <a:r>
-              <a:rPr lang="en-GB" sz="2600" i="1" dirty="0"/>
-              <a:t> universities </a:t>
-            </a:r>
-            <a:r>
-              <a:rPr lang="en-GB" sz="2600" i="1" u="sng" dirty="0"/>
-              <a:t>three years</a:t>
-            </a:r>
-            <a:r>
-              <a:rPr lang="en-GB" sz="2600" i="1" dirty="0"/>
-              <a:t> after graduation is higher than for graduates from other universities </a:t>
-            </a:r>
-            <a:r>
-              <a:rPr lang="en-GB" sz="2600" b="1" i="1" dirty="0"/>
-              <a:t>→</a:t>
-            </a:r>
-            <a:r>
-              <a:rPr lang="en-GB" sz="2600" dirty="0"/>
-              <a:t> Not confirmed</a:t>
-            </a:r>
-          </a:p>
-          <a:p>
-            <a:pPr lvl="1"/>
-            <a:r>
-              <a:rPr lang="en-GB" sz="2600" b="1" dirty="0"/>
-              <a:t>H3c</a:t>
-            </a:r>
-            <a:r>
-              <a:rPr lang="en-GB" sz="2600" i="1" dirty="0"/>
-              <a:t>: Average </a:t>
-            </a:r>
-            <a:r>
-              <a:rPr lang="en-GB" sz="2600" i="1" u="sng" dirty="0"/>
-              <a:t>salaries</a:t>
-            </a:r>
-            <a:r>
-              <a:rPr lang="en-GB" sz="2600" i="1" dirty="0"/>
-              <a:t> of graduates of public </a:t>
-            </a:r>
-            <a:r>
-              <a:rPr lang="en-GB" sz="2600" i="1" u="sng" dirty="0"/>
-              <a:t>technical</a:t>
-            </a:r>
-            <a:r>
-              <a:rPr lang="en-GB" sz="2600" i="1" dirty="0"/>
-              <a:t> universities </a:t>
-            </a:r>
-            <a:r>
-              <a:rPr lang="en-GB" sz="2600" i="1" u="sng" dirty="0"/>
-              <a:t>one year</a:t>
-            </a:r>
-            <a:r>
-              <a:rPr lang="en-GB" sz="2600" i="1" dirty="0"/>
-              <a:t> after graduation are higher than for other universities </a:t>
-            </a:r>
-            <a:r>
-              <a:rPr lang="en-GB" sz="2600" b="1" i="1" dirty="0"/>
-              <a:t>→</a:t>
-            </a:r>
-            <a:r>
-              <a:rPr lang="en-GB" sz="2600" dirty="0"/>
-              <a:t> Not confirmed</a:t>
-            </a:r>
-          </a:p>
-          <a:p>
-            <a:pPr lvl="1"/>
-            <a:r>
-              <a:rPr lang="en-GB" sz="2600" b="1" dirty="0"/>
-              <a:t>H3d</a:t>
-            </a:r>
-            <a:r>
-              <a:rPr lang="en-GB" sz="2600" i="1" dirty="0"/>
-              <a:t>: Average </a:t>
-            </a:r>
-            <a:r>
-              <a:rPr lang="en-GB" sz="2600" i="1" u="sng" dirty="0"/>
-              <a:t>salaries</a:t>
-            </a:r>
-            <a:r>
-              <a:rPr lang="en-GB" sz="2600" i="1" dirty="0"/>
-              <a:t> of graduates of public </a:t>
-            </a:r>
-            <a:r>
-              <a:rPr lang="en-GB" sz="2600" i="1" u="sng" dirty="0"/>
-              <a:t>technical</a:t>
-            </a:r>
-            <a:r>
-              <a:rPr lang="en-GB" sz="2600" i="1" dirty="0"/>
-              <a:t> universities </a:t>
-            </a:r>
-            <a:r>
-              <a:rPr lang="en-GB" sz="2600" i="1" u="sng" dirty="0"/>
-              <a:t>three years</a:t>
-            </a:r>
-            <a:r>
-              <a:rPr lang="en-GB" sz="2600" i="1" dirty="0"/>
-              <a:t> after graduation are higher than for other universities </a:t>
-            </a:r>
-            <a:r>
-              <a:rPr lang="en-GB" sz="2600" b="1" i="1" dirty="0"/>
-              <a:t>→</a:t>
-            </a:r>
-            <a:r>
-              <a:rPr lang="en-GB" sz="2600" dirty="0"/>
+              <a:rPr lang="en-GB" sz="1600" dirty="0"/>
               <a:t> </a:t>
             </a:r>
-            <a:r>
-              <a:rPr lang="en-GB" sz="2600" b="1" dirty="0"/>
-              <a:t>Confirmed</a:t>
-            </a:r>
-          </a:p>
-          <a:p>
-            <a:pPr lvl="1"/>
-            <a:r>
-              <a:rPr lang="en-GB" sz="2600" b="1" dirty="0"/>
-              <a:t>H3e</a:t>
-            </a:r>
-            <a:r>
-              <a:rPr lang="en-GB" sz="2600" i="1" dirty="0"/>
-              <a:t>: </a:t>
-            </a:r>
-            <a:r>
-              <a:rPr lang="en-GB" sz="2600" i="1" u="sng" dirty="0"/>
-              <a:t>IWRA indicator</a:t>
-            </a:r>
-            <a:r>
-              <a:rPr lang="en-GB" sz="2600" i="1" dirty="0"/>
-              <a:t> values, based on employment and salary data </a:t>
-            </a:r>
-            <a:r>
-              <a:rPr lang="en-GB" sz="2600" i="1" u="sng" dirty="0"/>
-              <a:t>one year</a:t>
-            </a:r>
-            <a:r>
-              <a:rPr lang="en-GB" sz="2600" i="1" dirty="0"/>
-              <a:t> after graduation, for </a:t>
-            </a:r>
-            <a:r>
-              <a:rPr lang="en-GB" sz="2600" i="1" u="sng" dirty="0"/>
-              <a:t>technical</a:t>
-            </a:r>
-            <a:r>
-              <a:rPr lang="en-GB" sz="2600" i="1" dirty="0"/>
-              <a:t> universities are higher than for other universities </a:t>
-            </a:r>
-            <a:r>
-              <a:rPr lang="en-GB" sz="2600" b="1" i="1" dirty="0"/>
-              <a:t>→</a:t>
-            </a:r>
-            <a:r>
-              <a:rPr lang="en-GB" sz="2600" dirty="0"/>
-              <a:t> Not confirmed</a:t>
-            </a:r>
-          </a:p>
-          <a:p>
-            <a:pPr lvl="1"/>
-            <a:r>
-              <a:rPr lang="en-GB" sz="2600" b="1" dirty="0"/>
-              <a:t>H3</a:t>
-            </a:r>
-            <a:r>
-              <a:rPr lang="pl-PL" sz="2600" b="1" dirty="0"/>
-              <a:t>f</a:t>
-            </a:r>
-            <a:r>
-              <a:rPr lang="en-GB" sz="2600" i="1" dirty="0"/>
-              <a:t>: </a:t>
-            </a:r>
-            <a:r>
-              <a:rPr lang="en-GB" sz="2600" i="1" u="sng" dirty="0"/>
-              <a:t>IWRA indicator</a:t>
-            </a:r>
-            <a:r>
-              <a:rPr lang="en-GB" sz="2600" i="1" dirty="0"/>
-              <a:t> values, based on employment and salary data </a:t>
-            </a:r>
-            <a:r>
-              <a:rPr lang="en-GB" sz="2600" i="1" u="sng" dirty="0"/>
-              <a:t>three years</a:t>
-            </a:r>
-            <a:r>
-              <a:rPr lang="en-GB" sz="2600" i="1" dirty="0"/>
-              <a:t> after graduation, for </a:t>
-            </a:r>
-            <a:r>
-              <a:rPr lang="en-GB" sz="2600" i="1" u="sng" dirty="0"/>
-              <a:t>technical</a:t>
-            </a:r>
-            <a:r>
-              <a:rPr lang="en-GB" sz="2600" i="1" dirty="0"/>
-              <a:t> universities are higher than for other universities </a:t>
-            </a:r>
-            <a:r>
-              <a:rPr lang="en-GB" sz="2600" b="1" i="1" dirty="0"/>
-              <a:t>→</a:t>
-            </a:r>
-            <a:r>
-              <a:rPr lang="en-GB" sz="2600" dirty="0"/>
-              <a:t> </a:t>
-            </a:r>
-            <a:r>
-              <a:rPr lang="en-GB" sz="2600" b="1" dirty="0"/>
-              <a:t>Confirmed</a:t>
-            </a:r>
-          </a:p>
-          <a:p>
-            <a:r>
-              <a:rPr lang="en-GB" sz="3200" b="1" dirty="0"/>
-              <a:t>H4:</a:t>
-            </a:r>
-            <a:r>
-              <a:rPr lang="en-GB" sz="3200" i="1" dirty="0"/>
-              <a:t> </a:t>
-            </a:r>
-            <a:r>
-              <a:rPr lang="en-GB" sz="3200" i="1" u="sng" dirty="0"/>
-              <a:t>IWRA</a:t>
-            </a:r>
-            <a:r>
-              <a:rPr lang="en-GB" sz="3200" i="1" dirty="0"/>
-              <a:t> results for Polish </a:t>
-            </a:r>
-            <a:r>
-              <a:rPr lang="en-GB" sz="3200" i="1" u="sng" dirty="0"/>
-              <a:t>public technical universities</a:t>
-            </a:r>
-            <a:r>
-              <a:rPr lang="en-GB" sz="3200" i="1" dirty="0"/>
-              <a:t> are positively correlated with the quality of university services measured by the </a:t>
-            </a:r>
-            <a:r>
-              <a:rPr lang="en-GB" sz="3200" i="1" u="sng" dirty="0" err="1"/>
-              <a:t>Perspektywy</a:t>
-            </a:r>
-            <a:r>
-              <a:rPr lang="en-GB" sz="3200" i="1" dirty="0"/>
-              <a:t> ranking</a:t>
-            </a:r>
-            <a:r>
-              <a:rPr lang="en-GB" sz="3200" dirty="0"/>
-              <a:t> </a:t>
-            </a:r>
-            <a:r>
-              <a:rPr lang="en-GB" sz="3200" b="1" i="1" dirty="0"/>
-              <a:t>→</a:t>
-            </a:r>
-            <a:r>
-              <a:rPr lang="en-GB" sz="3200" dirty="0"/>
-              <a:t> </a:t>
-            </a:r>
-            <a:r>
-              <a:rPr lang="en-GB" sz="3200" b="1" dirty="0"/>
-              <a:t>Confirmed</a:t>
-            </a:r>
-            <a:endParaRPr lang="en-GB" sz="3200" b="1" i="1" dirty="0"/>
+            <a:br>
+              <a:rPr lang="pl-PL" sz="1600" dirty="0"/>
+            </a:br>
+            <a:r>
+              <a:rPr lang="pl-PL" sz="1600" b="1" dirty="0"/>
+              <a:t>Potwierdzona (H</a:t>
+            </a:r>
+            <a:r>
+              <a:rPr lang="pl-PL" sz="1600" b="1" baseline="-25000" dirty="0"/>
+              <a:t>0</a:t>
+            </a:r>
+            <a:r>
+              <a:rPr lang="pl-PL" sz="1600" b="1" dirty="0"/>
+              <a:t> odrzucona)</a:t>
+            </a:r>
+            <a:endParaRPr lang="en-GB" sz="1600" dirty="0"/>
           </a:p>
         </p:txBody>
       </p:sp>
@@ -7005,7 +7201,13 @@
   <p:cSld>
     <p:spTree>
       <p:nvGrpSpPr>
-        <p:cNvPr id="1" name=""/>
+        <p:cNvPr id="1" name="">
+          <a:extLst>
+            <a:ext uri="{FF2B5EF4-FFF2-40B4-BE49-F238E27FC236}">
+              <a16:creationId xmlns:a16="http://schemas.microsoft.com/office/drawing/2014/main" id="{56611D49-231F-7F5E-F1CF-799CD7ADB72D}"/>
+            </a:ext>
+          </a:extLst>
+        </p:cNvPr>
         <p:cNvGrpSpPr/>
         <p:nvPr/>
       </p:nvGrpSpPr>
@@ -7022,7 +7224,7 @@
           <p:cNvPr id="2" name="Tytuł 1">
             <a:extLst>
               <a:ext uri="{FF2B5EF4-FFF2-40B4-BE49-F238E27FC236}">
-                <a16:creationId xmlns:a16="http://schemas.microsoft.com/office/drawing/2014/main" id="{F6890351-155B-7356-4743-88EE83BACBDB}"/>
+                <a16:creationId xmlns:a16="http://schemas.microsoft.com/office/drawing/2014/main" id="{57E7DB41-724C-C09D-BD4D-B310E33471D7}"/>
               </a:ext>
             </a:extLst>
           </p:cNvPr>
@@ -7035,186 +7237,388 @@
         </p:nvSpPr>
         <p:spPr/>
         <p:txBody>
+          <a:bodyPr/>
+          <a:lstStyle/>
+          <a:p>
+            <a:r>
+              <a:rPr lang="pl-PL" dirty="0"/>
+              <a:t>Weryfikacja hipotez</a:t>
+            </a:r>
+            <a:r>
+              <a:rPr lang="en-GB" dirty="0"/>
+              <a:t> 2/2</a:t>
+            </a:r>
+          </a:p>
+        </p:txBody>
+      </p:sp>
+      <p:sp>
+        <p:nvSpPr>
+          <p:cNvPr id="3" name="Symbol zastępczy zawartości 2">
+            <a:extLst>
+              <a:ext uri="{FF2B5EF4-FFF2-40B4-BE49-F238E27FC236}">
+                <a16:creationId xmlns:a16="http://schemas.microsoft.com/office/drawing/2014/main" id="{B728C0DF-99F2-47E3-D3F4-7192E22DBACC}"/>
+              </a:ext>
+            </a:extLst>
+          </p:cNvPr>
+          <p:cNvSpPr>
+            <a:spLocks noGrp="1"/>
+          </p:cNvSpPr>
+          <p:nvPr>
+            <p:ph idx="1"/>
+          </p:nvPr>
+        </p:nvSpPr>
+        <p:spPr/>
+        <p:txBody>
           <a:bodyPr>
-            <a:normAutofit/>
+            <a:normAutofit fontScale="47500" lnSpcReduction="20000"/>
           </a:bodyPr>
           <a:lstStyle/>
           <a:p>
-            <a:r>
-              <a:rPr lang="en-GB" dirty="0"/>
-              <a:t>Proposed practical solution - SSDQM</a:t>
-            </a:r>
-          </a:p>
-        </p:txBody>
-      </p:sp>
-      <p:sp>
-        <p:nvSpPr>
-          <p:cNvPr id="9" name="Symbol zastępczy zawartości 8">
-            <a:extLst>
-              <a:ext uri="{FF2B5EF4-FFF2-40B4-BE49-F238E27FC236}">
-                <a16:creationId xmlns:a16="http://schemas.microsoft.com/office/drawing/2014/main" id="{64173AA8-6E89-4AEF-5FDF-8C44185B4716}"/>
-              </a:ext>
-            </a:extLst>
-          </p:cNvPr>
-          <p:cNvSpPr>
-            <a:spLocks noGrp="1"/>
-          </p:cNvSpPr>
-          <p:nvPr>
-            <p:ph sz="half" idx="1"/>
-          </p:nvPr>
-        </p:nvSpPr>
-        <p:spPr>
-          <a:xfrm>
-            <a:off x="838200" y="1825625"/>
-            <a:ext cx="4500000" cy="4351338"/>
-          </a:xfrm>
-        </p:spPr>
-        <p:txBody>
-          <a:bodyPr>
-            <a:normAutofit fontScale="85000" lnSpcReduction="10000"/>
-          </a:bodyPr>
-          <a:lstStyle/>
-          <a:p>
-            <a:r>
-              <a:rPr lang="pl-PL" sz="2400" b="1" dirty="0"/>
-              <a:t>Model Doskonalenia Systemu Zarządzania Jakością Inspirowany Satysfakcją Interesariuszy </a:t>
-            </a:r>
-            <a:r>
-              <a:rPr lang="pl-PL" sz="2400" dirty="0"/>
-              <a:t>(główne etapy)</a:t>
-            </a:r>
-          </a:p>
-          <a:p>
-            <a:pPr marL="0" indent="0">
-              <a:buNone/>
-            </a:pPr>
-            <a:r>
-              <a:rPr lang="pl-PL" sz="2200" i="1" dirty="0"/>
-              <a:t>(</a:t>
-            </a:r>
-            <a:r>
-              <a:rPr lang="en-GB" sz="2200" i="1" dirty="0"/>
-              <a:t>Stakeholders Satisfaction Driven Quality Management Model</a:t>
-            </a:r>
-            <a:r>
-              <a:rPr lang="pl-PL" sz="2200" i="1" dirty="0"/>
-              <a:t>)</a:t>
+            <a:pPr lvl="1"/>
+            <a:endParaRPr lang="pl-PL" sz="3200" b="1" dirty="0"/>
+          </a:p>
+          <a:p>
+            <a:pPr lvl="1"/>
+            <a:r>
+              <a:rPr lang="en-GB" sz="3200" b="1" dirty="0"/>
+              <a:t>H3b</a:t>
+            </a:r>
+            <a:r>
+              <a:rPr lang="en-GB" sz="3200" i="1" dirty="0"/>
+              <a:t>: </a:t>
+            </a:r>
+            <a:r>
+              <a:rPr lang="pl-PL" sz="3200" i="1" u="sng" dirty="0"/>
+              <a:t>Stopa zatrudnienia</a:t>
+            </a:r>
+            <a:r>
+              <a:rPr lang="pl-PL" sz="3200" i="1" dirty="0"/>
+              <a:t> wśród absolwentów publicznych uczelni technicznych </a:t>
+            </a:r>
+            <a:r>
+              <a:rPr lang="pl-PL" sz="3200" i="1" u="sng" dirty="0"/>
+              <a:t>po 3 latach</a:t>
+            </a:r>
+            <a:r>
+              <a:rPr lang="pl-PL" sz="3200" i="1" dirty="0"/>
+              <a:t> od uzyskania dyplomu jest wyższa niż stopa zatrudnienia absolwentów pozostałych uczelni w tym samym okresie</a:t>
+            </a:r>
+            <a:r>
+              <a:rPr lang="en-GB" sz="3200" i="1" dirty="0"/>
+              <a:t> </a:t>
+            </a:r>
+            <a:r>
+              <a:rPr lang="en-GB" sz="3200" b="1" i="1" dirty="0"/>
+              <a:t>→</a:t>
+            </a:r>
+            <a:r>
+              <a:rPr lang="en-GB" sz="3200" dirty="0"/>
+              <a:t> </a:t>
+            </a:r>
+            <a:r>
+              <a:rPr lang="pl-PL" sz="3200" dirty="0"/>
+              <a:t>Nie potwierdzona</a:t>
+            </a:r>
+            <a:endParaRPr lang="en-GB" sz="3200" dirty="0"/>
+          </a:p>
+          <a:p>
+            <a:pPr lvl="1"/>
+            <a:r>
+              <a:rPr lang="en-GB" sz="3200" b="1" dirty="0"/>
+              <a:t>H3c</a:t>
+            </a:r>
+            <a:r>
+              <a:rPr lang="en-GB" sz="3200" i="1" dirty="0"/>
+              <a:t>: </a:t>
+            </a:r>
+            <a:r>
+              <a:rPr lang="pl-PL" sz="3200" i="1" dirty="0"/>
+              <a:t>Średnie </a:t>
+            </a:r>
+            <a:r>
+              <a:rPr lang="pl-PL" sz="3200" i="1" u="sng" dirty="0"/>
+              <a:t>zarobki</a:t>
+            </a:r>
+            <a:r>
+              <a:rPr lang="pl-PL" sz="3200" i="1" dirty="0"/>
+              <a:t> absolwentów publicznych uczelni technicznych </a:t>
+            </a:r>
+            <a:r>
+              <a:rPr lang="pl-PL" sz="3200" i="1" u="sng" dirty="0"/>
+              <a:t>po roku</a:t>
+            </a:r>
+            <a:r>
+              <a:rPr lang="pl-PL" sz="3200" i="1" dirty="0"/>
+              <a:t> od uzyskania dyplomu są wyższe niż średnie zarobki absolwentów pozostałych uczelni w tym samym okresie</a:t>
+            </a:r>
+            <a:r>
+              <a:rPr lang="en-GB" sz="3200" i="1" dirty="0"/>
+              <a:t> </a:t>
+            </a:r>
+            <a:r>
+              <a:rPr lang="en-GB" sz="3200" b="1" i="1" dirty="0"/>
+              <a:t>→</a:t>
+            </a:r>
+            <a:r>
+              <a:rPr lang="en-GB" sz="3200" dirty="0"/>
+              <a:t> </a:t>
+            </a:r>
+            <a:r>
+              <a:rPr lang="pl-PL" sz="3200" dirty="0"/>
+              <a:t>Nie potwierdzona</a:t>
+            </a:r>
+            <a:endParaRPr lang="en-GB" sz="3200" dirty="0"/>
+          </a:p>
+          <a:p>
+            <a:pPr lvl="1"/>
+            <a:r>
+              <a:rPr lang="en-GB" sz="3200" b="1" dirty="0"/>
+              <a:t>H3d</a:t>
+            </a:r>
+            <a:r>
+              <a:rPr lang="en-GB" sz="3200" i="1" dirty="0"/>
+              <a:t>: </a:t>
+            </a:r>
+            <a:r>
+              <a:rPr lang="pl-PL" sz="3200" i="1" dirty="0"/>
+              <a:t>Średnie </a:t>
+            </a:r>
+            <a:r>
+              <a:rPr lang="pl-PL" sz="3200" i="1" u="sng" dirty="0"/>
+              <a:t>zarobki</a:t>
+            </a:r>
+            <a:r>
+              <a:rPr lang="pl-PL" sz="3200" i="1" dirty="0"/>
+              <a:t> absolwentów publicznych uczelni technicznych </a:t>
+            </a:r>
+            <a:r>
+              <a:rPr lang="pl-PL" sz="3200" i="1" u="sng" dirty="0"/>
+              <a:t>po 3 latach</a:t>
+            </a:r>
+            <a:r>
+              <a:rPr lang="pl-PL" sz="3200" i="1" dirty="0"/>
+              <a:t> od uzyskania dyplomu są wyższe niż średnie zarobki absolwentów pozostałych uczelni w tym samym okresie</a:t>
+            </a:r>
+            <a:r>
+              <a:rPr lang="en-GB" sz="3200" i="1" dirty="0"/>
+              <a:t> </a:t>
+            </a:r>
+            <a:r>
+              <a:rPr lang="en-GB" sz="3200" b="1" i="1" dirty="0"/>
+              <a:t>→</a:t>
+            </a:r>
+            <a:r>
+              <a:rPr lang="en-GB" sz="3200" dirty="0"/>
+              <a:t> </a:t>
             </a:r>
             <a:br>
-              <a:rPr lang="en-GB" sz="2200" dirty="0"/>
+              <a:rPr lang="pl-PL" sz="3200" dirty="0"/>
             </a:br>
-            <a:endParaRPr lang="pl-PL" sz="2200" dirty="0"/>
-          </a:p>
-          <a:p>
-            <a:r>
-              <a:rPr lang="pl-PL" sz="2400" dirty="0"/>
-              <a:t>Wspiera zgodność z</a:t>
-            </a:r>
-            <a:r>
-              <a:rPr lang="en-GB" sz="2400" dirty="0"/>
-              <a:t>:</a:t>
-            </a:r>
+            <a:r>
+              <a:rPr lang="pl-PL" sz="3200" b="1" dirty="0"/>
+              <a:t>Potwierdzona (H</a:t>
+            </a:r>
+            <a:r>
+              <a:rPr lang="pl-PL" sz="3200" b="1" baseline="-25000" dirty="0"/>
+              <a:t>0</a:t>
+            </a:r>
+            <a:r>
+              <a:rPr lang="pl-PL" sz="3200" b="1" dirty="0"/>
+              <a:t> odrzucona)</a:t>
+            </a:r>
+            <a:endParaRPr lang="en-GB" sz="3200" b="1" dirty="0"/>
           </a:p>
           <a:p>
             <a:pPr lvl="1"/>
             <a:r>
-              <a:rPr lang="en-GB" sz="2000" dirty="0"/>
-              <a:t>ISO21001:2018</a:t>
-            </a:r>
+              <a:rPr lang="en-GB" sz="3200" b="1" dirty="0"/>
+              <a:t>H3e</a:t>
+            </a:r>
+            <a:r>
+              <a:rPr lang="en-GB" sz="3200" i="1" dirty="0"/>
+              <a:t>: </a:t>
+            </a:r>
+            <a:r>
+              <a:rPr lang="pl-PL" sz="3200" i="1" dirty="0"/>
+              <a:t>Wartości </a:t>
+            </a:r>
+            <a:r>
+              <a:rPr lang="pl-PL" sz="3200" i="1" u="sng" dirty="0"/>
+              <a:t>wskaźników IWRA</a:t>
+            </a:r>
+            <a:r>
+              <a:rPr lang="pl-PL" sz="3200" i="1" dirty="0"/>
+              <a:t>, obliczonych na podstawie danych o zatrudnieniu i zarobkach absolwentów </a:t>
+            </a:r>
+            <a:r>
+              <a:rPr lang="pl-PL" sz="3200" i="1" u="sng" dirty="0"/>
+              <a:t>po roku</a:t>
+            </a:r>
+            <a:r>
+              <a:rPr lang="pl-PL" sz="3200" i="1" dirty="0"/>
+              <a:t> od uzyskania dyplomu, dla uczelni technicznych są wyższe niż dla pozostałych uczelni</a:t>
+            </a:r>
+            <a:r>
+              <a:rPr lang="en-GB" sz="3200" i="1" dirty="0"/>
+              <a:t> </a:t>
+            </a:r>
+            <a:r>
+              <a:rPr lang="en-GB" sz="3200" b="1" i="1" dirty="0"/>
+              <a:t>→</a:t>
+            </a:r>
+            <a:r>
+              <a:rPr lang="en-GB" sz="3200" dirty="0"/>
+              <a:t> </a:t>
+            </a:r>
+            <a:r>
+              <a:rPr lang="pl-PL" sz="3200" dirty="0"/>
+              <a:t>Nie potwierdzona</a:t>
+            </a:r>
+            <a:endParaRPr lang="en-GB" sz="3200" dirty="0"/>
           </a:p>
           <a:p>
             <a:pPr lvl="1"/>
             <a:r>
-              <a:rPr lang="pl-PL" sz="2000" dirty="0"/>
-              <a:t>wymaganiami </a:t>
-            </a:r>
-            <a:r>
-              <a:rPr lang="en-GB" sz="2000" dirty="0"/>
-              <a:t>PKA</a:t>
-            </a:r>
-          </a:p>
-          <a:p>
-            <a:r>
-              <a:rPr lang="pl-PL" sz="2400" dirty="0"/>
-              <a:t>na podstawie faktów</a:t>
-            </a:r>
-            <a:r>
-              <a:rPr lang="en-GB" sz="2400" dirty="0"/>
+              <a:rPr lang="en-GB" sz="3200" b="1" dirty="0"/>
+              <a:t>H3</a:t>
+            </a:r>
+            <a:r>
+              <a:rPr lang="pl-PL" sz="3200" b="1" dirty="0"/>
+              <a:t>f</a:t>
+            </a:r>
+            <a:r>
+              <a:rPr lang="en-GB" sz="3200" i="1" dirty="0"/>
+              <a:t>: </a:t>
+            </a:r>
+            <a:r>
+              <a:rPr lang="pl-PL" sz="3200" i="1" dirty="0"/>
+              <a:t>Wartości </a:t>
+            </a:r>
+            <a:r>
+              <a:rPr lang="pl-PL" sz="3200" i="1" u="sng" dirty="0"/>
+              <a:t>wskaźników IWRA</a:t>
+            </a:r>
+            <a:r>
+              <a:rPr lang="pl-PL" sz="3200" i="1" dirty="0"/>
+              <a:t>, obliczonych na podstawie danych o zatrudnieniu i zarobkach absolwentów </a:t>
+            </a:r>
+            <a:r>
+              <a:rPr lang="pl-PL" sz="3200" i="1" u="sng" dirty="0"/>
+              <a:t>po 3 latach</a:t>
+            </a:r>
+            <a:r>
+              <a:rPr lang="pl-PL" sz="3200" i="1" dirty="0"/>
+              <a:t> od uzyskania dyplomu, dla uczelni technicznych są wyższe niż dla pozostałych uczelni</a:t>
+            </a:r>
+            <a:r>
+              <a:rPr lang="en-GB" sz="3200" i="1" dirty="0"/>
               <a:t> </a:t>
             </a:r>
             <a:r>
-              <a:rPr lang="en-GB" sz="2400" b="1" dirty="0"/>
+              <a:rPr lang="en-GB" sz="3200" b="1" i="1" dirty="0"/>
               <a:t>→</a:t>
             </a:r>
             <a:r>
-              <a:rPr lang="en-GB" sz="2400" dirty="0"/>
+              <a:rPr lang="en-GB" sz="3200" dirty="0"/>
               <a:t> </a:t>
             </a:r>
-            <a:r>
-              <a:rPr lang="pl-PL" sz="2400" dirty="0"/>
-              <a:t>badania jakościowe i ilościowe</a:t>
-            </a:r>
-            <a:r>
-              <a:rPr lang="en-GB" sz="2400" dirty="0"/>
+            <a:br>
+              <a:rPr lang="pl-PL" sz="3200" dirty="0"/>
+            </a:br>
+            <a:r>
+              <a:rPr lang="pl-PL" sz="3200" b="1" dirty="0"/>
+              <a:t>Potwierdzona (H</a:t>
+            </a:r>
+            <a:r>
+              <a:rPr lang="pl-PL" sz="3200" b="1" baseline="-25000" dirty="0"/>
+              <a:t>0</a:t>
+            </a:r>
+            <a:r>
+              <a:rPr lang="pl-PL" sz="3200" b="1" dirty="0"/>
+              <a:t> odrzucona)</a:t>
+            </a:r>
+            <a:endParaRPr lang="en-GB" sz="3200" b="1" dirty="0"/>
+          </a:p>
+          <a:p>
+            <a:r>
+              <a:rPr lang="en-GB" sz="3800" b="1" dirty="0"/>
+              <a:t>H4:</a:t>
+            </a:r>
+            <a:r>
+              <a:rPr lang="en-GB" sz="3800" i="1" dirty="0"/>
               <a:t> </a:t>
             </a:r>
             <a:r>
-              <a:rPr lang="en-GB" sz="2400" b="1" dirty="0"/>
+              <a:rPr lang="pl-PL" sz="3800" i="1" dirty="0"/>
+              <a:t>Wyniki wskaźników IWRA polskich publicznych uczelni technicznych są pozytywnie skorelowane z jakością usług uczelni mierzoną przy pomocy rankingu Perspektywy</a:t>
+            </a:r>
+            <a:r>
+              <a:rPr lang="en-GB" sz="3800" dirty="0"/>
+              <a:t> </a:t>
+            </a:r>
+            <a:r>
+              <a:rPr lang="en-GB" sz="3800" b="1" i="1" dirty="0"/>
               <a:t>→</a:t>
             </a:r>
             <a:r>
-              <a:rPr lang="en-GB" sz="2400" dirty="0"/>
+              <a:rPr lang="en-GB" sz="3800" dirty="0"/>
               <a:t> </a:t>
             </a:r>
-            <a:br>
-              <a:rPr lang="en-GB" sz="2400" dirty="0"/>
-            </a:br>
-            <a:r>
-              <a:rPr lang="pl-PL" sz="2400" u="sng" dirty="0"/>
-              <a:t>etapy</a:t>
-            </a:r>
-            <a:r>
-              <a:rPr lang="en-GB" sz="2400" u="sng" dirty="0"/>
-              <a:t> 3, 4, 5</a:t>
-            </a:r>
-          </a:p>
-          <a:p>
-            <a:r>
-              <a:rPr lang="pl-PL" sz="2400" dirty="0"/>
-              <a:t>wdrażanie - wybór metod zwinnych lub projektowych</a:t>
-            </a:r>
-            <a:r>
-              <a:rPr lang="en-GB" sz="2400" dirty="0"/>
+            <a:r>
+              <a:rPr lang="pl-PL" sz="3800" b="1" dirty="0"/>
+              <a:t>Potwierdzona (H</a:t>
+            </a:r>
+            <a:r>
+              <a:rPr lang="pl-PL" sz="3800" b="1" baseline="-25000" dirty="0"/>
+              <a:t>0</a:t>
+            </a:r>
+            <a:r>
+              <a:rPr lang="pl-PL" sz="3800" b="1" dirty="0"/>
+              <a:t> odrzucona)</a:t>
+            </a:r>
+          </a:p>
+          <a:p>
+            <a:r>
+              <a:rPr lang="pl-PL" sz="3800" b="1" dirty="0"/>
+              <a:t>H5:</a:t>
+            </a:r>
+            <a:r>
+              <a:rPr lang="pl-PL" sz="3800" b="1" i="1" dirty="0"/>
               <a:t> </a:t>
             </a:r>
             <a:r>
-              <a:rPr lang="en-GB" sz="2400" b="1" dirty="0"/>
+              <a:rPr lang="pl-PL" sz="3800" i="1" dirty="0"/>
+              <a:t>Wyniki wskaźników IWRA są pozytywnie skorelowane z wynikami oceny prestiżu uczelni </a:t>
+            </a:r>
+            <a:r>
+              <a:rPr lang="en-GB" sz="3800" b="1" i="1" dirty="0"/>
               <a:t>→</a:t>
             </a:r>
             <a:r>
-              <a:rPr lang="en-GB" sz="2400" dirty="0"/>
+              <a:rPr lang="en-GB" sz="3800" dirty="0"/>
               <a:t> </a:t>
             </a:r>
             <a:r>
-              <a:rPr lang="pl-PL" sz="2400" u="sng" dirty="0"/>
-              <a:t>etap</a:t>
-            </a:r>
-            <a:r>
-              <a:rPr lang="en-GB" sz="2400" u="sng" dirty="0"/>
-              <a:t> 7</a:t>
-            </a:r>
-          </a:p>
-          <a:p>
-            <a:endParaRPr lang="en-GB" dirty="0"/>
-          </a:p>
-        </p:txBody>
-      </p:sp>
-      <p:sp>
-        <p:nvSpPr>
-          <p:cNvPr id="3" name="Slide Number Placeholder 2">
-            <a:extLst>
-              <a:ext uri="{FF2B5EF4-FFF2-40B4-BE49-F238E27FC236}">
-                <a16:creationId xmlns:a16="http://schemas.microsoft.com/office/drawing/2014/main" id="{5CAD4500-ADCB-5084-A82A-D4F7660BB6A8}"/>
+              <a:rPr lang="pl-PL" sz="3800" b="1" dirty="0"/>
+              <a:t>Potwierdzona (H</a:t>
+            </a:r>
+            <a:r>
+              <a:rPr lang="pl-PL" sz="3800" b="1" baseline="-25000" dirty="0"/>
+              <a:t>0</a:t>
+            </a:r>
+            <a:r>
+              <a:rPr lang="pl-PL" sz="3800" b="1" dirty="0"/>
+              <a:t> odrzucona)</a:t>
+            </a:r>
+          </a:p>
+        </p:txBody>
+      </p:sp>
+      <p:sp>
+        <p:nvSpPr>
+          <p:cNvPr id="4" name="Slide Number Placeholder 3">
+            <a:extLst>
+              <a:ext uri="{FF2B5EF4-FFF2-40B4-BE49-F238E27FC236}">
+                <a16:creationId xmlns:a16="http://schemas.microsoft.com/office/drawing/2014/main" id="{94C0226D-A1C0-885D-D2CC-651E1EE64407}"/>
               </a:ext>
             </a:extLst>
           </p:cNvPr>
@@ -7239,45 +7643,10 @@
           </a:p>
         </p:txBody>
       </p:sp>
-      <p:pic>
-        <p:nvPicPr>
-          <p:cNvPr id="13" name="Content Placeholder 12">
-            <a:extLst>
-              <a:ext uri="{FF2B5EF4-FFF2-40B4-BE49-F238E27FC236}">
-                <a16:creationId xmlns:a16="http://schemas.microsoft.com/office/drawing/2014/main" id="{832F76EC-66D5-F8D1-556C-8062AB273C47}"/>
-              </a:ext>
-            </a:extLst>
-          </p:cNvPr>
-          <p:cNvPicPr>
-            <a:picLocks noGrp="1" noChangeAspect="1"/>
-          </p:cNvPicPr>
-          <p:nvPr>
-            <p:ph sz="half" idx="2"/>
-          </p:nvPr>
-        </p:nvPicPr>
-        <p:blipFill>
-          <a:blip r:embed="rId2">
-            <a:extLst>
-              <a:ext uri="{28A0092B-C50C-407E-A947-70E740481C1C}">
-                <a14:useLocalDpi xmlns:a14="http://schemas.microsoft.com/office/drawing/2010/main" val="0"/>
-              </a:ext>
-            </a:extLst>
-          </a:blip>
-          <a:stretch>
-            <a:fillRect/>
-          </a:stretch>
-        </p:blipFill>
-        <p:spPr>
-          <a:xfrm>
-            <a:off x="5338200" y="1909646"/>
-            <a:ext cx="6641315" cy="3888000"/>
-          </a:xfrm>
-        </p:spPr>
-      </p:pic>
     </p:spTree>
     <p:extLst>
       <p:ext uri="{BB962C8B-B14F-4D97-AF65-F5344CB8AC3E}">
-        <p14:creationId xmlns:p14="http://schemas.microsoft.com/office/powerpoint/2010/main" val="1961115062"/>
+        <p14:creationId xmlns:p14="http://schemas.microsoft.com/office/powerpoint/2010/main" val="1349690823"/>
       </p:ext>
     </p:extLst>
   </p:cSld>
@@ -7320,736 +7689,190 @@
             <p:ph type="title"/>
           </p:nvPr>
         </p:nvSpPr>
+        <p:spPr/>
+        <p:txBody>
+          <a:bodyPr>
+            <a:normAutofit/>
+          </a:bodyPr>
+          <a:lstStyle/>
+          <a:p>
+            <a:r>
+              <a:rPr lang="pl-PL" dirty="0"/>
+              <a:t>Proponowane narzędzie</a:t>
+            </a:r>
+            <a:r>
+              <a:rPr lang="en-GB" dirty="0"/>
+              <a:t> - SSDQM</a:t>
+            </a:r>
+          </a:p>
+        </p:txBody>
+      </p:sp>
+      <p:sp>
+        <p:nvSpPr>
+          <p:cNvPr id="9" name="Symbol zastępczy zawartości 8">
+            <a:extLst>
+              <a:ext uri="{FF2B5EF4-FFF2-40B4-BE49-F238E27FC236}">
+                <a16:creationId xmlns:a16="http://schemas.microsoft.com/office/drawing/2014/main" id="{64173AA8-6E89-4AEF-5FDF-8C44185B4716}"/>
+              </a:ext>
+            </a:extLst>
+          </p:cNvPr>
+          <p:cNvSpPr>
+            <a:spLocks noGrp="1"/>
+          </p:cNvSpPr>
+          <p:nvPr>
+            <p:ph sz="half" idx="1"/>
+          </p:nvPr>
+        </p:nvSpPr>
         <p:spPr>
           <a:xfrm>
-            <a:off x="846666" y="352425"/>
-            <a:ext cx="10640825" cy="1325563"/>
+            <a:off x="838199" y="1825625"/>
+            <a:ext cx="4565073" cy="4351338"/>
           </a:xfrm>
         </p:spPr>
         <p:txBody>
           <a:bodyPr>
-            <a:normAutofit fontScale="90000"/>
+            <a:normAutofit fontScale="85000" lnSpcReduction="10000"/>
           </a:bodyPr>
           <a:lstStyle/>
           <a:p>
             <a:r>
-              <a:rPr lang="pl-PL" dirty="0"/>
-              <a:t>Zestaw wskaźników wspierających </a:t>
-            </a:r>
-            <a:r>
-              <a:rPr lang="en-GB" dirty="0" err="1"/>
-              <a:t>implementa</a:t>
-            </a:r>
-            <a:r>
-              <a:rPr lang="pl-PL" dirty="0" err="1"/>
-              <a:t>cję</a:t>
-            </a:r>
-            <a:r>
-              <a:rPr lang="en-GB" dirty="0"/>
-              <a:t> SSDQM </a:t>
-            </a:r>
-            <a:r>
-              <a:rPr lang="pl-PL" dirty="0"/>
-              <a:t>na uczelni technicznej</a:t>
-            </a:r>
+              <a:rPr lang="pl-PL" sz="2400" b="1" dirty="0"/>
+              <a:t>Model Doskonalenia Systemu Zarządzania Jakością Inspirowany Satysfakcją Interesariuszy </a:t>
+            </a:r>
+            <a:r>
+              <a:rPr lang="pl-PL" sz="2400" dirty="0"/>
+              <a:t>(główne etapy)</a:t>
+            </a:r>
+          </a:p>
+          <a:p>
+            <a:pPr marL="0" indent="0">
+              <a:buNone/>
+            </a:pPr>
+            <a:r>
+              <a:rPr lang="pl-PL" sz="2200" i="1" dirty="0"/>
+              <a:t>(</a:t>
+            </a:r>
+            <a:r>
+              <a:rPr lang="en-GB" sz="2200" i="1" dirty="0"/>
+              <a:t>Stakeholders Satisfaction Driven Quality Management Model</a:t>
+            </a:r>
+            <a:r>
+              <a:rPr lang="pl-PL" sz="2200" i="1" dirty="0"/>
+              <a:t>)</a:t>
+            </a:r>
+            <a:br>
+              <a:rPr lang="en-GB" sz="2200" dirty="0"/>
+            </a:br>
+            <a:endParaRPr lang="pl-PL" sz="2200" dirty="0"/>
+          </a:p>
+          <a:p>
+            <a:r>
+              <a:rPr lang="pl-PL" sz="2400" dirty="0"/>
+              <a:t>Wspiera zgodność z</a:t>
+            </a:r>
+            <a:r>
+              <a:rPr lang="en-GB" sz="2400" dirty="0"/>
+              <a:t>:</a:t>
+            </a:r>
+          </a:p>
+          <a:p>
+            <a:pPr lvl="1"/>
+            <a:r>
+              <a:rPr lang="en-GB" sz="2000" dirty="0"/>
+              <a:t>ISO21001:2018</a:t>
+            </a:r>
+          </a:p>
+          <a:p>
+            <a:pPr lvl="1"/>
+            <a:r>
+              <a:rPr lang="pl-PL" sz="2000" dirty="0"/>
+              <a:t>wymaganiami </a:t>
+            </a:r>
+            <a:r>
+              <a:rPr lang="en-GB" sz="2000" dirty="0"/>
+              <a:t>PKA</a:t>
+            </a:r>
+          </a:p>
+          <a:p>
+            <a:r>
+              <a:rPr lang="pl-PL" sz="2400" dirty="0"/>
+              <a:t>na podstawie faktów</a:t>
+            </a:r>
+            <a:r>
+              <a:rPr lang="en-GB" sz="2400" dirty="0"/>
+              <a:t> </a:t>
+            </a:r>
+            <a:r>
+              <a:rPr lang="en-GB" sz="2400" b="1" dirty="0"/>
+              <a:t>→</a:t>
+            </a:r>
+            <a:r>
+              <a:rPr lang="en-GB" sz="2400" dirty="0"/>
+              <a:t> </a:t>
+            </a:r>
+            <a:r>
+              <a:rPr lang="pl-PL" sz="2400" dirty="0"/>
+              <a:t>badania jakościowe i ilościowe</a:t>
+            </a:r>
+            <a:r>
+              <a:rPr lang="en-GB" sz="2400" dirty="0"/>
+              <a:t> </a:t>
+            </a:r>
+            <a:r>
+              <a:rPr lang="pl-PL" sz="2400" dirty="0"/>
+              <a:t>(</a:t>
+            </a:r>
+            <a:r>
+              <a:rPr lang="pl-PL" sz="2400" u="sng" dirty="0"/>
+              <a:t>etapy</a:t>
+            </a:r>
+            <a:r>
+              <a:rPr lang="en-GB" sz="2400" u="sng" dirty="0"/>
+              <a:t> 3, 4, 5</a:t>
+            </a:r>
+            <a:r>
+              <a:rPr lang="pl-PL" sz="2400" u="sng" dirty="0"/>
+              <a:t>)</a:t>
+            </a:r>
+            <a:endParaRPr lang="en-GB" sz="2400" u="sng" dirty="0"/>
+          </a:p>
+          <a:p>
+            <a:r>
+              <a:rPr lang="pl-PL" sz="2400" dirty="0"/>
+              <a:t>wdrażanie - wybór metod zwinnych lub projektowych</a:t>
+            </a:r>
+            <a:r>
+              <a:rPr lang="en-GB" sz="2400" dirty="0"/>
+              <a:t> </a:t>
+            </a:r>
+            <a:r>
+              <a:rPr lang="en-GB" sz="2400" b="1" dirty="0"/>
+              <a:t>→</a:t>
+            </a:r>
+            <a:r>
+              <a:rPr lang="en-GB" sz="2400" dirty="0"/>
+              <a:t> </a:t>
+            </a:r>
+            <a:r>
+              <a:rPr lang="pl-PL" sz="2400" u="sng" dirty="0"/>
+              <a:t>etap</a:t>
+            </a:r>
+            <a:r>
+              <a:rPr lang="en-GB" sz="2400" u="sng" dirty="0"/>
+              <a:t> 7</a:t>
+            </a:r>
+          </a:p>
+          <a:p>
             <a:endParaRPr lang="en-GB" dirty="0"/>
           </a:p>
         </p:txBody>
       </p:sp>
-      <p:graphicFrame>
-        <p:nvGraphicFramePr>
-          <p:cNvPr id="5" name="Symbol zastępczy zawartości 4">
-            <a:extLst>
-              <a:ext uri="{FF2B5EF4-FFF2-40B4-BE49-F238E27FC236}">
-                <a16:creationId xmlns:a16="http://schemas.microsoft.com/office/drawing/2014/main" id="{2840488D-2F8D-4AB8-56AC-8A9A25522636}"/>
-              </a:ext>
-            </a:extLst>
-          </p:cNvPr>
-          <p:cNvGraphicFramePr>
-            <a:graphicFrameLocks noGrp="1"/>
-          </p:cNvGraphicFramePr>
-          <p:nvPr>
-            <p:ph idx="1"/>
-            <p:extLst>
-              <p:ext uri="{D42A27DB-BD31-4B8C-83A1-F6EECF244321}">
-                <p14:modId xmlns:p14="http://schemas.microsoft.com/office/powerpoint/2010/main" val="2896269305"/>
-              </p:ext>
-            </p:extLst>
-          </p:nvPr>
-        </p:nvGraphicFramePr>
-        <p:xfrm>
-          <a:off x="540000" y="1656000"/>
-          <a:ext cx="10800000" cy="5151120"/>
-        </p:xfrm>
-        <a:graphic>
-          <a:graphicData uri="http://schemas.openxmlformats.org/drawingml/2006/table">
-            <a:tbl>
-              <a:tblPr firstRow="1" bandRow="1">
-                <a:tableStyleId>{6E25E649-3F16-4E02-A733-19D2CDBF48F0}</a:tableStyleId>
-              </a:tblPr>
-              <a:tblGrid>
-                <a:gridCol w="540000">
-                  <a:extLst>
-                    <a:ext uri="{9D8B030D-6E8A-4147-A177-3AD203B41FA5}">
-                      <a16:colId xmlns:a16="http://schemas.microsoft.com/office/drawing/2014/main" val="4184946963"/>
-                    </a:ext>
-                  </a:extLst>
-                </a:gridCol>
-                <a:gridCol w="3240000">
-                  <a:extLst>
-                    <a:ext uri="{9D8B030D-6E8A-4147-A177-3AD203B41FA5}">
-                      <a16:colId xmlns:a16="http://schemas.microsoft.com/office/drawing/2014/main" val="3890887164"/>
-                    </a:ext>
-                  </a:extLst>
-                </a:gridCol>
-                <a:gridCol w="7020000">
-                  <a:extLst>
-                    <a:ext uri="{9D8B030D-6E8A-4147-A177-3AD203B41FA5}">
-                      <a16:colId xmlns:a16="http://schemas.microsoft.com/office/drawing/2014/main" val="2266764157"/>
-                    </a:ext>
-                  </a:extLst>
-                </a:gridCol>
-              </a:tblGrid>
-              <a:tr h="0">
-                <a:tc>
-                  <a:txBody>
-                    <a:bodyPr/>
-                    <a:lstStyle/>
-                    <a:p>
-                      <a:r>
-                        <a:rPr lang="en-GB" sz="1600" noProof="0" dirty="0"/>
-                        <a:t>No.</a:t>
-                      </a:r>
-                    </a:p>
-                  </a:txBody>
-                  <a:tcPr/>
-                </a:tc>
-                <a:tc>
-                  <a:txBody>
-                    <a:bodyPr/>
-                    <a:lstStyle/>
-                    <a:p>
-                      <a:r>
-                        <a:rPr lang="en-GB" sz="1600" noProof="0" dirty="0"/>
-                        <a:t>Name</a:t>
-                      </a:r>
-                    </a:p>
-                  </a:txBody>
-                  <a:tcPr/>
-                </a:tc>
-                <a:tc>
-                  <a:txBody>
-                    <a:bodyPr/>
-                    <a:lstStyle/>
-                    <a:p>
-                      <a:r>
-                        <a:rPr lang="pl-PL" sz="1600" dirty="0" err="1"/>
-                        <a:t>Description</a:t>
-                      </a:r>
-                      <a:r>
-                        <a:rPr lang="pl-PL" sz="1600" dirty="0"/>
-                        <a:t> / </a:t>
-                      </a:r>
-                      <a:r>
-                        <a:rPr lang="pl-PL" sz="1600" dirty="0" err="1"/>
-                        <a:t>Comment</a:t>
-                      </a:r>
-                      <a:endParaRPr lang="en-GB" sz="1600" noProof="0" dirty="0"/>
-                    </a:p>
-                  </a:txBody>
-                  <a:tcPr/>
-                </a:tc>
-                <a:extLst>
-                  <a:ext uri="{0D108BD9-81ED-4DB2-BD59-A6C34878D82A}">
-                    <a16:rowId xmlns:a16="http://schemas.microsoft.com/office/drawing/2014/main" val="4123723076"/>
-                  </a:ext>
-                </a:extLst>
-              </a:tr>
-              <a:tr h="0">
-                <a:tc>
-                  <a:txBody>
-                    <a:bodyPr/>
-                    <a:lstStyle/>
-                    <a:p>
-                      <a:r>
-                        <a:rPr lang="en-GB" sz="1600" noProof="0" dirty="0"/>
-                        <a:t>1.</a:t>
-                      </a:r>
-                    </a:p>
-                  </a:txBody>
-                  <a:tcPr/>
-                </a:tc>
-                <a:tc>
-                  <a:txBody>
-                    <a:bodyPr/>
-                    <a:lstStyle/>
-                    <a:p>
-                      <a:r>
-                        <a:rPr lang="en-GB" sz="1600" b="1" noProof="0" dirty="0"/>
-                        <a:t>SSI (aggregated)</a:t>
-                      </a:r>
-                    </a:p>
-                  </a:txBody>
-                  <a:tcPr/>
-                </a:tc>
-                <a:tc>
-                  <a:txBody>
-                    <a:bodyPr/>
-                    <a:lstStyle/>
-                    <a:p>
-                      <a:r>
-                        <a:rPr lang="en-GB" sz="1600" noProof="0" dirty="0"/>
-                        <a:t>Aggregated Stakeholder Satisfaction Index</a:t>
-                      </a:r>
-                    </a:p>
-                  </a:txBody>
-                  <a:tcPr/>
-                </a:tc>
-                <a:extLst>
-                  <a:ext uri="{0D108BD9-81ED-4DB2-BD59-A6C34878D82A}">
-                    <a16:rowId xmlns:a16="http://schemas.microsoft.com/office/drawing/2014/main" val="3468548103"/>
-                  </a:ext>
-                </a:extLst>
-              </a:tr>
-              <a:tr h="0">
-                <a:tc>
-                  <a:txBody>
-                    <a:bodyPr/>
-                    <a:lstStyle/>
-                    <a:p>
-                      <a:r>
-                        <a:rPr lang="en-GB" sz="1600" noProof="0" dirty="0"/>
-                        <a:t>2.</a:t>
-                      </a:r>
-                    </a:p>
-                  </a:txBody>
-                  <a:tcPr/>
-                </a:tc>
-                <a:tc>
-                  <a:txBody>
-                    <a:bodyPr/>
-                    <a:lstStyle/>
-                    <a:p>
-                      <a:r>
-                        <a:rPr lang="en-GB" sz="1600" b="1" noProof="0" dirty="0"/>
-                        <a:t>Partial SSI indexes</a:t>
-                      </a:r>
-                    </a:p>
-                  </a:txBody>
-                  <a:tcPr/>
-                </a:tc>
-                <a:tc>
-                  <a:txBody>
-                    <a:bodyPr/>
-                    <a:lstStyle/>
-                    <a:p>
-                      <a:r>
-                        <a:rPr lang="en-GB" sz="1600" noProof="0" dirty="0"/>
-                        <a:t>Satisfaction measures calculated separately for each stakeholder group</a:t>
-                      </a:r>
-                    </a:p>
-                  </a:txBody>
-                  <a:tcPr/>
-                </a:tc>
-                <a:extLst>
-                  <a:ext uri="{0D108BD9-81ED-4DB2-BD59-A6C34878D82A}">
-                    <a16:rowId xmlns:a16="http://schemas.microsoft.com/office/drawing/2014/main" val="283931100"/>
-                  </a:ext>
-                </a:extLst>
-              </a:tr>
-              <a:tr h="0">
-                <a:tc>
-                  <a:txBody>
-                    <a:bodyPr/>
-                    <a:lstStyle/>
-                    <a:p>
-                      <a:r>
-                        <a:rPr lang="en-GB" sz="1600" noProof="0" dirty="0"/>
-                        <a:t>3.</a:t>
-                      </a:r>
-                    </a:p>
-                  </a:txBody>
-                  <a:tcPr/>
-                </a:tc>
-                <a:tc>
-                  <a:txBody>
-                    <a:bodyPr/>
-                    <a:lstStyle/>
-                    <a:p>
-                      <a:r>
-                        <a:rPr lang="en-GB" sz="1600" b="1" noProof="0" dirty="0"/>
-                        <a:t>Number of </a:t>
-                      </a:r>
-                      <a:r>
-                        <a:rPr lang="en-GB" sz="1600" b="1" noProof="0" dirty="0" err="1"/>
-                        <a:t>Habilitation</a:t>
-                      </a:r>
-                      <a:r>
-                        <a:rPr lang="en-GB" sz="1600" b="1" noProof="0" dirty="0"/>
-                        <a:t> Rights</a:t>
-                      </a:r>
-                    </a:p>
-                  </a:txBody>
-                  <a:tcPr/>
-                </a:tc>
-                <a:tc>
-                  <a:txBody>
-                    <a:bodyPr/>
-                    <a:lstStyle/>
-                    <a:p>
-                      <a:pPr marL="285750" indent="-285750">
-                        <a:buFont typeface="Arial" panose="020B0604020202020204" pitchFamily="34" charset="0"/>
-                        <a:buChar char="•"/>
-                      </a:pPr>
-                      <a:r>
-                        <a:rPr lang="pl-PL" sz="1600" noProof="0" dirty="0"/>
-                        <a:t>the </a:t>
-                      </a:r>
-                      <a:r>
-                        <a:rPr lang="en-GB" sz="1600" noProof="0" dirty="0"/>
-                        <a:t>strong</a:t>
-                      </a:r>
-                      <a:r>
-                        <a:rPr lang="pl-PL" sz="1600" noProof="0" dirty="0" err="1"/>
-                        <a:t>est</a:t>
-                      </a:r>
-                      <a:r>
-                        <a:rPr lang="en-GB" sz="1600" noProof="0" dirty="0"/>
-                        <a:t> correlated with </a:t>
-                      </a:r>
-                      <a:r>
-                        <a:rPr lang="en-GB" sz="1600" noProof="0" dirty="0" err="1"/>
-                        <a:t>Perspektywy</a:t>
-                      </a:r>
-                      <a:r>
-                        <a:rPr lang="en-GB" sz="1600" noProof="0" dirty="0"/>
-                        <a:t> ranking</a:t>
-                      </a:r>
-                    </a:p>
-                    <a:p>
-                      <a:pPr marL="285750" indent="-285750">
-                        <a:buFont typeface="Arial" panose="020B0604020202020204" pitchFamily="34" charset="0"/>
-                        <a:buChar char="•"/>
-                      </a:pPr>
-                      <a:r>
-                        <a:rPr lang="en-GB" sz="1600" noProof="0" dirty="0"/>
-                        <a:t>improvements largely dependent on university actions</a:t>
-                      </a:r>
-                    </a:p>
-                  </a:txBody>
-                  <a:tcPr/>
-                </a:tc>
-                <a:extLst>
-                  <a:ext uri="{0D108BD9-81ED-4DB2-BD59-A6C34878D82A}">
-                    <a16:rowId xmlns:a16="http://schemas.microsoft.com/office/drawing/2014/main" val="1773519349"/>
-                  </a:ext>
-                </a:extLst>
-              </a:tr>
-              <a:tr h="0">
-                <a:tc>
-                  <a:txBody>
-                    <a:bodyPr/>
-                    <a:lstStyle/>
-                    <a:p>
-                      <a:r>
-                        <a:rPr lang="en-GB" sz="1600" noProof="0" dirty="0"/>
-                        <a:t>4.</a:t>
-                      </a:r>
-                    </a:p>
-                  </a:txBody>
-                  <a:tcPr/>
-                </a:tc>
-                <a:tc>
-                  <a:txBody>
-                    <a:bodyPr/>
-                    <a:lstStyle/>
-                    <a:p>
-                      <a:r>
-                        <a:rPr lang="en-GB" sz="1600" b="1" noProof="0" dirty="0"/>
-                        <a:t>Parametric Assessment</a:t>
-                      </a:r>
-                    </a:p>
-                  </a:txBody>
-                  <a:tcPr/>
-                </a:tc>
-                <a:tc>
-                  <a:txBody>
-                    <a:bodyPr/>
-                    <a:lstStyle/>
-                    <a:p>
-                      <a:r>
-                        <a:rPr lang="en-GB" sz="1600" noProof="0" dirty="0"/>
-                        <a:t>The number and level of parametric grades obtained in various scientific disciplines during the evaluation of scientific activity quality.</a:t>
-                      </a:r>
-                    </a:p>
-                  </a:txBody>
-                  <a:tcPr/>
-                </a:tc>
-                <a:extLst>
-                  <a:ext uri="{0D108BD9-81ED-4DB2-BD59-A6C34878D82A}">
-                    <a16:rowId xmlns:a16="http://schemas.microsoft.com/office/drawing/2014/main" val="796171817"/>
-                  </a:ext>
-                </a:extLst>
-              </a:tr>
-              <a:tr h="0">
-                <a:tc>
-                  <a:txBody>
-                    <a:bodyPr/>
-                    <a:lstStyle/>
-                    <a:p>
-                      <a:r>
-                        <a:rPr lang="en-GB" sz="1600" noProof="0" dirty="0"/>
-                        <a:t>5.</a:t>
-                      </a:r>
-                    </a:p>
-                  </a:txBody>
-                  <a:tcPr/>
-                </a:tc>
-                <a:tc>
-                  <a:txBody>
-                    <a:bodyPr/>
-                    <a:lstStyle/>
-                    <a:p>
-                      <a:r>
-                        <a:rPr lang="en-GB" sz="1600" b="1" noProof="0" dirty="0"/>
-                        <a:t>Position in Webometrics ranking</a:t>
-                      </a:r>
-                    </a:p>
-                  </a:txBody>
-                  <a:tcPr/>
-                </a:tc>
-                <a:tc>
-                  <a:txBody>
-                    <a:bodyPr/>
-                    <a:lstStyle/>
-                    <a:p>
-                      <a:pPr marL="285750" indent="-285750">
-                        <a:buFont typeface="Arial" panose="020B0604020202020204" pitchFamily="34" charset="0"/>
-                        <a:buChar char="•"/>
-                      </a:pPr>
-                      <a:r>
-                        <a:rPr lang="en-GB" sz="1600" noProof="0" dirty="0"/>
-                        <a:t>extremely easy to monitor; twice a year</a:t>
-                      </a:r>
-                    </a:p>
-                    <a:p>
-                      <a:pPr marL="285750" indent="-285750">
-                        <a:buFont typeface="Arial" panose="020B0604020202020204" pitchFamily="34" charset="0"/>
-                        <a:buChar char="•"/>
-                      </a:pPr>
-                      <a:r>
-                        <a:rPr lang="en-GB" sz="1600" noProof="0" dirty="0"/>
-                        <a:t>correlation with the employment level of graduates (3Y)</a:t>
-                      </a:r>
-                    </a:p>
-                  </a:txBody>
-                  <a:tcPr/>
-                </a:tc>
-                <a:extLst>
-                  <a:ext uri="{0D108BD9-81ED-4DB2-BD59-A6C34878D82A}">
-                    <a16:rowId xmlns:a16="http://schemas.microsoft.com/office/drawing/2014/main" val="3202516766"/>
-                  </a:ext>
-                </a:extLst>
-              </a:tr>
-              <a:tr h="0">
-                <a:tc>
-                  <a:txBody>
-                    <a:bodyPr/>
-                    <a:lstStyle/>
-                    <a:p>
-                      <a:r>
-                        <a:rPr lang="en-GB" sz="1600" noProof="0" dirty="0"/>
-                        <a:t>6.</a:t>
-                      </a:r>
-                    </a:p>
-                  </a:txBody>
-                  <a:tcPr/>
-                </a:tc>
-                <a:tc>
-                  <a:txBody>
-                    <a:bodyPr/>
-                    <a:lstStyle/>
-                    <a:p>
-                      <a:r>
-                        <a:rPr lang="en-GB" sz="1600" noProof="0" dirty="0"/>
-                        <a:t>International Recognition</a:t>
-                      </a:r>
-                    </a:p>
-                  </a:txBody>
-                  <a:tcPr/>
-                </a:tc>
-                <a:tc>
-                  <a:txBody>
-                    <a:bodyPr/>
-                    <a:lstStyle/>
-                    <a:p>
-                      <a:pPr marL="285750" indent="-285750">
-                        <a:buFont typeface="Arial" panose="020B0604020202020204" pitchFamily="34" charset="0"/>
-                        <a:buChar char="•"/>
-                      </a:pPr>
-                      <a:r>
-                        <a:rPr lang="en-GB" sz="1600" noProof="0" dirty="0"/>
-                        <a:t>from </a:t>
-                      </a:r>
-                      <a:r>
-                        <a:rPr lang="en-GB" sz="1600" noProof="0" dirty="0" err="1"/>
-                        <a:t>Perspektywy</a:t>
-                      </a:r>
-                      <a:r>
-                        <a:rPr lang="en-GB" sz="1600" noProof="0" dirty="0"/>
-                        <a:t> ranking</a:t>
-                      </a:r>
-                    </a:p>
-                    <a:p>
-                      <a:pPr marL="285750" indent="-285750">
-                        <a:buFont typeface="Arial" panose="020B0604020202020204" pitchFamily="34" charset="0"/>
-                        <a:buChar char="•"/>
-                      </a:pPr>
-                      <a:r>
-                        <a:rPr lang="en-GB" sz="1600" noProof="0" dirty="0"/>
-                        <a:t>strong correlation with the overall score in the ranking</a:t>
-                      </a:r>
-                    </a:p>
-                  </a:txBody>
-                  <a:tcPr/>
-                </a:tc>
-                <a:extLst>
-                  <a:ext uri="{0D108BD9-81ED-4DB2-BD59-A6C34878D82A}">
-                    <a16:rowId xmlns:a16="http://schemas.microsoft.com/office/drawing/2014/main" val="21566169"/>
-                  </a:ext>
-                </a:extLst>
-              </a:tr>
-              <a:tr h="0">
-                <a:tc>
-                  <a:txBody>
-                    <a:bodyPr/>
-                    <a:lstStyle/>
-                    <a:p>
-                      <a:r>
-                        <a:rPr lang="en-GB" sz="1600" noProof="0" dirty="0"/>
-                        <a:t>7.</a:t>
-                      </a:r>
-                    </a:p>
-                  </a:txBody>
-                  <a:tcPr/>
-                </a:tc>
-                <a:tc>
-                  <a:txBody>
-                    <a:bodyPr/>
-                    <a:lstStyle/>
-                    <a:p>
-                      <a:r>
-                        <a:rPr lang="en-GB" sz="1600" noProof="0" dirty="0"/>
-                        <a:t>WOP index</a:t>
-                      </a:r>
-                    </a:p>
-                  </a:txBody>
-                  <a:tcPr/>
-                </a:tc>
-                <a:tc>
-                  <a:txBody>
-                    <a:bodyPr/>
-                    <a:lstStyle/>
-                    <a:p>
-                      <a:pPr marL="285750" indent="-285750">
-                        <a:buFont typeface="Arial" panose="020B0604020202020204" pitchFamily="34" charset="0"/>
-                        <a:buChar char="•"/>
-                      </a:pPr>
-                      <a:r>
-                        <a:rPr lang="en-GB" sz="1600" noProof="0" dirty="0"/>
-                        <a:t>based on </a:t>
-                      </a:r>
-                      <a:r>
-                        <a:rPr lang="en-GB" sz="1600" noProof="0" dirty="0" err="1"/>
-                        <a:t>Perspektywy</a:t>
-                      </a:r>
-                      <a:r>
-                        <a:rPr lang="en-GB" sz="1600" noProof="0" dirty="0"/>
-                        <a:t> ranking; weighted score – not position</a:t>
-                      </a:r>
-                    </a:p>
-                  </a:txBody>
-                  <a:tcPr/>
-                </a:tc>
-                <a:extLst>
-                  <a:ext uri="{0D108BD9-81ED-4DB2-BD59-A6C34878D82A}">
-                    <a16:rowId xmlns:a16="http://schemas.microsoft.com/office/drawing/2014/main" val="2667974067"/>
-                  </a:ext>
-                </a:extLst>
-              </a:tr>
-              <a:tr h="0">
-                <a:tc>
-                  <a:txBody>
-                    <a:bodyPr/>
-                    <a:lstStyle/>
-                    <a:p>
-                      <a:r>
-                        <a:rPr lang="en-GB" sz="1600" noProof="0" dirty="0"/>
-                        <a:t>8.</a:t>
-                      </a:r>
-                    </a:p>
-                  </a:txBody>
-                  <a:tcPr/>
-                </a:tc>
-                <a:tc>
-                  <a:txBody>
-                    <a:bodyPr/>
-                    <a:lstStyle/>
-                    <a:p>
-                      <a:r>
-                        <a:rPr lang="en-GB" sz="1600" noProof="0" dirty="0"/>
-                        <a:t>Graduate Earnings (3Y)</a:t>
-                      </a:r>
-                    </a:p>
-                  </a:txBody>
-                  <a:tcPr/>
-                </a:tc>
-                <a:tc>
-                  <a:txBody>
-                    <a:bodyPr/>
-                    <a:lstStyle/>
-                    <a:p>
-                      <a:r>
-                        <a:rPr lang="en-GB" sz="1600" noProof="0" dirty="0"/>
-                        <a:t>Based on the nationwide ELA survey, or on other proprietary research.</a:t>
-                      </a:r>
-                    </a:p>
-                  </a:txBody>
-                  <a:tcPr/>
-                </a:tc>
-                <a:extLst>
-                  <a:ext uri="{0D108BD9-81ED-4DB2-BD59-A6C34878D82A}">
-                    <a16:rowId xmlns:a16="http://schemas.microsoft.com/office/drawing/2014/main" val="495237317"/>
-                  </a:ext>
-                </a:extLst>
-              </a:tr>
-              <a:tr h="0">
-                <a:tc>
-                  <a:txBody>
-                    <a:bodyPr/>
-                    <a:lstStyle/>
-                    <a:p>
-                      <a:r>
-                        <a:rPr lang="en-GB" sz="1600" noProof="0" dirty="0"/>
-                        <a:t>9.</a:t>
-                      </a:r>
-                    </a:p>
-                  </a:txBody>
-                  <a:tcPr/>
-                </a:tc>
-                <a:tc>
-                  <a:txBody>
-                    <a:bodyPr/>
-                    <a:lstStyle/>
-                    <a:p>
-                      <a:r>
-                        <a:rPr lang="en-GB" sz="1600" noProof="0" dirty="0"/>
-                        <a:t>Graduate Employment (3Y)</a:t>
-                      </a:r>
-                    </a:p>
-                  </a:txBody>
-                  <a:tcPr/>
-                </a:tc>
-                <a:tc>
-                  <a:txBody>
-                    <a:bodyPr/>
-                    <a:lstStyle/>
-                    <a:p>
-                      <a:pPr marL="0" marR="0" lvl="0" indent="0" algn="l" defTabSz="914400" rtl="0" eaLnBrk="1" fontAlgn="auto" latinLnBrk="0" hangingPunct="1">
-                        <a:lnSpc>
-                          <a:spcPct val="100000"/>
-                        </a:lnSpc>
-                        <a:spcBef>
-                          <a:spcPts val="0"/>
-                        </a:spcBef>
-                        <a:spcAft>
-                          <a:spcPts val="0"/>
-                        </a:spcAft>
-                        <a:buClrTx/>
-                        <a:buSzTx/>
-                        <a:buFontTx/>
-                        <a:buNone/>
-                        <a:tabLst/>
-                        <a:defRPr/>
-                      </a:pPr>
-                      <a:r>
-                        <a:rPr lang="en-GB" sz="1600" noProof="0" dirty="0"/>
-                        <a:t>Based on the nationwide ELA survey, or on other proprietary research.</a:t>
-                      </a:r>
-                    </a:p>
-                  </a:txBody>
-                  <a:tcPr/>
-                </a:tc>
-                <a:extLst>
-                  <a:ext uri="{0D108BD9-81ED-4DB2-BD59-A6C34878D82A}">
-                    <a16:rowId xmlns:a16="http://schemas.microsoft.com/office/drawing/2014/main" val="3413915075"/>
-                  </a:ext>
-                </a:extLst>
-              </a:tr>
-              <a:tr h="0">
-                <a:tc>
-                  <a:txBody>
-                    <a:bodyPr/>
-                    <a:lstStyle/>
-                    <a:p>
-                      <a:r>
-                        <a:rPr lang="en-GB" sz="1600" noProof="0" dirty="0"/>
-                        <a:t>10.</a:t>
-                      </a:r>
-                    </a:p>
-                  </a:txBody>
-                  <a:tcPr/>
-                </a:tc>
-                <a:tc>
-                  <a:txBody>
-                    <a:bodyPr/>
-                    <a:lstStyle/>
-                    <a:p>
-                      <a:r>
-                        <a:rPr lang="en-GB" sz="1600" noProof="0" dirty="0"/>
-                        <a:t>Prestige Index</a:t>
-                      </a:r>
-                    </a:p>
-                  </a:txBody>
-                  <a:tcPr/>
-                </a:tc>
-                <a:tc>
-                  <a:txBody>
-                    <a:bodyPr/>
-                    <a:lstStyle/>
-                    <a:p>
-                      <a:r>
-                        <a:rPr lang="en-GB" sz="1600" noProof="0" dirty="0"/>
-                        <a:t>Based on a survey conducted among academic staff in Poland by the Educational Foundation "</a:t>
-                      </a:r>
-                      <a:r>
-                        <a:rPr lang="en-GB" sz="1600" noProof="0" dirty="0" err="1"/>
-                        <a:t>Perspektywy</a:t>
-                      </a:r>
-                      <a:r>
-                        <a:rPr lang="en-GB" sz="1600" noProof="0" dirty="0"/>
-                        <a:t>" and the "International Recognition" parameter</a:t>
-                      </a:r>
-                    </a:p>
-                  </a:txBody>
-                  <a:tcPr/>
-                </a:tc>
-                <a:extLst>
-                  <a:ext uri="{0D108BD9-81ED-4DB2-BD59-A6C34878D82A}">
-                    <a16:rowId xmlns:a16="http://schemas.microsoft.com/office/drawing/2014/main" val="3168712342"/>
-                  </a:ext>
-                </a:extLst>
-              </a:tr>
-            </a:tbl>
-          </a:graphicData>
-        </a:graphic>
-      </p:graphicFrame>
       <p:sp>
         <p:nvSpPr>
           <p:cNvPr id="3" name="Slide Number Placeholder 2">
             <a:extLst>
               <a:ext uri="{FF2B5EF4-FFF2-40B4-BE49-F238E27FC236}">
-                <a16:creationId xmlns:a16="http://schemas.microsoft.com/office/drawing/2014/main" id="{FD962B16-CD40-493E-4C70-E0536CDF3D1B}"/>
+                <a16:creationId xmlns:a16="http://schemas.microsoft.com/office/drawing/2014/main" id="{5CAD4500-ADCB-5084-A82A-D4F7660BB6A8}"/>
               </a:ext>
             </a:extLst>
           </p:cNvPr>
@@ -8074,10 +7897,45 @@
           </a:p>
         </p:txBody>
       </p:sp>
+      <p:pic>
+        <p:nvPicPr>
+          <p:cNvPr id="13" name="Content Placeholder 12">
+            <a:extLst>
+              <a:ext uri="{FF2B5EF4-FFF2-40B4-BE49-F238E27FC236}">
+                <a16:creationId xmlns:a16="http://schemas.microsoft.com/office/drawing/2014/main" id="{832F76EC-66D5-F8D1-556C-8062AB273C47}"/>
+              </a:ext>
+            </a:extLst>
+          </p:cNvPr>
+          <p:cNvPicPr>
+            <a:picLocks noGrp="1" noChangeAspect="1"/>
+          </p:cNvPicPr>
+          <p:nvPr>
+            <p:ph sz="half" idx="2"/>
+          </p:nvPr>
+        </p:nvPicPr>
+        <p:blipFill>
+          <a:blip r:embed="rId2">
+            <a:extLst>
+              <a:ext uri="{28A0092B-C50C-407E-A947-70E740481C1C}">
+                <a14:useLocalDpi xmlns:a14="http://schemas.microsoft.com/office/drawing/2010/main" val="0"/>
+              </a:ext>
+            </a:extLst>
+          </a:blip>
+          <a:stretch>
+            <a:fillRect/>
+          </a:stretch>
+        </p:blipFill>
+        <p:spPr>
+          <a:xfrm>
+            <a:off x="5338200" y="1909646"/>
+            <a:ext cx="6641315" cy="3888000"/>
+          </a:xfrm>
+        </p:spPr>
+      </p:pic>
     </p:spTree>
     <p:extLst>
       <p:ext uri="{BB962C8B-B14F-4D97-AF65-F5344CB8AC3E}">
-        <p14:creationId xmlns:p14="http://schemas.microsoft.com/office/powerpoint/2010/main" val="3542148493"/>
+        <p14:creationId xmlns:p14="http://schemas.microsoft.com/office/powerpoint/2010/main" val="1961115062"/>
       </p:ext>
     </p:extLst>
   </p:cSld>
@@ -8109,7 +7967,7 @@
           <p:cNvPr id="2" name="Tytuł 1">
             <a:extLst>
               <a:ext uri="{FF2B5EF4-FFF2-40B4-BE49-F238E27FC236}">
-                <a16:creationId xmlns:a16="http://schemas.microsoft.com/office/drawing/2014/main" id="{01EAFA99-E6F6-9C32-FCD9-295254D965A1}"/>
+                <a16:creationId xmlns:a16="http://schemas.microsoft.com/office/drawing/2014/main" id="{F6890351-155B-7356-4743-88EE83BACBDB}"/>
               </a:ext>
             </a:extLst>
           </p:cNvPr>
@@ -8120,460 +7978,658 @@
             <p:ph type="title"/>
           </p:nvPr>
         </p:nvSpPr>
-        <p:spPr/>
-        <p:txBody>
-          <a:bodyPr/>
-          <a:lstStyle/>
-          <a:p>
-            <a:r>
-              <a:rPr lang="pl-PL" dirty="0"/>
-              <a:t>Podsumowanie</a:t>
-            </a:r>
-          </a:p>
-        </p:txBody>
-      </p:sp>
-      <p:sp>
-        <p:nvSpPr>
-          <p:cNvPr id="3" name="Symbol zastępczy zawartości 2">
-            <a:extLst>
-              <a:ext uri="{FF2B5EF4-FFF2-40B4-BE49-F238E27FC236}">
-                <a16:creationId xmlns:a16="http://schemas.microsoft.com/office/drawing/2014/main" id="{9AEEA72C-DA17-8133-04DC-5D0CEE84D90D}"/>
-              </a:ext>
-            </a:extLst>
-          </p:cNvPr>
-          <p:cNvSpPr>
-            <a:spLocks noGrp="1"/>
-          </p:cNvSpPr>
-          <p:nvPr>
-            <p:ph idx="1"/>
-          </p:nvPr>
-        </p:nvSpPr>
-        <p:spPr/>
+        <p:spPr>
+          <a:xfrm>
+            <a:off x="846666" y="352425"/>
+            <a:ext cx="10640825" cy="1325563"/>
+          </a:xfrm>
+        </p:spPr>
         <p:txBody>
           <a:bodyPr>
-            <a:normAutofit fontScale="85000" lnSpcReduction="10000"/>
+            <a:normAutofit fontScale="90000"/>
           </a:bodyPr>
           <a:lstStyle/>
           <a:p>
-            <a:pPr algn="l"/>
-            <a:r>
-              <a:rPr lang="en-US" sz="1800" b="0" i="0" u="none" strike="noStrike" baseline="0" dirty="0">
-                <a:latin typeface="CIDFont+F1"/>
-              </a:rPr>
-              <a:t>This dissertation contributes to the development of management and quality sciences through</a:t>
-            </a:r>
-            <a:r>
-              <a:rPr lang="pl-PL" sz="1800" b="0" i="0" u="none" strike="noStrike" baseline="0" dirty="0">
-                <a:latin typeface="CIDFont+F1"/>
-              </a:rPr>
-              <a:t> </a:t>
-            </a:r>
-            <a:r>
-              <a:rPr lang="en-US" sz="1800" b="0" i="0" u="none" strike="noStrike" baseline="0" dirty="0">
-                <a:latin typeface="CIDFont+F1"/>
-              </a:rPr>
-              <a:t>synthesis of quality management theory and stakeholder theory.</a:t>
-            </a:r>
-            <a:endParaRPr lang="pl-PL" sz="1800" b="0" i="0" u="none" strike="noStrike" baseline="0" dirty="0">
-              <a:latin typeface="CIDFont+F1"/>
-            </a:endParaRPr>
-          </a:p>
-          <a:p>
-            <a:pPr algn="l"/>
-            <a:r>
-              <a:rPr lang="en-US" sz="1800" b="0" i="0" u="none" strike="noStrike" baseline="0" dirty="0">
-                <a:latin typeface="CIDFont+F1"/>
-              </a:rPr>
-              <a:t>The conducted qualitative and quantitative research allowed for achieving the cognitive goal of</a:t>
-            </a:r>
-            <a:r>
-              <a:rPr lang="pl-PL" sz="1800" b="0" i="0" u="none" strike="noStrike" baseline="0" dirty="0">
-                <a:latin typeface="CIDFont+F1"/>
-              </a:rPr>
-              <a:t> </a:t>
-            </a:r>
-            <a:r>
-              <a:rPr lang="en-US" sz="1800" b="0" i="0" u="none" strike="noStrike" baseline="0" dirty="0">
-                <a:latin typeface="CIDFont+F1"/>
-              </a:rPr>
-              <a:t>the study, which was to </a:t>
-            </a:r>
-            <a:r>
-              <a:rPr lang="en-US" sz="1800" b="0" i="0" u="none" strike="noStrike" baseline="0" dirty="0">
-                <a:latin typeface="CIDFont+F3"/>
-              </a:rPr>
-              <a:t>identify effective methods from the perspective of improving the quality management</a:t>
-            </a:r>
-            <a:r>
-              <a:rPr lang="pl-PL" sz="1800" b="0" i="0" u="none" strike="noStrike" baseline="0" dirty="0">
-                <a:latin typeface="CIDFont+F3"/>
-              </a:rPr>
-              <a:t> </a:t>
-            </a:r>
-            <a:r>
-              <a:rPr lang="en-US" sz="1800" b="0" i="0" u="none" strike="noStrike" baseline="0" dirty="0">
-                <a:latin typeface="CIDFont+F3"/>
-              </a:rPr>
-              <a:t>system, through the measurement and analysis of stakeholder satisfaction levels as an</a:t>
-            </a:r>
-            <a:r>
-              <a:rPr lang="pl-PL" sz="1800" b="0" i="0" u="none" strike="noStrike" baseline="0" dirty="0">
-                <a:latin typeface="CIDFont+F3"/>
-              </a:rPr>
-              <a:t> </a:t>
-            </a:r>
-            <a:r>
-              <a:rPr lang="pl-PL" sz="1800" b="0" i="0" u="none" strike="noStrike" baseline="0" dirty="0" err="1">
-                <a:latin typeface="CIDFont+F3"/>
-              </a:rPr>
-              <a:t>indicator</a:t>
-            </a:r>
-            <a:r>
-              <a:rPr lang="pl-PL" sz="1800" b="0" i="0" u="none" strike="noStrike" baseline="0" dirty="0">
-                <a:latin typeface="CIDFont+F3"/>
-              </a:rPr>
-              <a:t> of </a:t>
-            </a:r>
-            <a:r>
-              <a:rPr lang="pl-PL" sz="1800" b="0" i="0" u="none" strike="noStrike" baseline="0" dirty="0" err="1">
-                <a:latin typeface="CIDFont+F3"/>
-              </a:rPr>
-              <a:t>quality</a:t>
-            </a:r>
-            <a:r>
-              <a:rPr lang="pl-PL" sz="1800" b="0" i="0" u="none" strike="noStrike" baseline="0" dirty="0">
-                <a:latin typeface="CIDFont+F1"/>
-              </a:rPr>
-              <a:t>.</a:t>
-            </a:r>
-          </a:p>
-          <a:p>
-            <a:pPr algn="l"/>
-            <a:r>
-              <a:rPr lang="en-US" sz="1800" b="0" i="0" u="none" strike="noStrike" baseline="0" dirty="0">
-                <a:latin typeface="CIDFont+F1"/>
-              </a:rPr>
-              <a:t>The utilitarian goal, formulated as </a:t>
-            </a:r>
-            <a:r>
-              <a:rPr lang="en-US" sz="1800" b="0" i="0" u="none" strike="noStrike" baseline="0" dirty="0">
-                <a:latin typeface="CIDFont+F3"/>
-              </a:rPr>
-              <a:t>development of a method for improving the quality</a:t>
-            </a:r>
-            <a:r>
-              <a:rPr lang="pl-PL" sz="1800" b="0" i="0" u="none" strike="noStrike" baseline="0" dirty="0">
-                <a:latin typeface="CIDFont+F3"/>
-              </a:rPr>
-              <a:t> </a:t>
-            </a:r>
-            <a:r>
-              <a:rPr lang="en-US" sz="1800" b="0" i="0" u="none" strike="noStrike" baseline="0" dirty="0">
-                <a:latin typeface="CIDFont+F3"/>
-              </a:rPr>
-              <a:t>management system of universities, adapted to the specifics of Polish technical universities, using the</a:t>
-            </a:r>
-            <a:r>
-              <a:rPr lang="pl-PL" sz="1800" b="0" i="0" u="none" strike="noStrike" baseline="0" dirty="0">
-                <a:latin typeface="CIDFont+F3"/>
-              </a:rPr>
-              <a:t> </a:t>
-            </a:r>
-            <a:r>
-              <a:rPr lang="en-US" sz="1800" b="0" i="0" u="none" strike="noStrike" baseline="0" dirty="0">
-                <a:latin typeface="CIDFont+F3"/>
-              </a:rPr>
-              <a:t>measurement of satisfaction of various stakeholder groups as one of the indicators of the university’s</a:t>
-            </a:r>
-            <a:r>
-              <a:rPr lang="pl-PL" sz="1800" b="0" i="0" u="none" strike="noStrike" baseline="0" dirty="0">
-                <a:latin typeface="CIDFont+F3"/>
-              </a:rPr>
-              <a:t> performance</a:t>
-            </a:r>
-            <a:r>
-              <a:rPr lang="pl-PL" sz="1800" b="0" i="0" u="none" strike="noStrike" baseline="0" dirty="0">
-                <a:latin typeface="CIDFont+F1"/>
-              </a:rPr>
-              <a:t>, was </a:t>
-            </a:r>
-            <a:r>
-              <a:rPr lang="pl-PL" sz="1800" b="0" i="0" u="none" strike="noStrike" baseline="0" dirty="0" err="1">
-                <a:latin typeface="CIDFont+F1"/>
-              </a:rPr>
-              <a:t>also</a:t>
-            </a:r>
-            <a:r>
-              <a:rPr lang="pl-PL" sz="1800" b="0" i="0" u="none" strike="noStrike" baseline="0" dirty="0">
-                <a:latin typeface="CIDFont+F1"/>
-              </a:rPr>
-              <a:t> </a:t>
-            </a:r>
-            <a:r>
-              <a:rPr lang="pl-PL" sz="1800" b="0" i="0" u="none" strike="noStrike" baseline="0" dirty="0" err="1">
-                <a:latin typeface="CIDFont+F1"/>
-              </a:rPr>
-              <a:t>achieved</a:t>
-            </a:r>
-            <a:r>
-              <a:rPr lang="pl-PL" sz="1800" b="0" i="0" u="none" strike="noStrike" baseline="0" dirty="0">
-                <a:latin typeface="CIDFont+F1"/>
-              </a:rPr>
-              <a:t>.</a:t>
-            </a:r>
-          </a:p>
-          <a:p>
-            <a:pPr algn="l"/>
-            <a:r>
-              <a:rPr lang="en-US" sz="1800" b="0" i="0" u="none" strike="noStrike" baseline="0" dirty="0">
-                <a:latin typeface="CIDFont+F1"/>
-              </a:rPr>
-              <a:t>This objective has been achieved with developing Stakeholders Satisfaction</a:t>
-            </a:r>
-            <a:r>
-              <a:rPr lang="pl-PL" sz="1800" b="0" i="0" u="none" strike="noStrike" baseline="0" dirty="0">
-                <a:latin typeface="CIDFont+F1"/>
-              </a:rPr>
-              <a:t> </a:t>
-            </a:r>
-            <a:r>
-              <a:rPr lang="en-US" sz="1800" b="0" i="0" u="none" strike="noStrike" baseline="0" dirty="0">
-                <a:latin typeface="CIDFont+F1"/>
-              </a:rPr>
-              <a:t>Driven Quality Management Model – SSDQM.</a:t>
-            </a:r>
-            <a:endParaRPr lang="pl-PL" sz="1800" b="0" i="0" u="none" strike="noStrike" baseline="0" dirty="0">
-              <a:latin typeface="CIDFont+F1"/>
-            </a:endParaRPr>
-          </a:p>
-          <a:p>
-            <a:pPr algn="l"/>
-            <a:r>
-              <a:rPr lang="en-US" sz="1800" b="0" i="0" u="none" strike="noStrike" baseline="0" dirty="0">
-                <a:latin typeface="CIDFont+F1"/>
-              </a:rPr>
-              <a:t>The model is developed taking into account</a:t>
-            </a:r>
-            <a:r>
-              <a:rPr lang="pl-PL" sz="1800" b="0" i="0" u="none" strike="noStrike" baseline="0" dirty="0">
-                <a:latin typeface="CIDFont+F1"/>
-              </a:rPr>
-              <a:t> </a:t>
-            </a:r>
-            <a:r>
-              <a:rPr lang="en-US" sz="1800" b="0" i="0" u="none" strike="noStrike" baseline="0" dirty="0">
-                <a:latin typeface="CIDFont+F1"/>
-              </a:rPr>
-              <a:t>possible applications in the context of the specifics of Polish technical universities.</a:t>
-            </a:r>
-            <a:endParaRPr lang="pl-PL" sz="1800" b="0" i="0" u="none" strike="noStrike" baseline="0" dirty="0">
-              <a:latin typeface="CIDFont+F1"/>
-            </a:endParaRPr>
-          </a:p>
-          <a:p>
-            <a:pPr algn="l"/>
-            <a:r>
-              <a:rPr lang="pl-PL" sz="1800" b="0" i="0" u="none" strike="noStrike" baseline="0" dirty="0">
-                <a:latin typeface="CIDFont+F1"/>
-              </a:rPr>
-              <a:t>The </a:t>
-            </a:r>
-            <a:r>
-              <a:rPr lang="pl-PL" sz="1800" b="0" i="0" u="none" strike="noStrike" baseline="0" dirty="0" err="1">
-                <a:latin typeface="CIDFont+F1"/>
-              </a:rPr>
-              <a:t>applicative</a:t>
-            </a:r>
-            <a:r>
-              <a:rPr lang="pl-PL" sz="1800" b="0" i="0" u="none" strike="noStrike" baseline="0" dirty="0">
-                <a:latin typeface="CIDFont+F1"/>
-              </a:rPr>
-              <a:t> </a:t>
-            </a:r>
-            <a:r>
-              <a:rPr lang="pl-PL" sz="1800" b="0" i="0" u="none" strike="noStrike" baseline="0" dirty="0" err="1">
-                <a:latin typeface="CIDFont+F1"/>
-              </a:rPr>
-              <a:t>value</a:t>
-            </a:r>
-            <a:r>
-              <a:rPr lang="pl-PL" sz="1800" b="0" i="0" u="none" strike="noStrike" baseline="0" dirty="0">
-                <a:latin typeface="CIDFont+F1"/>
-              </a:rPr>
-              <a:t> </a:t>
-            </a:r>
-            <a:r>
-              <a:rPr lang="en-US" sz="1800" b="0" i="0" u="none" strike="noStrike" baseline="0" dirty="0">
-                <a:latin typeface="CIDFont+F1"/>
-              </a:rPr>
-              <a:t>of the proposed model has been enhanced with recommendations resulting from the conducted research,</a:t>
-            </a:r>
-            <a:r>
-              <a:rPr lang="pl-PL" sz="1800" b="0" i="0" u="none" strike="noStrike" baseline="0" dirty="0">
-                <a:latin typeface="CIDFont+F1"/>
-              </a:rPr>
-              <a:t> </a:t>
-            </a:r>
-            <a:r>
-              <a:rPr lang="en-US" sz="1800" b="0" i="0" u="none" strike="noStrike" baseline="0" dirty="0">
-                <a:latin typeface="CIDFont+F1"/>
-              </a:rPr>
-              <a:t>a significant part of which is the development of a basic set of indicators.</a:t>
-            </a:r>
-            <a:endParaRPr lang="pl-PL" sz="1800" b="0" i="0" u="none" strike="noStrike" baseline="0" dirty="0">
-              <a:latin typeface="CIDFont+F1"/>
-            </a:endParaRPr>
-          </a:p>
-          <a:p>
-            <a:pPr algn="l"/>
-            <a:r>
-              <a:rPr lang="pl-PL" sz="1800" b="0" i="0" u="none" strike="noStrike" baseline="0" dirty="0" err="1">
-                <a:latin typeface="CIDFont+F1"/>
-              </a:rPr>
-              <a:t>These</a:t>
-            </a:r>
-            <a:r>
-              <a:rPr lang="pl-PL" sz="1800" b="0" i="0" u="none" strike="noStrike" baseline="0" dirty="0">
-                <a:latin typeface="CIDFont+F1"/>
-              </a:rPr>
-              <a:t> </a:t>
-            </a:r>
-            <a:r>
-              <a:rPr lang="pl-PL" sz="1800" b="0" i="0" u="none" strike="noStrike" baseline="0" dirty="0" err="1">
-                <a:latin typeface="CIDFont+F1"/>
-              </a:rPr>
-              <a:t>are</a:t>
-            </a:r>
-            <a:r>
-              <a:rPr lang="pl-PL" sz="1800" b="0" i="0" u="none" strike="noStrike" baseline="0" dirty="0">
-                <a:latin typeface="CIDFont+F1"/>
-              </a:rPr>
-              <a:t> </a:t>
-            </a:r>
-            <a:r>
-              <a:rPr lang="pl-PL" sz="1800" b="0" i="0" u="none" strike="noStrike" baseline="0" dirty="0" err="1">
-                <a:latin typeface="CIDFont+F1"/>
-              </a:rPr>
-              <a:t>measures</a:t>
-            </a:r>
-            <a:r>
-              <a:rPr lang="pl-PL" sz="1800" b="0" i="0" u="none" strike="noStrike" baseline="0" dirty="0">
-                <a:latin typeface="CIDFont+F1"/>
-              </a:rPr>
-              <a:t> </a:t>
-            </a:r>
-            <a:r>
-              <a:rPr lang="en-US" sz="1800" b="0" i="0" u="none" strike="noStrike" baseline="0" dirty="0">
-                <a:latin typeface="CIDFont+F1"/>
-              </a:rPr>
-              <a:t>statistically proven to be significant for the environment of technical universities.</a:t>
-            </a:r>
-            <a:endParaRPr lang="pl-PL" sz="1800" b="0" i="0" u="none" strike="noStrike" baseline="0" dirty="0">
-              <a:latin typeface="CIDFont+F1"/>
-            </a:endParaRPr>
-          </a:p>
-          <a:p>
-            <a:pPr algn="l"/>
-            <a:r>
-              <a:rPr lang="pl-PL" sz="1800" b="0" i="0" u="none" strike="noStrike" baseline="0" dirty="0">
-                <a:latin typeface="CIDFont+F1"/>
-              </a:rPr>
-              <a:t>The </a:t>
-            </a:r>
-            <a:r>
-              <a:rPr lang="pl-PL" sz="1800" b="0" i="0" u="none" strike="noStrike" baseline="0" dirty="0" err="1">
-                <a:latin typeface="CIDFont+F1"/>
-              </a:rPr>
-              <a:t>strong</a:t>
-            </a:r>
-            <a:r>
-              <a:rPr lang="pl-PL" sz="1800" b="0" i="0" u="none" strike="noStrike" baseline="0" dirty="0">
-                <a:latin typeface="CIDFont+F1"/>
-              </a:rPr>
-              <a:t> </a:t>
-            </a:r>
-            <a:r>
-              <a:rPr lang="pl-PL" sz="1800" b="0" i="0" u="none" strike="noStrike" baseline="0" dirty="0" err="1">
-                <a:latin typeface="CIDFont+F1"/>
-              </a:rPr>
-              <a:t>connections</a:t>
-            </a:r>
-            <a:r>
-              <a:rPr lang="pl-PL" sz="1800" b="0" i="0" u="none" strike="noStrike" baseline="0" dirty="0">
-                <a:latin typeface="CIDFont+F1"/>
-              </a:rPr>
-              <a:t> </a:t>
-            </a:r>
-            <a:r>
-              <a:rPr lang="en-US" sz="1800" b="0" i="0" u="none" strike="noStrike" baseline="0" dirty="0">
-                <a:latin typeface="CIDFont+F1"/>
-              </a:rPr>
-              <a:t>of the proposed model with the field of quality management are also confirmed by analyses indicating</a:t>
-            </a:r>
-            <a:r>
-              <a:rPr lang="pl-PL" sz="1800" b="0" i="0" u="none" strike="noStrike" baseline="0" dirty="0">
-                <a:latin typeface="CIDFont+F1"/>
-              </a:rPr>
-              <a:t> </a:t>
-            </a:r>
-            <a:r>
-              <a:rPr lang="en-US" sz="1800" b="0" i="0" u="none" strike="noStrike" baseline="0" dirty="0">
-                <a:latin typeface="CIDFont+F1"/>
-              </a:rPr>
-              <a:t>that the application of SSDQM can provide very good preparation for organizations to implement the</a:t>
-            </a:r>
-            <a:r>
-              <a:rPr lang="pl-PL" sz="1800" b="0" i="0" u="none" strike="noStrike" baseline="0" dirty="0">
-                <a:latin typeface="CIDFont+F1"/>
-              </a:rPr>
-              <a:t> </a:t>
-            </a:r>
-            <a:r>
-              <a:rPr lang="en-US" sz="1800" b="0" i="0" u="none" strike="noStrike" baseline="0" dirty="0">
-                <a:latin typeface="CIDFont+F1"/>
-              </a:rPr>
-              <a:t>requirements of the ISO</a:t>
-            </a:r>
-            <a:r>
-              <a:rPr lang="pl-PL" sz="1800" dirty="0">
-                <a:latin typeface="CIDFont+F1"/>
-              </a:rPr>
-              <a:t> </a:t>
-            </a:r>
-            <a:r>
-              <a:rPr lang="en-US" sz="1800" b="0" i="0" u="none" strike="noStrike" baseline="0" dirty="0">
-                <a:latin typeface="CIDFont+F1"/>
-              </a:rPr>
-              <a:t>21001:2018 and other standards and requirements that promote focus on</a:t>
-            </a:r>
-            <a:r>
-              <a:rPr lang="pl-PL" sz="1800" b="0" i="0" u="none" strike="noStrike" baseline="0" dirty="0">
-                <a:latin typeface="CIDFont+F1"/>
-              </a:rPr>
-              <a:t> </a:t>
-            </a:r>
-            <a:r>
-              <a:rPr lang="pl-PL" sz="1800" b="0" i="0" u="none" strike="noStrike" baseline="0" dirty="0" err="1">
-                <a:latin typeface="CIDFont+F1"/>
-              </a:rPr>
-              <a:t>stakeholders</a:t>
-            </a:r>
-            <a:r>
-              <a:rPr lang="pl-PL" sz="1800" b="0" i="0" u="none" strike="noStrike" baseline="0" dirty="0">
-                <a:latin typeface="CIDFont+F1"/>
-              </a:rPr>
-              <a:t>.</a:t>
-            </a:r>
-            <a:endParaRPr lang="pl-PL" dirty="0"/>
-          </a:p>
-        </p:txBody>
-      </p:sp>
-      <p:sp>
-        <p:nvSpPr>
-          <p:cNvPr id="4" name="Slide Number Placeholder 3">
-            <a:extLst>
-              <a:ext uri="{FF2B5EF4-FFF2-40B4-BE49-F238E27FC236}">
-                <a16:creationId xmlns:a16="http://schemas.microsoft.com/office/drawing/2014/main" id="{EC1BD1F1-20DD-5B06-C501-0CEB8101DA9B}"/>
+            <a:r>
+              <a:rPr lang="pl-PL" dirty="0"/>
+              <a:t>Zestaw wskaźników wspierających implementację SSDQM na uczelni technicznej</a:t>
+            </a:r>
+          </a:p>
+        </p:txBody>
+      </p:sp>
+      <p:graphicFrame>
+        <p:nvGraphicFramePr>
+          <p:cNvPr id="5" name="Symbol zastępczy zawartości 4">
+            <a:extLst>
+              <a:ext uri="{FF2B5EF4-FFF2-40B4-BE49-F238E27FC236}">
+                <a16:creationId xmlns:a16="http://schemas.microsoft.com/office/drawing/2014/main" id="{2840488D-2F8D-4AB8-56AC-8A9A25522636}"/>
+              </a:ext>
+            </a:extLst>
+          </p:cNvPr>
+          <p:cNvGraphicFramePr>
+            <a:graphicFrameLocks noGrp="1"/>
+          </p:cNvGraphicFramePr>
+          <p:nvPr>
+            <p:ph idx="1"/>
+            <p:extLst>
+              <p:ext uri="{D42A27DB-BD31-4B8C-83A1-F6EECF244321}">
+                <p14:modId xmlns:p14="http://schemas.microsoft.com/office/powerpoint/2010/main" val="2792182729"/>
+              </p:ext>
+            </p:extLst>
+          </p:nvPr>
+        </p:nvGraphicFramePr>
+        <p:xfrm>
+          <a:off x="540000" y="1656000"/>
+          <a:ext cx="11124000" cy="4632960"/>
+        </p:xfrm>
+        <a:graphic>
+          <a:graphicData uri="http://schemas.openxmlformats.org/drawingml/2006/table">
+            <a:tbl>
+              <a:tblPr firstRow="1" bandRow="1">
+                <a:tableStyleId>{6E25E649-3F16-4E02-A733-19D2CDBF48F0}</a:tableStyleId>
+              </a:tblPr>
+              <a:tblGrid>
+                <a:gridCol w="468000">
+                  <a:extLst>
+                    <a:ext uri="{9D8B030D-6E8A-4147-A177-3AD203B41FA5}">
+                      <a16:colId xmlns:a16="http://schemas.microsoft.com/office/drawing/2014/main" val="4184946963"/>
+                    </a:ext>
+                  </a:extLst>
+                </a:gridCol>
+                <a:gridCol w="3024000">
+                  <a:extLst>
+                    <a:ext uri="{9D8B030D-6E8A-4147-A177-3AD203B41FA5}">
+                      <a16:colId xmlns:a16="http://schemas.microsoft.com/office/drawing/2014/main" val="3890887164"/>
+                    </a:ext>
+                  </a:extLst>
+                </a:gridCol>
+                <a:gridCol w="7632000">
+                  <a:extLst>
+                    <a:ext uri="{9D8B030D-6E8A-4147-A177-3AD203B41FA5}">
+                      <a16:colId xmlns:a16="http://schemas.microsoft.com/office/drawing/2014/main" val="2266764157"/>
+                    </a:ext>
+                  </a:extLst>
+                </a:gridCol>
+              </a:tblGrid>
+              <a:tr h="0">
+                <a:tc>
+                  <a:txBody>
+                    <a:bodyPr/>
+                    <a:lstStyle/>
+                    <a:p>
+                      <a:r>
+                        <a:rPr lang="pl-PL" sz="1400" noProof="0" dirty="0"/>
+                        <a:t>Lp.</a:t>
+                      </a:r>
+                    </a:p>
+                  </a:txBody>
+                  <a:tcPr anchor="ctr">
+                    <a:solidFill>
+                      <a:srgbClr val="003767"/>
+                    </a:solidFill>
+                  </a:tcPr>
+                </a:tc>
+                <a:tc>
+                  <a:txBody>
+                    <a:bodyPr/>
+                    <a:lstStyle/>
+                    <a:p>
+                      <a:r>
+                        <a:rPr lang="pl-PL" sz="1400" noProof="0" dirty="0"/>
+                        <a:t>Nazwa</a:t>
+                      </a:r>
+                    </a:p>
+                  </a:txBody>
+                  <a:tcPr anchor="ctr">
+                    <a:solidFill>
+                      <a:srgbClr val="003767"/>
+                    </a:solidFill>
+                  </a:tcPr>
+                </a:tc>
+                <a:tc>
+                  <a:txBody>
+                    <a:bodyPr/>
+                    <a:lstStyle/>
+                    <a:p>
+                      <a:r>
+                        <a:rPr lang="pl-PL" sz="1400" noProof="0" dirty="0"/>
+                        <a:t>Opis / komentarz</a:t>
+                      </a:r>
+                    </a:p>
+                  </a:txBody>
+                  <a:tcPr anchor="ctr">
+                    <a:solidFill>
+                      <a:srgbClr val="003767"/>
+                    </a:solidFill>
+                  </a:tcPr>
+                </a:tc>
+                <a:extLst>
+                  <a:ext uri="{0D108BD9-81ED-4DB2-BD59-A6C34878D82A}">
+                    <a16:rowId xmlns:a16="http://schemas.microsoft.com/office/drawing/2014/main" val="4123723076"/>
+                  </a:ext>
+                </a:extLst>
+              </a:tr>
+              <a:tr h="0">
+                <a:tc>
+                  <a:txBody>
+                    <a:bodyPr/>
+                    <a:lstStyle/>
+                    <a:p>
+                      <a:r>
+                        <a:rPr lang="pl-PL" sz="1400" noProof="0" dirty="0"/>
+                        <a:t>1.</a:t>
+                      </a:r>
+                    </a:p>
+                  </a:txBody>
+                  <a:tcPr anchor="ctr"/>
+                </a:tc>
+                <a:tc>
+                  <a:txBody>
+                    <a:bodyPr/>
+                    <a:lstStyle/>
+                    <a:p>
+                      <a:r>
+                        <a:rPr lang="pl-PL" sz="1400" b="1" noProof="0" dirty="0"/>
+                        <a:t>SSI</a:t>
+                      </a:r>
+                    </a:p>
+                  </a:txBody>
+                  <a:tcPr anchor="ctr"/>
+                </a:tc>
+                <a:tc>
+                  <a:txBody>
+                    <a:bodyPr/>
+                    <a:lstStyle/>
+                    <a:p>
+                      <a:r>
+                        <a:rPr lang="pl-PL" sz="1400" noProof="0" dirty="0"/>
+                        <a:t>Zagregowany Indeks Satysfakcji Interesariuszy</a:t>
+                      </a:r>
+                    </a:p>
+                  </a:txBody>
+                  <a:tcPr anchor="ctr"/>
+                </a:tc>
+                <a:extLst>
+                  <a:ext uri="{0D108BD9-81ED-4DB2-BD59-A6C34878D82A}">
+                    <a16:rowId xmlns:a16="http://schemas.microsoft.com/office/drawing/2014/main" val="3468548103"/>
+                  </a:ext>
+                </a:extLst>
+              </a:tr>
+              <a:tr h="0">
+                <a:tc>
+                  <a:txBody>
+                    <a:bodyPr/>
+                    <a:lstStyle/>
+                    <a:p>
+                      <a:r>
+                        <a:rPr lang="pl-PL" sz="1400" noProof="0" dirty="0"/>
+                        <a:t>2.</a:t>
+                      </a:r>
+                    </a:p>
+                  </a:txBody>
+                  <a:tcPr anchor="ctr"/>
+                </a:tc>
+                <a:tc>
+                  <a:txBody>
+                    <a:bodyPr/>
+                    <a:lstStyle/>
+                    <a:p>
+                      <a:r>
+                        <a:rPr lang="pl-PL" sz="1400" b="1" noProof="0" dirty="0"/>
+                        <a:t>SSI cząstkowe</a:t>
+                      </a:r>
+                    </a:p>
+                  </a:txBody>
+                  <a:tcPr anchor="ctr"/>
+                </a:tc>
+                <a:tc>
+                  <a:txBody>
+                    <a:bodyPr/>
+                    <a:lstStyle/>
+                    <a:p>
+                      <a:r>
+                        <a:rPr lang="pl-PL" sz="1400" noProof="0" dirty="0"/>
+                        <a:t>Indeksy Satysfakcji Interesariuszy obliczane dla każdej z grup interesariuszy osobno</a:t>
+                      </a:r>
+                    </a:p>
+                  </a:txBody>
+                  <a:tcPr anchor="ctr"/>
+                </a:tc>
+                <a:extLst>
+                  <a:ext uri="{0D108BD9-81ED-4DB2-BD59-A6C34878D82A}">
+                    <a16:rowId xmlns:a16="http://schemas.microsoft.com/office/drawing/2014/main" val="283931100"/>
+                  </a:ext>
+                </a:extLst>
+              </a:tr>
+              <a:tr h="0">
+                <a:tc>
+                  <a:txBody>
+                    <a:bodyPr/>
+                    <a:lstStyle/>
+                    <a:p>
+                      <a:r>
+                        <a:rPr lang="pl-PL" sz="1400" noProof="0" dirty="0"/>
+                        <a:t>3.</a:t>
+                      </a:r>
+                    </a:p>
+                  </a:txBody>
+                  <a:tcPr anchor="ctr"/>
+                </a:tc>
+                <a:tc>
+                  <a:txBody>
+                    <a:bodyPr/>
+                    <a:lstStyle/>
+                    <a:p>
+                      <a:r>
+                        <a:rPr lang="pl-PL" sz="1400" b="1" noProof="0" dirty="0"/>
+                        <a:t>Liczba uprawnień habilitacyjnych</a:t>
+                      </a:r>
+                    </a:p>
+                  </a:txBody>
+                  <a:tcPr anchor="ctr"/>
+                </a:tc>
+                <a:tc>
+                  <a:txBody>
+                    <a:bodyPr/>
+                    <a:lstStyle/>
+                    <a:p>
+                      <a:pPr marL="0" indent="0">
+                        <a:buFont typeface="Arial" panose="020B0604020202020204" pitchFamily="34" charset="0"/>
+                        <a:buNone/>
+                      </a:pPr>
+                      <a:r>
+                        <a:rPr lang="pl-PL" sz="1400" noProof="0" dirty="0"/>
+                        <a:t>Najsilniej skorelowany z oceną w Rankingu Perspektywy</a:t>
+                      </a:r>
+                    </a:p>
+                  </a:txBody>
+                  <a:tcPr anchor="ctr"/>
+                </a:tc>
+                <a:extLst>
+                  <a:ext uri="{0D108BD9-81ED-4DB2-BD59-A6C34878D82A}">
+                    <a16:rowId xmlns:a16="http://schemas.microsoft.com/office/drawing/2014/main" val="1773519349"/>
+                  </a:ext>
+                </a:extLst>
+              </a:tr>
+              <a:tr h="0">
+                <a:tc>
+                  <a:txBody>
+                    <a:bodyPr/>
+                    <a:lstStyle/>
+                    <a:p>
+                      <a:r>
+                        <a:rPr lang="pl-PL" sz="1400" noProof="0" dirty="0"/>
+                        <a:t>4.</a:t>
+                      </a:r>
+                    </a:p>
+                  </a:txBody>
+                  <a:tcPr anchor="ctr"/>
+                </a:tc>
+                <a:tc>
+                  <a:txBody>
+                    <a:bodyPr/>
+                    <a:lstStyle/>
+                    <a:p>
+                      <a:r>
+                        <a:rPr lang="pl-PL" sz="1400" b="1" noProof="0" dirty="0"/>
+                        <a:t>Ocena parametryczna</a:t>
+                      </a:r>
+                    </a:p>
+                  </a:txBody>
+                  <a:tcPr anchor="ctr"/>
+                </a:tc>
+                <a:tc>
+                  <a:txBody>
+                    <a:bodyPr/>
+                    <a:lstStyle/>
+                    <a:p>
+                      <a:r>
+                        <a:rPr lang="pl-PL" sz="1400" noProof="0" dirty="0"/>
+                        <a:t>Liczba i poziom uzyskanych ocen parametrycznych w ramach</a:t>
+                      </a:r>
+                    </a:p>
+                    <a:p>
+                      <a:r>
+                        <a:rPr lang="pl-PL" sz="1400" noProof="0" dirty="0"/>
+                        <a:t>różnych dyscyplin nauki w procesie ewaluacji jakości działalności naukowej</a:t>
+                      </a:r>
+                    </a:p>
+                  </a:txBody>
+                  <a:tcPr anchor="ctr"/>
+                </a:tc>
+                <a:extLst>
+                  <a:ext uri="{0D108BD9-81ED-4DB2-BD59-A6C34878D82A}">
+                    <a16:rowId xmlns:a16="http://schemas.microsoft.com/office/drawing/2014/main" val="796171817"/>
+                  </a:ext>
+                </a:extLst>
+              </a:tr>
+              <a:tr h="0">
+                <a:tc>
+                  <a:txBody>
+                    <a:bodyPr/>
+                    <a:lstStyle/>
+                    <a:p>
+                      <a:r>
+                        <a:rPr lang="pl-PL" sz="1400" noProof="0" dirty="0"/>
+                        <a:t>5.</a:t>
+                      </a:r>
+                    </a:p>
+                  </a:txBody>
+                  <a:tcPr anchor="ctr"/>
+                </a:tc>
+                <a:tc>
+                  <a:txBody>
+                    <a:bodyPr/>
+                    <a:lstStyle/>
+                    <a:p>
+                      <a:r>
+                        <a:rPr lang="pl-PL" sz="1400" b="1" noProof="0" dirty="0"/>
+                        <a:t>Pozycja w rankingu </a:t>
+                      </a:r>
+                      <a:r>
+                        <a:rPr lang="pl-PL" sz="1400" b="1" noProof="0" dirty="0" err="1"/>
+                        <a:t>Webometrics</a:t>
+                      </a:r>
+                      <a:endParaRPr lang="pl-PL" sz="1400" b="1" noProof="0" dirty="0"/>
+                    </a:p>
+                  </a:txBody>
+                  <a:tcPr anchor="ctr"/>
+                </a:tc>
+                <a:tc>
+                  <a:txBody>
+                    <a:bodyPr/>
+                    <a:lstStyle/>
+                    <a:p>
+                      <a:pPr marL="285750" indent="-285750">
+                        <a:buFont typeface="Arial" panose="020B0604020202020204" pitchFamily="34" charset="0"/>
+                        <a:buChar char="•"/>
+                      </a:pPr>
+                      <a:r>
+                        <a:rPr lang="pl-PL" sz="1400" noProof="0" dirty="0"/>
+                        <a:t>niezwykła łatwość monitorowania; publikowany 2 razy do roku</a:t>
+                      </a:r>
+                    </a:p>
+                    <a:p>
+                      <a:pPr marL="285750" indent="-285750">
+                        <a:buFont typeface="Arial" panose="020B0604020202020204" pitchFamily="34" charset="0"/>
+                        <a:buChar char="•"/>
+                      </a:pPr>
+                      <a:r>
+                        <a:rPr lang="pl-PL" sz="1400" noProof="0" dirty="0"/>
+                        <a:t>skorelowany ze stopą zatrudnienia absolwentów (techn.; 3L)</a:t>
+                      </a:r>
+                    </a:p>
+                  </a:txBody>
+                  <a:tcPr anchor="ctr"/>
+                </a:tc>
+                <a:extLst>
+                  <a:ext uri="{0D108BD9-81ED-4DB2-BD59-A6C34878D82A}">
+                    <a16:rowId xmlns:a16="http://schemas.microsoft.com/office/drawing/2014/main" val="3202516766"/>
+                  </a:ext>
+                </a:extLst>
+              </a:tr>
+              <a:tr h="0">
+                <a:tc>
+                  <a:txBody>
+                    <a:bodyPr/>
+                    <a:lstStyle/>
+                    <a:p>
+                      <a:r>
+                        <a:rPr lang="pl-PL" sz="1400" noProof="0" dirty="0"/>
+                        <a:t>6.</a:t>
+                      </a:r>
+                    </a:p>
+                  </a:txBody>
+                  <a:tcPr anchor="ctr"/>
+                </a:tc>
+                <a:tc>
+                  <a:txBody>
+                    <a:bodyPr/>
+                    <a:lstStyle/>
+                    <a:p>
+                      <a:r>
+                        <a:rPr lang="pl-PL" sz="1400" noProof="0" dirty="0"/>
+                        <a:t>Uznanie międzynarodowe</a:t>
+                      </a:r>
+                    </a:p>
+                  </a:txBody>
+                  <a:tcPr anchor="ctr"/>
+                </a:tc>
+                <a:tc>
+                  <a:txBody>
+                    <a:bodyPr/>
+                    <a:lstStyle/>
+                    <a:p>
+                      <a:pPr marL="0" indent="0">
+                        <a:buFont typeface="Arial" panose="020B0604020202020204" pitchFamily="34" charset="0"/>
+                        <a:buNone/>
+                      </a:pPr>
+                      <a:r>
+                        <a:rPr lang="pl-PL" sz="1400" noProof="0" dirty="0"/>
+                        <a:t>z Rankingu Perspektywy; silna korelacja z ogólną oceną rankingową</a:t>
+                      </a:r>
+                    </a:p>
+                  </a:txBody>
+                  <a:tcPr anchor="ctr"/>
+                </a:tc>
+                <a:extLst>
+                  <a:ext uri="{0D108BD9-81ED-4DB2-BD59-A6C34878D82A}">
+                    <a16:rowId xmlns:a16="http://schemas.microsoft.com/office/drawing/2014/main" val="21566169"/>
+                  </a:ext>
+                </a:extLst>
+              </a:tr>
+              <a:tr h="0">
+                <a:tc>
+                  <a:txBody>
+                    <a:bodyPr/>
+                    <a:lstStyle/>
+                    <a:p>
+                      <a:r>
+                        <a:rPr lang="pl-PL" sz="1400" noProof="0" dirty="0"/>
+                        <a:t>7.</a:t>
+                      </a:r>
+                    </a:p>
+                  </a:txBody>
+                  <a:tcPr anchor="ctr"/>
+                </a:tc>
+                <a:tc>
+                  <a:txBody>
+                    <a:bodyPr/>
+                    <a:lstStyle/>
+                    <a:p>
+                      <a:r>
+                        <a:rPr lang="pl-PL" sz="1400" noProof="0" dirty="0"/>
+                        <a:t>Wskaźnik WOP</a:t>
+                      </a:r>
+                    </a:p>
+                  </a:txBody>
+                  <a:tcPr anchor="ctr"/>
+                </a:tc>
+                <a:tc>
+                  <a:txBody>
+                    <a:bodyPr/>
+                    <a:lstStyle/>
+                    <a:p>
+                      <a:pPr marL="0" indent="0">
+                        <a:buFont typeface="Arial" panose="020B0604020202020204" pitchFamily="34" charset="0"/>
+                        <a:buNone/>
+                      </a:pPr>
+                      <a:r>
+                        <a:rPr lang="pl-PL" sz="1400" noProof="0" dirty="0"/>
+                        <a:t>Niepublikowany Wskaźnik Oceny Punktowej obliczany na podstawie oceny ważonej szczegółowych parametrów oceny Rankingu Perspektywy</a:t>
+                      </a:r>
+                    </a:p>
+                  </a:txBody>
+                  <a:tcPr anchor="ctr"/>
+                </a:tc>
+                <a:extLst>
+                  <a:ext uri="{0D108BD9-81ED-4DB2-BD59-A6C34878D82A}">
+                    <a16:rowId xmlns:a16="http://schemas.microsoft.com/office/drawing/2014/main" val="2667974067"/>
+                  </a:ext>
+                </a:extLst>
+              </a:tr>
+              <a:tr h="0">
+                <a:tc>
+                  <a:txBody>
+                    <a:bodyPr/>
+                    <a:lstStyle/>
+                    <a:p>
+                      <a:r>
+                        <a:rPr lang="pl-PL" sz="1400" noProof="0" dirty="0"/>
+                        <a:t>8.</a:t>
+                      </a:r>
+                    </a:p>
+                  </a:txBody>
+                  <a:tcPr anchor="ctr"/>
+                </a:tc>
+                <a:tc>
+                  <a:txBody>
+                    <a:bodyPr/>
+                    <a:lstStyle/>
+                    <a:p>
+                      <a:r>
+                        <a:rPr lang="pl-PL" sz="1400" noProof="0" dirty="0"/>
+                        <a:t>Poziom zarobków absolwentów </a:t>
+                      </a:r>
+                      <a:br>
+                        <a:rPr lang="pl-PL" sz="1400" noProof="0" dirty="0"/>
+                      </a:br>
+                      <a:r>
+                        <a:rPr lang="pl-PL" sz="1400" noProof="0" dirty="0"/>
+                        <a:t>po 3. latach od studiów</a:t>
+                      </a:r>
+                    </a:p>
+                  </a:txBody>
+                  <a:tcPr anchor="ctr"/>
+                </a:tc>
+                <a:tc>
+                  <a:txBody>
+                    <a:bodyPr/>
+                    <a:lstStyle/>
+                    <a:p>
+                      <a:r>
+                        <a:rPr lang="pl-PL" sz="1400" noProof="0" dirty="0"/>
+                        <a:t>Na podstawie wyników badania ELA lub innych odpowiednich (np. własnych) badań</a:t>
+                      </a:r>
+                    </a:p>
+                  </a:txBody>
+                  <a:tcPr anchor="ctr"/>
+                </a:tc>
+                <a:extLst>
+                  <a:ext uri="{0D108BD9-81ED-4DB2-BD59-A6C34878D82A}">
+                    <a16:rowId xmlns:a16="http://schemas.microsoft.com/office/drawing/2014/main" val="495237317"/>
+                  </a:ext>
+                </a:extLst>
+              </a:tr>
+              <a:tr h="0">
+                <a:tc>
+                  <a:txBody>
+                    <a:bodyPr/>
+                    <a:lstStyle/>
+                    <a:p>
+                      <a:r>
+                        <a:rPr lang="pl-PL" sz="1400" noProof="0" dirty="0"/>
+                        <a:t>9.</a:t>
+                      </a:r>
+                    </a:p>
+                  </a:txBody>
+                  <a:tcPr anchor="ctr"/>
+                </a:tc>
+                <a:tc>
+                  <a:txBody>
+                    <a:bodyPr/>
+                    <a:lstStyle/>
+                    <a:p>
+                      <a:r>
+                        <a:rPr lang="pl-PL" sz="1400" noProof="0" dirty="0"/>
+                        <a:t>Stopa zatrudnienia absolwentów </a:t>
+                      </a:r>
+                      <a:br>
+                        <a:rPr lang="pl-PL" sz="1400" noProof="0" dirty="0"/>
+                      </a:br>
+                      <a:r>
+                        <a:rPr lang="pl-PL" sz="1400" noProof="0" dirty="0"/>
+                        <a:t>po 3. latach od studiów</a:t>
+                      </a:r>
+                    </a:p>
+                  </a:txBody>
+                  <a:tcPr anchor="ctr"/>
+                </a:tc>
+                <a:tc>
+                  <a:txBody>
+                    <a:bodyPr/>
+                    <a:lstStyle/>
+                    <a:p>
+                      <a:r>
+                        <a:rPr lang="pl-PL" sz="1400" noProof="0" dirty="0"/>
+                        <a:t>Na podstawie wyników badania ELA lub innych odpowiednich (np. własnych) badań</a:t>
+                      </a:r>
+                    </a:p>
+                  </a:txBody>
+                  <a:tcPr anchor="ctr"/>
+                </a:tc>
+                <a:extLst>
+                  <a:ext uri="{0D108BD9-81ED-4DB2-BD59-A6C34878D82A}">
+                    <a16:rowId xmlns:a16="http://schemas.microsoft.com/office/drawing/2014/main" val="3413915075"/>
+                  </a:ext>
+                </a:extLst>
+              </a:tr>
+              <a:tr h="0">
+                <a:tc>
+                  <a:txBody>
+                    <a:bodyPr/>
+                    <a:lstStyle/>
+                    <a:p>
+                      <a:r>
+                        <a:rPr lang="pl-PL" sz="1400" noProof="0" dirty="0"/>
+                        <a:t>10.</a:t>
+                      </a:r>
+                    </a:p>
+                  </a:txBody>
+                  <a:tcPr anchor="ctr"/>
+                </a:tc>
+                <a:tc>
+                  <a:txBody>
+                    <a:bodyPr/>
+                    <a:lstStyle/>
+                    <a:p>
+                      <a:r>
+                        <a:rPr lang="pl-PL" sz="1400" noProof="0" dirty="0"/>
+                        <a:t>Wskaźnik prestiżu</a:t>
+                      </a:r>
+                    </a:p>
+                  </a:txBody>
+                  <a:tcPr anchor="ctr"/>
+                </a:tc>
+                <a:tc>
+                  <a:txBody>
+                    <a:bodyPr/>
+                    <a:lstStyle/>
+                    <a:p>
+                      <a:r>
+                        <a:rPr lang="pl-PL" sz="1400" noProof="0" dirty="0"/>
+                        <a:t>Ocena na podstawie badania ankietowego wykonywanego wśród kadry akademickiej w Polsce przez Fundację Edukacyjną „Perspektywy” oraz parametru „uznanie międzynarodowe”</a:t>
+                      </a:r>
+                    </a:p>
+                  </a:txBody>
+                  <a:tcPr anchor="ctr"/>
+                </a:tc>
+                <a:extLst>
+                  <a:ext uri="{0D108BD9-81ED-4DB2-BD59-A6C34878D82A}">
+                    <a16:rowId xmlns:a16="http://schemas.microsoft.com/office/drawing/2014/main" val="3168712342"/>
+                  </a:ext>
+                </a:extLst>
+              </a:tr>
+            </a:tbl>
+          </a:graphicData>
+        </a:graphic>
+      </p:graphicFrame>
+      <p:sp>
+        <p:nvSpPr>
+          <p:cNvPr id="3" name="Slide Number Placeholder 2">
+            <a:extLst>
+              <a:ext uri="{FF2B5EF4-FFF2-40B4-BE49-F238E27FC236}">
+                <a16:creationId xmlns:a16="http://schemas.microsoft.com/office/drawing/2014/main" id="{FD962B16-CD40-493E-4C70-E0536CDF3D1B}"/>
               </a:ext>
             </a:extLst>
           </p:cNvPr>
@@ -8601,7 +8657,7 @@
     </p:spTree>
     <p:extLst>
       <p:ext uri="{BB962C8B-B14F-4D97-AF65-F5344CB8AC3E}">
-        <p14:creationId xmlns:p14="http://schemas.microsoft.com/office/powerpoint/2010/main" val="1751899173"/>
+        <p14:creationId xmlns:p14="http://schemas.microsoft.com/office/powerpoint/2010/main" val="3542148493"/>
       </p:ext>
     </p:extLst>
   </p:cSld>
@@ -8651,7 +8707,7 @@
           <a:p>
             <a:r>
               <a:rPr lang="pl-PL" dirty="0"/>
-              <a:t>Literatura</a:t>
+              <a:t>Podsumowanie</a:t>
             </a:r>
           </a:p>
         </p:txBody>
@@ -8675,238 +8731,421 @@
         <p:spPr/>
         <p:txBody>
           <a:bodyPr>
-            <a:normAutofit fontScale="62500" lnSpcReduction="20000"/>
+            <a:normAutofit fontScale="85000" lnSpcReduction="10000"/>
           </a:bodyPr>
           <a:lstStyle/>
           <a:p>
-            <a:r>
-              <a:rPr lang="en-US" b="0" i="0" u="none" strike="noStrike" baseline="0" dirty="0"/>
-              <a:t>Anderson, J. C., </a:t>
-            </a:r>
-            <a:r>
-              <a:rPr lang="en-US" b="0" i="0" u="none" strike="noStrike" baseline="0" dirty="0" err="1"/>
-              <a:t>Rungtusanatham</a:t>
-            </a:r>
-            <a:r>
-              <a:rPr lang="en-US" b="0" i="0" u="none" strike="noStrike" baseline="0" dirty="0"/>
-              <a:t>, M., &amp; Schroeder, R. G. (1994)</a:t>
-            </a:r>
-            <a:r>
-              <a:rPr lang="pl-PL" b="0" i="0" u="none" strike="noStrike" baseline="0" dirty="0"/>
-              <a:t>,</a:t>
-            </a:r>
-            <a:r>
-              <a:rPr lang="en-US" b="0" i="0" u="none" strike="noStrike" baseline="0" dirty="0"/>
-              <a:t> A Theory Of Quality Management Underlying The Deming Management Method</a:t>
-            </a:r>
-            <a:r>
-              <a:rPr lang="pl-PL" b="0" i="0" u="none" strike="noStrike" baseline="0" dirty="0"/>
-              <a:t>,</a:t>
-            </a:r>
-            <a:r>
-              <a:rPr lang="en-US" b="0" i="0" u="none" strike="noStrike" baseline="0" dirty="0"/>
-              <a:t> Academy of Management Review, 19(3), 472–509</a:t>
-            </a:r>
-            <a:endParaRPr lang="pl-PL" b="0" i="0" u="none" strike="noStrike" baseline="0" dirty="0"/>
-          </a:p>
-          <a:p>
-            <a:r>
-              <a:rPr lang="en-US" b="0" i="0" u="none" strike="noStrike" baseline="0" dirty="0" err="1"/>
-              <a:t>Cwynar</a:t>
-            </a:r>
-            <a:r>
-              <a:rPr lang="en-US" b="0" i="0" u="none" strike="noStrike" baseline="0" dirty="0"/>
-              <a:t>, K. M. (2005)</a:t>
-            </a:r>
-            <a:r>
-              <a:rPr lang="pl-PL" b="0" i="0" u="none" strike="noStrike" baseline="0" dirty="0"/>
-              <a:t>,</a:t>
-            </a:r>
-            <a:r>
-              <a:rPr lang="en-US" b="0" i="0" u="none" strike="noStrike" baseline="0" dirty="0"/>
-              <a:t> The Idea Of The University In European Culture</a:t>
-            </a:r>
-            <a:r>
-              <a:rPr lang="pl-PL" b="0" i="0" u="none" strike="noStrike" baseline="0" dirty="0"/>
-              <a:t>,</a:t>
-            </a:r>
-            <a:r>
-              <a:rPr lang="en-US" b="0" i="0" u="none" strike="noStrike" baseline="0" dirty="0"/>
+            <a:pPr algn="l"/>
+            <a:r>
+              <a:rPr lang="en-US" sz="1800" b="0" i="0" u="none" strike="noStrike" baseline="0" dirty="0">
+                <a:latin typeface="CIDFont+F1"/>
+              </a:rPr>
+              <a:t>This dissertation contributes to the development of management and quality sciences through</a:t>
+            </a:r>
+            <a:r>
+              <a:rPr lang="pl-PL" sz="1800" b="0" i="0" u="none" strike="noStrike" baseline="0" dirty="0">
+                <a:latin typeface="CIDFont+F1"/>
+              </a:rPr>
               <a:t> </a:t>
             </a:r>
             <a:r>
-              <a:rPr lang="en-US" b="0" i="0" u="none" strike="noStrike" baseline="0" dirty="0" err="1"/>
-              <a:t>Polityka</a:t>
-            </a:r>
-            <a:r>
-              <a:rPr lang="en-US" b="0" i="0" u="none" strike="noStrike" baseline="0" dirty="0"/>
+              <a:rPr lang="en-US" sz="1800" b="0" i="0" u="none" strike="noStrike" baseline="0" dirty="0">
+                <a:latin typeface="CIDFont+F1"/>
+              </a:rPr>
+              <a:t>synthesis of quality management theory and stakeholder theory.</a:t>
+            </a:r>
+            <a:endParaRPr lang="pl-PL" sz="1800" b="0" i="0" u="none" strike="noStrike" baseline="0" dirty="0">
+              <a:latin typeface="CIDFont+F1"/>
+            </a:endParaRPr>
+          </a:p>
+          <a:p>
+            <a:pPr algn="l"/>
+            <a:r>
+              <a:rPr lang="en-US" sz="1800" b="0" i="0" u="none" strike="noStrike" baseline="0" dirty="0">
+                <a:latin typeface="CIDFont+F1"/>
+              </a:rPr>
+              <a:t>The conducted qualitative and quantitative research allowed for achieving the cognitive goal of</a:t>
+            </a:r>
+            <a:r>
+              <a:rPr lang="pl-PL" sz="1800" b="0" i="0" u="none" strike="noStrike" baseline="0" dirty="0">
+                <a:latin typeface="CIDFont+F1"/>
+              </a:rPr>
               <a:t> </a:t>
             </a:r>
             <a:r>
-              <a:rPr lang="en-US" b="0" i="0" u="none" strike="noStrike" baseline="0" dirty="0" err="1"/>
-              <a:t>i</a:t>
-            </a:r>
-            <a:r>
-              <a:rPr lang="en-US" b="0" i="0" u="none" strike="noStrike" baseline="0" dirty="0"/>
+              <a:rPr lang="en-US" sz="1800" b="0" i="0" u="none" strike="noStrike" baseline="0" dirty="0">
+                <a:latin typeface="CIDFont+F1"/>
+              </a:rPr>
+              <a:t>the study, which was to </a:t>
+            </a:r>
+            <a:r>
+              <a:rPr lang="en-US" sz="1800" b="0" i="0" u="none" strike="noStrike" baseline="0" dirty="0">
+                <a:latin typeface="CIDFont+F3"/>
+              </a:rPr>
+              <a:t>identify effective methods from the perspective of improving the quality management</a:t>
+            </a:r>
+            <a:r>
+              <a:rPr lang="pl-PL" sz="1800" b="0" i="0" u="none" strike="noStrike" baseline="0" dirty="0">
+                <a:latin typeface="CIDFont+F3"/>
+              </a:rPr>
               <a:t> </a:t>
             </a:r>
             <a:r>
-              <a:rPr lang="en-US" b="0" i="0" u="none" strike="noStrike" baseline="0" dirty="0" err="1"/>
-              <a:t>Społeczeństwo</a:t>
-            </a:r>
-            <a:r>
-              <a:rPr lang="en-US" b="0" i="0" u="none" strike="noStrike" baseline="0" dirty="0"/>
+              <a:rPr lang="en-US" sz="1800" b="0" i="0" u="none" strike="noStrike" baseline="0" dirty="0">
+                <a:latin typeface="CIDFont+F3"/>
+              </a:rPr>
+              <a:t>system, through the measurement and analysis of stakeholder satisfaction levels as an</a:t>
+            </a:r>
+            <a:r>
+              <a:rPr lang="pl-PL" sz="1800" b="0" i="0" u="none" strike="noStrike" baseline="0" dirty="0">
+                <a:latin typeface="CIDFont+F3"/>
+              </a:rPr>
               <a:t> </a:t>
             </a:r>
             <a:r>
-              <a:rPr lang="pl-PL" b="0" i="0" u="none" strike="noStrike" baseline="0" dirty="0"/>
-              <a:t>(s. </a:t>
-            </a:r>
-            <a:r>
-              <a:rPr lang="en-US" b="0" i="0" u="none" strike="noStrike" baseline="0" dirty="0"/>
-              <a:t>60–72</a:t>
-            </a:r>
-            <a:r>
-              <a:rPr lang="pl-PL" dirty="0"/>
-              <a:t>)</a:t>
-            </a:r>
-            <a:endParaRPr lang="pl-PL" b="0" i="0" u="none" strike="noStrike" baseline="0" dirty="0"/>
-          </a:p>
-          <a:p>
-            <a:r>
-              <a:rPr lang="en-US" b="0" i="0" u="none" strike="noStrike" baseline="0" dirty="0"/>
-              <a:t>De Ridder-</a:t>
-            </a:r>
-            <a:r>
-              <a:rPr lang="en-US" b="0" i="0" u="none" strike="noStrike" baseline="0" dirty="0" err="1"/>
-              <a:t>Symoens</a:t>
-            </a:r>
-            <a:r>
-              <a:rPr lang="en-US" b="0" i="0" u="none" strike="noStrike" baseline="0" dirty="0"/>
-              <a:t>, H. (2020)</a:t>
-            </a:r>
-            <a:r>
-              <a:rPr lang="pl-PL" b="0" i="0" u="none" strike="noStrike" baseline="0" dirty="0"/>
-              <a:t>,</a:t>
-            </a:r>
-            <a:r>
-              <a:rPr lang="en-US" b="0" i="0" u="none" strike="noStrike" baseline="0" dirty="0"/>
-              <a:t> Universities and Their Missions in Early Modern Times. W L. </a:t>
-            </a:r>
-            <a:r>
-              <a:rPr lang="en-US" b="0" i="0" u="none" strike="noStrike" baseline="0" dirty="0" err="1"/>
-              <a:t>Engwall</a:t>
-            </a:r>
-            <a:r>
-              <a:rPr lang="en-US" b="0" i="0" u="none" strike="noStrike" baseline="0" dirty="0"/>
-              <a:t> (Red.), Missions of Universities: Past, Present, Future (s. 43–61)</a:t>
-            </a:r>
-            <a:r>
-              <a:rPr lang="pl-PL" b="0" i="0" u="none" strike="noStrike" baseline="0" dirty="0"/>
-              <a:t>,</a:t>
-            </a:r>
-            <a:r>
-              <a:rPr lang="en-US" b="0" i="0" u="none" strike="noStrike" baseline="0" dirty="0"/>
-              <a:t> Springer International Publishing</a:t>
-            </a:r>
-            <a:endParaRPr lang="pl-PL" b="0" i="0" u="none" strike="noStrike" baseline="0" dirty="0"/>
-          </a:p>
-          <a:p>
-            <a:r>
-              <a:rPr lang="en-US" dirty="0"/>
-              <a:t>Freeman R.E. (1984), Strategic Management: A Stakeholder Approach, Pitman, London and Boston, MA</a:t>
+              <a:rPr lang="pl-PL" sz="1800" b="0" i="0" u="none" strike="noStrike" baseline="0" dirty="0" err="1">
+                <a:latin typeface="CIDFont+F3"/>
+              </a:rPr>
+              <a:t>indicator</a:t>
+            </a:r>
+            <a:r>
+              <a:rPr lang="pl-PL" sz="1800" b="0" i="0" u="none" strike="noStrike" baseline="0" dirty="0">
+                <a:latin typeface="CIDFont+F3"/>
+              </a:rPr>
+              <a:t> of </a:t>
+            </a:r>
+            <a:r>
+              <a:rPr lang="pl-PL" sz="1800" b="0" i="0" u="none" strike="noStrike" baseline="0" dirty="0" err="1">
+                <a:latin typeface="CIDFont+F3"/>
+              </a:rPr>
+              <a:t>quality</a:t>
+            </a:r>
+            <a:r>
+              <a:rPr lang="pl-PL" sz="1800" b="0" i="0" u="none" strike="noStrike" baseline="0" dirty="0">
+                <a:latin typeface="CIDFont+F1"/>
+              </a:rPr>
+              <a:t>.</a:t>
+            </a:r>
+          </a:p>
+          <a:p>
+            <a:pPr algn="l"/>
+            <a:r>
+              <a:rPr lang="en-US" sz="1800" b="0" i="0" u="none" strike="noStrike" baseline="0" dirty="0">
+                <a:latin typeface="CIDFont+F1"/>
+              </a:rPr>
+              <a:t>The utilitarian goal, formulated as </a:t>
+            </a:r>
+            <a:r>
+              <a:rPr lang="en-US" sz="1800" b="0" i="0" u="none" strike="noStrike" baseline="0" dirty="0">
+                <a:latin typeface="CIDFont+F3"/>
+              </a:rPr>
+              <a:t>development of a method for improving the quality</a:t>
+            </a:r>
+            <a:r>
+              <a:rPr lang="pl-PL" sz="1800" b="0" i="0" u="none" strike="noStrike" baseline="0" dirty="0">
+                <a:latin typeface="CIDFont+F3"/>
+              </a:rPr>
+              <a:t> </a:t>
+            </a:r>
+            <a:r>
+              <a:rPr lang="en-US" sz="1800" b="0" i="0" u="none" strike="noStrike" baseline="0" dirty="0">
+                <a:latin typeface="CIDFont+F3"/>
+              </a:rPr>
+              <a:t>management system of universities, adapted to the specifics of Polish technical universities, using the</a:t>
+            </a:r>
+            <a:r>
+              <a:rPr lang="pl-PL" sz="1800" b="0" i="0" u="none" strike="noStrike" baseline="0" dirty="0">
+                <a:latin typeface="CIDFont+F3"/>
+              </a:rPr>
+              <a:t> </a:t>
+            </a:r>
+            <a:r>
+              <a:rPr lang="en-US" sz="1800" b="0" i="0" u="none" strike="noStrike" baseline="0" dirty="0">
+                <a:latin typeface="CIDFont+F3"/>
+              </a:rPr>
+              <a:t>measurement of satisfaction of various stakeholder groups as one of the indicators of the university’s</a:t>
+            </a:r>
+            <a:r>
+              <a:rPr lang="pl-PL" sz="1800" b="0" i="0" u="none" strike="noStrike" baseline="0" dirty="0">
+                <a:latin typeface="CIDFont+F3"/>
+              </a:rPr>
+              <a:t> performance</a:t>
+            </a:r>
+            <a:r>
+              <a:rPr lang="pl-PL" sz="1800" b="0" i="0" u="none" strike="noStrike" baseline="0" dirty="0">
+                <a:latin typeface="CIDFont+F1"/>
+              </a:rPr>
+              <a:t>, was </a:t>
+            </a:r>
+            <a:r>
+              <a:rPr lang="pl-PL" sz="1800" b="0" i="0" u="none" strike="noStrike" baseline="0" dirty="0" err="1">
+                <a:latin typeface="CIDFont+F1"/>
+              </a:rPr>
+              <a:t>also</a:t>
+            </a:r>
+            <a:r>
+              <a:rPr lang="pl-PL" sz="1800" b="0" i="0" u="none" strike="noStrike" baseline="0" dirty="0">
+                <a:latin typeface="CIDFont+F1"/>
+              </a:rPr>
+              <a:t> </a:t>
+            </a:r>
+            <a:r>
+              <a:rPr lang="pl-PL" sz="1800" b="0" i="0" u="none" strike="noStrike" baseline="0" dirty="0" err="1">
+                <a:latin typeface="CIDFont+F1"/>
+              </a:rPr>
+              <a:t>achieved</a:t>
+            </a:r>
+            <a:r>
+              <a:rPr lang="pl-PL" sz="1800" b="0" i="0" u="none" strike="noStrike" baseline="0" dirty="0">
+                <a:latin typeface="CIDFont+F1"/>
+              </a:rPr>
+              <a:t>.</a:t>
+            </a:r>
+          </a:p>
+          <a:p>
+            <a:pPr algn="l"/>
+            <a:r>
+              <a:rPr lang="en-US" sz="1800" b="0" i="0" u="none" strike="noStrike" baseline="0" dirty="0">
+                <a:latin typeface="CIDFont+F1"/>
+              </a:rPr>
+              <a:t>This objective has been achieved with developing Stakeholders Satisfaction</a:t>
+            </a:r>
+            <a:r>
+              <a:rPr lang="pl-PL" sz="1800" b="0" i="0" u="none" strike="noStrike" baseline="0" dirty="0">
+                <a:latin typeface="CIDFont+F1"/>
+              </a:rPr>
+              <a:t> </a:t>
+            </a:r>
+            <a:r>
+              <a:rPr lang="en-US" sz="1800" b="0" i="0" u="none" strike="noStrike" baseline="0" dirty="0">
+                <a:latin typeface="CIDFont+F1"/>
+              </a:rPr>
+              <a:t>Driven Quality Management Model – SSDQM.</a:t>
+            </a:r>
+            <a:endParaRPr lang="pl-PL" sz="1800" b="0" i="0" u="none" strike="noStrike" baseline="0" dirty="0">
+              <a:latin typeface="CIDFont+F1"/>
+            </a:endParaRPr>
+          </a:p>
+          <a:p>
+            <a:pPr algn="l"/>
+            <a:r>
+              <a:rPr lang="en-US" sz="1800" b="0" i="0" u="none" strike="noStrike" baseline="0" dirty="0">
+                <a:latin typeface="CIDFont+F1"/>
+              </a:rPr>
+              <a:t>The model is developed taking into account</a:t>
+            </a:r>
+            <a:r>
+              <a:rPr lang="pl-PL" sz="1800" b="0" i="0" u="none" strike="noStrike" baseline="0" dirty="0">
+                <a:latin typeface="CIDFont+F1"/>
+              </a:rPr>
+              <a:t> </a:t>
+            </a:r>
+            <a:r>
+              <a:rPr lang="en-US" sz="1800" b="0" i="0" u="none" strike="noStrike" baseline="0" dirty="0">
+                <a:latin typeface="CIDFont+F1"/>
+              </a:rPr>
+              <a:t>possible applications in the context of the specifics of Polish technical universities.</a:t>
+            </a:r>
+            <a:endParaRPr lang="pl-PL" sz="1800" b="0" i="0" u="none" strike="noStrike" baseline="0" dirty="0">
+              <a:latin typeface="CIDFont+F1"/>
+            </a:endParaRPr>
+          </a:p>
+          <a:p>
+            <a:pPr algn="l"/>
+            <a:r>
+              <a:rPr lang="pl-PL" sz="1800" b="0" i="0" u="none" strike="noStrike" baseline="0" dirty="0">
+                <a:latin typeface="CIDFont+F1"/>
+              </a:rPr>
+              <a:t>The </a:t>
+            </a:r>
+            <a:r>
+              <a:rPr lang="pl-PL" sz="1800" b="0" i="0" u="none" strike="noStrike" baseline="0" dirty="0" err="1">
+                <a:latin typeface="CIDFont+F1"/>
+              </a:rPr>
+              <a:t>applicative</a:t>
+            </a:r>
+            <a:r>
+              <a:rPr lang="pl-PL" sz="1800" b="0" i="0" u="none" strike="noStrike" baseline="0" dirty="0">
+                <a:latin typeface="CIDFont+F1"/>
+              </a:rPr>
+              <a:t> </a:t>
+            </a:r>
+            <a:r>
+              <a:rPr lang="pl-PL" sz="1800" b="0" i="0" u="none" strike="noStrike" baseline="0" dirty="0" err="1">
+                <a:latin typeface="CIDFont+F1"/>
+              </a:rPr>
+              <a:t>value</a:t>
+            </a:r>
+            <a:r>
+              <a:rPr lang="pl-PL" sz="1800" b="0" i="0" u="none" strike="noStrike" baseline="0" dirty="0">
+                <a:latin typeface="CIDFont+F1"/>
+              </a:rPr>
+              <a:t> </a:t>
+            </a:r>
+            <a:r>
+              <a:rPr lang="en-US" sz="1800" b="0" i="0" u="none" strike="noStrike" baseline="0" dirty="0">
+                <a:latin typeface="CIDFont+F1"/>
+              </a:rPr>
+              <a:t>of the proposed model has been enhanced with recommendations resulting from the conducted research,</a:t>
+            </a:r>
+            <a:r>
+              <a:rPr lang="pl-PL" sz="1800" b="0" i="0" u="none" strike="noStrike" baseline="0" dirty="0">
+                <a:latin typeface="CIDFont+F1"/>
+              </a:rPr>
+              <a:t> </a:t>
+            </a:r>
+            <a:r>
+              <a:rPr lang="en-US" sz="1800" b="0" i="0" u="none" strike="noStrike" baseline="0" dirty="0">
+                <a:latin typeface="CIDFont+F1"/>
+              </a:rPr>
+              <a:t>a significant part of which is the development of a basic set of indicators.</a:t>
+            </a:r>
+            <a:endParaRPr lang="pl-PL" sz="1800" b="0" i="0" u="none" strike="noStrike" baseline="0" dirty="0">
+              <a:latin typeface="CIDFont+F1"/>
+            </a:endParaRPr>
+          </a:p>
+          <a:p>
+            <a:pPr algn="l"/>
+            <a:r>
+              <a:rPr lang="pl-PL" sz="1800" b="0" i="0" u="none" strike="noStrike" baseline="0" dirty="0" err="1">
+                <a:latin typeface="CIDFont+F1"/>
+              </a:rPr>
+              <a:t>These</a:t>
+            </a:r>
+            <a:r>
+              <a:rPr lang="pl-PL" sz="1800" b="0" i="0" u="none" strike="noStrike" baseline="0" dirty="0">
+                <a:latin typeface="CIDFont+F1"/>
+              </a:rPr>
+              <a:t> </a:t>
+            </a:r>
+            <a:r>
+              <a:rPr lang="pl-PL" sz="1800" b="0" i="0" u="none" strike="noStrike" baseline="0" dirty="0" err="1">
+                <a:latin typeface="CIDFont+F1"/>
+              </a:rPr>
+              <a:t>are</a:t>
+            </a:r>
+            <a:r>
+              <a:rPr lang="pl-PL" sz="1800" b="0" i="0" u="none" strike="noStrike" baseline="0" dirty="0">
+                <a:latin typeface="CIDFont+F1"/>
+              </a:rPr>
+              <a:t> </a:t>
+            </a:r>
+            <a:r>
+              <a:rPr lang="pl-PL" sz="1800" b="0" i="0" u="none" strike="noStrike" baseline="0" dirty="0" err="1">
+                <a:latin typeface="CIDFont+F1"/>
+              </a:rPr>
+              <a:t>measures</a:t>
+            </a:r>
+            <a:r>
+              <a:rPr lang="pl-PL" sz="1800" b="0" i="0" u="none" strike="noStrike" baseline="0" dirty="0">
+                <a:latin typeface="CIDFont+F1"/>
+              </a:rPr>
+              <a:t> </a:t>
+            </a:r>
+            <a:r>
+              <a:rPr lang="en-US" sz="1800" b="0" i="0" u="none" strike="noStrike" baseline="0" dirty="0">
+                <a:latin typeface="CIDFont+F1"/>
+              </a:rPr>
+              <a:t>statistically proven to be significant for the environment of technical universities.</a:t>
+            </a:r>
+            <a:endParaRPr lang="pl-PL" sz="1800" b="0" i="0" u="none" strike="noStrike" baseline="0" dirty="0">
+              <a:latin typeface="CIDFont+F1"/>
+            </a:endParaRPr>
+          </a:p>
+          <a:p>
+            <a:pPr algn="l"/>
+            <a:r>
+              <a:rPr lang="pl-PL" sz="1800" b="0" i="0" u="none" strike="noStrike" baseline="0" dirty="0">
+                <a:latin typeface="CIDFont+F1"/>
+              </a:rPr>
+              <a:t>The </a:t>
+            </a:r>
+            <a:r>
+              <a:rPr lang="pl-PL" sz="1800" b="0" i="0" u="none" strike="noStrike" baseline="0" dirty="0" err="1">
+                <a:latin typeface="CIDFont+F1"/>
+              </a:rPr>
+              <a:t>strong</a:t>
+            </a:r>
+            <a:r>
+              <a:rPr lang="pl-PL" sz="1800" b="0" i="0" u="none" strike="noStrike" baseline="0" dirty="0">
+                <a:latin typeface="CIDFont+F1"/>
+              </a:rPr>
+              <a:t> </a:t>
+            </a:r>
+            <a:r>
+              <a:rPr lang="pl-PL" sz="1800" b="0" i="0" u="none" strike="noStrike" baseline="0" dirty="0" err="1">
+                <a:latin typeface="CIDFont+F1"/>
+              </a:rPr>
+              <a:t>connections</a:t>
+            </a:r>
+            <a:r>
+              <a:rPr lang="pl-PL" sz="1800" b="0" i="0" u="none" strike="noStrike" baseline="0" dirty="0">
+                <a:latin typeface="CIDFont+F1"/>
+              </a:rPr>
+              <a:t> </a:t>
+            </a:r>
+            <a:r>
+              <a:rPr lang="en-US" sz="1800" b="0" i="0" u="none" strike="noStrike" baseline="0" dirty="0">
+                <a:latin typeface="CIDFont+F1"/>
+              </a:rPr>
+              <a:t>of the proposed model with the field of quality management are also confirmed by analyses indicating</a:t>
+            </a:r>
+            <a:r>
+              <a:rPr lang="pl-PL" sz="1800" b="0" i="0" u="none" strike="noStrike" baseline="0" dirty="0">
+                <a:latin typeface="CIDFont+F1"/>
+              </a:rPr>
+              <a:t> </a:t>
+            </a:r>
+            <a:r>
+              <a:rPr lang="en-US" sz="1800" b="0" i="0" u="none" strike="noStrike" baseline="0" dirty="0">
+                <a:latin typeface="CIDFont+F1"/>
+              </a:rPr>
+              <a:t>that the application of SSDQM can provide very good preparation for organizations to implement the</a:t>
+            </a:r>
+            <a:r>
+              <a:rPr lang="pl-PL" sz="1800" b="0" i="0" u="none" strike="noStrike" baseline="0" dirty="0">
+                <a:latin typeface="CIDFont+F1"/>
+              </a:rPr>
+              <a:t> </a:t>
+            </a:r>
+            <a:r>
+              <a:rPr lang="en-US" sz="1800" b="0" i="0" u="none" strike="noStrike" baseline="0" dirty="0">
+                <a:latin typeface="CIDFont+F1"/>
+              </a:rPr>
+              <a:t>requirements of the ISO</a:t>
+            </a:r>
+            <a:r>
+              <a:rPr lang="pl-PL" sz="1800" dirty="0">
+                <a:latin typeface="CIDFont+F1"/>
+              </a:rPr>
+              <a:t> </a:t>
+            </a:r>
+            <a:r>
+              <a:rPr lang="en-US" sz="1800" b="0" i="0" u="none" strike="noStrike" baseline="0" dirty="0">
+                <a:latin typeface="CIDFont+F1"/>
+              </a:rPr>
+              <a:t>21001:2018 and other standards and requirements that promote focus on</a:t>
+            </a:r>
+            <a:r>
+              <a:rPr lang="pl-PL" sz="1800" b="0" i="0" u="none" strike="noStrike" baseline="0" dirty="0">
+                <a:latin typeface="CIDFont+F1"/>
+              </a:rPr>
+              <a:t> </a:t>
+            </a:r>
+            <a:r>
+              <a:rPr lang="pl-PL" sz="1800" b="0" i="0" u="none" strike="noStrike" baseline="0" dirty="0" err="1">
+                <a:latin typeface="CIDFont+F1"/>
+              </a:rPr>
+              <a:t>stakeholders</a:t>
+            </a:r>
+            <a:r>
+              <a:rPr lang="pl-PL" sz="1800" b="0" i="0" u="none" strike="noStrike" baseline="0" dirty="0">
+                <a:latin typeface="CIDFont+F1"/>
+              </a:rPr>
+              <a:t>.</a:t>
             </a:r>
             <a:endParaRPr lang="pl-PL" dirty="0"/>
           </a:p>
-          <a:p>
-            <a:r>
-              <a:rPr lang="pl-PL" b="0" i="0" u="none" strike="noStrike" baseline="0" dirty="0" err="1"/>
-              <a:t>Grudowski</a:t>
-            </a:r>
-            <a:r>
-              <a:rPr lang="pl-PL" b="0" i="0" u="none" strike="noStrike" baseline="0" dirty="0"/>
-              <a:t> </a:t>
-            </a:r>
-            <a:r>
-              <a:rPr lang="pl-PL" dirty="0"/>
-              <a:t>P.,</a:t>
-            </a:r>
-            <a:r>
-              <a:rPr lang="pl-PL" b="0" i="0" u="none" strike="noStrike" baseline="0" dirty="0"/>
-              <a:t> Lewandowski K. (2012), Pojęcie jakości kształcenia i uwarunkowania jej kwantyfikacji w uczelniach wyższych, Zarządzanie i Finanse, nr 3, cz. 1</a:t>
-            </a:r>
-            <a:endParaRPr lang="pl-PL" dirty="0"/>
-          </a:p>
-          <a:p>
-            <a:pPr algn="l"/>
-            <a:r>
-              <a:rPr lang="pl-PL" dirty="0"/>
-              <a:t>Leja K. (2011), Koncepcje zarządzania współczesnym uniwersytetem, 10.13140/RG.2.1.3539.1529. </a:t>
-            </a:r>
-          </a:p>
-          <a:p>
-            <a:pPr algn="l"/>
-            <a:r>
-              <a:rPr lang="pl-PL" dirty="0"/>
-              <a:t>Leja K. (2019), Misja społecznie odpowiedzialnego uniwersytetu, w: Jastrzębska, E., Przybysz, M. (red.), Społeczna odpowiedzialność uczelni znaczenie dla uczelni i sposoby jej wdrażania (s. 11-13), Ministerstwo Nauki i Szkolnictwa Wyższego i Ministerstwo Inwestycji i Rozwoju, Warszawa</a:t>
-            </a:r>
-          </a:p>
-          <a:p>
-            <a:pPr algn="l"/>
-            <a:r>
-              <a:rPr lang="pl-PL" dirty="0" err="1"/>
-              <a:t>Puente</a:t>
-            </a:r>
-            <a:r>
-              <a:rPr lang="pl-PL" dirty="0"/>
-              <a:t> C., </a:t>
-            </a:r>
-            <a:r>
-              <a:rPr lang="pl-PL" dirty="0" err="1"/>
-              <a:t>Fabra</a:t>
-            </a:r>
-            <a:r>
-              <a:rPr lang="pl-PL" dirty="0"/>
-              <a:t> M., Mason C. et al. (2021), Role of the </a:t>
-            </a:r>
-            <a:r>
-              <a:rPr lang="pl-PL" dirty="0" err="1"/>
-              <a:t>Universities</a:t>
-            </a:r>
-            <a:r>
-              <a:rPr lang="pl-PL" dirty="0"/>
-              <a:t> as Drivers of </a:t>
-            </a:r>
-            <a:r>
-              <a:rPr lang="pl-PL" dirty="0" err="1"/>
-              <a:t>Social</a:t>
-            </a:r>
-            <a:r>
-              <a:rPr lang="pl-PL" dirty="0"/>
-              <a:t> </a:t>
-            </a:r>
-            <a:r>
-              <a:rPr lang="pl-PL" dirty="0" err="1"/>
-              <a:t>Innovation</a:t>
-            </a:r>
-            <a:r>
-              <a:rPr lang="pl-PL" dirty="0"/>
-              <a:t>, </a:t>
-            </a:r>
-            <a:r>
-              <a:rPr lang="pl-PL" dirty="0" err="1"/>
-              <a:t>Sustainability</a:t>
-            </a:r>
-            <a:r>
-              <a:rPr lang="pl-PL" dirty="0"/>
-              <a:t>, 13, 13727, 10.3390/su132413727</a:t>
-            </a:r>
-            <a:endParaRPr lang="en-US" dirty="0"/>
-          </a:p>
-          <a:p>
-            <a:pPr algn="l"/>
-            <a:endParaRPr lang="pl-PL" dirty="0"/>
-          </a:p>
         </p:txBody>
       </p:sp>
       <p:sp>
@@ -8914,7 +9153,7 @@
           <p:cNvPr id="4" name="Slide Number Placeholder 3">
             <a:extLst>
               <a:ext uri="{FF2B5EF4-FFF2-40B4-BE49-F238E27FC236}">
-                <a16:creationId xmlns:a16="http://schemas.microsoft.com/office/drawing/2014/main" id="{8CE4049D-1C83-5BCB-31E1-B99EF9414431}"/>
+                <a16:creationId xmlns:a16="http://schemas.microsoft.com/office/drawing/2014/main" id="{EC1BD1F1-20DD-5B06-C501-0CEB8101DA9B}"/>
               </a:ext>
             </a:extLst>
           </p:cNvPr>
@@ -8942,7 +9181,7 @@
     </p:spTree>
     <p:extLst>
       <p:ext uri="{BB962C8B-B14F-4D97-AF65-F5344CB8AC3E}">
-        <p14:creationId xmlns:p14="http://schemas.microsoft.com/office/powerpoint/2010/main" val="2905408895"/>
+        <p14:creationId xmlns:p14="http://schemas.microsoft.com/office/powerpoint/2010/main" val="1751899173"/>
       </p:ext>
     </p:extLst>
   </p:cSld>
@@ -8974,7 +9213,7 @@
           <p:cNvPr id="2" name="Tytuł 1">
             <a:extLst>
               <a:ext uri="{FF2B5EF4-FFF2-40B4-BE49-F238E27FC236}">
-                <a16:creationId xmlns:a16="http://schemas.microsoft.com/office/drawing/2014/main" id="{EF146487-78BF-B718-BD20-9D922B93369A}"/>
+                <a16:creationId xmlns:a16="http://schemas.microsoft.com/office/drawing/2014/main" id="{01EAFA99-E6F6-9C32-FCD9-295254D965A1}"/>
               </a:ext>
             </a:extLst>
           </p:cNvPr>
@@ -8992,7 +9231,7 @@
           <a:p>
             <a:r>
               <a:rPr lang="pl-PL" dirty="0"/>
-              <a:t>Plan narracji 1/2</a:t>
+              <a:t>Literatura</a:t>
             </a:r>
           </a:p>
         </p:txBody>
@@ -9002,7 +9241,7 @@
           <p:cNvPr id="3" name="Symbol zastępczy zawartości 2">
             <a:extLst>
               <a:ext uri="{FF2B5EF4-FFF2-40B4-BE49-F238E27FC236}">
-                <a16:creationId xmlns:a16="http://schemas.microsoft.com/office/drawing/2014/main" id="{E78D3559-3162-A0D8-F760-5A7FD0A881F4}"/>
+                <a16:creationId xmlns:a16="http://schemas.microsoft.com/office/drawing/2014/main" id="{9AEEA72C-DA17-8133-04DC-5D0CEE84D90D}"/>
               </a:ext>
             </a:extLst>
           </p:cNvPr>
@@ -9016,176 +9255,238 @@
         <p:spPr/>
         <p:txBody>
           <a:bodyPr>
-            <a:normAutofit fontScale="32500" lnSpcReduction="20000"/>
+            <a:normAutofit fontScale="62500" lnSpcReduction="20000"/>
           </a:bodyPr>
           <a:lstStyle/>
           <a:p>
             <a:r>
-              <a:rPr lang="pl-PL" dirty="0"/>
-              <a:t>Dlaczego warto zająć się tematem?: uniwersytety są  „silnikiem” rozwoju społecznego, gospodarczego i kulturowego</a:t>
-            </a:r>
-            <a:r>
-              <a:rPr lang="pl-PL" baseline="30000" dirty="0"/>
-              <a:t>1</a:t>
-            </a:r>
-            <a:r>
-              <a:rPr lang="pl-PL" dirty="0"/>
-              <a:t> , pozycja polskich uczelni w świecie nauki nie odpowiada pozycji ani potencjałowi Polski w globalnej gospodarce. Ponadto polscy naukowcy osiągają wiele sukcesów naukowych, które nie są odpowiednio komercjalizowane przez polskie przedsiębiorstwa.</a:t>
-            </a:r>
-          </a:p>
-          <a:p>
-            <a:r>
-              <a:rPr lang="pl-PL" dirty="0"/>
-              <a:t>Skąd mogą się brać obecne problemy?: Silna kultura akademicka związana z odwoływaniem się do wielowiekowej tradycji; konflikt tradycja a nowoczesność to często sprzeczność między koncepcją uniwersytetu liberalnego i uniwersytetu przedsiębiorczego, a obecnie także z cechami uniwersytetu społecznie odpowiedzialnego; żadna nie może być w pełni </a:t>
-            </a:r>
-            <a:r>
-              <a:rPr lang="pl-PL" dirty="0" err="1"/>
-              <a:t>rezalizowana</a:t>
-            </a:r>
-            <a:r>
-              <a:rPr lang="pl-PL" dirty="0"/>
-              <a:t> przez różne ograniczenia (w tym regulacje prawne); </a:t>
-            </a:r>
-          </a:p>
-          <a:p>
-            <a:r>
-              <a:rPr lang="pl-PL" dirty="0"/>
-              <a:t>Sprzeczne oczekiwania różnych interesariuszy; dziedzictwo wielu wieków tradycji uniwersyteckich potęgujących sprzeczności;</a:t>
-            </a:r>
-          </a:p>
-          <a:p>
-            <a:r>
-              <a:rPr lang="en-US" sz="2800" b="0" i="0" u="none" strike="noStrike" baseline="0" dirty="0">
-                <a:latin typeface="CIDFont+F1"/>
-              </a:rPr>
-              <a:t>utilitarian goal, formulated as </a:t>
-            </a:r>
-            <a:r>
-              <a:rPr lang="en-US" sz="2800" b="0" i="0" u="none" strike="noStrike" baseline="0" dirty="0">
-                <a:latin typeface="CIDFont+F3"/>
-              </a:rPr>
-              <a:t>development of a method for improving the quality</a:t>
-            </a:r>
-            <a:r>
-              <a:rPr lang="pl-PL" sz="2800" b="0" i="0" u="none" strike="noStrike" baseline="0" dirty="0">
-                <a:latin typeface="CIDFont+F3"/>
-              </a:rPr>
+              <a:rPr lang="en-US" b="0" i="0" u="none" strike="noStrike" baseline="0" dirty="0"/>
+              <a:t>Anderson, J. C., </a:t>
+            </a:r>
+            <a:r>
+              <a:rPr lang="en-US" b="0" i="0" u="none" strike="noStrike" baseline="0" dirty="0" err="1"/>
+              <a:t>Rungtusanatham</a:t>
+            </a:r>
+            <a:r>
+              <a:rPr lang="en-US" b="0" i="0" u="none" strike="noStrike" baseline="0" dirty="0"/>
+              <a:t>, M., &amp; Schroeder, R. G. (1994)</a:t>
+            </a:r>
+            <a:r>
+              <a:rPr lang="pl-PL" b="0" i="0" u="none" strike="noStrike" baseline="0" dirty="0"/>
+              <a:t>,</a:t>
+            </a:r>
+            <a:r>
+              <a:rPr lang="en-US" b="0" i="0" u="none" strike="noStrike" baseline="0" dirty="0"/>
+              <a:t> A Theory Of Quality Management Underlying The Deming Management Method</a:t>
+            </a:r>
+            <a:r>
+              <a:rPr lang="pl-PL" b="0" i="0" u="none" strike="noStrike" baseline="0" dirty="0"/>
+              <a:t>,</a:t>
+            </a:r>
+            <a:r>
+              <a:rPr lang="en-US" b="0" i="0" u="none" strike="noStrike" baseline="0" dirty="0"/>
+              <a:t> Academy of Management Review, 19(3), 472–509</a:t>
+            </a:r>
+            <a:endParaRPr lang="pl-PL" b="0" i="0" u="none" strike="noStrike" baseline="0" dirty="0"/>
+          </a:p>
+          <a:p>
+            <a:r>
+              <a:rPr lang="en-US" b="0" i="0" u="none" strike="noStrike" baseline="0" dirty="0" err="1"/>
+              <a:t>Cwynar</a:t>
+            </a:r>
+            <a:r>
+              <a:rPr lang="en-US" b="0" i="0" u="none" strike="noStrike" baseline="0" dirty="0"/>
+              <a:t>, K. M. (2005)</a:t>
+            </a:r>
+            <a:r>
+              <a:rPr lang="pl-PL" b="0" i="0" u="none" strike="noStrike" baseline="0" dirty="0"/>
+              <a:t>,</a:t>
+            </a:r>
+            <a:r>
+              <a:rPr lang="en-US" b="0" i="0" u="none" strike="noStrike" baseline="0" dirty="0"/>
+              <a:t> The Idea Of The University In European Culture</a:t>
+            </a:r>
+            <a:r>
+              <a:rPr lang="pl-PL" b="0" i="0" u="none" strike="noStrike" baseline="0" dirty="0"/>
+              <a:t>,</a:t>
+            </a:r>
+            <a:r>
+              <a:rPr lang="en-US" b="0" i="0" u="none" strike="noStrike" baseline="0" dirty="0"/>
               <a:t> </a:t>
             </a:r>
             <a:r>
-              <a:rPr lang="en-US" sz="2800" b="0" i="0" u="none" strike="noStrike" baseline="0" dirty="0">
-                <a:latin typeface="CIDFont+F3"/>
-              </a:rPr>
-              <a:t>management system of universities, adapted to the specifics of Polish technical universities, using the</a:t>
-            </a:r>
-            <a:r>
-              <a:rPr lang="pl-PL" sz="2800" b="0" i="0" u="none" strike="noStrike" baseline="0" dirty="0">
-                <a:latin typeface="CIDFont+F3"/>
-              </a:rPr>
+              <a:rPr lang="en-US" b="0" i="0" u="none" strike="noStrike" baseline="0" dirty="0" err="1"/>
+              <a:t>Polityka</a:t>
+            </a:r>
+            <a:r>
+              <a:rPr lang="en-US" b="0" i="0" u="none" strike="noStrike" baseline="0" dirty="0"/>
               <a:t> </a:t>
             </a:r>
             <a:r>
-              <a:rPr lang="en-US" sz="2800" b="0" i="0" u="none" strike="noStrike" baseline="0" dirty="0">
-                <a:latin typeface="CIDFont+F3"/>
-              </a:rPr>
-              <a:t>measurement of satisfaction of various stakeholder groups as one of the indicators of the university’s</a:t>
-            </a:r>
-            <a:r>
-              <a:rPr lang="pl-PL" sz="2800" b="0" i="0" u="none" strike="noStrike" baseline="0" dirty="0">
-                <a:latin typeface="CIDFont+F3"/>
-              </a:rPr>
-              <a:t> performance</a:t>
-            </a:r>
-            <a:endParaRPr lang="pl-PL" dirty="0"/>
-          </a:p>
-          <a:p>
-            <a:r>
-              <a:rPr lang="pl-PL" dirty="0"/>
-              <a:t>W Polsce wiele złych skojarzeń z kolejnymi reformami szkolnictwa wyższego</a:t>
-            </a:r>
-          </a:p>
-          <a:p>
-            <a:r>
-              <a:rPr lang="pl-PL" dirty="0"/>
-              <a:t>Jednocześnie ogromny potencjał w Polsce dla szkolnictwa wyższego; stale utrzymujące się duże zainteresowanie studiowaniem</a:t>
-            </a:r>
-          </a:p>
-          <a:p>
-            <a:r>
-              <a:rPr lang="pl-PL" dirty="0"/>
-              <a:t>Jakość – trudna do zdefiniowania, szczególnie dla produktów tak wybitnie niematerialnych jak usługi edukacyjne. Jednak opracowano miary uznawane za standard w obszarze usług – w tym te odnoszące się do informacji zwrotnych pozyskiwanych od klientów (m. in. opinie, poziom satysfakcji, lojalność)</a:t>
-            </a:r>
-          </a:p>
-          <a:p>
-            <a:r>
-              <a:rPr lang="pl-PL" dirty="0"/>
-              <a:t>W odniesieniu do usług uczelni bardzo popularną miarą są wyniki rankingów (globalne, krajowe) – pozycja polskich uczelni w globalnych rankingach jest dalece niesatysfakcjonująca i nie koresponduje z potencjałem polskiej gospodarki i nauki</a:t>
-            </a:r>
-          </a:p>
-          <a:p>
-            <a:r>
-              <a:rPr lang="pl-PL" dirty="0"/>
-              <a:t>W zakresie zarządzania w ubiegłym wieku osiągnięto wiele w zakresie rozwoju zarówno teorii i praktyki (QI , QC, QA, QM / TQM)</a:t>
-            </a:r>
-          </a:p>
-          <a:p>
-            <a:r>
-              <a:rPr lang="pl-PL" dirty="0"/>
-              <a:t>TQM jest </a:t>
-            </a:r>
-            <a:r>
-              <a:rPr lang="pl-PL" dirty="0" err="1"/>
-              <a:t>kliento</a:t>
-            </a:r>
-            <a:r>
-              <a:rPr lang="pl-PL" dirty="0"/>
-              <a:t>-centryczny, ale kto jest klientem uniwersytetu? (student nie zawsze płaci za studia, beneficjentami efektów kształcenia są nie tylko studenci, itd.) -&gt; zatem trudno wprowadzić nowoczesne QM co potwierdzają liczne badania (TQM, Lean, </a:t>
-            </a:r>
-            <a:r>
-              <a:rPr lang="pl-PL" dirty="0" err="1"/>
-              <a:t>SixSigma</a:t>
+              <a:rPr lang="en-US" b="0" i="0" u="none" strike="noStrike" baseline="0" dirty="0" err="1"/>
+              <a:t>i</a:t>
+            </a:r>
+            <a:r>
+              <a:rPr lang="en-US" b="0" i="0" u="none" strike="noStrike" baseline="0" dirty="0"/>
+              <a:t> </a:t>
+            </a:r>
+            <a:r>
+              <a:rPr lang="en-US" b="0" i="0" u="none" strike="noStrike" baseline="0" dirty="0" err="1"/>
+              <a:t>Społeczeństwo</a:t>
+            </a:r>
+            <a:r>
+              <a:rPr lang="en-US" b="0" i="0" u="none" strike="noStrike" baseline="0" dirty="0"/>
+              <a:t> </a:t>
+            </a:r>
+            <a:r>
+              <a:rPr lang="pl-PL" b="0" i="0" u="none" strike="noStrike" baseline="0" dirty="0"/>
+              <a:t>(s. </a:t>
+            </a:r>
+            <a:r>
+              <a:rPr lang="en-US" b="0" i="0" u="none" strike="noStrike" baseline="0" dirty="0"/>
+              <a:t>60–72</a:t>
             </a:r>
             <a:r>
               <a:rPr lang="pl-PL" dirty="0"/>
               <a:t>)</a:t>
             </a:r>
-          </a:p>
-          <a:p>
+            <a:endParaRPr lang="pl-PL" b="0" i="0" u="none" strike="noStrike" baseline="0" dirty="0"/>
+          </a:p>
+          <a:p>
+            <a:r>
+              <a:rPr lang="en-US" b="0" i="0" u="none" strike="noStrike" baseline="0" dirty="0"/>
+              <a:t>De Ridder-</a:t>
+            </a:r>
+            <a:r>
+              <a:rPr lang="en-US" b="0" i="0" u="none" strike="noStrike" baseline="0" dirty="0" err="1"/>
+              <a:t>Symoens</a:t>
+            </a:r>
+            <a:r>
+              <a:rPr lang="en-US" b="0" i="0" u="none" strike="noStrike" baseline="0" dirty="0"/>
+              <a:t>, H. (2020)</a:t>
+            </a:r>
+            <a:r>
+              <a:rPr lang="pl-PL" b="0" i="0" u="none" strike="noStrike" baseline="0" dirty="0"/>
+              <a:t>,</a:t>
+            </a:r>
+            <a:r>
+              <a:rPr lang="en-US" b="0" i="0" u="none" strike="noStrike" baseline="0" dirty="0"/>
+              <a:t> Universities and Their Missions in Early Modern Times. W L. </a:t>
+            </a:r>
+            <a:r>
+              <a:rPr lang="en-US" b="0" i="0" u="none" strike="noStrike" baseline="0" dirty="0" err="1"/>
+              <a:t>Engwall</a:t>
+            </a:r>
+            <a:r>
+              <a:rPr lang="en-US" b="0" i="0" u="none" strike="noStrike" baseline="0" dirty="0"/>
+              <a:t> (Red.), Missions of Universities: Past, Present, Future (s. 43–61)</a:t>
+            </a:r>
+            <a:r>
+              <a:rPr lang="pl-PL" b="0" i="0" u="none" strike="noStrike" baseline="0" dirty="0"/>
+              <a:t>,</a:t>
+            </a:r>
+            <a:r>
+              <a:rPr lang="en-US" b="0" i="0" u="none" strike="noStrike" baseline="0" dirty="0"/>
+              <a:t> Springer International Publishing</a:t>
+            </a:r>
+            <a:endParaRPr lang="pl-PL" b="0" i="0" u="none" strike="noStrike" baseline="0" dirty="0"/>
+          </a:p>
+          <a:p>
+            <a:r>
+              <a:rPr lang="en-US" dirty="0"/>
+              <a:t>Freeman R.E. (1984), Strategic Management: A Stakeholder Approach, Pitman, London and Boston, MA</a:t>
+            </a:r>
+            <a:endParaRPr lang="pl-PL" dirty="0"/>
+          </a:p>
+          <a:p>
+            <a:r>
+              <a:rPr lang="pl-PL" b="0" i="0" u="none" strike="noStrike" baseline="0" dirty="0" err="1"/>
+              <a:t>Grudowski</a:t>
+            </a:r>
+            <a:r>
+              <a:rPr lang="pl-PL" b="0" i="0" u="none" strike="noStrike" baseline="0" dirty="0"/>
+              <a:t> </a:t>
+            </a:r>
             <a:r>
               <a:rPr lang="pl-PL" dirty="0"/>
-              <a:t>CAF – „QM” dla administracji publicznej – być może jest rozwiązaniem godnym uwagi? Nie ma zbyt wielu implementacji</a:t>
-            </a:r>
-          </a:p>
-          <a:p>
+              <a:t>P.,</a:t>
+            </a:r>
+            <a:r>
+              <a:rPr lang="pl-PL" b="0" i="0" u="none" strike="noStrike" baseline="0" dirty="0"/>
+              <a:t> Lewandowski K. (2012), Pojęcie jakości kształcenia i uwarunkowania jej kwantyfikacji w uczelniach wyższych, Zarządzanie i Finanse, nr 3, cz. 1</a:t>
+            </a:r>
+            <a:endParaRPr lang="pl-PL" dirty="0"/>
+          </a:p>
+          <a:p>
+            <a:pPr algn="l"/>
             <a:r>
               <a:rPr lang="pl-PL" dirty="0"/>
-              <a:t>Wymagania PKA – 10 kryteriów oceny – są dalekie od nowoczesnego zarządzania jakością</a:t>
-            </a:r>
-          </a:p>
-          <a:p>
+              <a:t>Leja K. (2011), Koncepcje zarządzania współczesnym uniwersytetem, 10.13140/RG.2.1.3539.1529. </a:t>
+            </a:r>
+          </a:p>
+          <a:p>
+            <a:pPr algn="l"/>
             <a:r>
               <a:rPr lang="pl-PL" dirty="0"/>
-              <a:t>Wszelkie badania wskazują na kluczową rolę kierownictwa organizacji we wprowadzaniu zmian / nowoczesnego QM</a:t>
-            </a:r>
-          </a:p>
-          <a:p>
+              <a:t>Leja K. (2019), Misja społecznie odpowiedzialnego uniwersytetu, w: Jastrzębska, E., Przybysz, M. (red.), Społeczna odpowiedzialność uczelni znaczenie dla uczelni i sposoby jej wdrażania (s. 11-13), Ministerstwo Nauki i Szkolnictwa Wyższego i Ministerstwo Inwestycji i Rozwoju, Warszawa</a:t>
+            </a:r>
+          </a:p>
+          <a:p>
+            <a:pPr algn="l"/>
+            <a:r>
+              <a:rPr lang="pl-PL" dirty="0" err="1"/>
+              <a:t>Puente</a:t>
+            </a:r>
             <a:r>
               <a:rPr lang="pl-PL" dirty="0"/>
-              <a:t>ISO 21001:2018 – System zarządzania organizacją edukacyjną – w realiach uczelni w Polsce nowość, norma na wysokim poziomie ogólności, implementacja dla uczelni możliwa</a:t>
-            </a:r>
-          </a:p>
-          <a:p>
+              <a:t> C., </a:t>
+            </a:r>
+            <a:r>
+              <a:rPr lang="pl-PL" dirty="0" err="1"/>
+              <a:t>Fabra</a:t>
+            </a:r>
+            <a:r>
+              <a:rPr lang="pl-PL" dirty="0"/>
+              <a:t> M., Mason C. et al. (2021), Role of the </a:t>
+            </a:r>
+            <a:r>
+              <a:rPr lang="pl-PL" dirty="0" err="1"/>
+              <a:t>Universities</a:t>
+            </a:r>
+            <a:r>
+              <a:rPr lang="pl-PL" dirty="0"/>
+              <a:t> as Drivers of </a:t>
+            </a:r>
+            <a:r>
+              <a:rPr lang="pl-PL" dirty="0" err="1"/>
+              <a:t>Social</a:t>
+            </a:r>
+            <a:r>
+              <a:rPr lang="pl-PL" dirty="0"/>
+              <a:t> </a:t>
+            </a:r>
+            <a:r>
+              <a:rPr lang="pl-PL" dirty="0" err="1"/>
+              <a:t>Innovation</a:t>
+            </a:r>
+            <a:r>
+              <a:rPr lang="pl-PL" dirty="0"/>
+              <a:t>, </a:t>
+            </a:r>
+            <a:r>
+              <a:rPr lang="pl-PL" dirty="0" err="1"/>
+              <a:t>Sustainability</a:t>
+            </a:r>
+            <a:r>
+              <a:rPr lang="pl-PL" dirty="0"/>
+              <a:t>, 13, 13727, 10.3390/su132413727</a:t>
+            </a:r>
+            <a:endParaRPr lang="en-US" dirty="0"/>
+          </a:p>
+          <a:p>
+            <a:pPr algn="l"/>
             <a:endParaRPr lang="pl-PL" dirty="0"/>
           </a:p>
-          <a:p>
-            <a:endParaRPr lang="pl-PL" dirty="0"/>
-          </a:p>
-          <a:p>
-            <a:endParaRPr lang="pl-PL" dirty="0"/>
-          </a:p>
-          <a:p>
-            <a:endParaRPr lang="pl-PL" dirty="0"/>
-          </a:p>
         </p:txBody>
       </p:sp>
       <p:sp>
@@ -9193,7 +9494,7 @@
           <p:cNvPr id="4" name="Slide Number Placeholder 3">
             <a:extLst>
               <a:ext uri="{FF2B5EF4-FFF2-40B4-BE49-F238E27FC236}">
-                <a16:creationId xmlns:a16="http://schemas.microsoft.com/office/drawing/2014/main" id="{503AAA29-CC14-7130-6830-03F85D6C52AD}"/>
+                <a16:creationId xmlns:a16="http://schemas.microsoft.com/office/drawing/2014/main" id="{8CE4049D-1C83-5BCB-31E1-B99EF9414431}"/>
               </a:ext>
             </a:extLst>
           </p:cNvPr>
@@ -9221,7 +9522,7 @@
     </p:spTree>
     <p:extLst>
       <p:ext uri="{BB962C8B-B14F-4D97-AF65-F5344CB8AC3E}">
-        <p14:creationId xmlns:p14="http://schemas.microsoft.com/office/powerpoint/2010/main" val="2254966267"/>
+        <p14:creationId xmlns:p14="http://schemas.microsoft.com/office/powerpoint/2010/main" val="2905408895"/>
       </p:ext>
     </p:extLst>
   </p:cSld>
@@ -9271,7 +9572,7 @@
           <a:p>
             <a:r>
               <a:rPr lang="pl-PL" dirty="0"/>
-              <a:t>Plan narracji 2/2</a:t>
+              <a:t>Plan narracji 1/2</a:t>
             </a:r>
           </a:p>
         </p:txBody>
@@ -9301,189 +9602,159 @@
           <a:p>
             <a:r>
               <a:rPr lang="pl-PL" dirty="0"/>
+              <a:t>Dlaczego warto zająć się tematem?: uniwersytety są  „silnikiem” rozwoju społecznego, gospodarczego i kulturowego</a:t>
+            </a:r>
+            <a:r>
+              <a:rPr lang="pl-PL" baseline="30000" dirty="0"/>
+              <a:t>1</a:t>
+            </a:r>
+            <a:r>
+              <a:rPr lang="pl-PL" dirty="0"/>
+              <a:t> , pozycja polskich uczelni w świecie nauki nie odpowiada pozycji ani potencjałowi Polski w globalnej gospodarce. Ponadto polscy naukowcy osiągają wiele sukcesów naukowych, które nie są odpowiednio komercjalizowane przez polskie przedsiębiorstwa.</a:t>
+            </a:r>
+          </a:p>
+          <a:p>
+            <a:r>
+              <a:rPr lang="pl-PL" dirty="0"/>
+              <a:t>Skąd mogą się brać obecne problemy?: Silna kultura akademicka związana z odwoływaniem się do wielowiekowej tradycji; konflikt tradycja a nowoczesność to często sprzeczność między koncepcją uniwersytetu liberalnego i uniwersytetu przedsiębiorczego, a obecnie także z cechami uniwersytetu społecznie odpowiedzialnego; żadna nie może być w pełni </a:t>
+            </a:r>
+            <a:r>
+              <a:rPr lang="pl-PL" dirty="0" err="1"/>
+              <a:t>rezalizowana</a:t>
+            </a:r>
+            <a:r>
+              <a:rPr lang="pl-PL" dirty="0"/>
+              <a:t> przez różne ograniczenia (w tym regulacje prawne); </a:t>
+            </a:r>
+          </a:p>
+          <a:p>
+            <a:r>
+              <a:rPr lang="pl-PL" dirty="0"/>
+              <a:t>Sprzeczne oczekiwania różnych interesariuszy; dziedzictwo wielu wieków tradycji uniwersyteckich potęgujących sprzeczności;</a:t>
+            </a:r>
+          </a:p>
+          <a:p>
+            <a:r>
+              <a:rPr lang="en-US" sz="2800" b="0" i="0" u="none" strike="noStrike" baseline="0" dirty="0">
+                <a:latin typeface="CIDFont+F1"/>
+              </a:rPr>
+              <a:t>utilitarian goal, formulated as </a:t>
+            </a:r>
+            <a:r>
+              <a:rPr lang="en-US" sz="2800" b="0" i="0" u="none" strike="noStrike" baseline="0" dirty="0">
+                <a:latin typeface="CIDFont+F3"/>
+              </a:rPr>
+              <a:t>development of a method for improving the quality</a:t>
+            </a:r>
+            <a:r>
+              <a:rPr lang="pl-PL" sz="2800" b="0" i="0" u="none" strike="noStrike" baseline="0" dirty="0">
+                <a:latin typeface="CIDFont+F3"/>
+              </a:rPr>
+              <a:t> </a:t>
+            </a:r>
+            <a:r>
+              <a:rPr lang="en-US" sz="2800" b="0" i="0" u="none" strike="noStrike" baseline="0" dirty="0">
+                <a:latin typeface="CIDFont+F3"/>
+              </a:rPr>
+              <a:t>management system of universities, adapted to the specifics of Polish technical universities, using the</a:t>
+            </a:r>
+            <a:r>
+              <a:rPr lang="pl-PL" sz="2800" b="0" i="0" u="none" strike="noStrike" baseline="0" dirty="0">
+                <a:latin typeface="CIDFont+F3"/>
+              </a:rPr>
+              <a:t> </a:t>
+            </a:r>
+            <a:r>
+              <a:rPr lang="en-US" sz="2800" b="0" i="0" u="none" strike="noStrike" baseline="0" dirty="0">
+                <a:latin typeface="CIDFont+F3"/>
+              </a:rPr>
+              <a:t>measurement of satisfaction of various stakeholder groups as one of the indicators of the university’s</a:t>
+            </a:r>
+            <a:r>
+              <a:rPr lang="pl-PL" sz="2800" b="0" i="0" u="none" strike="noStrike" baseline="0" dirty="0">
+                <a:latin typeface="CIDFont+F3"/>
+              </a:rPr>
+              <a:t> performance</a:t>
+            </a:r>
+            <a:endParaRPr lang="pl-PL" dirty="0"/>
+          </a:p>
+          <a:p>
+            <a:r>
+              <a:rPr lang="pl-PL" dirty="0"/>
+              <a:t>W Polsce wiele złych skojarzeń z kolejnymi reformami szkolnictwa wyższego</a:t>
+            </a:r>
+          </a:p>
+          <a:p>
+            <a:r>
+              <a:rPr lang="pl-PL" dirty="0"/>
+              <a:t>Jednocześnie ogromny potencjał w Polsce dla szkolnictwa wyższego; stale utrzymujące się duże zainteresowanie studiowaniem</a:t>
+            </a:r>
+          </a:p>
+          <a:p>
+            <a:r>
+              <a:rPr lang="pl-PL" dirty="0"/>
+              <a:t>Jakość – trudna do zdefiniowania, szczególnie dla produktów tak wybitnie niematerialnych jak usługi edukacyjne. Jednak opracowano miary uznawane za standard w obszarze usług – w tym te odnoszące się do informacji zwrotnych pozyskiwanych od klientów (m. in. opinie, poziom satysfakcji, lojalność)</a:t>
+            </a:r>
+          </a:p>
+          <a:p>
+            <a:r>
+              <a:rPr lang="pl-PL" dirty="0"/>
+              <a:t>W odniesieniu do usług uczelni bardzo popularną miarą są wyniki rankingów (globalne, krajowe) – pozycja polskich uczelni w globalnych rankingach jest dalece niesatysfakcjonująca i nie koresponduje z potencjałem polskiej gospodarki i nauki</a:t>
+            </a:r>
+          </a:p>
+          <a:p>
+            <a:r>
+              <a:rPr lang="pl-PL" dirty="0"/>
+              <a:t>W zakresie zarządzania w ubiegłym wieku osiągnięto wiele w zakresie rozwoju zarówno teorii i praktyki (QI , QC, QA, QM / TQM)</a:t>
+            </a:r>
+          </a:p>
+          <a:p>
+            <a:r>
+              <a:rPr lang="pl-PL" dirty="0"/>
+              <a:t>TQM jest </a:t>
+            </a:r>
+            <a:r>
+              <a:rPr lang="pl-PL" dirty="0" err="1"/>
+              <a:t>kliento</a:t>
+            </a:r>
+            <a:r>
+              <a:rPr lang="pl-PL" dirty="0"/>
+              <a:t>-centryczny, ale kto jest klientem uniwersytetu? (student nie zawsze płaci za studia, beneficjentami efektów kształcenia są nie tylko studenci, itd.) -&gt; zatem trudno wprowadzić nowoczesne QM co potwierdzają liczne badania (TQM, Lean, </a:t>
+            </a:r>
+            <a:r>
+              <a:rPr lang="pl-PL" dirty="0" err="1"/>
+              <a:t>SixSigma</a:t>
+            </a:r>
+            <a:r>
+              <a:rPr lang="pl-PL" dirty="0"/>
+              <a:t>)</a:t>
+            </a:r>
+          </a:p>
+          <a:p>
+            <a:r>
+              <a:rPr lang="pl-PL" dirty="0"/>
+              <a:t>CAF – „QM” dla administracji publicznej – być może jest rozwiązaniem godnym uwagi? Nie ma zbyt wielu implementacji</a:t>
+            </a:r>
+          </a:p>
+          <a:p>
+            <a:r>
+              <a:rPr lang="pl-PL" dirty="0"/>
+              <a:t>Wymagania PKA – 10 kryteriów oceny – są dalekie od nowoczesnego zarządzania jakością</a:t>
+            </a:r>
+          </a:p>
+          <a:p>
+            <a:r>
+              <a:rPr lang="pl-PL" dirty="0"/>
+              <a:t>Wszelkie badania wskazują na kluczową rolę kierownictwa organizacji we wprowadzaniu zmian / nowoczesnego QM</a:t>
+            </a:r>
+          </a:p>
+          <a:p>
+            <a:r>
+              <a:rPr lang="pl-PL" dirty="0"/>
               <a:t>ISO 21001:2018 – System zarządzania organizacją edukacyjną – w realiach uczelni w Polsce nowość, norma na wysokim poziomie ogólności, implementacja dla uczelni możliwa</a:t>
             </a:r>
           </a:p>
           <a:p>
-            <a:r>
-              <a:rPr lang="pl-PL" dirty="0"/>
-              <a:t>Jeśli nie klient to może interesariusz?</a:t>
-            </a:r>
-          </a:p>
-          <a:p>
-            <a:r>
-              <a:rPr lang="pl-PL" dirty="0"/>
-              <a:t>W ramach badań przeanalizowałem rozwój definicji interesariuszy od najbardziej podstawowych (Freeman, 1984: może wpływać i może być pod wpływem”) własna definicja interesariuszy uczelni: </a:t>
-            </a:r>
-            <a:r>
-              <a:rPr lang="pl-PL" i="1" dirty="0"/>
-              <a:t>osoby lub grupy zainteresowane wysokim poziomem jakości efektów działań uczelni</a:t>
-            </a:r>
-          </a:p>
-          <a:p>
-            <a:r>
-              <a:rPr lang="pl-PL" dirty="0"/>
-              <a:t>W rezultacie badania literatury zaproponowałem listę możliwych interesariuszy uczelni (74 przykłady) – pomoc w analizie; przedstawiłem metody analizy interesariuszy wybrane jako przydatne do stosowania w kontekście uniwersytetów (np. wykres interesu i siły wpływu; diagram relacji interesariuszy; mapa </a:t>
-            </a:r>
-            <a:r>
-              <a:rPr lang="pl-PL" dirty="0" err="1"/>
-              <a:t>intersariuszy</a:t>
-            </a:r>
-            <a:r>
-              <a:rPr lang="pl-PL" dirty="0"/>
-              <a:t>; mapa atrakcyjności rozwiązań versus możliwości przyjęcia przez interesariuszy)</a:t>
-            </a:r>
-          </a:p>
-          <a:p>
-            <a:r>
-              <a:rPr lang="pl-PL" dirty="0"/>
-              <a:t>Badanie abstraktów 474 artykułów odnoszących się do interesariuszy uczelni wyższych (zapytanie do bazy </a:t>
-            </a:r>
-            <a:r>
-              <a:rPr lang="pl-PL" dirty="0" err="1"/>
-              <a:t>Scopus</a:t>
-            </a:r>
-            <a:r>
-              <a:rPr lang="pl-PL" dirty="0"/>
-              <a:t> „przytoczyć frazę”) – lista najczęściej wymienianych grup interesariuszy uczelni</a:t>
-            </a:r>
-          </a:p>
-          <a:p>
-            <a:r>
-              <a:rPr lang="pl-PL" dirty="0"/>
-              <a:t>Rezultaty analiz </a:t>
-            </a:r>
-            <a:r>
-              <a:rPr lang="pl-PL" dirty="0" err="1"/>
-              <a:t>wiażą</a:t>
-            </a:r>
-            <a:r>
-              <a:rPr lang="pl-PL" dirty="0"/>
-              <a:t> się też ze wskazówkami dla zarządzających odnośnie do kształtowania relacji z poszczególnymi grupami interesariuszy (np. </a:t>
-            </a:r>
-            <a:r>
-              <a:rPr lang="pl-PL" i="1" dirty="0"/>
-              <a:t>kreatorzy warunków</a:t>
-            </a:r>
-            <a:r>
-              <a:rPr lang="pl-PL" dirty="0"/>
-              <a:t> – utrzymaj satysfakcję; </a:t>
-            </a:r>
-            <a:r>
-              <a:rPr lang="pl-PL" i="1" dirty="0"/>
-              <a:t>gracze</a:t>
-            </a:r>
-            <a:r>
-              <a:rPr lang="pl-PL" dirty="0"/>
-              <a:t> – uważnie zarządzaj; </a:t>
-            </a:r>
-            <a:r>
-              <a:rPr lang="pl-PL" i="1" dirty="0"/>
-              <a:t>podmioty</a:t>
-            </a:r>
-            <a:r>
-              <a:rPr lang="pl-PL" dirty="0"/>
-              <a:t> – informuj; </a:t>
-            </a:r>
-            <a:r>
-              <a:rPr lang="pl-PL" i="1" dirty="0"/>
-              <a:t>tłum</a:t>
-            </a:r>
-            <a:r>
-              <a:rPr lang="pl-PL" dirty="0"/>
-              <a:t> - monitoruj)</a:t>
-            </a:r>
-          </a:p>
-          <a:p>
-            <a:r>
-              <a:rPr lang="pl-PL" dirty="0"/>
-              <a:t>Czy określać jakość przy pomocy pomiaru satysfakcji interesariuszy? Wskazówka: ISO 21001:2018 – zawiera bardzo wiele odniesień do „grup zainteresowanych” i badania ich opinii, w tym satysfakcji</a:t>
-            </a:r>
-          </a:p>
-          <a:p>
-            <a:r>
-              <a:rPr lang="pl-PL" dirty="0"/>
-              <a:t>W związku z tym postawiłem następujące pytania badawcze: </a:t>
-            </a:r>
-            <a:br>
-              <a:rPr lang="pl-PL" dirty="0"/>
-            </a:br>
-            <a:r>
-              <a:rPr lang="pl-PL" dirty="0"/>
-              <a:t>W badaniu jakościowym przeprowadzonym wśród 33 respondentów (dobór celowy) większość wskazała studentów i absolwentów jako najistotniejszych interesariuszy – jednak opinie były bardzo zróżnicowane w zależności od tego jak silne były związku respondentów z procesami zarządzania uczelniami (słabo związani – istotne tylko efekty kształcenia; silnie związani – dostrzeganie szerszego kontekstu) [przytoczyć różne opinie nt. celów uczelni; tabelka ze statystyką wskazań z komentarzem, że to tylko pomocnicza metoda do oceny]</a:t>
-            </a:r>
-          </a:p>
-          <a:p>
-            <a:r>
-              <a:rPr lang="pl-PL" dirty="0"/>
-              <a:t>Weryfikacja hipotez badawczych na podstawie wyników badań ilościowych: ankieta (nielosowa metoda doboru grupy badawczej – metoda kuli śnieżnej) –133 respondentów [rys. 30]; oraz badań analitycznych na podstawie wyników ELA i rankingów oraz własnego badania:</a:t>
-            </a:r>
-          </a:p>
-          <a:p>
-            <a:pPr lvl="1"/>
-            <a:r>
-              <a:rPr lang="pl-PL" dirty="0"/>
-              <a:t>Hipotezy pomocnicze ze względu na ograniczenia badania (efekt - brak reprezentatywności dla większości grup interesariuszy)</a:t>
-            </a:r>
-          </a:p>
-          <a:p>
-            <a:pPr lvl="1"/>
-            <a:r>
-              <a:rPr lang="pl-PL" dirty="0"/>
-              <a:t>Potwierdzone korelacje: H2d → pomiędzy zarobkami po 3 latach, a satysfakcją z usług uczelni; hipoteza H3a</a:t>
-            </a:r>
-            <a:r>
-              <a:rPr lang="pl-PL" b="1" dirty="0"/>
-              <a:t>’</a:t>
-            </a:r>
-            <a:r>
-              <a:rPr lang="pl-PL" dirty="0"/>
-              <a:t> ze względu na zaobserwowaną odwrotną relację → stopa zatrudnienia absolwentów uczelni technicznych po roku </a:t>
-            </a:r>
-            <a:r>
-              <a:rPr lang="pl-PL" b="1" dirty="0"/>
-              <a:t>niższa</a:t>
-            </a:r>
-            <a:r>
-              <a:rPr lang="pl-PL" dirty="0"/>
-              <a:t> niż absolwentów pozostałych uczelni; H3d → średnie zarobki absolwentów uczelni technicznych po trzech latach wyższe niż absolwentów pozostałych uczelni; H3f → IWRA po 3 latach dla absolwentów uczelni technicznych wyższe niż dla absolwentów pozostałych uczelni; H4 → wyniki IWRA po 3 latach dla absolwentów uczelni technicznych pozytywnie skorelowane z wynikami rankingu Perspektywy</a:t>
-            </a:r>
-          </a:p>
-          <a:p>
-            <a:r>
-              <a:rPr lang="pl-PL" dirty="0"/>
-              <a:t>Cel utylitarny: SSDQM – Model Doskonalenia Systemu Zarządzania Jakością Uczelni Inspirowany Satysfakcją Interesariuszy (</a:t>
-            </a:r>
-            <a:r>
-              <a:rPr lang="en-US" dirty="0"/>
-              <a:t>Stakeholders Satisfaction Driven Quality Management</a:t>
-            </a:r>
-            <a:r>
-              <a:rPr lang="pl-PL" dirty="0"/>
-              <a:t> </a:t>
-            </a:r>
-            <a:r>
-              <a:rPr lang="en-US" dirty="0"/>
-              <a:t>Model</a:t>
-            </a:r>
-            <a:r>
-              <a:rPr lang="pl-PL" dirty="0"/>
-              <a:t>) → przeanalizowałem jak to wspiera wdrażanie ISO21001:2018 oraz wymagań PKA</a:t>
-            </a:r>
-          </a:p>
-          <a:p>
-            <a:r>
-              <a:rPr lang="pl-PL" dirty="0"/>
-              <a:t>Etap 7 – dwie ścieżki postępowania oddzielnie dla metod zwinnych oraz kaskadowych (projektowych) wraz z rekomendacjami do tego kiedy jakie stosować</a:t>
-            </a:r>
-          </a:p>
-          <a:p>
-            <a:r>
-              <a:rPr lang="pl-PL" dirty="0"/>
-              <a:t>Zestaw potwierdzonych statystycznie wskaźników wartych do stosowania przy badaniu efektów działania uczelni techniczny oraz efektów wdrażanych usprawnień</a:t>
-            </a:r>
-          </a:p>
-          <a:p>
             <a:endParaRPr lang="pl-PL" dirty="0"/>
           </a:p>
           <a:p>
@@ -9495,12 +9766,6 @@
           <a:p>
             <a:endParaRPr lang="pl-PL" dirty="0"/>
           </a:p>
-          <a:p>
-            <a:endParaRPr lang="pl-PL" dirty="0"/>
-          </a:p>
-          <a:p>
-            <a:endParaRPr lang="pl-PL" dirty="0"/>
-          </a:p>
         </p:txBody>
       </p:sp>
       <p:sp>
@@ -9508,7 +9773,7 @@
           <p:cNvPr id="4" name="Slide Number Placeholder 3">
             <a:extLst>
               <a:ext uri="{FF2B5EF4-FFF2-40B4-BE49-F238E27FC236}">
-                <a16:creationId xmlns:a16="http://schemas.microsoft.com/office/drawing/2014/main" id="{16F3E5F9-035B-2C34-40AF-0B50B13FE605}"/>
+                <a16:creationId xmlns:a16="http://schemas.microsoft.com/office/drawing/2014/main" id="{503AAA29-CC14-7130-6830-03F85D6C52AD}"/>
               </a:ext>
             </a:extLst>
           </p:cNvPr>
@@ -9536,7 +9801,7 @@
     </p:spTree>
     <p:extLst>
       <p:ext uri="{BB962C8B-B14F-4D97-AF65-F5344CB8AC3E}">
-        <p14:creationId xmlns:p14="http://schemas.microsoft.com/office/powerpoint/2010/main" val="2692899238"/>
+        <p14:creationId xmlns:p14="http://schemas.microsoft.com/office/powerpoint/2010/main" val="2254966267"/>
       </p:ext>
     </p:extLst>
   </p:cSld>
@@ -9586,7 +9851,7 @@
           <a:p>
             <a:r>
               <a:rPr lang="pl-PL" dirty="0"/>
-              <a:t>Na obronę</a:t>
+              <a:t>Plan narracji 2/2</a:t>
             </a:r>
           </a:p>
         </p:txBody>
@@ -9610,117 +9875,192 @@
         <p:spPr/>
         <p:txBody>
           <a:bodyPr>
-            <a:normAutofit fontScale="55000" lnSpcReduction="20000"/>
+            <a:normAutofit fontScale="32500" lnSpcReduction="20000"/>
           </a:bodyPr>
           <a:lstStyle/>
           <a:p>
             <a:r>
-              <a:rPr lang="pl-PL" strike="sngStrike" dirty="0"/>
-              <a:t>rys. 1 teoria zarządzania jakością – </a:t>
-            </a:r>
-            <a:r>
-              <a:rPr lang="pl-PL" strike="sngStrike" dirty="0" err="1"/>
-              <a:t>kliento</a:t>
-            </a:r>
-            <a:r>
-              <a:rPr lang="pl-PL" strike="sngStrike" dirty="0"/>
-              <a:t>-centryzm</a:t>
-            </a:r>
-          </a:p>
-          <a:p>
-            <a:r>
-              <a:rPr lang="pl-PL" strike="sngStrike" dirty="0"/>
-              <a:t>rys. 2 „cykliczność” zmian koncepcji uniwersytetu</a:t>
-            </a:r>
-          </a:p>
-          <a:p>
-            <a:r>
-              <a:rPr lang="pl-PL" strike="sngStrike" dirty="0"/>
-              <a:t>rys. 13 do ilustracji sprzecznych interesów – wspomnieć o opracowanej liście przykładów sprzecznych interesów – tab. ?</a:t>
-            </a:r>
-          </a:p>
-          <a:p>
-            <a:r>
               <a:rPr lang="pl-PL" dirty="0"/>
-              <a:t>geniusz „i” zamiast tyranii „albo” str. 55]</a:t>
+              <a:t>ISO 21001:2018 – System zarządzania organizacją edukacyjną – w realiach uczelni w Polsce nowość, norma na wysokim poziomie ogólności, implementacja dla uczelni możliwa</a:t>
             </a:r>
           </a:p>
           <a:p>
             <a:r>
               <a:rPr lang="pl-PL" dirty="0"/>
-              <a:t>model Cronina – jakość a satysfakcja rys. 18]</a:t>
+              <a:t>Jeśli nie klient to może interesariusz?</a:t>
             </a:r>
           </a:p>
           <a:p>
             <a:r>
               <a:rPr lang="pl-PL" dirty="0"/>
-              <a:t>wiele miar CFM do pomiaru jakości usług i nie tylko – polegających na pomiarze opinii/satysfakcji/informacji zwrotnej klientów]</a:t>
+              <a:t>W ramach badań przeanalizowałem rozwój definicji interesariuszy od najbardziej podstawowych (Freeman, 1984: może wpływać i może być pod wpływem”) własna definicja interesariuszy uczelni: </a:t>
+            </a:r>
+            <a:r>
+              <a:rPr lang="pl-PL" i="1" dirty="0"/>
+              <a:t>osoby lub grupy zainteresowane wysokim poziomem jakości efektów działań uczelni</a:t>
             </a:r>
           </a:p>
           <a:p>
             <a:r>
               <a:rPr lang="pl-PL" dirty="0"/>
-              <a:t>autorski ranking RV250 – zintegrowany ranking na podstawie najważniejszych globalnych rankingów</a:t>
-            </a:r>
-          </a:p>
-          <a:p>
+              <a:t>W rezultacie badania literatury zaproponowałem listę możliwych interesariuszy uczelni (74 przykłady) – pomoc w analizie; przedstawiłem metody analizy interesariuszy wybrane jako przydatne do stosowania w kontekście uniwersytetów (np. wykres interesu i siły wpływu; diagram relacji interesariuszy; mapa </a:t>
+            </a:r>
+            <a:r>
+              <a:rPr lang="pl-PL" dirty="0" err="1"/>
+              <a:t>intersariuszy</a:t>
+            </a:r>
             <a:r>
               <a:rPr lang="pl-PL" dirty="0"/>
-              <a:t>CAF – diagram – oraz </a:t>
+              <a:t>; mapa atrakcyjności rozwiązań versus możliwości przyjęcia przez interesariuszy)</a:t>
+            </a:r>
+          </a:p>
+          <a:p>
+            <a:r>
+              <a:rPr lang="pl-PL" dirty="0"/>
+              <a:t>Badanie abstraktów 474 artykułów odnoszących się do interesariuszy uczelni wyższych (zapytanie do bazy </a:t>
             </a:r>
             <a:r>
               <a:rPr lang="pl-PL" dirty="0" err="1"/>
-              <a:t>QualHE</a:t>
+              <a:t>Scopus</a:t>
             </a:r>
             <a:r>
               <a:rPr lang="pl-PL" dirty="0"/>
-              <a:t> prof. </a:t>
+              <a:t> „przytoczyć frazę”) – lista najczęściej wymienianych grup interesariuszy uczelni</a:t>
+            </a:r>
+          </a:p>
+          <a:p>
+            <a:r>
+              <a:rPr lang="pl-PL" dirty="0"/>
+              <a:t>Rezultaty analiz </a:t>
             </a:r>
             <a:r>
               <a:rPr lang="pl-PL" dirty="0" err="1"/>
-              <a:t>Grudowskiego</a:t>
+              <a:t>wiażą</a:t>
             </a:r>
             <a:r>
               <a:rPr lang="pl-PL" dirty="0"/>
-              <a:t> jako przykład koncepcji integrujących dorobek nowoczesnych metod QM dla szkolnictwa wyższego</a:t>
-            </a:r>
-          </a:p>
-          <a:p>
+              <a:t> się też ze wskazówkami dla zarządzających odnośnie do kształtowania relacji z poszczególnymi grupami interesariuszy (np. </a:t>
+            </a:r>
+            <a:r>
+              <a:rPr lang="pl-PL" i="1" dirty="0"/>
+              <a:t>kreatorzy warunków</a:t>
+            </a:r>
             <a:r>
               <a:rPr lang="pl-PL" dirty="0"/>
-              <a:t>Podejście do jakości w polskim systemie – tab. 36.</a:t>
-            </a:r>
-          </a:p>
-          <a:p>
+              <a:t> – utrzymaj satysfakcję; </a:t>
+            </a:r>
+            <a:r>
+              <a:rPr lang="pl-PL" i="1" dirty="0"/>
+              <a:t>gracze</a:t>
+            </a:r>
             <a:r>
               <a:rPr lang="pl-PL" dirty="0"/>
-              <a:t>Bariery wdrażania QM (Lean </a:t>
-            </a:r>
-            <a:r>
-              <a:rPr lang="pl-PL" dirty="0" err="1"/>
-              <a:t>SixSigma</a:t>
+              <a:t> – uważnie zarządzaj; </a:t>
+            </a:r>
+            <a:r>
+              <a:rPr lang="pl-PL" i="1" dirty="0"/>
+              <a:t>podmioty</a:t>
             </a:r>
             <a:r>
               <a:rPr lang="pl-PL" dirty="0"/>
-              <a:t>) na uczelniach</a:t>
-            </a:r>
-          </a:p>
-          <a:p>
+              <a:t> – informuj; </a:t>
+            </a:r>
+            <a:r>
+              <a:rPr lang="pl-PL" i="1" dirty="0"/>
+              <a:t>tłum</a:t>
+            </a:r>
             <a:r>
               <a:rPr lang="pl-PL" dirty="0"/>
-              <a:t>Rola kultury organizacyjnej; kultury jakości (tab. 40 – regeneracji)? ; dojrzałość kultury organizacyjnej? (tab. 41 typ D zintegrowana)</a:t>
+              <a:t> - monitoruj)</a:t>
             </a:r>
           </a:p>
           <a:p>
             <a:r>
               <a:rPr lang="pl-PL" dirty="0"/>
-              <a:t>Interesariusze: tab. 51</a:t>
+              <a:t>Czy określać jakość przy pomocy pomiaru satysfakcji interesariuszy? Wskazówka: ISO 21001:2018 – zawiera bardzo wiele odniesień do „grup zainteresowanych” i badania ich opinii, w tym satysfakcji</a:t>
             </a:r>
           </a:p>
           <a:p>
             <a:r>
               <a:rPr lang="pl-PL" dirty="0"/>
-              <a:t>Edukacyjny łańcuch dostaw</a:t>
+              <a:t>W związku z tym postawiłem następujące pytania badawcze: </a:t>
+            </a:r>
+            <a:br>
+              <a:rPr lang="pl-PL" dirty="0"/>
+            </a:br>
+            <a:r>
+              <a:rPr lang="pl-PL" dirty="0"/>
+              <a:t>W badaniu jakościowym przeprowadzonym wśród 33 respondentów (dobór celowy) większość wskazała studentów i absolwentów jako najistotniejszych interesariuszy – jednak opinie były bardzo zróżnicowane w zależności od tego jak silne były związku respondentów z procesami zarządzania uczelniami (słabo związani – istotne tylko efekty kształcenia; silnie związani – dostrzeganie szerszego kontekstu) [przytoczyć różne opinie nt. celów uczelni; tabelka ze statystyką wskazań z komentarzem, że to tylko pomocnicza metoda do oceny]</a:t>
+            </a:r>
+          </a:p>
+          <a:p>
+            <a:r>
+              <a:rPr lang="pl-PL" dirty="0"/>
+              <a:t>Weryfikacja hipotez badawczych na podstawie wyników badań ilościowych: ankieta (nielosowa metoda doboru grupy badawczej – metoda kuli śnieżnej) –133 respondentów [rys. 30]; oraz badań analitycznych na podstawie wyników ELA i rankingów oraz własnego badania:</a:t>
+            </a:r>
+          </a:p>
+          <a:p>
+            <a:pPr lvl="1"/>
+            <a:r>
+              <a:rPr lang="pl-PL" dirty="0"/>
+              <a:t>Hipotezy pomocnicze ze względu na ograniczenia badania (efekt - brak reprezentatywności dla większości grup interesariuszy)</a:t>
+            </a:r>
+          </a:p>
+          <a:p>
+            <a:pPr lvl="1"/>
+            <a:r>
+              <a:rPr lang="pl-PL" dirty="0"/>
+              <a:t>Potwierdzone korelacje: H2d → pomiędzy zarobkami po 3 latach, a satysfakcją z usług uczelni; hipoteza H3a</a:t>
+            </a:r>
+            <a:r>
+              <a:rPr lang="pl-PL" b="1" dirty="0"/>
+              <a:t>’</a:t>
+            </a:r>
+            <a:r>
+              <a:rPr lang="pl-PL" dirty="0"/>
+              <a:t> ze względu na zaobserwowaną odwrotną relację → stopa zatrudnienia absolwentów uczelni technicznych po roku </a:t>
+            </a:r>
+            <a:r>
+              <a:rPr lang="pl-PL" b="1" dirty="0"/>
+              <a:t>niższa</a:t>
+            </a:r>
+            <a:r>
+              <a:rPr lang="pl-PL" dirty="0"/>
+              <a:t> niż absolwentów pozostałych uczelni; H3d → średnie zarobki absolwentów uczelni technicznych po trzech latach wyższe niż absolwentów pozostałych uczelni; H3f → IWRA po 3 latach dla absolwentów uczelni technicznych wyższe niż dla absolwentów pozostałych uczelni; H4 → wyniki IWRA po 3 latach dla absolwentów uczelni technicznych pozytywnie skorelowane z wynikami rankingu Perspektywy</a:t>
+            </a:r>
+          </a:p>
+          <a:p>
+            <a:r>
+              <a:rPr lang="pl-PL" dirty="0"/>
+              <a:t>Cel utylitarny: SSDQM – Model Doskonalenia Systemu Zarządzania Jakością Uczelni Inspirowany Satysfakcją Interesariuszy (</a:t>
+            </a:r>
+            <a:r>
+              <a:rPr lang="en-US" dirty="0"/>
+              <a:t>Stakeholders Satisfaction Driven Quality Management</a:t>
+            </a:r>
+            <a:r>
+              <a:rPr lang="pl-PL" dirty="0"/>
+              <a:t> </a:t>
+            </a:r>
+            <a:r>
+              <a:rPr lang="en-US" dirty="0"/>
+              <a:t>Model</a:t>
+            </a:r>
+            <a:r>
+              <a:rPr lang="pl-PL" dirty="0"/>
+              <a:t>) → przeanalizowałem jak to wspiera wdrażanie ISO21001:2018 oraz wymagań PKA</a:t>
+            </a:r>
+          </a:p>
+          <a:p>
+            <a:r>
+              <a:rPr lang="pl-PL" dirty="0"/>
+              <a:t>Etap 7 – dwie ścieżki postępowania oddzielnie dla metod zwinnych oraz kaskadowych (projektowych) wraz z rekomendacjami do tego kiedy jakie stosować</a:t>
+            </a:r>
+          </a:p>
+          <a:p>
+            <a:r>
+              <a:rPr lang="pl-PL" dirty="0"/>
+              <a:t>Zestaw potwierdzonych statystycznie wskaźników wartych do stosowania przy badaniu efektów działania uczelni techniczny oraz efektów wdrażanych usprawnień</a:t>
             </a:r>
           </a:p>
           <a:p>
@@ -9735,6 +10075,12 @@
           <a:p>
             <a:endParaRPr lang="pl-PL" dirty="0"/>
           </a:p>
+          <a:p>
+            <a:endParaRPr lang="pl-PL" dirty="0"/>
+          </a:p>
+          <a:p>
+            <a:endParaRPr lang="pl-PL" dirty="0"/>
+          </a:p>
         </p:txBody>
       </p:sp>
       <p:sp>
@@ -9742,7 +10088,7 @@
           <p:cNvPr id="4" name="Slide Number Placeholder 3">
             <a:extLst>
               <a:ext uri="{FF2B5EF4-FFF2-40B4-BE49-F238E27FC236}">
-                <a16:creationId xmlns:a16="http://schemas.microsoft.com/office/drawing/2014/main" id="{75CD7F28-D658-62E5-6D23-E2D586402D5A}"/>
+                <a16:creationId xmlns:a16="http://schemas.microsoft.com/office/drawing/2014/main" id="{16F3E5F9-035B-2C34-40AF-0B50B13FE605}"/>
               </a:ext>
             </a:extLst>
           </p:cNvPr>
@@ -9770,7 +10116,7 @@
     </p:spTree>
     <p:extLst>
       <p:ext uri="{BB962C8B-B14F-4D97-AF65-F5344CB8AC3E}">
-        <p14:creationId xmlns:p14="http://schemas.microsoft.com/office/powerpoint/2010/main" val="1405418258"/>
+        <p14:creationId xmlns:p14="http://schemas.microsoft.com/office/powerpoint/2010/main" val="2692899238"/>
       </p:ext>
     </p:extLst>
   </p:cSld>
@@ -9797,12 +10143,220 @@
           <a:chExt cx="0" cy="0"/>
         </a:xfrm>
       </p:grpSpPr>
+      <p:sp>
+        <p:nvSpPr>
+          <p:cNvPr id="2" name="Tytuł 1">
+            <a:extLst>
+              <a:ext uri="{FF2B5EF4-FFF2-40B4-BE49-F238E27FC236}">
+                <a16:creationId xmlns:a16="http://schemas.microsoft.com/office/drawing/2014/main" id="{EF146487-78BF-B718-BD20-9D922B93369A}"/>
+              </a:ext>
+            </a:extLst>
+          </p:cNvPr>
+          <p:cNvSpPr>
+            <a:spLocks noGrp="1"/>
+          </p:cNvSpPr>
+          <p:nvPr>
+            <p:ph type="title"/>
+          </p:nvPr>
+        </p:nvSpPr>
+        <p:spPr/>
+        <p:txBody>
+          <a:bodyPr/>
+          <a:lstStyle/>
+          <a:p>
+            <a:r>
+              <a:rPr lang="pl-PL" dirty="0"/>
+              <a:t>Na obronę</a:t>
+            </a:r>
+          </a:p>
+        </p:txBody>
+      </p:sp>
+      <p:sp>
+        <p:nvSpPr>
+          <p:cNvPr id="3" name="Symbol zastępczy zawartości 2">
+            <a:extLst>
+              <a:ext uri="{FF2B5EF4-FFF2-40B4-BE49-F238E27FC236}">
+                <a16:creationId xmlns:a16="http://schemas.microsoft.com/office/drawing/2014/main" id="{E78D3559-3162-A0D8-F760-5A7FD0A881F4}"/>
+              </a:ext>
+            </a:extLst>
+          </p:cNvPr>
+          <p:cNvSpPr>
+            <a:spLocks noGrp="1"/>
+          </p:cNvSpPr>
+          <p:nvPr>
+            <p:ph idx="1"/>
+          </p:nvPr>
+        </p:nvSpPr>
+        <p:spPr/>
+        <p:txBody>
+          <a:bodyPr>
+            <a:normAutofit fontScale="55000" lnSpcReduction="20000"/>
+          </a:bodyPr>
+          <a:lstStyle/>
+          <a:p>
+            <a:r>
+              <a:rPr lang="pl-PL" strike="sngStrike" dirty="0"/>
+              <a:t>rys. 1 teoria zarządzania jakością – </a:t>
+            </a:r>
+            <a:r>
+              <a:rPr lang="pl-PL" strike="sngStrike" dirty="0" err="1"/>
+              <a:t>kliento</a:t>
+            </a:r>
+            <a:r>
+              <a:rPr lang="pl-PL" strike="sngStrike" dirty="0"/>
+              <a:t>-centryzm</a:t>
+            </a:r>
+          </a:p>
+          <a:p>
+            <a:r>
+              <a:rPr lang="pl-PL" strike="sngStrike" dirty="0"/>
+              <a:t>rys. 2 „cykliczność” zmian koncepcji uniwersytetu</a:t>
+            </a:r>
+          </a:p>
+          <a:p>
+            <a:r>
+              <a:rPr lang="pl-PL" strike="sngStrike" dirty="0"/>
+              <a:t>rys. 13 do ilustracji sprzecznych interesów – wspomnieć o opracowanej liście przykładów sprzecznych interesów – tab. ?</a:t>
+            </a:r>
+          </a:p>
+          <a:p>
+            <a:r>
+              <a:rPr lang="pl-PL" dirty="0"/>
+              <a:t>geniusz „i” zamiast tyranii „albo” str. 55]</a:t>
+            </a:r>
+          </a:p>
+          <a:p>
+            <a:r>
+              <a:rPr lang="pl-PL" dirty="0"/>
+              <a:t>model Cronina – jakość a satysfakcja rys. 18]</a:t>
+            </a:r>
+          </a:p>
+          <a:p>
+            <a:r>
+              <a:rPr lang="pl-PL" dirty="0"/>
+              <a:t>wiele miar CFM do pomiaru jakości usług i nie tylko – polegających na pomiarze opinii/satysfakcji/informacji zwrotnej klientów]</a:t>
+            </a:r>
+          </a:p>
+          <a:p>
+            <a:r>
+              <a:rPr lang="pl-PL" dirty="0"/>
+              <a:t>autorski ranking RV250 – zintegrowany ranking na podstawie najważniejszych globalnych rankingów</a:t>
+            </a:r>
+          </a:p>
+          <a:p>
+            <a:r>
+              <a:rPr lang="pl-PL" dirty="0"/>
+              <a:t>CAF – diagram – oraz </a:t>
+            </a:r>
+            <a:r>
+              <a:rPr lang="pl-PL" dirty="0" err="1"/>
+              <a:t>QualHE</a:t>
+            </a:r>
+            <a:r>
+              <a:rPr lang="pl-PL" dirty="0"/>
+              <a:t> prof. </a:t>
+            </a:r>
+            <a:r>
+              <a:rPr lang="pl-PL" dirty="0" err="1"/>
+              <a:t>Grudowskiego</a:t>
+            </a:r>
+            <a:r>
+              <a:rPr lang="pl-PL" dirty="0"/>
+              <a:t> jako przykład koncepcji integrujących dorobek nowoczesnych metod QM dla szkolnictwa wyższego</a:t>
+            </a:r>
+          </a:p>
+          <a:p>
+            <a:r>
+              <a:rPr lang="pl-PL" dirty="0"/>
+              <a:t>Podejście do jakości w polskim systemie – tab. 36.</a:t>
+            </a:r>
+          </a:p>
+          <a:p>
+            <a:r>
+              <a:rPr lang="pl-PL" dirty="0"/>
+              <a:t>Bariery wdrażania QM (Lean </a:t>
+            </a:r>
+            <a:r>
+              <a:rPr lang="pl-PL" dirty="0" err="1"/>
+              <a:t>SixSigma</a:t>
+            </a:r>
+            <a:r>
+              <a:rPr lang="pl-PL" dirty="0"/>
+              <a:t>) na uczelniach</a:t>
+            </a:r>
+          </a:p>
+          <a:p>
+            <a:r>
+              <a:rPr lang="pl-PL" dirty="0"/>
+              <a:t>Rola kultury organizacyjnej; kultury jakości (tab. 40 – regeneracji)? ; dojrzałość kultury organizacyjnej? (tab. 41 typ D zintegrowana)</a:t>
+            </a:r>
+          </a:p>
+          <a:p>
+            <a:r>
+              <a:rPr lang="pl-PL" dirty="0"/>
+              <a:t>Interesariusze: tab. 51</a:t>
+            </a:r>
+          </a:p>
+          <a:p>
+            <a:r>
+              <a:rPr lang="pl-PL" dirty="0"/>
+              <a:t>Edukacyjny łańcuch dostaw</a:t>
+            </a:r>
+          </a:p>
+          <a:p>
+            <a:endParaRPr lang="pl-PL" dirty="0"/>
+          </a:p>
+          <a:p>
+            <a:endParaRPr lang="pl-PL" dirty="0"/>
+          </a:p>
+          <a:p>
+            <a:endParaRPr lang="pl-PL" dirty="0"/>
+          </a:p>
+          <a:p>
+            <a:endParaRPr lang="pl-PL" dirty="0"/>
+          </a:p>
+        </p:txBody>
+      </p:sp>
+      <p:sp>
+        <p:nvSpPr>
+          <p:cNvPr id="4" name="Slide Number Placeholder 3">
+            <a:extLst>
+              <a:ext uri="{FF2B5EF4-FFF2-40B4-BE49-F238E27FC236}">
+                <a16:creationId xmlns:a16="http://schemas.microsoft.com/office/drawing/2014/main" id="{75CD7F28-D658-62E5-6D23-E2D586402D5A}"/>
+              </a:ext>
+            </a:extLst>
+          </p:cNvPr>
+          <p:cNvSpPr>
+            <a:spLocks noGrp="1"/>
+          </p:cNvSpPr>
+          <p:nvPr>
+            <p:ph type="sldNum" sz="quarter" idx="12"/>
+          </p:nvPr>
+        </p:nvSpPr>
+        <p:spPr/>
+        <p:txBody>
+          <a:bodyPr/>
+          <a:lstStyle/>
+          <a:p>
+            <a:fld id="{ADC9AAA0-29FB-4B62-AB65-7094BA6E939A}" type="slidenum">
+              <a:rPr lang="pl-PL" smtClean="0"/>
+              <a:pPr/>
+              <a:t>19</a:t>
+            </a:fld>
+            <a:endParaRPr lang="pl-PL" dirty="0"/>
+          </a:p>
+        </p:txBody>
+      </p:sp>
     </p:spTree>
+    <p:extLst>
+      <p:ext uri="{BB962C8B-B14F-4D97-AF65-F5344CB8AC3E}">
+        <p14:creationId xmlns:p14="http://schemas.microsoft.com/office/powerpoint/2010/main" val="1405418258"/>
+      </p:ext>
+    </p:extLst>
   </p:cSld>
   <p:clrMapOvr>
     <a:masterClrMapping/>
   </p:clrMapOvr>
-  <p:transition spd="med"/>
 </p:sld>
 </file>
 
@@ -9998,8 +10552,8 @@
         </p:blipFill>
         <p:spPr>
           <a:xfrm>
-            <a:off x="1604097" y="1646238"/>
-            <a:ext cx="8983806" cy="4320000"/>
+            <a:off x="2445416" y="2135545"/>
+            <a:ext cx="7301168" cy="3510878"/>
           </a:xfrm>
           <a:prstGeom prst="rect">
             <a:avLst/>
@@ -10016,6 +10570,32 @@
   <p:clrMapOvr>
     <a:masterClrMapping/>
   </p:clrMapOvr>
+</p:sld>
+</file>
+
+<file path=ppt/slides/slide20.xml><?xml version="1.0" encoding="utf-8"?>
+<p:sld xmlns:a="http://schemas.openxmlformats.org/drawingml/2006/main" xmlns:r="http://schemas.openxmlformats.org/officeDocument/2006/relationships" xmlns:p="http://schemas.openxmlformats.org/presentationml/2006/main">
+  <p:cSld>
+    <p:spTree>
+      <p:nvGrpSpPr>
+        <p:cNvPr id="1" name=""/>
+        <p:cNvGrpSpPr/>
+        <p:nvPr/>
+      </p:nvGrpSpPr>
+      <p:grpSpPr>
+        <a:xfrm>
+          <a:off x="0" y="0"/>
+          <a:ext cx="0" cy="0"/>
+          <a:chOff x="0" y="0"/>
+          <a:chExt cx="0" cy="0"/>
+        </a:xfrm>
+      </p:grpSpPr>
+    </p:spTree>
+  </p:cSld>
+  <p:clrMapOvr>
+    <a:masterClrMapping/>
+  </p:clrMapOvr>
+  <p:transition spd="med"/>
 </p:sld>
 </file>
 
@@ -12246,10 +12826,10 @@
       </p:grpSpPr>
       <p:pic>
         <p:nvPicPr>
-          <p:cNvPr id="5" name="Obraz 4">
-            <a:extLst>
-              <a:ext uri="{FF2B5EF4-FFF2-40B4-BE49-F238E27FC236}">
-                <a16:creationId xmlns:a16="http://schemas.microsoft.com/office/drawing/2014/main" id="{67EAA3FD-18D3-0427-F62F-7DE28BA03A81}"/>
+          <p:cNvPr id="7" name="Picture 6">
+            <a:extLst>
+              <a:ext uri="{FF2B5EF4-FFF2-40B4-BE49-F238E27FC236}">
+                <a16:creationId xmlns:a16="http://schemas.microsoft.com/office/drawing/2014/main" id="{C826C596-948F-F80E-E9EE-EE1A73CC88EF}"/>
               </a:ext>
             </a:extLst>
           </p:cNvPr>
@@ -12272,17 +12852,12 @@
         </p:blipFill>
         <p:spPr>
           <a:xfrm>
-            <a:off x="7215240" y="2656975"/>
-            <a:ext cx="4967420" cy="2026936"/>
+            <a:off x="6824216" y="2611071"/>
+            <a:ext cx="5308473" cy="2163135"/>
           </a:xfrm>
           <a:prstGeom prst="rect">
             <a:avLst/>
           </a:prstGeom>
-          <a:ln w="28575">
-            <a:solidFill>
-              <a:srgbClr val="FF0000"/>
-            </a:solidFill>
-          </a:ln>
         </p:spPr>
       </p:pic>
       <p:sp>
@@ -12697,6 +13272,42 @@
           <a:chExt cx="0" cy="0"/>
         </a:xfrm>
       </p:grpSpPr>
+      <p:pic>
+        <p:nvPicPr>
+          <p:cNvPr id="8" name="Picture 7">
+            <a:extLst>
+              <a:ext uri="{FF2B5EF4-FFF2-40B4-BE49-F238E27FC236}">
+                <a16:creationId xmlns:a16="http://schemas.microsoft.com/office/drawing/2014/main" id="{E6C642AA-BBB1-C5FF-0497-D4ADDBFCE648}"/>
+              </a:ext>
+            </a:extLst>
+          </p:cNvPr>
+          <p:cNvPicPr>
+            <a:picLocks noChangeAspect="1"/>
+          </p:cNvPicPr>
+          <p:nvPr/>
+        </p:nvPicPr>
+        <p:blipFill>
+          <a:blip r:embed="rId2">
+            <a:extLst>
+              <a:ext uri="{28A0092B-C50C-407E-A947-70E740481C1C}">
+                <a14:useLocalDpi xmlns:a14="http://schemas.microsoft.com/office/drawing/2010/main" val="0"/>
+              </a:ext>
+            </a:extLst>
+          </a:blip>
+          <a:stretch>
+            <a:fillRect/>
+          </a:stretch>
+        </p:blipFill>
+        <p:spPr>
+          <a:xfrm>
+            <a:off x="5807910" y="4410000"/>
+            <a:ext cx="6384090" cy="2448000"/>
+          </a:xfrm>
+          <a:prstGeom prst="rect">
+            <a:avLst/>
+          </a:prstGeom>
+        </p:spPr>
+      </p:pic>
       <p:sp>
         <p:nvSpPr>
           <p:cNvPr id="2" name="Tytuł 1">
@@ -12720,7 +13331,7 @@
           <a:p>
             <a:r>
               <a:rPr lang="pl-PL" dirty="0"/>
-              <a:t>Pytania badawcze</a:t>
+              <a:t>Pytania badawcze – wywiady </a:t>
             </a:r>
             <a:endParaRPr lang="en-GB" dirty="0"/>
           </a:p>
@@ -12819,6 +13430,14 @@
             </a:r>
             <a:r>
               <a:rPr lang="en-GB" dirty="0"/>
+              <a:t> </a:t>
+            </a:r>
+            <a:r>
+              <a:rPr lang="pl-PL" dirty="0"/>
+              <a:t>grup</a:t>
+            </a:r>
+            <a:r>
+              <a:rPr lang="en-GB" dirty="0"/>
               <a:t> (</a:t>
             </a:r>
             <a:r>
@@ -12827,11 +13446,11 @@
             </a:r>
             <a:r>
               <a:rPr lang="en-GB" dirty="0"/>
-              <a:t>) </a:t>
+              <a:t>)</a:t>
             </a:r>
             <a:r>
               <a:rPr lang="pl-PL" dirty="0"/>
-              <a:t>grup interesariuszy</a:t>
+              <a:t> interesariuszy</a:t>
             </a:r>
             <a:endParaRPr lang="en-GB" dirty="0"/>
           </a:p>
@@ -12866,23 +13485,23 @@
           <p:nvPr>
             <p:extLst>
               <p:ext uri="{D42A27DB-BD31-4B8C-83A1-F6EECF244321}">
-                <p14:modId xmlns:p14="http://schemas.microsoft.com/office/powerpoint/2010/main" val="1281740255"/>
+                <p14:modId xmlns:p14="http://schemas.microsoft.com/office/powerpoint/2010/main" val="2950021018"/>
               </p:ext>
             </p:extLst>
           </p:nvPr>
         </p:nvGraphicFramePr>
         <p:xfrm>
-          <a:off x="9537420" y="879544"/>
-          <a:ext cx="2628000" cy="2651760"/>
+          <a:off x="9936000" y="900000"/>
+          <a:ext cx="2268000" cy="2651760"/>
         </p:xfrm>
         <a:graphic>
           <a:graphicData uri="http://schemas.openxmlformats.org/drawingml/2006/table">
             <a:tbl>
               <a:tblPr firstRow="1" bandRow="1">
-                <a:tableStyleId>{B301B821-A1FF-4177-AEE7-76D212191A09}</a:tableStyleId>
+                <a:tableStyleId>{6E25E649-3F16-4E02-A733-19D2CDBF48F0}</a:tableStyleId>
               </a:tblPr>
               <a:tblGrid>
-                <a:gridCol w="2628000">
+                <a:gridCol w="2268000">
                   <a:extLst>
                     <a:ext uri="{9D8B030D-6E8A-4147-A177-3AD203B41FA5}">
                       <a16:colId xmlns:a16="http://schemas.microsoft.com/office/drawing/2014/main" val="2777251045"/>
@@ -12906,7 +13525,11 @@
                       </a:endParaRPr>
                     </a:p>
                   </a:txBody>
-                  <a:tcPr/>
+                  <a:tcPr>
+                    <a:solidFill>
+                      <a:srgbClr val="003767"/>
+                    </a:solidFill>
+                  </a:tcPr>
                 </a:tc>
                 <a:extLst>
                   <a:ext uri="{0D108BD9-81ED-4DB2-BD59-A6C34878D82A}">
@@ -13026,7 +13649,7 @@
                       </a:r>
                       <a:r>
                         <a:rPr lang="pl-PL" sz="1200" dirty="0"/>
-                        <a:t>Badacze</a:t>
+                        <a:t>Badacze </a:t>
                       </a:r>
                       <a:r>
                         <a:rPr lang="en-US" sz="1200" dirty="0"/>
@@ -13034,7 +13657,7 @@
                       </a:r>
                       <a:r>
                         <a:rPr lang="pl-PL" sz="1200" dirty="0"/>
-                        <a:t>Wykładowcy)</a:t>
+                        <a:t> Wykładowcy)</a:t>
                       </a:r>
                       <a:endParaRPr lang="pl-PL" sz="1200" dirty="0">
                         <a:latin typeface="Calibri" panose="020F0502020204030204" pitchFamily="34" charset="0"/>
@@ -13117,12 +13740,13 @@
                     <a:lstStyle/>
                     <a:p>
                       <a:r>
-                        <a:rPr lang="pl-PL" sz="1200" dirty="0">
-                          <a:latin typeface="+mn-lt"/>
-                          <a:cs typeface="Calibri" panose="020F0502020204030204" pitchFamily="34" charset="0"/>
-                        </a:rPr>
+                        <a:rPr lang="pl-PL" sz="1200" dirty="0"/>
                         <a:t>Władze samorządowe</a:t>
                       </a:r>
+                      <a:endParaRPr lang="pl-PL" sz="1200" dirty="0">
+                        <a:latin typeface="+mn-lt"/>
+                        <a:cs typeface="Calibri" panose="020F0502020204030204" pitchFamily="34" charset="0"/>
+                      </a:endParaRPr>
                     </a:p>
                   </a:txBody>
                   <a:tcPr/>
@@ -13137,47 +13761,6 @@
           </a:graphicData>
         </a:graphic>
       </p:graphicFrame>
-      <p:pic>
-        <p:nvPicPr>
-          <p:cNvPr id="6" name="Obraz 5">
-            <a:extLst>
-              <a:ext uri="{FF2B5EF4-FFF2-40B4-BE49-F238E27FC236}">
-                <a16:creationId xmlns:a16="http://schemas.microsoft.com/office/drawing/2014/main" id="{7D521D14-9540-E01F-6B53-DE9293B7CFF4}"/>
-              </a:ext>
-            </a:extLst>
-          </p:cNvPr>
-          <p:cNvPicPr>
-            <a:picLocks noChangeAspect="1"/>
-          </p:cNvPicPr>
-          <p:nvPr/>
-        </p:nvPicPr>
-        <p:blipFill>
-          <a:blip r:embed="rId2">
-            <a:extLst>
-              <a:ext uri="{28A0092B-C50C-407E-A947-70E740481C1C}">
-                <a14:useLocalDpi xmlns:a14="http://schemas.microsoft.com/office/drawing/2010/main" val="0"/>
-              </a:ext>
-            </a:extLst>
-          </a:blip>
-          <a:stretch>
-            <a:fillRect/>
-          </a:stretch>
-        </p:blipFill>
-        <p:spPr>
-          <a:xfrm>
-            <a:off x="5375083" y="4092787"/>
-            <a:ext cx="6816918" cy="2765214"/>
-          </a:xfrm>
-          <a:prstGeom prst="rect">
-            <a:avLst/>
-          </a:prstGeom>
-          <a:ln w="28575">
-            <a:solidFill>
-              <a:srgbClr val="FF0000"/>
-            </a:solidFill>
-          </a:ln>
-        </p:spPr>
-      </p:pic>
       <p:sp>
         <p:nvSpPr>
           <p:cNvPr id="5" name="Slide Number Placeholder 4">
